--- a/Chemie/OC/Seminar/Seminartalk_OC_Lukas_Meinschad.pptx
+++ b/Chemie/OC/Seminar/Seminartalk_OC_Lukas_Meinschad.pptx
@@ -222,7 +222,7 @@
           <a:p>
             <a:fld id="{522EFD5F-65E9-CA42-9660-CB6511EE84CE}" type="datetimeFigureOut">
               <a:rPr lang="en-AT" smtClean="0"/>
-              <a:t>3/28/25</a:t>
+              <a:t>4/1/25</a:t>
             </a:fld>
             <a:endParaRPr lang="en-AT"/>
           </a:p>
@@ -2014,7 +2014,7 @@
           <a:p>
             <a:fld id="{11F0FE62-D1C8-834F-882F-060B90793A94}" type="datetimeFigureOut">
               <a:rPr lang="de-DE" smtClean="0"/>
-              <a:t>28.03.25</a:t>
+              <a:t>01.04.25</a:t>
             </a:fld>
             <a:endParaRPr lang="de-DE"/>
           </a:p>
@@ -2292,7 +2292,7 @@
           <a:p>
             <a:fld id="{11F0FE62-D1C8-834F-882F-060B90793A94}" type="datetimeFigureOut">
               <a:rPr lang="de-DE" smtClean="0"/>
-              <a:t>28.03.25</a:t>
+              <a:t>01.04.25</a:t>
             </a:fld>
             <a:endParaRPr lang="de-DE"/>
           </a:p>
@@ -2565,7 +2565,7 @@
           <a:p>
             <a:fld id="{11F0FE62-D1C8-834F-882F-060B90793A94}" type="datetimeFigureOut">
               <a:rPr lang="de-DE" smtClean="0"/>
-              <a:t>28.03.25</a:t>
+              <a:t>01.04.25</a:t>
             </a:fld>
             <a:endParaRPr lang="de-DE"/>
           </a:p>
@@ -2980,7 +2980,7 @@
           <a:p>
             <a:fld id="{11F0FE62-D1C8-834F-882F-060B90793A94}" type="datetimeFigureOut">
               <a:rPr lang="de-DE" smtClean="0"/>
-              <a:t>28.03.25</a:t>
+              <a:t>01.04.25</a:t>
             </a:fld>
             <a:endParaRPr lang="de-DE"/>
           </a:p>
@@ -3129,7 +3129,7 @@
           <a:p>
             <a:fld id="{11F0FE62-D1C8-834F-882F-060B90793A94}" type="datetimeFigureOut">
               <a:rPr lang="de-DE" smtClean="0"/>
-              <a:t>28.03.25</a:t>
+              <a:t>01.04.25</a:t>
             </a:fld>
             <a:endParaRPr lang="de-DE"/>
           </a:p>
@@ -3242,7 +3242,7 @@
           <a:p>
             <a:fld id="{11F0FE62-D1C8-834F-882F-060B90793A94}" type="datetimeFigureOut">
               <a:rPr lang="de-DE" smtClean="0"/>
-              <a:t>28.03.25</a:t>
+              <a:t>01.04.25</a:t>
             </a:fld>
             <a:endParaRPr lang="de-DE"/>
           </a:p>
@@ -3556,7 +3556,7 @@
           <a:p>
             <a:fld id="{11F0FE62-D1C8-834F-882F-060B90793A94}" type="datetimeFigureOut">
               <a:rPr lang="de-DE" smtClean="0"/>
-              <a:t>28.03.25</a:t>
+              <a:t>01.04.25</a:t>
             </a:fld>
             <a:endParaRPr lang="de-DE"/>
           </a:p>
@@ -3847,7 +3847,7 @@
           <a:p>
             <a:fld id="{11F0FE62-D1C8-834F-882F-060B90793A94}" type="datetimeFigureOut">
               <a:rPr lang="de-DE" smtClean="0"/>
-              <a:t>28.03.25</a:t>
+              <a:t>01.04.25</a:t>
             </a:fld>
             <a:endParaRPr lang="de-DE"/>
           </a:p>
@@ -4053,7 +4053,7 @@
           <a:p>
             <a:fld id="{11F0FE62-D1C8-834F-882F-060B90793A94}" type="datetimeFigureOut">
               <a:rPr lang="de-DE" smtClean="0"/>
-              <a:t>28.03.25</a:t>
+              <a:t>01.04.25</a:t>
             </a:fld>
             <a:endParaRPr lang="de-DE"/>
           </a:p>
@@ -4264,7 +4264,7 @@
           <a:p>
             <a:fld id="{11F0FE62-D1C8-834F-882F-060B90793A94}" type="datetimeFigureOut">
               <a:rPr lang="de-DE" smtClean="0"/>
-              <a:t>28.03.25</a:t>
+              <a:t>01.04.25</a:t>
             </a:fld>
             <a:endParaRPr lang="de-DE"/>
           </a:p>
@@ -5851,7 +5851,7 @@
           <a:p>
             <a:fld id="{11F0FE62-D1C8-834F-882F-060B90793A94}" type="datetimeFigureOut">
               <a:rPr lang="de-DE" smtClean="0"/>
-              <a:t>28.03.25</a:t>
+              <a:t>01.04.25</a:t>
             </a:fld>
             <a:endParaRPr lang="de-DE"/>
           </a:p>
@@ -6724,7 +6724,7 @@
           <a:p>
             <a:fld id="{11F0FE62-D1C8-834F-882F-060B90793A94}" type="datetimeFigureOut">
               <a:rPr lang="de-DE" smtClean="0"/>
-              <a:t>28.03.25</a:t>
+              <a:t>01.04.25</a:t>
             </a:fld>
             <a:endParaRPr lang="de-DE"/>
           </a:p>
@@ -10271,8 +10271,8 @@
           </a:p>
         </p:txBody>
       </p:sp>
-      <mc:AlternateContent xmlns:mc="http://schemas.openxmlformats.org/markup-compatibility/2006" xmlns:a14="http://schemas.microsoft.com/office/drawing/2010/main">
-        <mc:Choice Requires="a14">
+      <mc:AlternateContent xmlns:mc="http://schemas.openxmlformats.org/markup-compatibility/2006">
+        <mc:Choice xmlns:a14="http://schemas.microsoft.com/office/drawing/2010/main" Requires="a14">
           <p:sp>
             <p:nvSpPr>
               <p:cNvPr id="10" name="Textfeld 9">
@@ -10288,7 +10288,7 @@
             <p:spPr>
               <a:xfrm>
                 <a:off x="988512" y="6047641"/>
-                <a:ext cx="5107488" cy="369332"/>
+                <a:ext cx="5596019" cy="369332"/>
               </a:xfrm>
               <a:prstGeom prst="rect">
                 <a:avLst/>
@@ -10312,14 +10312,17 @@
                   </m:oMath>
                 </a14:m>
                 <a:r>
-                  <a:rPr lang="en-GB" dirty="0"/>
-                  <a:t>-face blocked of, attack induced from opposite face</a:t>
+                  <a:rPr lang="en-GB" dirty="0">
+                    <a:latin typeface="Arial" panose="020B0604020202020204" pitchFamily="34" charset="0"/>
+                    <a:cs typeface="Arial" panose="020B0604020202020204" pitchFamily="34" charset="0"/>
+                  </a:rPr>
+                  <a:t>-face blocked off, attack induced from opposite face</a:t>
                 </a:r>
               </a:p>
             </p:txBody>
           </p:sp>
         </mc:Choice>
-        <mc:Fallback xmlns="">
+        <mc:Fallback>
           <p:sp>
             <p:nvSpPr>
               <p:cNvPr id="10" name="Textfeld 9">
@@ -10337,7 +10340,7 @@
             <p:spPr>
               <a:xfrm>
                 <a:off x="988512" y="6047641"/>
-                <a:ext cx="5107488" cy="369332"/>
+                <a:ext cx="5596019" cy="369332"/>
               </a:xfrm>
               <a:prstGeom prst="rect">
                 <a:avLst/>
@@ -10630,8 +10633,8 @@
           </a:p>
         </p:txBody>
       </p:sp>
-      <mc:AlternateContent xmlns:mc="http://schemas.openxmlformats.org/markup-compatibility/2006" xmlns:a14="http://schemas.microsoft.com/office/drawing/2010/main">
-        <mc:Choice Requires="a14">
+      <mc:AlternateContent xmlns:mc="http://schemas.openxmlformats.org/markup-compatibility/2006">
+        <mc:Choice xmlns:a14="http://schemas.microsoft.com/office/drawing/2010/main" Requires="a14">
           <p:sp>
             <p:nvSpPr>
               <p:cNvPr id="8" name="Textfeld 7">
@@ -10647,7 +10650,7 @@
             <p:spPr>
               <a:xfrm>
                 <a:off x="988512" y="6047641"/>
-                <a:ext cx="5175776" cy="369332"/>
+                <a:ext cx="5596019" cy="369332"/>
               </a:xfrm>
               <a:prstGeom prst="rect">
                 <a:avLst/>
@@ -10671,14 +10674,17 @@
                   </m:oMath>
                 </a14:m>
                 <a:r>
-                  <a:rPr lang="en-GB" dirty="0"/>
+                  <a:rPr lang="en-GB" dirty="0">
+                    <a:latin typeface="Arial" panose="020B0604020202020204" pitchFamily="34" charset="0"/>
+                    <a:cs typeface="Arial" panose="020B0604020202020204" pitchFamily="34" charset="0"/>
+                  </a:rPr>
                   <a:t>-face blocked off, attack induced from opposite face</a:t>
                 </a:r>
               </a:p>
             </p:txBody>
           </p:sp>
         </mc:Choice>
-        <mc:Fallback xmlns="">
+        <mc:Fallback>
           <p:sp>
             <p:nvSpPr>
               <p:cNvPr id="8" name="Textfeld 7">
@@ -10696,7 +10702,7 @@
             <p:spPr>
               <a:xfrm>
                 <a:off x="988512" y="6047641"/>
-                <a:ext cx="5175776" cy="369332"/>
+                <a:ext cx="5596019" cy="369332"/>
               </a:xfrm>
               <a:prstGeom prst="rect">
                 <a:avLst/>
@@ -11189,7 +11195,7 @@
         <p:spPr>
           <a:xfrm>
             <a:off x="566755" y="5382734"/>
-            <a:ext cx="4337021" cy="646331"/>
+            <a:ext cx="4615366" cy="646331"/>
           </a:xfrm>
           <a:prstGeom prst="rect">
             <a:avLst/>
@@ -11207,11 +11213,17 @@
               <a:buChar char="•"/>
             </a:pPr>
             <a:r>
-              <a:rPr lang="en-GB" dirty="0" err="1"/>
+              <a:rPr lang="en-GB" dirty="0" err="1">
+                <a:latin typeface="Arial" panose="020B0604020202020204" pitchFamily="34" charset="0"/>
+                <a:cs typeface="Arial" panose="020B0604020202020204" pitchFamily="34" charset="0"/>
+              </a:rPr>
               <a:t>Methanesulphonic</a:t>
             </a:r>
             <a:r>
-              <a:rPr lang="en-GB" dirty="0"/>
+              <a:rPr lang="en-GB" dirty="0">
+                <a:latin typeface="Arial" panose="020B0604020202020204" pitchFamily="34" charset="0"/>
+                <a:cs typeface="Arial" panose="020B0604020202020204" pitchFamily="34" charset="0"/>
+              </a:rPr>
               <a:t> acid as mild promoter</a:t>
             </a:r>
           </a:p>
@@ -11221,7 +11233,10 @@
               <a:buChar char="•"/>
             </a:pPr>
             <a:r>
-              <a:rPr lang="en-GB" i="1" dirty="0"/>
+              <a:rPr lang="en-GB" i="1" dirty="0">
+                <a:latin typeface="Arial" panose="020B0604020202020204" pitchFamily="34" charset="0"/>
+                <a:cs typeface="Arial" panose="020B0604020202020204" pitchFamily="34" charset="0"/>
+              </a:rPr>
               <a:t>Significant 1,2-trans selectivity</a:t>
             </a:r>
           </a:p>
@@ -14333,7 +14348,7 @@
         <p:spPr>
           <a:xfrm>
             <a:off x="336332" y="5436825"/>
-            <a:ext cx="5343450" cy="523220"/>
+            <a:ext cx="5735866" cy="523220"/>
           </a:xfrm>
           <a:prstGeom prst="rect">
             <a:avLst/>
@@ -14351,7 +14366,10 @@
               <a:buChar char="•"/>
             </a:pPr>
             <a:r>
-              <a:rPr lang="en-GB" sz="1400" dirty="0"/>
+              <a:rPr lang="en-GB" sz="1400" dirty="0">
+                <a:latin typeface="Arial" panose="020B0604020202020204" pitchFamily="34" charset="0"/>
+                <a:cs typeface="Arial" panose="020B0604020202020204" pitchFamily="34" charset="0"/>
+              </a:rPr>
               <a:t>Reduces probability for nucleophilic attack at oxocarbenium centre</a:t>
             </a:r>
           </a:p>
@@ -14361,7 +14379,10 @@
               <a:buChar char="•"/>
             </a:pPr>
             <a:r>
-              <a:rPr lang="en-GB" sz="1400" dirty="0"/>
+              <a:rPr lang="en-GB" sz="1400" dirty="0">
+                <a:latin typeface="Arial" panose="020B0604020202020204" pitchFamily="34" charset="0"/>
+                <a:cs typeface="Arial" panose="020B0604020202020204" pitchFamily="34" charset="0"/>
+              </a:rPr>
               <a:t>Removal of Pivalate Group requires harsher conditions</a:t>
             </a:r>
           </a:p>
@@ -15630,7 +15651,7 @@
         <p:spPr>
           <a:xfrm>
             <a:off x="336332" y="5436825"/>
-            <a:ext cx="5343450" cy="523220"/>
+            <a:ext cx="5735866" cy="523220"/>
           </a:xfrm>
           <a:prstGeom prst="rect">
             <a:avLst/>
@@ -15648,7 +15669,10 @@
               <a:buChar char="•"/>
             </a:pPr>
             <a:r>
-              <a:rPr lang="en-GB" sz="1400" dirty="0"/>
+              <a:rPr lang="en-GB" sz="1400" dirty="0">
+                <a:latin typeface="Arial" panose="020B0604020202020204" pitchFamily="34" charset="0"/>
+                <a:cs typeface="Arial" panose="020B0604020202020204" pitchFamily="34" charset="0"/>
+              </a:rPr>
               <a:t>Reduces probability for nucleophilic attack at oxocarbenium centre</a:t>
             </a:r>
           </a:p>
@@ -15658,7 +15682,10 @@
               <a:buChar char="•"/>
             </a:pPr>
             <a:r>
-              <a:rPr lang="en-GB" sz="1400" dirty="0"/>
+              <a:rPr lang="en-GB" sz="1400" dirty="0">
+                <a:latin typeface="Arial" panose="020B0604020202020204" pitchFamily="34" charset="0"/>
+                <a:cs typeface="Arial" panose="020B0604020202020204" pitchFamily="34" charset="0"/>
+              </a:rPr>
               <a:t>Removal of Pivalate Group requires harsher conditions</a:t>
             </a:r>
           </a:p>
@@ -16396,7 +16423,7 @@
         <p:spPr>
           <a:xfrm>
             <a:off x="632460" y="1897380"/>
-            <a:ext cx="6019148" cy="1477328"/>
+            <a:ext cx="6470041" cy="1477328"/>
           </a:xfrm>
           <a:prstGeom prst="rect">
             <a:avLst/>
@@ -16410,12 +16437,18 @@
           <a:lstStyle/>
           <a:p>
             <a:r>
-              <a:rPr lang="en-GB" u="sng" dirty="0"/>
+              <a:rPr lang="en-GB" u="sng" dirty="0">
+                <a:latin typeface="Arial" panose="020B0604020202020204" pitchFamily="34" charset="0"/>
+                <a:cs typeface="Arial" panose="020B0604020202020204" pitchFamily="34" charset="0"/>
+              </a:rPr>
               <a:t>Recap:</a:t>
             </a:r>
           </a:p>
           <a:p>
-            <a:endParaRPr lang="en-GB" dirty="0"/>
+            <a:endParaRPr lang="en-GB" dirty="0">
+              <a:latin typeface="Arial" panose="020B0604020202020204" pitchFamily="34" charset="0"/>
+              <a:cs typeface="Arial" panose="020B0604020202020204" pitchFamily="34" charset="0"/>
+            </a:endParaRPr>
           </a:p>
           <a:p>
             <a:pPr marL="285750" indent="-285750">
@@ -16423,7 +16456,10 @@
               <a:buChar char="•"/>
             </a:pPr>
             <a:r>
-              <a:rPr lang="en-GB" dirty="0"/>
+              <a:rPr lang="en-GB" dirty="0">
+                <a:latin typeface="Arial" panose="020B0604020202020204" pitchFamily="34" charset="0"/>
+                <a:cs typeface="Arial" panose="020B0604020202020204" pitchFamily="34" charset="0"/>
+              </a:rPr>
               <a:t>Ester groups influence stereoselectivity of glycosylation</a:t>
             </a:r>
           </a:p>
@@ -16433,7 +16469,10 @@
               <a:buChar char="•"/>
             </a:pPr>
             <a:r>
-              <a:rPr lang="en-GB" dirty="0"/>
+              <a:rPr lang="en-GB" dirty="0">
+                <a:latin typeface="Arial" panose="020B0604020202020204" pitchFamily="34" charset="0"/>
+                <a:cs typeface="Arial" panose="020B0604020202020204" pitchFamily="34" charset="0"/>
+              </a:rPr>
               <a:t>Formation of 1,2-trans glycosides</a:t>
             </a:r>
           </a:p>
@@ -16443,16 +16482,24 @@
               <a:buChar char="•"/>
             </a:pPr>
             <a:r>
-              <a:rPr lang="en-GB" dirty="0"/>
+              <a:rPr lang="en-GB" dirty="0">
+                <a:latin typeface="Arial" panose="020B0604020202020204" pitchFamily="34" charset="0"/>
+                <a:cs typeface="Arial" panose="020B0604020202020204" pitchFamily="34" charset="0"/>
+              </a:rPr>
               <a:t>Electron-withdrawing </a:t>
             </a:r>
             <a:r>
               <a:rPr lang="en-GB" dirty="0">
+                <a:latin typeface="Arial" panose="020B0604020202020204" pitchFamily="34" charset="0"/>
+                <a:cs typeface="Arial" panose="020B0604020202020204" pitchFamily="34" charset="0"/>
                 <a:sym typeface="Wingdings" pitchFamily="2" charset="2"/>
               </a:rPr>
               <a:t> reduces activity of glycosyl donors</a:t>
             </a:r>
-            <a:endParaRPr lang="en-GB" dirty="0"/>
+            <a:endParaRPr lang="en-GB" dirty="0">
+              <a:latin typeface="Arial" panose="020B0604020202020204" pitchFamily="34" charset="0"/>
+              <a:cs typeface="Arial" panose="020B0604020202020204" pitchFamily="34" charset="0"/>
+            </a:endParaRPr>
           </a:p>
         </p:txBody>
       </p:sp>
@@ -16648,7 +16695,7 @@
         <p:spPr>
           <a:xfrm>
             <a:off x="632460" y="1897380"/>
-            <a:ext cx="6019148" cy="1477328"/>
+            <a:ext cx="6470041" cy="1477328"/>
           </a:xfrm>
           <a:prstGeom prst="rect">
             <a:avLst/>
@@ -16662,12 +16709,18 @@
           <a:lstStyle/>
           <a:p>
             <a:r>
-              <a:rPr lang="en-GB" u="sng" dirty="0"/>
+              <a:rPr lang="en-GB" u="sng" dirty="0">
+                <a:latin typeface="Arial" panose="020B0604020202020204" pitchFamily="34" charset="0"/>
+                <a:cs typeface="Arial" panose="020B0604020202020204" pitchFamily="34" charset="0"/>
+              </a:rPr>
               <a:t>Recap:</a:t>
             </a:r>
           </a:p>
           <a:p>
-            <a:endParaRPr lang="en-GB" dirty="0"/>
+            <a:endParaRPr lang="en-GB" dirty="0">
+              <a:latin typeface="Arial" panose="020B0604020202020204" pitchFamily="34" charset="0"/>
+              <a:cs typeface="Arial" panose="020B0604020202020204" pitchFamily="34" charset="0"/>
+            </a:endParaRPr>
           </a:p>
           <a:p>
             <a:pPr marL="285750" indent="-285750">
@@ -16675,7 +16728,10 @@
               <a:buChar char="•"/>
             </a:pPr>
             <a:r>
-              <a:rPr lang="en-GB" dirty="0"/>
+              <a:rPr lang="en-GB" dirty="0">
+                <a:latin typeface="Arial" panose="020B0604020202020204" pitchFamily="34" charset="0"/>
+                <a:cs typeface="Arial" panose="020B0604020202020204" pitchFamily="34" charset="0"/>
+              </a:rPr>
               <a:t>Ester groups influence stereoselectivity of glycosylation</a:t>
             </a:r>
           </a:p>
@@ -16685,7 +16741,10 @@
               <a:buChar char="•"/>
             </a:pPr>
             <a:r>
-              <a:rPr lang="en-GB" dirty="0"/>
+              <a:rPr lang="en-GB" dirty="0">
+                <a:latin typeface="Arial" panose="020B0604020202020204" pitchFamily="34" charset="0"/>
+                <a:cs typeface="Arial" panose="020B0604020202020204" pitchFamily="34" charset="0"/>
+              </a:rPr>
               <a:t>Formation of 1,2-trans glycosides</a:t>
             </a:r>
           </a:p>
@@ -16695,16 +16754,24 @@
               <a:buChar char="•"/>
             </a:pPr>
             <a:r>
-              <a:rPr lang="en-GB" dirty="0"/>
+              <a:rPr lang="en-GB" dirty="0">
+                <a:latin typeface="Arial" panose="020B0604020202020204" pitchFamily="34" charset="0"/>
+                <a:cs typeface="Arial" panose="020B0604020202020204" pitchFamily="34" charset="0"/>
+              </a:rPr>
               <a:t>Electron-withdrawing </a:t>
             </a:r>
             <a:r>
               <a:rPr lang="en-GB" dirty="0">
+                <a:latin typeface="Arial" panose="020B0604020202020204" pitchFamily="34" charset="0"/>
+                <a:cs typeface="Arial" panose="020B0604020202020204" pitchFamily="34" charset="0"/>
                 <a:sym typeface="Wingdings" pitchFamily="2" charset="2"/>
               </a:rPr>
               <a:t> reduces activity of glycosyl donors</a:t>
             </a:r>
-            <a:endParaRPr lang="en-GB" dirty="0"/>
+            <a:endParaRPr lang="en-GB" dirty="0">
+              <a:latin typeface="Arial" panose="020B0604020202020204" pitchFamily="34" charset="0"/>
+              <a:cs typeface="Arial" panose="020B0604020202020204" pitchFamily="34" charset="0"/>
+            </a:endParaRPr>
           </a:p>
         </p:txBody>
       </p:sp>
@@ -16768,8 +16835,8 @@
         </p:nvSpPr>
         <p:spPr>
           <a:xfrm>
-            <a:off x="1402080" y="5014912"/>
-            <a:ext cx="9432197" cy="408623"/>
+            <a:off x="1004381" y="5014912"/>
+            <a:ext cx="10183237" cy="408623"/>
           </a:xfrm>
           <a:prstGeom prst="roundRect">
             <a:avLst/>
@@ -16796,7 +16863,10 @@
           <a:lstStyle/>
           <a:p>
             <a:r>
-              <a:rPr lang="en-GB" dirty="0"/>
+              <a:rPr lang="en-GB" dirty="0">
+                <a:latin typeface="Arial" panose="020B0604020202020204" pitchFamily="34" charset="0"/>
+                <a:cs typeface="Arial" panose="020B0604020202020204" pitchFamily="34" charset="0"/>
+              </a:rPr>
               <a:t>Are there protecting groups which perform NGP and impart higher reactivity of to glycosyl donors?</a:t>
             </a:r>
           </a:p>
@@ -17288,7 +17358,7 @@
         <p:spPr>
           <a:xfrm>
             <a:off x="556259" y="5466179"/>
-            <a:ext cx="4651915" cy="646331"/>
+            <a:ext cx="5012911" cy="646331"/>
           </a:xfrm>
           <a:prstGeom prst="rect">
             <a:avLst/>
@@ -17306,15 +17376,24 @@
               <a:buChar char="•"/>
             </a:pPr>
             <a:r>
-              <a:rPr lang="en-GB" dirty="0"/>
+              <a:rPr lang="en-GB" dirty="0">
+                <a:latin typeface="Arial" panose="020B0604020202020204" pitchFamily="34" charset="0"/>
+                <a:cs typeface="Arial" panose="020B0604020202020204" pitchFamily="34" charset="0"/>
+              </a:rPr>
               <a:t>Activation of </a:t>
             </a:r>
             <a:r>
-              <a:rPr lang="en-GB" dirty="0" err="1"/>
+              <a:rPr lang="en-GB" dirty="0" err="1">
+                <a:latin typeface="Arial" panose="020B0604020202020204" pitchFamily="34" charset="0"/>
+                <a:cs typeface="Arial" panose="020B0604020202020204" pitchFamily="34" charset="0"/>
+              </a:rPr>
               <a:t>thiophenyl</a:t>
             </a:r>
             <a:r>
-              <a:rPr lang="en-GB" dirty="0"/>
+              <a:rPr lang="en-GB" dirty="0">
+                <a:latin typeface="Arial" panose="020B0604020202020204" pitchFamily="34" charset="0"/>
+                <a:cs typeface="Arial" panose="020B0604020202020204" pitchFamily="34" charset="0"/>
+              </a:rPr>
               <a:t> glycoside donor</a:t>
             </a:r>
           </a:p>
@@ -17324,7 +17403,10 @@
               <a:buChar char="•"/>
             </a:pPr>
             <a:r>
-              <a:rPr lang="en-GB" dirty="0"/>
+              <a:rPr lang="en-GB" dirty="0">
+                <a:latin typeface="Arial" panose="020B0604020202020204" pitchFamily="34" charset="0"/>
+                <a:cs typeface="Arial" panose="020B0604020202020204" pitchFamily="34" charset="0"/>
+              </a:rPr>
               <a:t>Nucleophilic attack of the glycoside acceptor</a:t>
             </a:r>
           </a:p>
@@ -18722,7 +18804,7 @@
         <p:spPr>
           <a:xfrm>
             <a:off x="278494" y="1921465"/>
-            <a:ext cx="2789334" cy="510778"/>
+            <a:ext cx="3193636" cy="510778"/>
           </a:xfrm>
           <a:prstGeom prst="roundRect">
             <a:avLst/>
@@ -18741,7 +18823,10 @@
           <a:lstStyle/>
           <a:p>
             <a:r>
-              <a:rPr lang="en-GB" sz="2400" dirty="0"/>
+              <a:rPr lang="en-GB" sz="2400" dirty="0">
+                <a:latin typeface="Arial" panose="020B0604020202020204" pitchFamily="34" charset="0"/>
+                <a:cs typeface="Arial" panose="020B0604020202020204" pitchFamily="34" charset="0"/>
+              </a:rPr>
               <a:t>Cell-Surface Glycans </a:t>
             </a:r>
           </a:p>
@@ -18762,7 +18847,7 @@
         <p:spPr>
           <a:xfrm>
             <a:off x="2062460" y="2986326"/>
-            <a:ext cx="3168776" cy="442674"/>
+            <a:ext cx="3470401" cy="442674"/>
           </a:xfrm>
           <a:prstGeom prst="roundRect">
             <a:avLst/>
@@ -18781,7 +18866,10 @@
           <a:lstStyle/>
           <a:p>
             <a:r>
-              <a:rPr lang="en-GB" sz="2000" dirty="0"/>
+              <a:rPr lang="en-GB" sz="2000" dirty="0">
+                <a:latin typeface="Arial" panose="020B0604020202020204" pitchFamily="34" charset="0"/>
+                <a:cs typeface="Arial" panose="020B0604020202020204" pitchFamily="34" charset="0"/>
+              </a:rPr>
               <a:t>Cell-to-Cell Communications</a:t>
             </a:r>
           </a:p>
@@ -18802,7 +18890,7 @@
         <p:spPr>
           <a:xfrm>
             <a:off x="2062460" y="3833736"/>
-            <a:ext cx="3556052" cy="442674"/>
+            <a:ext cx="3912252" cy="442674"/>
           </a:xfrm>
           <a:prstGeom prst="roundRect">
             <a:avLst/>
@@ -18821,7 +18909,10 @@
           <a:lstStyle/>
           <a:p>
             <a:r>
-              <a:rPr lang="en-GB" sz="2000" dirty="0"/>
+              <a:rPr lang="en-GB" sz="2000" dirty="0">
+                <a:latin typeface="Arial" panose="020B0604020202020204" pitchFamily="34" charset="0"/>
+                <a:cs typeface="Arial" panose="020B0604020202020204" pitchFamily="34" charset="0"/>
+              </a:rPr>
               <a:t>Immune and Humoral Response</a:t>
             </a:r>
           </a:p>
@@ -18842,7 +18933,7 @@
         <p:spPr>
           <a:xfrm>
             <a:off x="2062460" y="4681146"/>
-            <a:ext cx="4609467" cy="442674"/>
+            <a:ext cx="4977773" cy="442674"/>
           </a:xfrm>
           <a:prstGeom prst="roundRect">
             <a:avLst/>
@@ -18861,7 +18952,10 @@
           <a:lstStyle/>
           <a:p>
             <a:r>
-              <a:rPr lang="en-GB" sz="2000" dirty="0"/>
+              <a:rPr lang="en-GB" sz="2000" dirty="0">
+                <a:latin typeface="Arial" panose="020B0604020202020204" pitchFamily="34" charset="0"/>
+                <a:cs typeface="Arial" panose="020B0604020202020204" pitchFamily="34" charset="0"/>
+              </a:rPr>
               <a:t>Post-Translational Modification of Proteins</a:t>
             </a:r>
           </a:p>
@@ -18882,7 +18976,7 @@
         <p:spPr>
           <a:xfrm>
             <a:off x="2062460" y="5528556"/>
-            <a:ext cx="2888191" cy="442674"/>
+            <a:ext cx="3078722" cy="442674"/>
           </a:xfrm>
           <a:prstGeom prst="roundRect">
             <a:avLst/>
@@ -18901,7 +18995,10 @@
           <a:lstStyle/>
           <a:p>
             <a:r>
-              <a:rPr lang="en-GB" sz="2000" dirty="0"/>
+              <a:rPr lang="en-GB" sz="2000" dirty="0">
+                <a:latin typeface="Arial" panose="020B0604020202020204" pitchFamily="34" charset="0"/>
+                <a:cs typeface="Arial" panose="020B0604020202020204" pitchFamily="34" charset="0"/>
+              </a:rPr>
               <a:t>Cell Growth / Fertilisation</a:t>
             </a:r>
           </a:p>
@@ -18924,8 +19021,8 @@
         </p:nvCxnSpPr>
         <p:spPr>
           <a:xfrm rot="16200000" flipH="1">
-            <a:off x="1480100" y="2625303"/>
-            <a:ext cx="775420" cy="389299"/>
+            <a:off x="1581176" y="2726379"/>
+            <a:ext cx="775420" cy="187148"/>
           </a:xfrm>
           <a:prstGeom prst="bentConnector2">
             <a:avLst/>
@@ -18967,8 +19064,8 @@
         </p:nvCxnSpPr>
         <p:spPr>
           <a:xfrm rot="16200000" flipH="1">
-            <a:off x="1056395" y="3049008"/>
-            <a:ext cx="1622830" cy="389299"/>
+            <a:off x="1157471" y="3150084"/>
+            <a:ext cx="1622830" cy="187148"/>
           </a:xfrm>
           <a:prstGeom prst="bentConnector2">
             <a:avLst/>
@@ -19010,8 +19107,8 @@
         </p:nvCxnSpPr>
         <p:spPr>
           <a:xfrm rot="16200000" flipH="1">
-            <a:off x="632690" y="3472713"/>
-            <a:ext cx="2470240" cy="389299"/>
+            <a:off x="733766" y="3573789"/>
+            <a:ext cx="2470240" cy="187148"/>
           </a:xfrm>
           <a:prstGeom prst="bentConnector2">
             <a:avLst/>
@@ -19521,8 +19618,8 @@
         </p:nvCxnSpPr>
         <p:spPr>
           <a:xfrm rot="16200000" flipH="1">
-            <a:off x="208985" y="3896418"/>
-            <a:ext cx="3317650" cy="389299"/>
+            <a:off x="310061" y="3997494"/>
+            <a:ext cx="3317650" cy="187148"/>
           </a:xfrm>
           <a:prstGeom prst="bentConnector2">
             <a:avLst/>

--- a/Chemie/OC/Seminar/Seminartalk_OC_Lukas_Meinschad.pptx
+++ b/Chemie/OC/Seminar/Seminartalk_OC_Lukas_Meinschad.pptx
@@ -222,7 +222,7 @@
           <a:p>
             <a:fld id="{522EFD5F-65E9-CA42-9660-CB6511EE84CE}" type="datetimeFigureOut">
               <a:rPr lang="en-AT" smtClean="0"/>
-              <a:t>4/1/25</a:t>
+              <a:t>4/2/25</a:t>
             </a:fld>
             <a:endParaRPr lang="en-AT"/>
           </a:p>
@@ -582,6 +582,498 @@
         <p:cNvPr id="1" name="">
           <a:extLst>
             <a:ext uri="{FF2B5EF4-FFF2-40B4-BE49-F238E27FC236}">
+              <a16:creationId xmlns:a16="http://schemas.microsoft.com/office/drawing/2014/main" id="{106AE412-B9E0-45D7-191D-154255DAE0C2}"/>
+            </a:ext>
+          </a:extLst>
+        </p:cNvPr>
+        <p:cNvGrpSpPr/>
+        <p:nvPr/>
+      </p:nvGrpSpPr>
+      <p:grpSpPr>
+        <a:xfrm>
+          <a:off x="0" y="0"/>
+          <a:ext cx="0" cy="0"/>
+          <a:chOff x="0" y="0"/>
+          <a:chExt cx="0" cy="0"/>
+        </a:xfrm>
+      </p:grpSpPr>
+      <p:sp>
+        <p:nvSpPr>
+          <p:cNvPr id="2" name="Folienbildplatzhalter 1">
+            <a:extLst>
+              <a:ext uri="{FF2B5EF4-FFF2-40B4-BE49-F238E27FC236}">
+                <a16:creationId xmlns:a16="http://schemas.microsoft.com/office/drawing/2014/main" id="{99335BFA-1814-9A94-EE5D-9C8F0743FA4B}"/>
+              </a:ext>
+            </a:extLst>
+          </p:cNvPr>
+          <p:cNvSpPr>
+            <a:spLocks noGrp="1" noRot="1" noChangeAspect="1"/>
+          </p:cNvSpPr>
+          <p:nvPr>
+            <p:ph type="sldImg"/>
+          </p:nvPr>
+        </p:nvSpPr>
+        <p:spPr/>
+      </p:sp>
+      <p:sp>
+        <p:nvSpPr>
+          <p:cNvPr id="3" name="Notizenplatzhalter 2">
+            <a:extLst>
+              <a:ext uri="{FF2B5EF4-FFF2-40B4-BE49-F238E27FC236}">
+                <a16:creationId xmlns:a16="http://schemas.microsoft.com/office/drawing/2014/main" id="{0DB1E4DE-7F23-B511-E6F2-2ABE227D1E8B}"/>
+              </a:ext>
+            </a:extLst>
+          </p:cNvPr>
+          <p:cNvSpPr>
+            <a:spLocks noGrp="1"/>
+          </p:cNvSpPr>
+          <p:nvPr>
+            <p:ph type="body" idx="1"/>
+          </p:nvPr>
+        </p:nvSpPr>
+        <p:spPr/>
+        <p:txBody>
+          <a:bodyPr/>
+          <a:lstStyle/>
+          <a:p>
+            <a:endParaRPr lang="en-GB" dirty="0"/>
+          </a:p>
+        </p:txBody>
+      </p:sp>
+      <p:sp>
+        <p:nvSpPr>
+          <p:cNvPr id="4" name="Foliennummernplatzhalter 3">
+            <a:extLst>
+              <a:ext uri="{FF2B5EF4-FFF2-40B4-BE49-F238E27FC236}">
+                <a16:creationId xmlns:a16="http://schemas.microsoft.com/office/drawing/2014/main" id="{1C28F7C3-2148-5E42-E594-0358326291A3}"/>
+              </a:ext>
+            </a:extLst>
+          </p:cNvPr>
+          <p:cNvSpPr>
+            <a:spLocks noGrp="1"/>
+          </p:cNvSpPr>
+          <p:nvPr>
+            <p:ph type="sldNum" sz="quarter" idx="5"/>
+          </p:nvPr>
+        </p:nvSpPr>
+        <p:spPr/>
+        <p:txBody>
+          <a:bodyPr/>
+          <a:lstStyle/>
+          <a:p>
+            <a:fld id="{E6CB4102-7AB5-8E4E-8C80-4878A8B63072}" type="slidenum">
+              <a:rPr lang="en-AT" smtClean="0"/>
+              <a:t>17</a:t>
+            </a:fld>
+            <a:endParaRPr lang="en-AT"/>
+          </a:p>
+        </p:txBody>
+      </p:sp>
+    </p:spTree>
+    <p:extLst>
+      <p:ext uri="{BB962C8B-B14F-4D97-AF65-F5344CB8AC3E}">
+        <p14:creationId xmlns:p14="http://schemas.microsoft.com/office/powerpoint/2010/main" val="1902678757"/>
+      </p:ext>
+    </p:extLst>
+  </p:cSld>
+  <p:clrMapOvr>
+    <a:masterClrMapping/>
+  </p:clrMapOvr>
+</p:notes>
+</file>
+
+<file path=ppt/notesSlides/notesSlide11.xml><?xml version="1.0" encoding="utf-8"?>
+<p:notes xmlns:a="http://schemas.openxmlformats.org/drawingml/2006/main" xmlns:r="http://schemas.openxmlformats.org/officeDocument/2006/relationships" xmlns:p="http://schemas.openxmlformats.org/presentationml/2006/main">
+  <p:cSld>
+    <p:spTree>
+      <p:nvGrpSpPr>
+        <p:cNvPr id="1" name="">
+          <a:extLst>
+            <a:ext uri="{FF2B5EF4-FFF2-40B4-BE49-F238E27FC236}">
+              <a16:creationId xmlns:a16="http://schemas.microsoft.com/office/drawing/2014/main" id="{C60E67EC-AF2E-2DE0-C4C4-F19392FB904D}"/>
+            </a:ext>
+          </a:extLst>
+        </p:cNvPr>
+        <p:cNvGrpSpPr/>
+        <p:nvPr/>
+      </p:nvGrpSpPr>
+      <p:grpSpPr>
+        <a:xfrm>
+          <a:off x="0" y="0"/>
+          <a:ext cx="0" cy="0"/>
+          <a:chOff x="0" y="0"/>
+          <a:chExt cx="0" cy="0"/>
+        </a:xfrm>
+      </p:grpSpPr>
+      <p:sp>
+        <p:nvSpPr>
+          <p:cNvPr id="2" name="Folienbildplatzhalter 1">
+            <a:extLst>
+              <a:ext uri="{FF2B5EF4-FFF2-40B4-BE49-F238E27FC236}">
+                <a16:creationId xmlns:a16="http://schemas.microsoft.com/office/drawing/2014/main" id="{DAB320F2-0F45-55B1-1C1E-47CFA28EAE73}"/>
+              </a:ext>
+            </a:extLst>
+          </p:cNvPr>
+          <p:cNvSpPr>
+            <a:spLocks noGrp="1" noRot="1" noChangeAspect="1"/>
+          </p:cNvSpPr>
+          <p:nvPr>
+            <p:ph type="sldImg"/>
+          </p:nvPr>
+        </p:nvSpPr>
+        <p:spPr/>
+      </p:sp>
+      <p:sp>
+        <p:nvSpPr>
+          <p:cNvPr id="3" name="Notizenplatzhalter 2">
+            <a:extLst>
+              <a:ext uri="{FF2B5EF4-FFF2-40B4-BE49-F238E27FC236}">
+                <a16:creationId xmlns:a16="http://schemas.microsoft.com/office/drawing/2014/main" id="{6D83BD67-0161-A24E-4298-99F1791B4F5E}"/>
+              </a:ext>
+            </a:extLst>
+          </p:cNvPr>
+          <p:cNvSpPr>
+            <a:spLocks noGrp="1"/>
+          </p:cNvSpPr>
+          <p:nvPr>
+            <p:ph type="body" idx="1"/>
+          </p:nvPr>
+        </p:nvSpPr>
+        <p:spPr/>
+        <p:txBody>
+          <a:bodyPr/>
+          <a:lstStyle/>
+          <a:p>
+            <a:r>
+              <a:rPr lang="en-GB" dirty="0" err="1"/>
+              <a:t>Aktivierung</a:t>
+            </a:r>
+            <a:r>
+              <a:rPr lang="en-GB" dirty="0"/>
+              <a:t> </a:t>
+            </a:r>
+            <a:r>
+              <a:rPr lang="en-GB" dirty="0" err="1"/>
+              <a:t>durch</a:t>
+            </a:r>
+            <a:r>
+              <a:rPr lang="en-GB" dirty="0"/>
+              <a:t> </a:t>
+            </a:r>
+            <a:r>
+              <a:rPr lang="en-GB" dirty="0" err="1"/>
+              <a:t>Iodierung</a:t>
+            </a:r>
+            <a:r>
+              <a:rPr lang="en-GB" dirty="0"/>
+              <a:t> </a:t>
+            </a:r>
+            <a:r>
+              <a:rPr lang="en-GB" dirty="0" err="1"/>
+              <a:t>mit</a:t>
+            </a:r>
+            <a:r>
+              <a:rPr lang="en-GB" dirty="0"/>
+              <a:t> NIS, </a:t>
+            </a:r>
+            <a:r>
+              <a:rPr lang="en-GB" dirty="0" err="1"/>
+              <a:t>TfOH</a:t>
+            </a:r>
+            <a:r>
+              <a:rPr lang="en-GB" dirty="0"/>
+              <a:t>, Glucosamine </a:t>
+            </a:r>
+            <a:r>
+              <a:rPr lang="en-GB" dirty="0" err="1"/>
+              <a:t>kann</a:t>
+            </a:r>
+            <a:r>
+              <a:rPr lang="en-GB" dirty="0"/>
+              <a:t> man </a:t>
+            </a:r>
+            <a:r>
+              <a:rPr lang="en-GB" dirty="0" err="1"/>
+              <a:t>kaum</a:t>
+            </a:r>
+            <a:r>
+              <a:rPr lang="en-GB" dirty="0"/>
+              <a:t> </a:t>
+            </a:r>
+            <a:r>
+              <a:rPr lang="en-GB" dirty="0" err="1"/>
+              <a:t>abspalten</a:t>
+            </a:r>
+            <a:endParaRPr lang="en-GB" dirty="0"/>
+          </a:p>
+        </p:txBody>
+      </p:sp>
+      <p:sp>
+        <p:nvSpPr>
+          <p:cNvPr id="4" name="Foliennummernplatzhalter 3">
+            <a:extLst>
+              <a:ext uri="{FF2B5EF4-FFF2-40B4-BE49-F238E27FC236}">
+                <a16:creationId xmlns:a16="http://schemas.microsoft.com/office/drawing/2014/main" id="{37E062EB-6763-05CD-F9EA-A2A174774AA9}"/>
+              </a:ext>
+            </a:extLst>
+          </p:cNvPr>
+          <p:cNvSpPr>
+            <a:spLocks noGrp="1"/>
+          </p:cNvSpPr>
+          <p:nvPr>
+            <p:ph type="sldNum" sz="quarter" idx="5"/>
+          </p:nvPr>
+        </p:nvSpPr>
+        <p:spPr/>
+        <p:txBody>
+          <a:bodyPr/>
+          <a:lstStyle/>
+          <a:p>
+            <a:fld id="{E6CB4102-7AB5-8E4E-8C80-4878A8B63072}" type="slidenum">
+              <a:rPr lang="en-AT" smtClean="0"/>
+              <a:t>18</a:t>
+            </a:fld>
+            <a:endParaRPr lang="en-AT"/>
+          </a:p>
+        </p:txBody>
+      </p:sp>
+    </p:spTree>
+    <p:extLst>
+      <p:ext uri="{BB962C8B-B14F-4D97-AF65-F5344CB8AC3E}">
+        <p14:creationId xmlns:p14="http://schemas.microsoft.com/office/powerpoint/2010/main" val="4150609947"/>
+      </p:ext>
+    </p:extLst>
+  </p:cSld>
+  <p:clrMapOvr>
+    <a:masterClrMapping/>
+  </p:clrMapOvr>
+</p:notes>
+</file>
+
+<file path=ppt/notesSlides/notesSlide12.xml><?xml version="1.0" encoding="utf-8"?>
+<p:notes xmlns:a="http://schemas.openxmlformats.org/drawingml/2006/main" xmlns:r="http://schemas.openxmlformats.org/officeDocument/2006/relationships" xmlns:p="http://schemas.openxmlformats.org/presentationml/2006/main">
+  <p:cSld>
+    <p:spTree>
+      <p:nvGrpSpPr>
+        <p:cNvPr id="1" name="">
+          <a:extLst>
+            <a:ext uri="{FF2B5EF4-FFF2-40B4-BE49-F238E27FC236}">
+              <a16:creationId xmlns:a16="http://schemas.microsoft.com/office/drawing/2014/main" id="{FDCCC0C3-9174-0D5A-0037-1BD778644040}"/>
+            </a:ext>
+          </a:extLst>
+        </p:cNvPr>
+        <p:cNvGrpSpPr/>
+        <p:nvPr/>
+      </p:nvGrpSpPr>
+      <p:grpSpPr>
+        <a:xfrm>
+          <a:off x="0" y="0"/>
+          <a:ext cx="0" cy="0"/>
+          <a:chOff x="0" y="0"/>
+          <a:chExt cx="0" cy="0"/>
+        </a:xfrm>
+      </p:grpSpPr>
+      <p:sp>
+        <p:nvSpPr>
+          <p:cNvPr id="2" name="Folienbildplatzhalter 1">
+            <a:extLst>
+              <a:ext uri="{FF2B5EF4-FFF2-40B4-BE49-F238E27FC236}">
+                <a16:creationId xmlns:a16="http://schemas.microsoft.com/office/drawing/2014/main" id="{2818679D-F0B4-EF26-DC06-86E8295A7CC3}"/>
+              </a:ext>
+            </a:extLst>
+          </p:cNvPr>
+          <p:cNvSpPr>
+            <a:spLocks noGrp="1" noRot="1" noChangeAspect="1"/>
+          </p:cNvSpPr>
+          <p:nvPr>
+            <p:ph type="sldImg"/>
+          </p:nvPr>
+        </p:nvSpPr>
+        <p:spPr/>
+      </p:sp>
+      <p:sp>
+        <p:nvSpPr>
+          <p:cNvPr id="3" name="Notizenplatzhalter 2">
+            <a:extLst>
+              <a:ext uri="{FF2B5EF4-FFF2-40B4-BE49-F238E27FC236}">
+                <a16:creationId xmlns:a16="http://schemas.microsoft.com/office/drawing/2014/main" id="{AB168829-CAD6-EADF-FD89-D337900E7A99}"/>
+              </a:ext>
+            </a:extLst>
+          </p:cNvPr>
+          <p:cNvSpPr>
+            <a:spLocks noGrp="1"/>
+          </p:cNvSpPr>
+          <p:nvPr>
+            <p:ph type="body" idx="1"/>
+          </p:nvPr>
+        </p:nvSpPr>
+        <p:spPr/>
+        <p:txBody>
+          <a:bodyPr/>
+          <a:lstStyle/>
+          <a:p>
+            <a:endParaRPr lang="en-GB" dirty="0"/>
+          </a:p>
+        </p:txBody>
+      </p:sp>
+      <p:sp>
+        <p:nvSpPr>
+          <p:cNvPr id="4" name="Foliennummernplatzhalter 3">
+            <a:extLst>
+              <a:ext uri="{FF2B5EF4-FFF2-40B4-BE49-F238E27FC236}">
+                <a16:creationId xmlns:a16="http://schemas.microsoft.com/office/drawing/2014/main" id="{B6A663C2-8D52-82F7-BCE2-11291BBCAB20}"/>
+              </a:ext>
+            </a:extLst>
+          </p:cNvPr>
+          <p:cNvSpPr>
+            <a:spLocks noGrp="1"/>
+          </p:cNvSpPr>
+          <p:nvPr>
+            <p:ph type="sldNum" sz="quarter" idx="5"/>
+          </p:nvPr>
+        </p:nvSpPr>
+        <p:spPr/>
+        <p:txBody>
+          <a:bodyPr/>
+          <a:lstStyle/>
+          <a:p>
+            <a:fld id="{E6CB4102-7AB5-8E4E-8C80-4878A8B63072}" type="slidenum">
+              <a:rPr lang="en-AT" smtClean="0"/>
+              <a:t>19</a:t>
+            </a:fld>
+            <a:endParaRPr lang="en-AT"/>
+          </a:p>
+        </p:txBody>
+      </p:sp>
+    </p:spTree>
+    <p:extLst>
+      <p:ext uri="{BB962C8B-B14F-4D97-AF65-F5344CB8AC3E}">
+        <p14:creationId xmlns:p14="http://schemas.microsoft.com/office/powerpoint/2010/main" val="3458096710"/>
+      </p:ext>
+    </p:extLst>
+  </p:cSld>
+  <p:clrMapOvr>
+    <a:masterClrMapping/>
+  </p:clrMapOvr>
+</p:notes>
+</file>
+
+<file path=ppt/notesSlides/notesSlide13.xml><?xml version="1.0" encoding="utf-8"?>
+<p:notes xmlns:a="http://schemas.openxmlformats.org/drawingml/2006/main" xmlns:r="http://schemas.openxmlformats.org/officeDocument/2006/relationships" xmlns:p="http://schemas.openxmlformats.org/presentationml/2006/main">
+  <p:cSld>
+    <p:spTree>
+      <p:nvGrpSpPr>
+        <p:cNvPr id="1" name="">
+          <a:extLst>
+            <a:ext uri="{FF2B5EF4-FFF2-40B4-BE49-F238E27FC236}">
+              <a16:creationId xmlns:a16="http://schemas.microsoft.com/office/drawing/2014/main" id="{63D8A52E-14D6-5364-2E8E-53E06B80F70C}"/>
+            </a:ext>
+          </a:extLst>
+        </p:cNvPr>
+        <p:cNvGrpSpPr/>
+        <p:nvPr/>
+      </p:nvGrpSpPr>
+      <p:grpSpPr>
+        <a:xfrm>
+          <a:off x="0" y="0"/>
+          <a:ext cx="0" cy="0"/>
+          <a:chOff x="0" y="0"/>
+          <a:chExt cx="0" cy="0"/>
+        </a:xfrm>
+      </p:grpSpPr>
+      <p:sp>
+        <p:nvSpPr>
+          <p:cNvPr id="2" name="Folienbildplatzhalter 1">
+            <a:extLst>
+              <a:ext uri="{FF2B5EF4-FFF2-40B4-BE49-F238E27FC236}">
+                <a16:creationId xmlns:a16="http://schemas.microsoft.com/office/drawing/2014/main" id="{F687A6BD-8674-029A-B23D-091F99058D9E}"/>
+              </a:ext>
+            </a:extLst>
+          </p:cNvPr>
+          <p:cNvSpPr>
+            <a:spLocks noGrp="1" noRot="1" noChangeAspect="1"/>
+          </p:cNvSpPr>
+          <p:nvPr>
+            <p:ph type="sldImg"/>
+          </p:nvPr>
+        </p:nvSpPr>
+        <p:spPr/>
+      </p:sp>
+      <p:sp>
+        <p:nvSpPr>
+          <p:cNvPr id="3" name="Notizenplatzhalter 2">
+            <a:extLst>
+              <a:ext uri="{FF2B5EF4-FFF2-40B4-BE49-F238E27FC236}">
+                <a16:creationId xmlns:a16="http://schemas.microsoft.com/office/drawing/2014/main" id="{978508C9-E29E-4F78-5346-A60E1125C4DF}"/>
+              </a:ext>
+            </a:extLst>
+          </p:cNvPr>
+          <p:cNvSpPr>
+            <a:spLocks noGrp="1"/>
+          </p:cNvSpPr>
+          <p:nvPr>
+            <p:ph type="body" idx="1"/>
+          </p:nvPr>
+        </p:nvSpPr>
+        <p:spPr/>
+        <p:txBody>
+          <a:bodyPr/>
+          <a:lstStyle/>
+          <a:p>
+            <a:endParaRPr lang="en-GB" dirty="0"/>
+          </a:p>
+        </p:txBody>
+      </p:sp>
+      <p:sp>
+        <p:nvSpPr>
+          <p:cNvPr id="4" name="Foliennummernplatzhalter 3">
+            <a:extLst>
+              <a:ext uri="{FF2B5EF4-FFF2-40B4-BE49-F238E27FC236}">
+                <a16:creationId xmlns:a16="http://schemas.microsoft.com/office/drawing/2014/main" id="{B35E1FB6-47ED-63A4-54E1-EBF7BD40180F}"/>
+              </a:ext>
+            </a:extLst>
+          </p:cNvPr>
+          <p:cNvSpPr>
+            <a:spLocks noGrp="1"/>
+          </p:cNvSpPr>
+          <p:nvPr>
+            <p:ph type="sldNum" sz="quarter" idx="5"/>
+          </p:nvPr>
+        </p:nvSpPr>
+        <p:spPr/>
+        <p:txBody>
+          <a:bodyPr/>
+          <a:lstStyle/>
+          <a:p>
+            <a:fld id="{E6CB4102-7AB5-8E4E-8C80-4878A8B63072}" type="slidenum">
+              <a:rPr lang="en-AT" smtClean="0"/>
+              <a:t>20</a:t>
+            </a:fld>
+            <a:endParaRPr lang="en-AT"/>
+          </a:p>
+        </p:txBody>
+      </p:sp>
+    </p:spTree>
+    <p:extLst>
+      <p:ext uri="{BB962C8B-B14F-4D97-AF65-F5344CB8AC3E}">
+        <p14:creationId xmlns:p14="http://schemas.microsoft.com/office/powerpoint/2010/main" val="4044664320"/>
+      </p:ext>
+    </p:extLst>
+  </p:cSld>
+  <p:clrMapOvr>
+    <a:masterClrMapping/>
+  </p:clrMapOvr>
+</p:notes>
+</file>
+
+<file path=ppt/notesSlides/notesSlide14.xml><?xml version="1.0" encoding="utf-8"?>
+<p:notes xmlns:a="http://schemas.openxmlformats.org/drawingml/2006/main" xmlns:r="http://schemas.openxmlformats.org/officeDocument/2006/relationships" xmlns:p="http://schemas.openxmlformats.org/presentationml/2006/main">
+  <p:cSld>
+    <p:spTree>
+      <p:nvGrpSpPr>
+        <p:cNvPr id="1" name="">
+          <a:extLst>
+            <a:ext uri="{FF2B5EF4-FFF2-40B4-BE49-F238E27FC236}">
               <a16:creationId xmlns:a16="http://schemas.microsoft.com/office/drawing/2014/main" id="{26B390F1-8CF5-B981-8793-D368F075D579}"/>
             </a:ext>
           </a:extLst>
@@ -682,7 +1174,7 @@
 </p:notes>
 </file>
 
-<file path=ppt/notesSlides/notesSlide11.xml><?xml version="1.0" encoding="utf-8"?>
+<file path=ppt/notesSlides/notesSlide15.xml><?xml version="1.0" encoding="utf-8"?>
 <p:notes xmlns:a="http://schemas.openxmlformats.org/drawingml/2006/main" xmlns:r="http://schemas.openxmlformats.org/officeDocument/2006/relationships" xmlns:p="http://schemas.openxmlformats.org/presentationml/2006/main">
   <p:cSld>
     <p:spTree>
@@ -781,6 +1273,267 @@
     <p:extLst>
       <p:ext uri="{BB962C8B-B14F-4D97-AF65-F5344CB8AC3E}">
         <p14:creationId xmlns:p14="http://schemas.microsoft.com/office/powerpoint/2010/main" val="3249242218"/>
+      </p:ext>
+    </p:extLst>
+  </p:cSld>
+  <p:clrMapOvr>
+    <a:masterClrMapping/>
+  </p:clrMapOvr>
+</p:notes>
+</file>
+
+<file path=ppt/notesSlides/notesSlide16.xml><?xml version="1.0" encoding="utf-8"?>
+<p:notes xmlns:a="http://schemas.openxmlformats.org/drawingml/2006/main" xmlns:r="http://schemas.openxmlformats.org/officeDocument/2006/relationships" xmlns:p="http://schemas.openxmlformats.org/presentationml/2006/main">
+  <p:cSld>
+    <p:spTree>
+      <p:nvGrpSpPr>
+        <p:cNvPr id="1" name=""/>
+        <p:cNvGrpSpPr/>
+        <p:nvPr/>
+      </p:nvGrpSpPr>
+      <p:grpSpPr>
+        <a:xfrm>
+          <a:off x="0" y="0"/>
+          <a:ext cx="0" cy="0"/>
+          <a:chOff x="0" y="0"/>
+          <a:chExt cx="0" cy="0"/>
+        </a:xfrm>
+      </p:grpSpPr>
+      <p:sp>
+        <p:nvSpPr>
+          <p:cNvPr id="2" name="Folienbildplatzhalter 1"/>
+          <p:cNvSpPr>
+            <a:spLocks noGrp="1" noRot="1" noChangeAspect="1"/>
+          </p:cNvSpPr>
+          <p:nvPr>
+            <p:ph type="sldImg"/>
+          </p:nvPr>
+        </p:nvSpPr>
+        <p:spPr/>
+      </p:sp>
+      <p:sp>
+        <p:nvSpPr>
+          <p:cNvPr id="3" name="Notizenplatzhalter 2"/>
+          <p:cNvSpPr>
+            <a:spLocks noGrp="1"/>
+          </p:cNvSpPr>
+          <p:nvPr>
+            <p:ph type="body" idx="1"/>
+          </p:nvPr>
+        </p:nvSpPr>
+        <p:spPr/>
+        <p:txBody>
+          <a:bodyPr/>
+          <a:lstStyle/>
+          <a:p>
+            <a:r>
+              <a:rPr lang="en-GB" dirty="0"/>
+              <a:t>Beim </a:t>
+            </a:r>
+            <a:r>
+              <a:rPr lang="en-GB" dirty="0" err="1"/>
+              <a:t>Benzenring</a:t>
+            </a:r>
+            <a:r>
+              <a:rPr lang="en-GB" dirty="0"/>
+              <a:t> </a:t>
+            </a:r>
+            <a:r>
+              <a:rPr lang="en-GB" dirty="0" err="1"/>
+              <a:t>drehen</a:t>
+            </a:r>
+            <a:r>
+              <a:rPr lang="en-GB" dirty="0"/>
+              <a:t>, </a:t>
+            </a:r>
+            <a:r>
+              <a:rPr lang="en-GB" dirty="0">
+                <a:sym typeface="Wingdings" pitchFamily="2" charset="2"/>
+              </a:rPr>
+              <a:t> </a:t>
+            </a:r>
+            <a:r>
+              <a:rPr lang="en-GB" dirty="0" err="1">
+                <a:sym typeface="Wingdings" pitchFamily="2" charset="2"/>
+              </a:rPr>
+              <a:t>nicht</a:t>
+            </a:r>
+            <a:r>
+              <a:rPr lang="en-GB" dirty="0">
+                <a:sym typeface="Wingdings" pitchFamily="2" charset="2"/>
+              </a:rPr>
+              <a:t> </a:t>
+            </a:r>
+            <a:r>
+              <a:rPr lang="en-GB" dirty="0" err="1">
+                <a:sym typeface="Wingdings" pitchFamily="2" charset="2"/>
+              </a:rPr>
+              <a:t>ganz</a:t>
+            </a:r>
+            <a:r>
+              <a:rPr lang="en-GB" dirty="0">
+                <a:sym typeface="Wingdings" pitchFamily="2" charset="2"/>
+              </a:rPr>
+              <a:t> 90 ° </a:t>
+            </a:r>
+            <a:r>
+              <a:rPr lang="en-GB" dirty="0" err="1">
+                <a:sym typeface="Wingdings" pitchFamily="2" charset="2"/>
+              </a:rPr>
+              <a:t>beide</a:t>
+            </a:r>
+            <a:r>
+              <a:rPr lang="en-GB" dirty="0">
+                <a:sym typeface="Wingdings" pitchFamily="2" charset="2"/>
+              </a:rPr>
+              <a:t> </a:t>
+            </a:r>
+            <a:r>
+              <a:rPr lang="en-GB" dirty="0" err="1">
+                <a:sym typeface="Wingdings" pitchFamily="2" charset="2"/>
+              </a:rPr>
+              <a:t>machen</a:t>
+            </a:r>
+            <a:r>
+              <a:rPr lang="en-GB" dirty="0">
+                <a:sym typeface="Wingdings" pitchFamily="2" charset="2"/>
+              </a:rPr>
+              <a:t> </a:t>
+            </a:r>
+            <a:endParaRPr lang="en-GB" dirty="0"/>
+          </a:p>
+        </p:txBody>
+      </p:sp>
+      <p:sp>
+        <p:nvSpPr>
+          <p:cNvPr id="4" name="Foliennummernplatzhalter 3"/>
+          <p:cNvSpPr>
+            <a:spLocks noGrp="1"/>
+          </p:cNvSpPr>
+          <p:nvPr>
+            <p:ph type="sldNum" sz="quarter" idx="5"/>
+          </p:nvPr>
+        </p:nvSpPr>
+        <p:spPr/>
+        <p:txBody>
+          <a:bodyPr/>
+          <a:lstStyle/>
+          <a:p>
+            <a:fld id="{E6CB4102-7AB5-8E4E-8C80-4878A8B63072}" type="slidenum">
+              <a:rPr lang="en-AT" smtClean="0"/>
+              <a:t>23</a:t>
+            </a:fld>
+            <a:endParaRPr lang="en-AT"/>
+          </a:p>
+        </p:txBody>
+      </p:sp>
+    </p:spTree>
+    <p:extLst>
+      <p:ext uri="{BB962C8B-B14F-4D97-AF65-F5344CB8AC3E}">
+        <p14:creationId xmlns:p14="http://schemas.microsoft.com/office/powerpoint/2010/main" val="1914094512"/>
+      </p:ext>
+    </p:extLst>
+  </p:cSld>
+  <p:clrMapOvr>
+    <a:masterClrMapping/>
+  </p:clrMapOvr>
+</p:notes>
+</file>
+
+<file path=ppt/notesSlides/notesSlide17.xml><?xml version="1.0" encoding="utf-8"?>
+<p:notes xmlns:a="http://schemas.openxmlformats.org/drawingml/2006/main" xmlns:r="http://schemas.openxmlformats.org/officeDocument/2006/relationships" xmlns:p="http://schemas.openxmlformats.org/presentationml/2006/main">
+  <p:cSld>
+    <p:spTree>
+      <p:nvGrpSpPr>
+        <p:cNvPr id="1" name=""/>
+        <p:cNvGrpSpPr/>
+        <p:nvPr/>
+      </p:nvGrpSpPr>
+      <p:grpSpPr>
+        <a:xfrm>
+          <a:off x="0" y="0"/>
+          <a:ext cx="0" cy="0"/>
+          <a:chOff x="0" y="0"/>
+          <a:chExt cx="0" cy="0"/>
+        </a:xfrm>
+      </p:grpSpPr>
+      <p:sp>
+        <p:nvSpPr>
+          <p:cNvPr id="2" name="Folienbildplatzhalter 1"/>
+          <p:cNvSpPr>
+            <a:spLocks noGrp="1" noRot="1" noChangeAspect="1"/>
+          </p:cNvSpPr>
+          <p:nvPr>
+            <p:ph type="sldImg"/>
+          </p:nvPr>
+        </p:nvSpPr>
+        <p:spPr/>
+      </p:sp>
+      <p:sp>
+        <p:nvSpPr>
+          <p:cNvPr id="3" name="Notizenplatzhalter 2"/>
+          <p:cNvSpPr>
+            <a:spLocks noGrp="1"/>
+          </p:cNvSpPr>
+          <p:nvPr>
+            <p:ph type="body" idx="1"/>
+          </p:nvPr>
+        </p:nvSpPr>
+        <p:spPr/>
+        <p:txBody>
+          <a:bodyPr/>
+          <a:lstStyle/>
+          <a:p>
+            <a:r>
+              <a:rPr lang="en-GB" dirty="0"/>
+              <a:t>NAP Gruppe </a:t>
+            </a:r>
+            <a:r>
+              <a:rPr lang="en-GB" dirty="0" err="1"/>
+              <a:t>als</a:t>
+            </a:r>
+            <a:r>
+              <a:rPr lang="en-GB" dirty="0"/>
+              <a:t> Backup slide </a:t>
+            </a:r>
+            <a:r>
+              <a:rPr lang="en-GB" dirty="0" err="1"/>
+              <a:t>vorbereiten</a:t>
+            </a:r>
+            <a:r>
+              <a:rPr lang="en-GB"/>
+              <a:t>.</a:t>
+            </a:r>
+          </a:p>
+        </p:txBody>
+      </p:sp>
+      <p:sp>
+        <p:nvSpPr>
+          <p:cNvPr id="4" name="Foliennummernplatzhalter 3"/>
+          <p:cNvSpPr>
+            <a:spLocks noGrp="1"/>
+          </p:cNvSpPr>
+          <p:nvPr>
+            <p:ph type="sldNum" sz="quarter" idx="5"/>
+          </p:nvPr>
+        </p:nvSpPr>
+        <p:spPr/>
+        <p:txBody>
+          <a:bodyPr/>
+          <a:lstStyle/>
+          <a:p>
+            <a:fld id="{E6CB4102-7AB5-8E4E-8C80-4878A8B63072}" type="slidenum">
+              <a:rPr lang="en-AT" smtClean="0"/>
+              <a:t>24</a:t>
+            </a:fld>
+            <a:endParaRPr lang="en-AT"/>
+          </a:p>
+        </p:txBody>
+      </p:sp>
+    </p:spTree>
+    <p:extLst>
+      <p:ext uri="{BB962C8B-B14F-4D97-AF65-F5344CB8AC3E}">
+        <p14:creationId xmlns:p14="http://schemas.microsoft.com/office/powerpoint/2010/main" val="1834096349"/>
       </p:ext>
     </p:extLst>
   </p:cSld>
@@ -960,6 +1713,32 @@
           <a:bodyPr/>
           <a:lstStyle/>
           <a:p>
+            <a:r>
+              <a:rPr lang="en-GB" dirty="0"/>
+              <a:t>Galactose </a:t>
+            </a:r>
+            <a:r>
+              <a:rPr lang="en-GB" dirty="0" err="1"/>
+              <a:t>nachschauen</a:t>
+            </a:r>
+            <a:r>
+              <a:rPr lang="en-GB" dirty="0"/>
+              <a:t> </a:t>
+            </a:r>
+            <a:r>
+              <a:rPr lang="en-GB" dirty="0" err="1"/>
+              <a:t>epimere</a:t>
+            </a:r>
+            <a:r>
+              <a:rPr lang="en-GB" dirty="0"/>
+              <a:t> </a:t>
+            </a:r>
+            <a:r>
+              <a:rPr lang="en-GB" dirty="0">
+                <a:sym typeface="Wingdings" pitchFamily="2" charset="2"/>
+              </a:rPr>
+              <a:t> </a:t>
+            </a:r>
             <a:endParaRPr lang="en-GB" dirty="0"/>
           </a:p>
         </p:txBody>
@@ -1158,7 +1937,10 @@
           <a:bodyPr/>
           <a:lstStyle/>
           <a:p>
-            <a:endParaRPr lang="en-GB" dirty="0"/>
+            <a:r>
+              <a:rPr lang="en-GB" dirty="0"/>
+              <a:t>N</a:t>
+            </a:r>
           </a:p>
         </p:txBody>
       </p:sp>
@@ -1179,7 +1961,7 @@
           <a:p>
             <a:fld id="{E6CB4102-7AB5-8E4E-8C80-4878A8B63072}" type="slidenum">
               <a:rPr lang="en-AT" smtClean="0"/>
-              <a:t>16</a:t>
+              <a:t>8</a:t>
             </a:fld>
             <a:endParaRPr lang="en-AT"/>
           </a:p>
@@ -1188,7 +1970,7 @@
     </p:spTree>
     <p:extLst>
       <p:ext uri="{BB962C8B-B14F-4D97-AF65-F5344CB8AC3E}">
-        <p14:creationId xmlns:p14="http://schemas.microsoft.com/office/powerpoint/2010/main" val="367472535"/>
+        <p14:creationId xmlns:p14="http://schemas.microsoft.com/office/powerpoint/2010/main" val="124837944"/>
       </p:ext>
     </p:extLst>
   </p:cSld>
@@ -1203,13 +1985,7 @@
   <p:cSld>
     <p:spTree>
       <p:nvGrpSpPr>
-        <p:cNvPr id="1" name="">
-          <a:extLst>
-            <a:ext uri="{FF2B5EF4-FFF2-40B4-BE49-F238E27FC236}">
-              <a16:creationId xmlns:a16="http://schemas.microsoft.com/office/drawing/2014/main" id="{106AE412-B9E0-45D7-191D-154255DAE0C2}"/>
-            </a:ext>
-          </a:extLst>
-        </p:cNvPr>
+        <p:cNvPr id="1" name=""/>
         <p:cNvGrpSpPr/>
         <p:nvPr/>
       </p:nvGrpSpPr>
@@ -1223,13 +1999,7 @@
       </p:grpSpPr>
       <p:sp>
         <p:nvSpPr>
-          <p:cNvPr id="2" name="Folienbildplatzhalter 1">
-            <a:extLst>
-              <a:ext uri="{FF2B5EF4-FFF2-40B4-BE49-F238E27FC236}">
-                <a16:creationId xmlns:a16="http://schemas.microsoft.com/office/drawing/2014/main" id="{99335BFA-1814-9A94-EE5D-9C8F0743FA4B}"/>
-              </a:ext>
-            </a:extLst>
-          </p:cNvPr>
+          <p:cNvPr id="2" name="Folienbildplatzhalter 1"/>
           <p:cNvSpPr>
             <a:spLocks noGrp="1" noRot="1" noChangeAspect="1"/>
           </p:cNvSpPr>
@@ -1241,13 +2011,7 @@
       </p:sp>
       <p:sp>
         <p:nvSpPr>
-          <p:cNvPr id="3" name="Notizenplatzhalter 2">
-            <a:extLst>
-              <a:ext uri="{FF2B5EF4-FFF2-40B4-BE49-F238E27FC236}">
-                <a16:creationId xmlns:a16="http://schemas.microsoft.com/office/drawing/2014/main" id="{0DB1E4DE-7F23-B511-E6F2-2ABE227D1E8B}"/>
-              </a:ext>
-            </a:extLst>
-          </p:cNvPr>
+          <p:cNvPr id="3" name="Notizenplatzhalter 2"/>
           <p:cNvSpPr>
             <a:spLocks noGrp="1"/>
           </p:cNvSpPr>
@@ -1266,13 +2030,7 @@
       </p:sp>
       <p:sp>
         <p:nvSpPr>
-          <p:cNvPr id="4" name="Foliennummernplatzhalter 3">
-            <a:extLst>
-              <a:ext uri="{FF2B5EF4-FFF2-40B4-BE49-F238E27FC236}">
-                <a16:creationId xmlns:a16="http://schemas.microsoft.com/office/drawing/2014/main" id="{1C28F7C3-2148-5E42-E594-0358326291A3}"/>
-              </a:ext>
-            </a:extLst>
-          </p:cNvPr>
+          <p:cNvPr id="4" name="Foliennummernplatzhalter 3"/>
           <p:cNvSpPr>
             <a:spLocks noGrp="1"/>
           </p:cNvSpPr>
@@ -1287,7 +2045,7 @@
           <a:p>
             <a:fld id="{E6CB4102-7AB5-8E4E-8C80-4878A8B63072}" type="slidenum">
               <a:rPr lang="en-AT" smtClean="0"/>
-              <a:t>17</a:t>
+              <a:t>9</a:t>
             </a:fld>
             <a:endParaRPr lang="en-AT"/>
           </a:p>
@@ -1296,7 +2054,7 @@
     </p:spTree>
     <p:extLst>
       <p:ext uri="{BB962C8B-B14F-4D97-AF65-F5344CB8AC3E}">
-        <p14:creationId xmlns:p14="http://schemas.microsoft.com/office/powerpoint/2010/main" val="1902678757"/>
+        <p14:creationId xmlns:p14="http://schemas.microsoft.com/office/powerpoint/2010/main" val="1730198796"/>
       </p:ext>
     </p:extLst>
   </p:cSld>
@@ -1311,13 +2069,7 @@
   <p:cSld>
     <p:spTree>
       <p:nvGrpSpPr>
-        <p:cNvPr id="1" name="">
-          <a:extLst>
-            <a:ext uri="{FF2B5EF4-FFF2-40B4-BE49-F238E27FC236}">
-              <a16:creationId xmlns:a16="http://schemas.microsoft.com/office/drawing/2014/main" id="{C60E67EC-AF2E-2DE0-C4C4-F19392FB904D}"/>
-            </a:ext>
-          </a:extLst>
-        </p:cNvPr>
+        <p:cNvPr id="1" name=""/>
         <p:cNvGrpSpPr/>
         <p:nvPr/>
       </p:nvGrpSpPr>
@@ -1331,13 +2083,7 @@
       </p:grpSpPr>
       <p:sp>
         <p:nvSpPr>
-          <p:cNvPr id="2" name="Folienbildplatzhalter 1">
-            <a:extLst>
-              <a:ext uri="{FF2B5EF4-FFF2-40B4-BE49-F238E27FC236}">
-                <a16:creationId xmlns:a16="http://schemas.microsoft.com/office/drawing/2014/main" id="{DAB320F2-0F45-55B1-1C1E-47CFA28EAE73}"/>
-              </a:ext>
-            </a:extLst>
-          </p:cNvPr>
+          <p:cNvPr id="2" name="Folienbildplatzhalter 1"/>
           <p:cNvSpPr>
             <a:spLocks noGrp="1" noRot="1" noChangeAspect="1"/>
           </p:cNvSpPr>
@@ -1349,13 +2095,7 @@
       </p:sp>
       <p:sp>
         <p:nvSpPr>
-          <p:cNvPr id="3" name="Notizenplatzhalter 2">
-            <a:extLst>
-              <a:ext uri="{FF2B5EF4-FFF2-40B4-BE49-F238E27FC236}">
-                <a16:creationId xmlns:a16="http://schemas.microsoft.com/office/drawing/2014/main" id="{6D83BD67-0161-A24E-4298-99F1791B4F5E}"/>
-              </a:ext>
-            </a:extLst>
-          </p:cNvPr>
+          <p:cNvPr id="3" name="Notizenplatzhalter 2"/>
           <p:cNvSpPr>
             <a:spLocks noGrp="1"/>
           </p:cNvSpPr>
@@ -1368,19 +2108,41 @@
           <a:bodyPr/>
           <a:lstStyle/>
           <a:p>
+            <a:r>
+              <a:rPr lang="en-GB" dirty="0" err="1"/>
+              <a:t>SnI</a:t>
+            </a:r>
+            <a:r>
+              <a:rPr lang="en-GB" dirty="0"/>
+              <a:t> reaction </a:t>
+            </a:r>
+            <a:r>
+              <a:rPr lang="en-GB" dirty="0" err="1"/>
+              <a:t>nochmals</a:t>
+            </a:r>
+            <a:r>
+              <a:rPr lang="en-GB" dirty="0"/>
+              <a:t> </a:t>
+            </a:r>
+            <a:r>
+              <a:rPr lang="en-GB" dirty="0" err="1"/>
+              <a:t>genauer</a:t>
+            </a:r>
+            <a:r>
+              <a:rPr lang="en-GB" dirty="0"/>
+              <a:t> </a:t>
+            </a:r>
+            <a:r>
+              <a:rPr lang="en-GB" dirty="0" err="1"/>
+              <a:t>anschauen</a:t>
+            </a:r>
             <a:endParaRPr lang="en-GB" dirty="0"/>
           </a:p>
         </p:txBody>
       </p:sp>
       <p:sp>
         <p:nvSpPr>
-          <p:cNvPr id="4" name="Foliennummernplatzhalter 3">
-            <a:extLst>
-              <a:ext uri="{FF2B5EF4-FFF2-40B4-BE49-F238E27FC236}">
-                <a16:creationId xmlns:a16="http://schemas.microsoft.com/office/drawing/2014/main" id="{37E062EB-6763-05CD-F9EA-A2A174774AA9}"/>
-              </a:ext>
-            </a:extLst>
-          </p:cNvPr>
+          <p:cNvPr id="4" name="Foliennummernplatzhalter 3"/>
           <p:cNvSpPr>
             <a:spLocks noGrp="1"/>
           </p:cNvSpPr>
@@ -1395,7 +2157,7 @@
           <a:p>
             <a:fld id="{E6CB4102-7AB5-8E4E-8C80-4878A8B63072}" type="slidenum">
               <a:rPr lang="en-AT" smtClean="0"/>
-              <a:t>18</a:t>
+              <a:t>10</a:t>
             </a:fld>
             <a:endParaRPr lang="en-AT"/>
           </a:p>
@@ -1404,7 +2166,7 @@
     </p:spTree>
     <p:extLst>
       <p:ext uri="{BB962C8B-B14F-4D97-AF65-F5344CB8AC3E}">
-        <p14:creationId xmlns:p14="http://schemas.microsoft.com/office/powerpoint/2010/main" val="4150609947"/>
+        <p14:creationId xmlns:p14="http://schemas.microsoft.com/office/powerpoint/2010/main" val="3532225347"/>
       </p:ext>
     </p:extLst>
   </p:cSld>
@@ -1419,13 +2181,7 @@
   <p:cSld>
     <p:spTree>
       <p:nvGrpSpPr>
-        <p:cNvPr id="1" name="">
-          <a:extLst>
-            <a:ext uri="{FF2B5EF4-FFF2-40B4-BE49-F238E27FC236}">
-              <a16:creationId xmlns:a16="http://schemas.microsoft.com/office/drawing/2014/main" id="{FDCCC0C3-9174-0D5A-0037-1BD778644040}"/>
-            </a:ext>
-          </a:extLst>
-        </p:cNvPr>
+        <p:cNvPr id="1" name=""/>
         <p:cNvGrpSpPr/>
         <p:nvPr/>
       </p:nvGrpSpPr>
@@ -1439,13 +2195,7 @@
       </p:grpSpPr>
       <p:sp>
         <p:nvSpPr>
-          <p:cNvPr id="2" name="Folienbildplatzhalter 1">
-            <a:extLst>
-              <a:ext uri="{FF2B5EF4-FFF2-40B4-BE49-F238E27FC236}">
-                <a16:creationId xmlns:a16="http://schemas.microsoft.com/office/drawing/2014/main" id="{2818679D-F0B4-EF26-DC06-86E8295A7CC3}"/>
-              </a:ext>
-            </a:extLst>
-          </p:cNvPr>
+          <p:cNvPr id="2" name="Folienbildplatzhalter 1"/>
           <p:cNvSpPr>
             <a:spLocks noGrp="1" noRot="1" noChangeAspect="1"/>
           </p:cNvSpPr>
@@ -1457,13 +2207,7 @@
       </p:sp>
       <p:sp>
         <p:nvSpPr>
-          <p:cNvPr id="3" name="Notizenplatzhalter 2">
-            <a:extLst>
-              <a:ext uri="{FF2B5EF4-FFF2-40B4-BE49-F238E27FC236}">
-                <a16:creationId xmlns:a16="http://schemas.microsoft.com/office/drawing/2014/main" id="{AB168829-CAD6-EADF-FD89-D337900E7A99}"/>
-              </a:ext>
-            </a:extLst>
-          </p:cNvPr>
+          <p:cNvPr id="3" name="Notizenplatzhalter 2"/>
           <p:cNvSpPr>
             <a:spLocks noGrp="1"/>
           </p:cNvSpPr>
@@ -1476,19 +2220,56 @@
           <a:bodyPr/>
           <a:lstStyle/>
           <a:p>
-            <a:endParaRPr lang="en-GB" dirty="0"/>
-          </a:p>
-        </p:txBody>
-      </p:sp>
-      <p:sp>
-        <p:nvSpPr>
-          <p:cNvPr id="4" name="Foliennummernplatzhalter 3">
-            <a:extLst>
-              <a:ext uri="{FF2B5EF4-FFF2-40B4-BE49-F238E27FC236}">
-                <a16:creationId xmlns:a16="http://schemas.microsoft.com/office/drawing/2014/main" id="{B6A663C2-8D52-82F7-BCE2-11291BBCAB20}"/>
-              </a:ext>
-            </a:extLst>
-          </p:cNvPr>
+            <a:r>
+              <a:rPr lang="en-GB" dirty="0"/>
+              <a:t>Ein </a:t>
+            </a:r>
+            <a:r>
+              <a:rPr lang="en-GB" dirty="0" err="1"/>
+              <a:t>kohlenstoff</a:t>
+            </a:r>
+            <a:r>
+              <a:rPr lang="en-GB" dirty="0"/>
+              <a:t> </a:t>
+            </a:r>
+            <a:r>
+              <a:rPr lang="en-GB" dirty="0" err="1"/>
+              <a:t>zu</a:t>
+            </a:r>
+            <a:r>
+              <a:rPr lang="en-GB" dirty="0"/>
+              <a:t> </a:t>
+            </a:r>
+            <a:r>
+              <a:rPr lang="en-GB" dirty="0" err="1"/>
+              <a:t>viel</a:t>
+            </a:r>
+            <a:r>
+              <a:rPr lang="en-GB" dirty="0"/>
+              <a:t> </a:t>
+            </a:r>
+            <a:r>
+              <a:rPr lang="en-GB" dirty="0" err="1"/>
+              <a:t>im</a:t>
+            </a:r>
+            <a:r>
+              <a:rPr lang="en-GB" dirty="0"/>
+              <a:t> </a:t>
+            </a:r>
+            <a:r>
+              <a:rPr lang="en-GB" dirty="0" err="1"/>
+              <a:t>letzten</a:t>
+            </a:r>
+            <a:r>
+              <a:rPr lang="en-GB" dirty="0"/>
+              <a:t> schema</a:t>
+            </a:r>
+          </a:p>
+        </p:txBody>
+      </p:sp>
+      <p:sp>
+        <p:nvSpPr>
+          <p:cNvPr id="4" name="Foliennummernplatzhalter 3"/>
           <p:cNvSpPr>
             <a:spLocks noGrp="1"/>
           </p:cNvSpPr>
@@ -1503,7 +2284,7 @@
           <a:p>
             <a:fld id="{E6CB4102-7AB5-8E4E-8C80-4878A8B63072}" type="slidenum">
               <a:rPr lang="en-AT" smtClean="0"/>
-              <a:t>19</a:t>
+              <a:t>15</a:t>
             </a:fld>
             <a:endParaRPr lang="en-AT"/>
           </a:p>
@@ -1512,7 +2293,7 @@
     </p:spTree>
     <p:extLst>
       <p:ext uri="{BB962C8B-B14F-4D97-AF65-F5344CB8AC3E}">
-        <p14:creationId xmlns:p14="http://schemas.microsoft.com/office/powerpoint/2010/main" val="3458096710"/>
+        <p14:creationId xmlns:p14="http://schemas.microsoft.com/office/powerpoint/2010/main" val="257586220"/>
       </p:ext>
     </p:extLst>
   </p:cSld>
@@ -1527,13 +2308,7 @@
   <p:cSld>
     <p:spTree>
       <p:nvGrpSpPr>
-        <p:cNvPr id="1" name="">
-          <a:extLst>
-            <a:ext uri="{FF2B5EF4-FFF2-40B4-BE49-F238E27FC236}">
-              <a16:creationId xmlns:a16="http://schemas.microsoft.com/office/drawing/2014/main" id="{63D8A52E-14D6-5364-2E8E-53E06B80F70C}"/>
-            </a:ext>
-          </a:extLst>
-        </p:cNvPr>
+        <p:cNvPr id="1" name=""/>
         <p:cNvGrpSpPr/>
         <p:nvPr/>
       </p:nvGrpSpPr>
@@ -1547,13 +2322,7 @@
       </p:grpSpPr>
       <p:sp>
         <p:nvSpPr>
-          <p:cNvPr id="2" name="Folienbildplatzhalter 1">
-            <a:extLst>
-              <a:ext uri="{FF2B5EF4-FFF2-40B4-BE49-F238E27FC236}">
-                <a16:creationId xmlns:a16="http://schemas.microsoft.com/office/drawing/2014/main" id="{F687A6BD-8674-029A-B23D-091F99058D9E}"/>
-              </a:ext>
-            </a:extLst>
-          </p:cNvPr>
+          <p:cNvPr id="2" name="Folienbildplatzhalter 1"/>
           <p:cNvSpPr>
             <a:spLocks noGrp="1" noRot="1" noChangeAspect="1"/>
           </p:cNvSpPr>
@@ -1565,13 +2334,7 @@
       </p:sp>
       <p:sp>
         <p:nvSpPr>
-          <p:cNvPr id="3" name="Notizenplatzhalter 2">
-            <a:extLst>
-              <a:ext uri="{FF2B5EF4-FFF2-40B4-BE49-F238E27FC236}">
-                <a16:creationId xmlns:a16="http://schemas.microsoft.com/office/drawing/2014/main" id="{978508C9-E29E-4F78-5346-A60E1125C4DF}"/>
-              </a:ext>
-            </a:extLst>
-          </p:cNvPr>
+          <p:cNvPr id="3" name="Notizenplatzhalter 2"/>
           <p:cNvSpPr>
             <a:spLocks noGrp="1"/>
           </p:cNvSpPr>
@@ -1590,13 +2353,7 @@
       </p:sp>
       <p:sp>
         <p:nvSpPr>
-          <p:cNvPr id="4" name="Foliennummernplatzhalter 3">
-            <a:extLst>
-              <a:ext uri="{FF2B5EF4-FFF2-40B4-BE49-F238E27FC236}">
-                <a16:creationId xmlns:a16="http://schemas.microsoft.com/office/drawing/2014/main" id="{B35E1FB6-47ED-63A4-54E1-EBF7BD40180F}"/>
-              </a:ext>
-            </a:extLst>
-          </p:cNvPr>
+          <p:cNvPr id="4" name="Foliennummernplatzhalter 3"/>
           <p:cNvSpPr>
             <a:spLocks noGrp="1"/>
           </p:cNvSpPr>
@@ -1611,7 +2368,7 @@
           <a:p>
             <a:fld id="{E6CB4102-7AB5-8E4E-8C80-4878A8B63072}" type="slidenum">
               <a:rPr lang="en-AT" smtClean="0"/>
-              <a:t>20</a:t>
+              <a:t>16</a:t>
             </a:fld>
             <a:endParaRPr lang="en-AT"/>
           </a:p>
@@ -1620,7 +2377,7 @@
     </p:spTree>
     <p:extLst>
       <p:ext uri="{BB962C8B-B14F-4D97-AF65-F5344CB8AC3E}">
-        <p14:creationId xmlns:p14="http://schemas.microsoft.com/office/powerpoint/2010/main" val="4044664320"/>
+        <p14:creationId xmlns:p14="http://schemas.microsoft.com/office/powerpoint/2010/main" val="367472535"/>
       </p:ext>
     </p:extLst>
   </p:cSld>
@@ -2014,7 +2771,7 @@
           <a:p>
             <a:fld id="{11F0FE62-D1C8-834F-882F-060B90793A94}" type="datetimeFigureOut">
               <a:rPr lang="de-DE" smtClean="0"/>
-              <a:t>01.04.25</a:t>
+              <a:t>02.04.25</a:t>
             </a:fld>
             <a:endParaRPr lang="de-DE"/>
           </a:p>
@@ -2292,7 +3049,7 @@
           <a:p>
             <a:fld id="{11F0FE62-D1C8-834F-882F-060B90793A94}" type="datetimeFigureOut">
               <a:rPr lang="de-DE" smtClean="0"/>
-              <a:t>01.04.25</a:t>
+              <a:t>02.04.25</a:t>
             </a:fld>
             <a:endParaRPr lang="de-DE"/>
           </a:p>
@@ -2565,7 +3322,7 @@
           <a:p>
             <a:fld id="{11F0FE62-D1C8-834F-882F-060B90793A94}" type="datetimeFigureOut">
               <a:rPr lang="de-DE" smtClean="0"/>
-              <a:t>01.04.25</a:t>
+              <a:t>02.04.25</a:t>
             </a:fld>
             <a:endParaRPr lang="de-DE"/>
           </a:p>
@@ -2980,7 +3737,7 @@
           <a:p>
             <a:fld id="{11F0FE62-D1C8-834F-882F-060B90793A94}" type="datetimeFigureOut">
               <a:rPr lang="de-DE" smtClean="0"/>
-              <a:t>01.04.25</a:t>
+              <a:t>02.04.25</a:t>
             </a:fld>
             <a:endParaRPr lang="de-DE"/>
           </a:p>
@@ -3129,7 +3886,7 @@
           <a:p>
             <a:fld id="{11F0FE62-D1C8-834F-882F-060B90793A94}" type="datetimeFigureOut">
               <a:rPr lang="de-DE" smtClean="0"/>
-              <a:t>01.04.25</a:t>
+              <a:t>02.04.25</a:t>
             </a:fld>
             <a:endParaRPr lang="de-DE"/>
           </a:p>
@@ -3242,7 +3999,7 @@
           <a:p>
             <a:fld id="{11F0FE62-D1C8-834F-882F-060B90793A94}" type="datetimeFigureOut">
               <a:rPr lang="de-DE" smtClean="0"/>
-              <a:t>01.04.25</a:t>
+              <a:t>02.04.25</a:t>
             </a:fld>
             <a:endParaRPr lang="de-DE"/>
           </a:p>
@@ -3556,7 +4313,7 @@
           <a:p>
             <a:fld id="{11F0FE62-D1C8-834F-882F-060B90793A94}" type="datetimeFigureOut">
               <a:rPr lang="de-DE" smtClean="0"/>
-              <a:t>01.04.25</a:t>
+              <a:t>02.04.25</a:t>
             </a:fld>
             <a:endParaRPr lang="de-DE"/>
           </a:p>
@@ -3847,7 +4604,7 @@
           <a:p>
             <a:fld id="{11F0FE62-D1C8-834F-882F-060B90793A94}" type="datetimeFigureOut">
               <a:rPr lang="de-DE" smtClean="0"/>
-              <a:t>01.04.25</a:t>
+              <a:t>02.04.25</a:t>
             </a:fld>
             <a:endParaRPr lang="de-DE"/>
           </a:p>
@@ -4053,7 +4810,7 @@
           <a:p>
             <a:fld id="{11F0FE62-D1C8-834F-882F-060B90793A94}" type="datetimeFigureOut">
               <a:rPr lang="de-DE" smtClean="0"/>
-              <a:t>01.04.25</a:t>
+              <a:t>02.04.25</a:t>
             </a:fld>
             <a:endParaRPr lang="de-DE"/>
           </a:p>
@@ -4264,7 +5021,7 @@
           <a:p>
             <a:fld id="{11F0FE62-D1C8-834F-882F-060B90793A94}" type="datetimeFigureOut">
               <a:rPr lang="de-DE" smtClean="0"/>
-              <a:t>01.04.25</a:t>
+              <a:t>02.04.25</a:t>
             </a:fld>
             <a:endParaRPr lang="de-DE"/>
           </a:p>
@@ -5851,7 +6608,7 @@
           <a:p>
             <a:fld id="{11F0FE62-D1C8-834F-882F-060B90793A94}" type="datetimeFigureOut">
               <a:rPr lang="de-DE" smtClean="0"/>
-              <a:t>01.04.25</a:t>
+              <a:t>02.04.25</a:t>
             </a:fld>
             <a:endParaRPr lang="de-DE"/>
           </a:p>
@@ -6724,7 +7481,7 @@
           <a:p>
             <a:fld id="{11F0FE62-D1C8-834F-882F-060B90793A94}" type="datetimeFigureOut">
               <a:rPr lang="de-DE" smtClean="0"/>
-              <a:t>01.04.25</a:t>
+              <a:t>02.04.25</a:t>
             </a:fld>
             <a:endParaRPr lang="de-DE"/>
           </a:p>
@@ -7307,7 +8064,7 @@
                   <a:schemeClr val="tx1"/>
                 </a:solidFill>
               </a:rPr>
-              <a:t>parcipitation</a:t>
+              <a:t>participation</a:t>
             </a:r>
             <a:r>
               <a:rPr lang="de-DE" dirty="0">
@@ -7648,7 +8405,7 @@
           <p:nvPr/>
         </p:nvPicPr>
         <p:blipFill>
-          <a:blip r:embed="rId2"/>
+          <a:blip r:embed="rId3"/>
           <a:stretch>
             <a:fillRect/>
           </a:stretch>
@@ -7908,7 +8665,7 @@
                 <a:avLst/>
               </a:prstGeom>
               <a:blipFill>
-                <a:blip r:embed="rId3"/>
+                <a:blip r:embed="rId4"/>
                 <a:stretch>
                   <a:fillRect l="-806" t="-1042" b="-7292"/>
                 </a:stretch>
@@ -8365,7 +9122,7 @@
                 <a:avLst/>
               </a:prstGeom>
               <a:blipFill>
-                <a:blip r:embed="rId4"/>
+                <a:blip r:embed="rId5"/>
                 <a:stretch>
                   <a:fillRect/>
                 </a:stretch>
@@ -8543,7 +9300,7 @@
                 <a:avLst/>
               </a:prstGeom>
               <a:blipFill>
-                <a:blip r:embed="rId5"/>
+                <a:blip r:embed="rId6"/>
                 <a:stretch>
                   <a:fillRect/>
                 </a:stretch>
@@ -8680,7 +9437,7 @@
                 <a:avLst/>
               </a:prstGeom>
               <a:blipFill>
-                <a:blip r:embed="rId6"/>
+                <a:blip r:embed="rId7"/>
                 <a:stretch>
                   <a:fillRect/>
                 </a:stretch>
@@ -9010,7 +9767,7 @@
                 <a:avLst/>
               </a:prstGeom>
               <a:blipFill>
-                <a:blip r:embed="rId7"/>
+                <a:blip r:embed="rId8"/>
                 <a:stretch>
                   <a:fillRect/>
                 </a:stretch>
@@ -9147,7 +9904,7 @@
                 <a:avLst/>
               </a:prstGeom>
               <a:blipFill>
-                <a:blip r:embed="rId8"/>
+                <a:blip r:embed="rId9"/>
                 <a:stretch>
                   <a:fillRect/>
                 </a:stretch>
@@ -9311,7 +10068,7 @@
                 <a:avLst/>
               </a:prstGeom>
               <a:blipFill>
-                <a:blip r:embed="rId9"/>
+                <a:blip r:embed="rId10"/>
                 <a:stretch>
                   <a:fillRect l="-1250" t="-1709" r="-312"/>
                 </a:stretch>
@@ -9418,21 +10175,8 @@
                   <a:schemeClr val="tx1"/>
                 </a:solidFill>
               </a:rPr>
-              <a:t>Neighbouring Group </a:t>
-            </a:r>
-            <a:r>
-              <a:rPr lang="en-GB" dirty="0" err="1">
-                <a:solidFill>
-                  <a:schemeClr val="tx1"/>
-                </a:solidFill>
-              </a:rPr>
-              <a:t>Partcipitation</a:t>
-            </a:r>
-            <a:endParaRPr lang="en-GB" dirty="0">
-              <a:solidFill>
-                <a:schemeClr val="tx1"/>
-              </a:solidFill>
-            </a:endParaRPr>
+              <a:t>Neighbouring Group Participation</a:t>
+            </a:r>
           </a:p>
         </p:txBody>
       </p:sp>
@@ -10271,8 +11015,8 @@
           </a:p>
         </p:txBody>
       </p:sp>
-      <mc:AlternateContent xmlns:mc="http://schemas.openxmlformats.org/markup-compatibility/2006">
-        <mc:Choice xmlns:a14="http://schemas.microsoft.com/office/drawing/2010/main" Requires="a14">
+      <mc:AlternateContent xmlns:mc="http://schemas.openxmlformats.org/markup-compatibility/2006" xmlns:a14="http://schemas.microsoft.com/office/drawing/2010/main">
+        <mc:Choice Requires="a14">
           <p:sp>
             <p:nvSpPr>
               <p:cNvPr id="10" name="Textfeld 9">
@@ -10322,7 +11066,7 @@
             </p:txBody>
           </p:sp>
         </mc:Choice>
-        <mc:Fallback>
+        <mc:Fallback xmlns="">
           <p:sp>
             <p:nvSpPr>
               <p:cNvPr id="10" name="Textfeld 9">
@@ -10633,8 +11377,8 @@
           </a:p>
         </p:txBody>
       </p:sp>
-      <mc:AlternateContent xmlns:mc="http://schemas.openxmlformats.org/markup-compatibility/2006">
-        <mc:Choice xmlns:a14="http://schemas.microsoft.com/office/drawing/2010/main" Requires="a14">
+      <mc:AlternateContent xmlns:mc="http://schemas.openxmlformats.org/markup-compatibility/2006" xmlns:a14="http://schemas.microsoft.com/office/drawing/2010/main">
+        <mc:Choice Requires="a14">
           <p:sp>
             <p:nvSpPr>
               <p:cNvPr id="8" name="Textfeld 7">
@@ -10684,7 +11428,7 @@
             </p:txBody>
           </p:sp>
         </mc:Choice>
-        <mc:Fallback>
+        <mc:Fallback xmlns="">
           <p:sp>
             <p:nvSpPr>
               <p:cNvPr id="8" name="Textfeld 7">
@@ -10835,7 +11579,7 @@
           <p:nvPr/>
         </p:nvPicPr>
         <p:blipFill>
-          <a:blip r:embed="rId2"/>
+          <a:blip r:embed="rId3"/>
           <a:stretch>
             <a:fillRect/>
           </a:stretch>
@@ -11033,7 +11777,7 @@
                 <a:avLst/>
               </a:prstGeom>
               <a:blipFill>
-                <a:blip r:embed="rId3"/>
+                <a:blip r:embed="rId4"/>
                 <a:stretch>
                   <a:fillRect l="-1802" t="-3846" r="-901" b="-15385"/>
                 </a:stretch>
@@ -11159,7 +11903,7 @@
                 <a:avLst/>
               </a:prstGeom>
               <a:blipFill>
-                <a:blip r:embed="rId4"/>
+                <a:blip r:embed="rId5"/>
                 <a:stretch>
                   <a:fillRect l="-1980" t="-4000" b="-20000"/>
                 </a:stretch>
@@ -11749,19 +12493,6 @@
             <a:pPr>
               <a:buNone/>
             </a:pPr>
-            <a:r>
-              <a:rPr lang="de-AT" sz="1200" b="0" i="0" dirty="0">
-                <a:solidFill>
-                  <a:schemeClr val="tx1">
-                    <a:lumMod val="50000"/>
-                    <a:lumOff val="50000"/>
-                  </a:schemeClr>
-                </a:solidFill>
-                <a:effectLst/>
-                <a:latin typeface="Helvetica" pitchFamily="2" charset="0"/>
-              </a:rPr>
-              <a:t> </a:t>
-            </a:r>
             <a:r>
               <a:rPr lang="de-AT" sz="1200" b="0" i="0" dirty="0" err="1">
                 <a:solidFill>
@@ -16422,7 +17153,7 @@
         </p:nvSpPr>
         <p:spPr>
           <a:xfrm>
-            <a:off x="632460" y="1897380"/>
+            <a:off x="356888" y="1897380"/>
             <a:ext cx="6470041" cy="1477328"/>
           </a:xfrm>
           <a:prstGeom prst="rect">
@@ -16682,101 +17413,6 @@
       </p:sp>
       <p:sp>
         <p:nvSpPr>
-          <p:cNvPr id="2" name="Textfeld 1">
-            <a:extLst>
-              <a:ext uri="{FF2B5EF4-FFF2-40B4-BE49-F238E27FC236}">
-                <a16:creationId xmlns:a16="http://schemas.microsoft.com/office/drawing/2014/main" id="{EF2423CB-0E96-ED26-1955-B11D3EC40C28}"/>
-              </a:ext>
-            </a:extLst>
-          </p:cNvPr>
-          <p:cNvSpPr txBox="1"/>
-          <p:nvPr/>
-        </p:nvSpPr>
-        <p:spPr>
-          <a:xfrm>
-            <a:off x="632460" y="1897380"/>
-            <a:ext cx="6470041" cy="1477328"/>
-          </a:xfrm>
-          <a:prstGeom prst="rect">
-            <a:avLst/>
-          </a:prstGeom>
-          <a:noFill/>
-        </p:spPr>
-        <p:txBody>
-          <a:bodyPr wrap="none" rtlCol="0">
-            <a:spAutoFit/>
-          </a:bodyPr>
-          <a:lstStyle/>
-          <a:p>
-            <a:r>
-              <a:rPr lang="en-GB" u="sng" dirty="0">
-                <a:latin typeface="Arial" panose="020B0604020202020204" pitchFamily="34" charset="0"/>
-                <a:cs typeface="Arial" panose="020B0604020202020204" pitchFamily="34" charset="0"/>
-              </a:rPr>
-              <a:t>Recap:</a:t>
-            </a:r>
-          </a:p>
-          <a:p>
-            <a:endParaRPr lang="en-GB" dirty="0">
-              <a:latin typeface="Arial" panose="020B0604020202020204" pitchFamily="34" charset="0"/>
-              <a:cs typeface="Arial" panose="020B0604020202020204" pitchFamily="34" charset="0"/>
-            </a:endParaRPr>
-          </a:p>
-          <a:p>
-            <a:pPr marL="285750" indent="-285750">
-              <a:buFont typeface="Arial" panose="020B0604020202020204" pitchFamily="34" charset="0"/>
-              <a:buChar char="•"/>
-            </a:pPr>
-            <a:r>
-              <a:rPr lang="en-GB" dirty="0">
-                <a:latin typeface="Arial" panose="020B0604020202020204" pitchFamily="34" charset="0"/>
-                <a:cs typeface="Arial" panose="020B0604020202020204" pitchFamily="34" charset="0"/>
-              </a:rPr>
-              <a:t>Ester groups influence stereoselectivity of glycosylation</a:t>
-            </a:r>
-          </a:p>
-          <a:p>
-            <a:pPr marL="285750" indent="-285750">
-              <a:buFont typeface="Arial" panose="020B0604020202020204" pitchFamily="34" charset="0"/>
-              <a:buChar char="•"/>
-            </a:pPr>
-            <a:r>
-              <a:rPr lang="en-GB" dirty="0">
-                <a:latin typeface="Arial" panose="020B0604020202020204" pitchFamily="34" charset="0"/>
-                <a:cs typeface="Arial" panose="020B0604020202020204" pitchFamily="34" charset="0"/>
-              </a:rPr>
-              <a:t>Formation of 1,2-trans glycosides</a:t>
-            </a:r>
-          </a:p>
-          <a:p>
-            <a:pPr marL="285750" indent="-285750">
-              <a:buFont typeface="Arial" panose="020B0604020202020204" pitchFamily="34" charset="0"/>
-              <a:buChar char="•"/>
-            </a:pPr>
-            <a:r>
-              <a:rPr lang="en-GB" dirty="0">
-                <a:latin typeface="Arial" panose="020B0604020202020204" pitchFamily="34" charset="0"/>
-                <a:cs typeface="Arial" panose="020B0604020202020204" pitchFamily="34" charset="0"/>
-              </a:rPr>
-              <a:t>Electron-withdrawing </a:t>
-            </a:r>
-            <a:r>
-              <a:rPr lang="en-GB" dirty="0">
-                <a:latin typeface="Arial" panose="020B0604020202020204" pitchFamily="34" charset="0"/>
-                <a:cs typeface="Arial" panose="020B0604020202020204" pitchFamily="34" charset="0"/>
-                <a:sym typeface="Wingdings" pitchFamily="2" charset="2"/>
-              </a:rPr>
-              <a:t> reduces activity of glycosyl donors</a:t>
-            </a:r>
-            <a:endParaRPr lang="en-GB" dirty="0">
-              <a:latin typeface="Arial" panose="020B0604020202020204" pitchFamily="34" charset="0"/>
-              <a:cs typeface="Arial" panose="020B0604020202020204" pitchFamily="34" charset="0"/>
-            </a:endParaRPr>
-          </a:p>
-        </p:txBody>
-      </p:sp>
-      <p:sp>
-        <p:nvSpPr>
           <p:cNvPr id="6" name="Pfeil nach unten 5">
             <a:extLst>
               <a:ext uri="{FF2B5EF4-FFF2-40B4-BE49-F238E27FC236}">
@@ -16907,6 +17543,101 @@
           </a:ln>
         </p:spPr>
       </p:pic>
+      <p:sp>
+        <p:nvSpPr>
+          <p:cNvPr id="8" name="Textfeld 7">
+            <a:extLst>
+              <a:ext uri="{FF2B5EF4-FFF2-40B4-BE49-F238E27FC236}">
+                <a16:creationId xmlns:a16="http://schemas.microsoft.com/office/drawing/2014/main" id="{6B8069CC-1640-1090-2331-FE6239183935}"/>
+              </a:ext>
+            </a:extLst>
+          </p:cNvPr>
+          <p:cNvSpPr txBox="1"/>
+          <p:nvPr/>
+        </p:nvSpPr>
+        <p:spPr>
+          <a:xfrm>
+            <a:off x="356888" y="1897380"/>
+            <a:ext cx="6470041" cy="1477328"/>
+          </a:xfrm>
+          <a:prstGeom prst="rect">
+            <a:avLst/>
+          </a:prstGeom>
+          <a:noFill/>
+        </p:spPr>
+        <p:txBody>
+          <a:bodyPr wrap="none" rtlCol="0">
+            <a:spAutoFit/>
+          </a:bodyPr>
+          <a:lstStyle/>
+          <a:p>
+            <a:r>
+              <a:rPr lang="en-GB" u="sng" dirty="0">
+                <a:latin typeface="Arial" panose="020B0604020202020204" pitchFamily="34" charset="0"/>
+                <a:cs typeface="Arial" panose="020B0604020202020204" pitchFamily="34" charset="0"/>
+              </a:rPr>
+              <a:t>Recap:</a:t>
+            </a:r>
+          </a:p>
+          <a:p>
+            <a:endParaRPr lang="en-GB" dirty="0">
+              <a:latin typeface="Arial" panose="020B0604020202020204" pitchFamily="34" charset="0"/>
+              <a:cs typeface="Arial" panose="020B0604020202020204" pitchFamily="34" charset="0"/>
+            </a:endParaRPr>
+          </a:p>
+          <a:p>
+            <a:pPr marL="285750" indent="-285750">
+              <a:buFont typeface="Arial" panose="020B0604020202020204" pitchFamily="34" charset="0"/>
+              <a:buChar char="•"/>
+            </a:pPr>
+            <a:r>
+              <a:rPr lang="en-GB" dirty="0">
+                <a:latin typeface="Arial" panose="020B0604020202020204" pitchFamily="34" charset="0"/>
+                <a:cs typeface="Arial" panose="020B0604020202020204" pitchFamily="34" charset="0"/>
+              </a:rPr>
+              <a:t>Ester groups influence stereoselectivity of glycosylation</a:t>
+            </a:r>
+          </a:p>
+          <a:p>
+            <a:pPr marL="285750" indent="-285750">
+              <a:buFont typeface="Arial" panose="020B0604020202020204" pitchFamily="34" charset="0"/>
+              <a:buChar char="•"/>
+            </a:pPr>
+            <a:r>
+              <a:rPr lang="en-GB" dirty="0">
+                <a:latin typeface="Arial" panose="020B0604020202020204" pitchFamily="34" charset="0"/>
+                <a:cs typeface="Arial" panose="020B0604020202020204" pitchFamily="34" charset="0"/>
+              </a:rPr>
+              <a:t>Formation of 1,2-trans glycosides</a:t>
+            </a:r>
+          </a:p>
+          <a:p>
+            <a:pPr marL="285750" indent="-285750">
+              <a:buFont typeface="Arial" panose="020B0604020202020204" pitchFamily="34" charset="0"/>
+              <a:buChar char="•"/>
+            </a:pPr>
+            <a:r>
+              <a:rPr lang="en-GB" dirty="0">
+                <a:latin typeface="Arial" panose="020B0604020202020204" pitchFamily="34" charset="0"/>
+                <a:cs typeface="Arial" panose="020B0604020202020204" pitchFamily="34" charset="0"/>
+              </a:rPr>
+              <a:t>Electron-withdrawing </a:t>
+            </a:r>
+            <a:r>
+              <a:rPr lang="en-GB" dirty="0">
+                <a:latin typeface="Arial" panose="020B0604020202020204" pitchFamily="34" charset="0"/>
+                <a:cs typeface="Arial" panose="020B0604020202020204" pitchFamily="34" charset="0"/>
+                <a:sym typeface="Wingdings" pitchFamily="2" charset="2"/>
+              </a:rPr>
+              <a:t> reduces activity of glycosyl donors</a:t>
+            </a:r>
+            <a:endParaRPr lang="en-GB" dirty="0">
+              <a:latin typeface="Arial" panose="020B0604020202020204" pitchFamily="34" charset="0"/>
+              <a:cs typeface="Arial" panose="020B0604020202020204" pitchFamily="34" charset="0"/>
+            </a:endParaRPr>
+          </a:p>
+        </p:txBody>
+      </p:sp>
     </p:spTree>
     <p:extLst>
       <p:ext uri="{BB962C8B-B14F-4D97-AF65-F5344CB8AC3E}">
@@ -17117,7 +17848,7 @@
             <p:nvPr/>
           </p:nvPicPr>
           <p:blipFill>
-            <a:blip r:embed="rId2"/>
+            <a:blip r:embed="rId3"/>
             <a:stretch>
               <a:fillRect/>
             </a:stretch>
@@ -17954,7 +18685,7 @@
           <p:nvPr/>
         </p:nvPicPr>
         <p:blipFill>
-          <a:blip r:embed="rId2"/>
+          <a:blip r:embed="rId3"/>
           <a:stretch>
             <a:fillRect/>
           </a:stretch>
@@ -22951,7 +23682,7 @@
         <p:spPr>
           <a:xfrm>
             <a:off x="6624202" y="5478752"/>
-            <a:ext cx="1563248" cy="338554"/>
+            <a:ext cx="1649811" cy="338554"/>
           </a:xfrm>
           <a:prstGeom prst="rect">
             <a:avLst/>
@@ -22978,10 +23709,9 @@
           <a:lstStyle/>
           <a:p>
             <a:r>
-              <a:rPr lang="en-GB" sz="1600" dirty="0" err="1"/>
-              <a:t>Monosacharides</a:t>
-            </a:r>
-            <a:endParaRPr lang="en-GB" sz="1600" dirty="0"/>
+              <a:rPr lang="en-GB" sz="1600" dirty="0"/>
+              <a:t>Monosaccharides</a:t>
+            </a:r>
           </a:p>
         </p:txBody>
       </p:sp>
@@ -23228,8 +23958,8 @@
         </p:nvCxnSpPr>
         <p:spPr>
           <a:xfrm rot="5400000">
-            <a:off x="7540446" y="4772695"/>
-            <a:ext cx="571438" cy="840677"/>
+            <a:off x="7562087" y="4794336"/>
+            <a:ext cx="571438" cy="797395"/>
           </a:xfrm>
           <a:prstGeom prst="bentConnector3">
             <a:avLst>
@@ -23306,7 +24036,7 @@
           <p:nvPr/>
         </p:nvPicPr>
         <p:blipFill>
-          <a:blip r:embed="rId2"/>
+          <a:blip r:embed="rId3"/>
           <a:stretch>
             <a:fillRect/>
           </a:stretch>
@@ -23800,7 +24530,7 @@
           <p:nvPr/>
         </p:nvPicPr>
         <p:blipFill>
-          <a:blip r:embed="rId2"/>
+          <a:blip r:embed="rId3"/>
           <a:stretch>
             <a:fillRect/>
           </a:stretch>
@@ -24060,7 +24790,7 @@
                 <a:avLst/>
               </a:prstGeom>
               <a:blipFill>
-                <a:blip r:embed="rId3"/>
+                <a:blip r:embed="rId4"/>
                 <a:stretch>
                   <a:fillRect l="-806" t="-1042" b="-7292"/>
                 </a:stretch>
@@ -24517,7 +25247,7 @@
                 <a:avLst/>
               </a:prstGeom>
               <a:blipFill>
-                <a:blip r:embed="rId4"/>
+                <a:blip r:embed="rId5"/>
                 <a:stretch>
                   <a:fillRect/>
                 </a:stretch>
@@ -24695,7 +25425,7 @@
                 <a:avLst/>
               </a:prstGeom>
               <a:blipFill>
-                <a:blip r:embed="rId5"/>
+                <a:blip r:embed="rId6"/>
                 <a:stretch>
                   <a:fillRect/>
                 </a:stretch>
@@ -24832,7 +25562,7 @@
                 <a:avLst/>
               </a:prstGeom>
               <a:blipFill>
-                <a:blip r:embed="rId6"/>
+                <a:blip r:embed="rId7"/>
                 <a:stretch>
                   <a:fillRect/>
                 </a:stretch>

--- a/Chemie/OC/Seminar/Seminartalk_OC_Lukas_Meinschad.pptx
+++ b/Chemie/OC/Seminar/Seminartalk_OC_Lukas_Meinschad.pptx
@@ -6,7 +6,7 @@
     <p:sldMasterId id="2147483670" r:id="rId2"/>
   </p:sldMasterIdLst>
   <p:notesMasterIdLst>
-    <p:notesMasterId r:id="rId28"/>
+    <p:notesMasterId r:id="rId31"/>
   </p:notesMasterIdLst>
   <p:sldIdLst>
     <p:sldId id="256" r:id="rId3"/>
@@ -24,16 +24,19 @@
     <p:sldId id="267" r:id="rId15"/>
     <p:sldId id="268" r:id="rId16"/>
     <p:sldId id="269" r:id="rId17"/>
-    <p:sldId id="273" r:id="rId18"/>
-    <p:sldId id="274" r:id="rId19"/>
-    <p:sldId id="275" r:id="rId20"/>
-    <p:sldId id="276" r:id="rId21"/>
-    <p:sldId id="277" r:id="rId22"/>
-    <p:sldId id="278" r:id="rId23"/>
-    <p:sldId id="279" r:id="rId24"/>
-    <p:sldId id="280" r:id="rId25"/>
-    <p:sldId id="282" r:id="rId26"/>
-    <p:sldId id="281" r:id="rId27"/>
+    <p:sldId id="274" r:id="rId18"/>
+    <p:sldId id="275" r:id="rId19"/>
+    <p:sldId id="276" r:id="rId20"/>
+    <p:sldId id="277" r:id="rId21"/>
+    <p:sldId id="278" r:id="rId22"/>
+    <p:sldId id="279" r:id="rId23"/>
+    <p:sldId id="280" r:id="rId24"/>
+    <p:sldId id="282" r:id="rId25"/>
+    <p:sldId id="281" r:id="rId26"/>
+    <p:sldId id="283" r:id="rId27"/>
+    <p:sldId id="285" r:id="rId28"/>
+    <p:sldId id="286" r:id="rId29"/>
+    <p:sldId id="287" r:id="rId30"/>
   </p:sldIdLst>
   <p:sldSz cx="12192000" cy="6858000"/>
   <p:notesSz cx="6858000" cy="9144000"/>
@@ -222,7 +225,7 @@
           <a:p>
             <a:fld id="{522EFD5F-65E9-CA42-9660-CB6511EE84CE}" type="datetimeFigureOut">
               <a:rPr lang="en-AT" smtClean="0"/>
-              <a:t>4/2/25</a:t>
+              <a:t>4/10/25</a:t>
             </a:fld>
             <a:endParaRPr lang="en-AT"/>
           </a:p>
@@ -582,114 +585,6 @@
         <p:cNvPr id="1" name="">
           <a:extLst>
             <a:ext uri="{FF2B5EF4-FFF2-40B4-BE49-F238E27FC236}">
-              <a16:creationId xmlns:a16="http://schemas.microsoft.com/office/drawing/2014/main" id="{106AE412-B9E0-45D7-191D-154255DAE0C2}"/>
-            </a:ext>
-          </a:extLst>
-        </p:cNvPr>
-        <p:cNvGrpSpPr/>
-        <p:nvPr/>
-      </p:nvGrpSpPr>
-      <p:grpSpPr>
-        <a:xfrm>
-          <a:off x="0" y="0"/>
-          <a:ext cx="0" cy="0"/>
-          <a:chOff x="0" y="0"/>
-          <a:chExt cx="0" cy="0"/>
-        </a:xfrm>
-      </p:grpSpPr>
-      <p:sp>
-        <p:nvSpPr>
-          <p:cNvPr id="2" name="Folienbildplatzhalter 1">
-            <a:extLst>
-              <a:ext uri="{FF2B5EF4-FFF2-40B4-BE49-F238E27FC236}">
-                <a16:creationId xmlns:a16="http://schemas.microsoft.com/office/drawing/2014/main" id="{99335BFA-1814-9A94-EE5D-9C8F0743FA4B}"/>
-              </a:ext>
-            </a:extLst>
-          </p:cNvPr>
-          <p:cNvSpPr>
-            <a:spLocks noGrp="1" noRot="1" noChangeAspect="1"/>
-          </p:cNvSpPr>
-          <p:nvPr>
-            <p:ph type="sldImg"/>
-          </p:nvPr>
-        </p:nvSpPr>
-        <p:spPr/>
-      </p:sp>
-      <p:sp>
-        <p:nvSpPr>
-          <p:cNvPr id="3" name="Notizenplatzhalter 2">
-            <a:extLst>
-              <a:ext uri="{FF2B5EF4-FFF2-40B4-BE49-F238E27FC236}">
-                <a16:creationId xmlns:a16="http://schemas.microsoft.com/office/drawing/2014/main" id="{0DB1E4DE-7F23-B511-E6F2-2ABE227D1E8B}"/>
-              </a:ext>
-            </a:extLst>
-          </p:cNvPr>
-          <p:cNvSpPr>
-            <a:spLocks noGrp="1"/>
-          </p:cNvSpPr>
-          <p:nvPr>
-            <p:ph type="body" idx="1"/>
-          </p:nvPr>
-        </p:nvSpPr>
-        <p:spPr/>
-        <p:txBody>
-          <a:bodyPr/>
-          <a:lstStyle/>
-          <a:p>
-            <a:endParaRPr lang="en-GB" dirty="0"/>
-          </a:p>
-        </p:txBody>
-      </p:sp>
-      <p:sp>
-        <p:nvSpPr>
-          <p:cNvPr id="4" name="Foliennummernplatzhalter 3">
-            <a:extLst>
-              <a:ext uri="{FF2B5EF4-FFF2-40B4-BE49-F238E27FC236}">
-                <a16:creationId xmlns:a16="http://schemas.microsoft.com/office/drawing/2014/main" id="{1C28F7C3-2148-5E42-E594-0358326291A3}"/>
-              </a:ext>
-            </a:extLst>
-          </p:cNvPr>
-          <p:cNvSpPr>
-            <a:spLocks noGrp="1"/>
-          </p:cNvSpPr>
-          <p:nvPr>
-            <p:ph type="sldNum" sz="quarter" idx="5"/>
-          </p:nvPr>
-        </p:nvSpPr>
-        <p:spPr/>
-        <p:txBody>
-          <a:bodyPr/>
-          <a:lstStyle/>
-          <a:p>
-            <a:fld id="{E6CB4102-7AB5-8E4E-8C80-4878A8B63072}" type="slidenum">
-              <a:rPr lang="en-AT" smtClean="0"/>
-              <a:t>17</a:t>
-            </a:fld>
-            <a:endParaRPr lang="en-AT"/>
-          </a:p>
-        </p:txBody>
-      </p:sp>
-    </p:spTree>
-    <p:extLst>
-      <p:ext uri="{BB962C8B-B14F-4D97-AF65-F5344CB8AC3E}">
-        <p14:creationId xmlns:p14="http://schemas.microsoft.com/office/powerpoint/2010/main" val="1902678757"/>
-      </p:ext>
-    </p:extLst>
-  </p:cSld>
-  <p:clrMapOvr>
-    <a:masterClrMapping/>
-  </p:clrMapOvr>
-</p:notes>
-</file>
-
-<file path=ppt/notesSlides/notesSlide11.xml><?xml version="1.0" encoding="utf-8"?>
-<p:notes xmlns:a="http://schemas.openxmlformats.org/drawingml/2006/main" xmlns:r="http://schemas.openxmlformats.org/officeDocument/2006/relationships" xmlns:p="http://schemas.openxmlformats.org/presentationml/2006/main">
-  <p:cSld>
-    <p:spTree>
-      <p:nvGrpSpPr>
-        <p:cNvPr id="1" name="">
-          <a:extLst>
-            <a:ext uri="{FF2B5EF4-FFF2-40B4-BE49-F238E27FC236}">
               <a16:creationId xmlns:a16="http://schemas.microsoft.com/office/drawing/2014/main" id="{C60E67EC-AF2E-2DE0-C4C4-F19392FB904D}"/>
             </a:ext>
           </a:extLst>
@@ -831,7 +726,7 @@
           <a:p>
             <a:fld id="{E6CB4102-7AB5-8E4E-8C80-4878A8B63072}" type="slidenum">
               <a:rPr lang="en-AT" smtClean="0"/>
-              <a:t>18</a:t>
+              <a:t>17</a:t>
             </a:fld>
             <a:endParaRPr lang="en-AT"/>
           </a:p>
@@ -850,7 +745,7 @@
 </p:notes>
 </file>
 
-<file path=ppt/notesSlides/notesSlide12.xml><?xml version="1.0" encoding="utf-8"?>
+<file path=ppt/notesSlides/notesSlide11.xml><?xml version="1.0" encoding="utf-8"?>
 <p:notes xmlns:a="http://schemas.openxmlformats.org/drawingml/2006/main" xmlns:r="http://schemas.openxmlformats.org/officeDocument/2006/relationships" xmlns:p="http://schemas.openxmlformats.org/presentationml/2006/main">
   <p:cSld>
     <p:spTree>
@@ -939,7 +834,7 @@
           <a:p>
             <a:fld id="{E6CB4102-7AB5-8E4E-8C80-4878A8B63072}" type="slidenum">
               <a:rPr lang="en-AT" smtClean="0"/>
-              <a:t>19</a:t>
+              <a:t>18</a:t>
             </a:fld>
             <a:endParaRPr lang="en-AT"/>
           </a:p>
@@ -958,7 +853,7 @@
 </p:notes>
 </file>
 
-<file path=ppt/notesSlides/notesSlide13.xml><?xml version="1.0" encoding="utf-8"?>
+<file path=ppt/notesSlides/notesSlide12.xml><?xml version="1.0" encoding="utf-8"?>
 <p:notes xmlns:a="http://schemas.openxmlformats.org/drawingml/2006/main" xmlns:r="http://schemas.openxmlformats.org/officeDocument/2006/relationships" xmlns:p="http://schemas.openxmlformats.org/presentationml/2006/main">
   <p:cSld>
     <p:spTree>
@@ -1047,7 +942,7 @@
           <a:p>
             <a:fld id="{E6CB4102-7AB5-8E4E-8C80-4878A8B63072}" type="slidenum">
               <a:rPr lang="en-AT" smtClean="0"/>
-              <a:t>20</a:t>
+              <a:t>19</a:t>
             </a:fld>
             <a:endParaRPr lang="en-AT"/>
           </a:p>
@@ -1066,7 +961,7 @@
 </p:notes>
 </file>
 
-<file path=ppt/notesSlides/notesSlide14.xml><?xml version="1.0" encoding="utf-8"?>
+<file path=ppt/notesSlides/notesSlide13.xml><?xml version="1.0" encoding="utf-8"?>
 <p:notes xmlns:a="http://schemas.openxmlformats.org/drawingml/2006/main" xmlns:r="http://schemas.openxmlformats.org/officeDocument/2006/relationships" xmlns:p="http://schemas.openxmlformats.org/presentationml/2006/main">
   <p:cSld>
     <p:spTree>
@@ -1155,7 +1050,7 @@
           <a:p>
             <a:fld id="{E6CB4102-7AB5-8E4E-8C80-4878A8B63072}" type="slidenum">
               <a:rPr lang="en-AT" smtClean="0"/>
-              <a:t>21</a:t>
+              <a:t>20</a:t>
             </a:fld>
             <a:endParaRPr lang="en-AT"/>
           </a:p>
@@ -1174,7 +1069,7 @@
 </p:notes>
 </file>
 
-<file path=ppt/notesSlides/notesSlide15.xml><?xml version="1.0" encoding="utf-8"?>
+<file path=ppt/notesSlides/notesSlide14.xml><?xml version="1.0" encoding="utf-8"?>
 <p:notes xmlns:a="http://schemas.openxmlformats.org/drawingml/2006/main" xmlns:r="http://schemas.openxmlformats.org/officeDocument/2006/relationships" xmlns:p="http://schemas.openxmlformats.org/presentationml/2006/main">
   <p:cSld>
     <p:spTree>
@@ -1263,7 +1158,7 @@
           <a:p>
             <a:fld id="{E6CB4102-7AB5-8E4E-8C80-4878A8B63072}" type="slidenum">
               <a:rPr lang="en-AT" smtClean="0"/>
-              <a:t>22</a:t>
+              <a:t>21</a:t>
             </a:fld>
             <a:endParaRPr lang="en-AT"/>
           </a:p>
@@ -1273,6 +1168,164 @@
     <p:extLst>
       <p:ext uri="{BB962C8B-B14F-4D97-AF65-F5344CB8AC3E}">
         <p14:creationId xmlns:p14="http://schemas.microsoft.com/office/powerpoint/2010/main" val="3249242218"/>
+      </p:ext>
+    </p:extLst>
+  </p:cSld>
+  <p:clrMapOvr>
+    <a:masterClrMapping/>
+  </p:clrMapOvr>
+</p:notes>
+</file>
+
+<file path=ppt/notesSlides/notesSlide15.xml><?xml version="1.0" encoding="utf-8"?>
+<p:notes xmlns:a="http://schemas.openxmlformats.org/drawingml/2006/main" xmlns:r="http://schemas.openxmlformats.org/officeDocument/2006/relationships" xmlns:p="http://schemas.openxmlformats.org/presentationml/2006/main">
+  <p:cSld>
+    <p:spTree>
+      <p:nvGrpSpPr>
+        <p:cNvPr id="1" name=""/>
+        <p:cNvGrpSpPr/>
+        <p:nvPr/>
+      </p:nvGrpSpPr>
+      <p:grpSpPr>
+        <a:xfrm>
+          <a:off x="0" y="0"/>
+          <a:ext cx="0" cy="0"/>
+          <a:chOff x="0" y="0"/>
+          <a:chExt cx="0" cy="0"/>
+        </a:xfrm>
+      </p:grpSpPr>
+      <p:sp>
+        <p:nvSpPr>
+          <p:cNvPr id="2" name="Folienbildplatzhalter 1"/>
+          <p:cNvSpPr>
+            <a:spLocks noGrp="1" noRot="1" noChangeAspect="1"/>
+          </p:cNvSpPr>
+          <p:nvPr>
+            <p:ph type="sldImg"/>
+          </p:nvPr>
+        </p:nvSpPr>
+        <p:spPr/>
+      </p:sp>
+      <p:sp>
+        <p:nvSpPr>
+          <p:cNvPr id="3" name="Notizenplatzhalter 2"/>
+          <p:cNvSpPr>
+            <a:spLocks noGrp="1"/>
+          </p:cNvSpPr>
+          <p:nvPr>
+            <p:ph type="body" idx="1"/>
+          </p:nvPr>
+        </p:nvSpPr>
+        <p:spPr/>
+        <p:txBody>
+          <a:bodyPr/>
+          <a:lstStyle/>
+          <a:p>
+            <a:r>
+              <a:rPr lang="en-GB" dirty="0"/>
+              <a:t>Beim </a:t>
+            </a:r>
+            <a:r>
+              <a:rPr lang="en-GB" dirty="0" err="1"/>
+              <a:t>Benzenring</a:t>
+            </a:r>
+            <a:r>
+              <a:rPr lang="en-GB" dirty="0"/>
+              <a:t> </a:t>
+            </a:r>
+            <a:r>
+              <a:rPr lang="en-GB" dirty="0" err="1"/>
+              <a:t>drehen</a:t>
+            </a:r>
+            <a:r>
+              <a:rPr lang="en-GB" dirty="0"/>
+              <a:t>, </a:t>
+            </a:r>
+            <a:r>
+              <a:rPr lang="en-GB" dirty="0">
+                <a:sym typeface="Wingdings" pitchFamily="2" charset="2"/>
+              </a:rPr>
+              <a:t> </a:t>
+            </a:r>
+            <a:r>
+              <a:rPr lang="en-GB" dirty="0" err="1">
+                <a:sym typeface="Wingdings" pitchFamily="2" charset="2"/>
+              </a:rPr>
+              <a:t>nicht</a:t>
+            </a:r>
+            <a:r>
+              <a:rPr lang="en-GB" dirty="0">
+                <a:sym typeface="Wingdings" pitchFamily="2" charset="2"/>
+              </a:rPr>
+              <a:t> </a:t>
+            </a:r>
+            <a:r>
+              <a:rPr lang="en-GB" dirty="0" err="1">
+                <a:sym typeface="Wingdings" pitchFamily="2" charset="2"/>
+              </a:rPr>
+              <a:t>ganz</a:t>
+            </a:r>
+            <a:r>
+              <a:rPr lang="en-GB" dirty="0">
+                <a:sym typeface="Wingdings" pitchFamily="2" charset="2"/>
+              </a:rPr>
+              <a:t> 90 ° </a:t>
+            </a:r>
+            <a:r>
+              <a:rPr lang="en-GB" dirty="0" err="1">
+                <a:sym typeface="Wingdings" pitchFamily="2" charset="2"/>
+              </a:rPr>
+              <a:t>beide</a:t>
+            </a:r>
+            <a:r>
+              <a:rPr lang="en-GB" dirty="0">
+                <a:sym typeface="Wingdings" pitchFamily="2" charset="2"/>
+              </a:rPr>
+              <a:t> </a:t>
+            </a:r>
+            <a:r>
+              <a:rPr lang="en-GB" dirty="0" err="1">
+                <a:sym typeface="Wingdings" pitchFamily="2" charset="2"/>
+              </a:rPr>
+              <a:t>machen</a:t>
+            </a:r>
+            <a:r>
+              <a:rPr lang="en-GB" dirty="0">
+                <a:sym typeface="Wingdings" pitchFamily="2" charset="2"/>
+              </a:rPr>
+              <a:t> </a:t>
+            </a:r>
+            <a:endParaRPr lang="en-GB" dirty="0"/>
+          </a:p>
+        </p:txBody>
+      </p:sp>
+      <p:sp>
+        <p:nvSpPr>
+          <p:cNvPr id="4" name="Foliennummernplatzhalter 3"/>
+          <p:cNvSpPr>
+            <a:spLocks noGrp="1"/>
+          </p:cNvSpPr>
+          <p:nvPr>
+            <p:ph type="sldNum" sz="quarter" idx="5"/>
+          </p:nvPr>
+        </p:nvSpPr>
+        <p:spPr/>
+        <p:txBody>
+          <a:bodyPr/>
+          <a:lstStyle/>
+          <a:p>
+            <a:fld id="{E6CB4102-7AB5-8E4E-8C80-4878A8B63072}" type="slidenum">
+              <a:rPr lang="en-AT" smtClean="0"/>
+              <a:t>22</a:t>
+            </a:fld>
+            <a:endParaRPr lang="en-AT"/>
+          </a:p>
+        </p:txBody>
+      </p:sp>
+    </p:spTree>
+    <p:extLst>
+      <p:ext uri="{BB962C8B-B14F-4D97-AF65-F5344CB8AC3E}">
+        <p14:creationId xmlns:p14="http://schemas.microsoft.com/office/powerpoint/2010/main" val="1914094512"/>
       </p:ext>
     </p:extLst>
   </p:cSld>
@@ -1328,79 +1381,24 @@
           <a:p>
             <a:r>
               <a:rPr lang="en-GB" dirty="0"/>
-              <a:t>Beim </a:t>
+              <a:t>NAP Gruppe </a:t>
             </a:r>
             <a:r>
               <a:rPr lang="en-GB" dirty="0" err="1"/>
-              <a:t>Benzenring</a:t>
+              <a:t>als</a:t>
             </a:r>
             <a:r>
               <a:rPr lang="en-GB" dirty="0"/>
-              <a:t> </a:t>
+              <a:t> Backup slide </a:t>
             </a:r>
             <a:r>
               <a:rPr lang="en-GB" dirty="0" err="1"/>
-              <a:t>drehen</a:t>
-            </a:r>
-            <a:r>
-              <a:rPr lang="en-GB" dirty="0"/>
-              <a:t>, </a:t>
-            </a:r>
-            <a:r>
-              <a:rPr lang="en-GB" dirty="0">
-                <a:sym typeface="Wingdings" pitchFamily="2" charset="2"/>
-              </a:rPr>
-              <a:t> </a:t>
-            </a:r>
-            <a:r>
-              <a:rPr lang="en-GB" dirty="0" err="1">
-                <a:sym typeface="Wingdings" pitchFamily="2" charset="2"/>
-              </a:rPr>
-              <a:t>nicht</a:t>
-            </a:r>
-            <a:r>
-              <a:rPr lang="en-GB" dirty="0">
-                <a:sym typeface="Wingdings" pitchFamily="2" charset="2"/>
-              </a:rPr>
-              <a:t> </a:t>
-            </a:r>
-            <a:r>
-              <a:rPr lang="en-GB" dirty="0" err="1">
-                <a:sym typeface="Wingdings" pitchFamily="2" charset="2"/>
-              </a:rPr>
-              <a:t>ganz</a:t>
-            </a:r>
-            <a:r>
-              <a:rPr lang="en-GB" dirty="0">
-                <a:sym typeface="Wingdings" pitchFamily="2" charset="2"/>
-              </a:rPr>
-              <a:t> 90 ° </a:t>
-            </a:r>
-            <a:r>
-              <a:rPr lang="en-GB" dirty="0" err="1">
-                <a:sym typeface="Wingdings" pitchFamily="2" charset="2"/>
-              </a:rPr>
-              <a:t>beide</a:t>
-            </a:r>
-            <a:r>
-              <a:rPr lang="en-GB" dirty="0">
-                <a:sym typeface="Wingdings" pitchFamily="2" charset="2"/>
-              </a:rPr>
-              <a:t> </a:t>
-            </a:r>
-            <a:r>
-              <a:rPr lang="en-GB" dirty="0" err="1">
-                <a:sym typeface="Wingdings" pitchFamily="2" charset="2"/>
-              </a:rPr>
-              <a:t>machen</a:t>
-            </a:r>
-            <a:r>
-              <a:rPr lang="en-GB" dirty="0">
-                <a:sym typeface="Wingdings" pitchFamily="2" charset="2"/>
-              </a:rPr>
-              <a:t> </a:t>
-            </a:r>
-            <a:endParaRPr lang="en-GB" dirty="0"/>
+              <a:t>vorbereiten</a:t>
+            </a:r>
+            <a:r>
+              <a:rPr lang="en-GB"/>
+              <a:t>.</a:t>
+            </a:r>
           </a:p>
         </p:txBody>
       </p:sp>
@@ -1422,109 +1420,6 @@
             <a:fld id="{E6CB4102-7AB5-8E4E-8C80-4878A8B63072}" type="slidenum">
               <a:rPr lang="en-AT" smtClean="0"/>
               <a:t>23</a:t>
-            </a:fld>
-            <a:endParaRPr lang="en-AT"/>
-          </a:p>
-        </p:txBody>
-      </p:sp>
-    </p:spTree>
-    <p:extLst>
-      <p:ext uri="{BB962C8B-B14F-4D97-AF65-F5344CB8AC3E}">
-        <p14:creationId xmlns:p14="http://schemas.microsoft.com/office/powerpoint/2010/main" val="1914094512"/>
-      </p:ext>
-    </p:extLst>
-  </p:cSld>
-  <p:clrMapOvr>
-    <a:masterClrMapping/>
-  </p:clrMapOvr>
-</p:notes>
-</file>
-
-<file path=ppt/notesSlides/notesSlide17.xml><?xml version="1.0" encoding="utf-8"?>
-<p:notes xmlns:a="http://schemas.openxmlformats.org/drawingml/2006/main" xmlns:r="http://schemas.openxmlformats.org/officeDocument/2006/relationships" xmlns:p="http://schemas.openxmlformats.org/presentationml/2006/main">
-  <p:cSld>
-    <p:spTree>
-      <p:nvGrpSpPr>
-        <p:cNvPr id="1" name=""/>
-        <p:cNvGrpSpPr/>
-        <p:nvPr/>
-      </p:nvGrpSpPr>
-      <p:grpSpPr>
-        <a:xfrm>
-          <a:off x="0" y="0"/>
-          <a:ext cx="0" cy="0"/>
-          <a:chOff x="0" y="0"/>
-          <a:chExt cx="0" cy="0"/>
-        </a:xfrm>
-      </p:grpSpPr>
-      <p:sp>
-        <p:nvSpPr>
-          <p:cNvPr id="2" name="Folienbildplatzhalter 1"/>
-          <p:cNvSpPr>
-            <a:spLocks noGrp="1" noRot="1" noChangeAspect="1"/>
-          </p:cNvSpPr>
-          <p:nvPr>
-            <p:ph type="sldImg"/>
-          </p:nvPr>
-        </p:nvSpPr>
-        <p:spPr/>
-      </p:sp>
-      <p:sp>
-        <p:nvSpPr>
-          <p:cNvPr id="3" name="Notizenplatzhalter 2"/>
-          <p:cNvSpPr>
-            <a:spLocks noGrp="1"/>
-          </p:cNvSpPr>
-          <p:nvPr>
-            <p:ph type="body" idx="1"/>
-          </p:nvPr>
-        </p:nvSpPr>
-        <p:spPr/>
-        <p:txBody>
-          <a:bodyPr/>
-          <a:lstStyle/>
-          <a:p>
-            <a:r>
-              <a:rPr lang="en-GB" dirty="0"/>
-              <a:t>NAP Gruppe </a:t>
-            </a:r>
-            <a:r>
-              <a:rPr lang="en-GB" dirty="0" err="1"/>
-              <a:t>als</a:t>
-            </a:r>
-            <a:r>
-              <a:rPr lang="en-GB" dirty="0"/>
-              <a:t> Backup slide </a:t>
-            </a:r>
-            <a:r>
-              <a:rPr lang="en-GB" dirty="0" err="1"/>
-              <a:t>vorbereiten</a:t>
-            </a:r>
-            <a:r>
-              <a:rPr lang="en-GB"/>
-              <a:t>.</a:t>
-            </a:r>
-          </a:p>
-        </p:txBody>
-      </p:sp>
-      <p:sp>
-        <p:nvSpPr>
-          <p:cNvPr id="4" name="Foliennummernplatzhalter 3"/>
-          <p:cNvSpPr>
-            <a:spLocks noGrp="1"/>
-          </p:cNvSpPr>
-          <p:nvPr>
-            <p:ph type="sldNum" sz="quarter" idx="5"/>
-          </p:nvPr>
-        </p:nvSpPr>
-        <p:spPr/>
-        <p:txBody>
-          <a:bodyPr/>
-          <a:lstStyle/>
-          <a:p>
-            <a:fld id="{E6CB4102-7AB5-8E4E-8C80-4878A8B63072}" type="slidenum">
-              <a:rPr lang="en-AT" smtClean="0"/>
-              <a:t>24</a:t>
             </a:fld>
             <a:endParaRPr lang="en-AT"/>
           </a:p>
@@ -2308,7 +2203,13 @@
   <p:cSld>
     <p:spTree>
       <p:nvGrpSpPr>
-        <p:cNvPr id="1" name=""/>
+        <p:cNvPr id="1" name="">
+          <a:extLst>
+            <a:ext uri="{FF2B5EF4-FFF2-40B4-BE49-F238E27FC236}">
+              <a16:creationId xmlns:a16="http://schemas.microsoft.com/office/drawing/2014/main" id="{106AE412-B9E0-45D7-191D-154255DAE0C2}"/>
+            </a:ext>
+          </a:extLst>
+        </p:cNvPr>
         <p:cNvGrpSpPr/>
         <p:nvPr/>
       </p:nvGrpSpPr>
@@ -2322,7 +2223,13 @@
       </p:grpSpPr>
       <p:sp>
         <p:nvSpPr>
-          <p:cNvPr id="2" name="Folienbildplatzhalter 1"/>
+          <p:cNvPr id="2" name="Folienbildplatzhalter 1">
+            <a:extLst>
+              <a:ext uri="{FF2B5EF4-FFF2-40B4-BE49-F238E27FC236}">
+                <a16:creationId xmlns:a16="http://schemas.microsoft.com/office/drawing/2014/main" id="{99335BFA-1814-9A94-EE5D-9C8F0743FA4B}"/>
+              </a:ext>
+            </a:extLst>
+          </p:cNvPr>
           <p:cNvSpPr>
             <a:spLocks noGrp="1" noRot="1" noChangeAspect="1"/>
           </p:cNvSpPr>
@@ -2334,7 +2241,13 @@
       </p:sp>
       <p:sp>
         <p:nvSpPr>
-          <p:cNvPr id="3" name="Notizenplatzhalter 2"/>
+          <p:cNvPr id="3" name="Notizenplatzhalter 2">
+            <a:extLst>
+              <a:ext uri="{FF2B5EF4-FFF2-40B4-BE49-F238E27FC236}">
+                <a16:creationId xmlns:a16="http://schemas.microsoft.com/office/drawing/2014/main" id="{0DB1E4DE-7F23-B511-E6F2-2ABE227D1E8B}"/>
+              </a:ext>
+            </a:extLst>
+          </p:cNvPr>
           <p:cNvSpPr>
             <a:spLocks noGrp="1"/>
           </p:cNvSpPr>
@@ -2353,7 +2266,13 @@
       </p:sp>
       <p:sp>
         <p:nvSpPr>
-          <p:cNvPr id="4" name="Foliennummernplatzhalter 3"/>
+          <p:cNvPr id="4" name="Foliennummernplatzhalter 3">
+            <a:extLst>
+              <a:ext uri="{FF2B5EF4-FFF2-40B4-BE49-F238E27FC236}">
+                <a16:creationId xmlns:a16="http://schemas.microsoft.com/office/drawing/2014/main" id="{1C28F7C3-2148-5E42-E594-0358326291A3}"/>
+              </a:ext>
+            </a:extLst>
+          </p:cNvPr>
           <p:cNvSpPr>
             <a:spLocks noGrp="1"/>
           </p:cNvSpPr>
@@ -2377,7 +2296,7 @@
     </p:spTree>
     <p:extLst>
       <p:ext uri="{BB962C8B-B14F-4D97-AF65-F5344CB8AC3E}">
-        <p14:creationId xmlns:p14="http://schemas.microsoft.com/office/powerpoint/2010/main" val="367472535"/>
+        <p14:creationId xmlns:p14="http://schemas.microsoft.com/office/powerpoint/2010/main" val="1902678757"/>
       </p:ext>
     </p:extLst>
   </p:cSld>
@@ -2771,7 +2690,7 @@
           <a:p>
             <a:fld id="{11F0FE62-D1C8-834F-882F-060B90793A94}" type="datetimeFigureOut">
               <a:rPr lang="de-DE" smtClean="0"/>
-              <a:t>02.04.25</a:t>
+              <a:t>10.04.25</a:t>
             </a:fld>
             <a:endParaRPr lang="de-DE"/>
           </a:p>
@@ -3049,7 +2968,7 @@
           <a:p>
             <a:fld id="{11F0FE62-D1C8-834F-882F-060B90793A94}" type="datetimeFigureOut">
               <a:rPr lang="de-DE" smtClean="0"/>
-              <a:t>02.04.25</a:t>
+              <a:t>10.04.25</a:t>
             </a:fld>
             <a:endParaRPr lang="de-DE"/>
           </a:p>
@@ -3322,7 +3241,7 @@
           <a:p>
             <a:fld id="{11F0FE62-D1C8-834F-882F-060B90793A94}" type="datetimeFigureOut">
               <a:rPr lang="de-DE" smtClean="0"/>
-              <a:t>02.04.25</a:t>
+              <a:t>10.04.25</a:t>
             </a:fld>
             <a:endParaRPr lang="de-DE"/>
           </a:p>
@@ -3737,7 +3656,7 @@
           <a:p>
             <a:fld id="{11F0FE62-D1C8-834F-882F-060B90793A94}" type="datetimeFigureOut">
               <a:rPr lang="de-DE" smtClean="0"/>
-              <a:t>02.04.25</a:t>
+              <a:t>10.04.25</a:t>
             </a:fld>
             <a:endParaRPr lang="de-DE"/>
           </a:p>
@@ -3886,7 +3805,7 @@
           <a:p>
             <a:fld id="{11F0FE62-D1C8-834F-882F-060B90793A94}" type="datetimeFigureOut">
               <a:rPr lang="de-DE" smtClean="0"/>
-              <a:t>02.04.25</a:t>
+              <a:t>10.04.25</a:t>
             </a:fld>
             <a:endParaRPr lang="de-DE"/>
           </a:p>
@@ -3999,7 +3918,7 @@
           <a:p>
             <a:fld id="{11F0FE62-D1C8-834F-882F-060B90793A94}" type="datetimeFigureOut">
               <a:rPr lang="de-DE" smtClean="0"/>
-              <a:t>02.04.25</a:t>
+              <a:t>10.04.25</a:t>
             </a:fld>
             <a:endParaRPr lang="de-DE"/>
           </a:p>
@@ -4313,7 +4232,7 @@
           <a:p>
             <a:fld id="{11F0FE62-D1C8-834F-882F-060B90793A94}" type="datetimeFigureOut">
               <a:rPr lang="de-DE" smtClean="0"/>
-              <a:t>02.04.25</a:t>
+              <a:t>10.04.25</a:t>
             </a:fld>
             <a:endParaRPr lang="de-DE"/>
           </a:p>
@@ -4604,7 +4523,7 @@
           <a:p>
             <a:fld id="{11F0FE62-D1C8-834F-882F-060B90793A94}" type="datetimeFigureOut">
               <a:rPr lang="de-DE" smtClean="0"/>
-              <a:t>02.04.25</a:t>
+              <a:t>10.04.25</a:t>
             </a:fld>
             <a:endParaRPr lang="de-DE"/>
           </a:p>
@@ -4810,7 +4729,7 @@
           <a:p>
             <a:fld id="{11F0FE62-D1C8-834F-882F-060B90793A94}" type="datetimeFigureOut">
               <a:rPr lang="de-DE" smtClean="0"/>
-              <a:t>02.04.25</a:t>
+              <a:t>10.04.25</a:t>
             </a:fld>
             <a:endParaRPr lang="de-DE"/>
           </a:p>
@@ -5021,7 +4940,7 @@
           <a:p>
             <a:fld id="{11F0FE62-D1C8-834F-882F-060B90793A94}" type="datetimeFigureOut">
               <a:rPr lang="de-DE" smtClean="0"/>
-              <a:t>02.04.25</a:t>
+              <a:t>10.04.25</a:t>
             </a:fld>
             <a:endParaRPr lang="de-DE"/>
           </a:p>
@@ -6608,7 +6527,7 @@
           <a:p>
             <a:fld id="{11F0FE62-D1C8-834F-882F-060B90793A94}" type="datetimeFigureOut">
               <a:rPr lang="de-DE" smtClean="0"/>
-              <a:t>02.04.25</a:t>
+              <a:t>10.04.25</a:t>
             </a:fld>
             <a:endParaRPr lang="de-DE"/>
           </a:p>
@@ -7481,7 +7400,7 @@
           <a:p>
             <a:fld id="{11F0FE62-D1C8-834F-882F-060B90793A94}" type="datetimeFigureOut">
               <a:rPr lang="de-DE" smtClean="0"/>
-              <a:t>02.04.25</a:t>
+              <a:t>10.04.25</a:t>
             </a:fld>
             <a:endParaRPr lang="de-DE"/>
           </a:p>
@@ -8022,7 +7941,7 @@
         </p:spPr>
         <p:txBody>
           <a:bodyPr>
-            <a:normAutofit fontScale="90000"/>
+            <a:normAutofit/>
           </a:bodyPr>
           <a:lstStyle/>
           <a:p>
@@ -8072,71 +7991,22 @@
                   <a:schemeClr val="tx1"/>
                 </a:solidFill>
               </a:rPr>
-              <a:t> and </a:t>
-            </a:r>
-            <a:r>
-              <a:rPr lang="de-DE" dirty="0" err="1">
+              <a:t> in </a:t>
+            </a:r>
+            <a:br>
+              <a:rPr lang="de-DE" dirty="0">
                 <a:solidFill>
                   <a:schemeClr val="tx1"/>
                 </a:solidFill>
               </a:rPr>
-              <a:t>long</a:t>
-            </a:r>
+            </a:br>
             <a:r>
               <a:rPr lang="de-DE" dirty="0">
                 <a:solidFill>
                   <a:schemeClr val="tx1"/>
                 </a:solidFill>
               </a:rPr>
-              <a:t> </a:t>
-            </a:r>
-            <a:r>
-              <a:rPr lang="de-DE" dirty="0" err="1">
-                <a:solidFill>
-                  <a:schemeClr val="tx1"/>
-                </a:solidFill>
-              </a:rPr>
-              <a:t>range</a:t>
-            </a:r>
-            <a:r>
-              <a:rPr lang="de-DE" dirty="0">
-                <a:solidFill>
-                  <a:schemeClr val="tx1"/>
-                </a:solidFill>
-              </a:rPr>
-              <a:t> remote </a:t>
-            </a:r>
-            <a:r>
-              <a:rPr lang="de-DE" dirty="0" err="1">
-                <a:solidFill>
-                  <a:schemeClr val="tx1"/>
-                </a:solidFill>
-              </a:rPr>
-              <a:t>group</a:t>
-            </a:r>
-            <a:r>
-              <a:rPr lang="de-DE" dirty="0">
-                <a:solidFill>
-                  <a:schemeClr val="tx1"/>
-                </a:solidFill>
-              </a:rPr>
-              <a:t> </a:t>
-            </a:r>
-            <a:r>
-              <a:rPr lang="de-DE" dirty="0" err="1">
-                <a:solidFill>
-                  <a:schemeClr val="tx1"/>
-                </a:solidFill>
-              </a:rPr>
-              <a:t>participation</a:t>
-            </a:r>
-            <a:r>
-              <a:rPr lang="de-DE" dirty="0">
-                <a:solidFill>
-                  <a:schemeClr val="tx1"/>
-                </a:solidFill>
-              </a:rPr>
-              <a:t> in O-</a:t>
+              <a:t>O-</a:t>
             </a:r>
             <a:r>
               <a:rPr lang="de-DE" dirty="0" err="1">
@@ -8354,6 +8224,183 @@
           </a:fontRef>
         </p:style>
       </p:cxnSp>
+      <p:sp>
+        <p:nvSpPr>
+          <p:cNvPr id="6" name="Textfeld 5">
+            <a:extLst>
+              <a:ext uri="{FF2B5EF4-FFF2-40B4-BE49-F238E27FC236}">
+                <a16:creationId xmlns:a16="http://schemas.microsoft.com/office/drawing/2014/main" id="{DB4837F1-5998-9E13-42DB-B45099CCB3BB}"/>
+              </a:ext>
+            </a:extLst>
+          </p:cNvPr>
+          <p:cNvSpPr txBox="1"/>
+          <p:nvPr/>
+        </p:nvSpPr>
+        <p:spPr>
+          <a:xfrm>
+            <a:off x="88420" y="6487390"/>
+            <a:ext cx="11065534" cy="276999"/>
+          </a:xfrm>
+          <a:prstGeom prst="rect">
+            <a:avLst/>
+          </a:prstGeom>
+          <a:noFill/>
+        </p:spPr>
+        <p:txBody>
+          <a:bodyPr wrap="square">
+            <a:spAutoFit/>
+          </a:bodyPr>
+          <a:lstStyle/>
+          <a:p>
+            <a:r>
+              <a:rPr lang="de-AT" sz="1200" b="0" i="0" dirty="0">
+                <a:solidFill>
+                  <a:schemeClr val="tx1">
+                    <a:lumMod val="50000"/>
+                    <a:lumOff val="50000"/>
+                  </a:schemeClr>
+                </a:solidFill>
+                <a:effectLst/>
+                <a:latin typeface="Helvetica" pitchFamily="2" charset="0"/>
+              </a:rPr>
+              <a:t>Das, R.; </a:t>
+            </a:r>
+            <a:r>
+              <a:rPr lang="de-AT" sz="1200" b="0" i="0" dirty="0" err="1">
+                <a:solidFill>
+                  <a:schemeClr val="tx1">
+                    <a:lumMod val="50000"/>
+                    <a:lumOff val="50000"/>
+                  </a:schemeClr>
+                </a:solidFill>
+                <a:effectLst/>
+                <a:latin typeface="Helvetica" pitchFamily="2" charset="0"/>
+              </a:rPr>
+              <a:t>Mukhopadhyay</a:t>
+            </a:r>
+            <a:r>
+              <a:rPr lang="de-AT" sz="1200" b="0" i="0" dirty="0">
+                <a:solidFill>
+                  <a:schemeClr val="tx1">
+                    <a:lumMod val="50000"/>
+                    <a:lumOff val="50000"/>
+                  </a:schemeClr>
+                </a:solidFill>
+                <a:effectLst/>
+                <a:latin typeface="Helvetica" pitchFamily="2" charset="0"/>
+              </a:rPr>
+              <a:t>, B. </a:t>
+            </a:r>
+            <a:r>
+              <a:rPr lang="de-AT" sz="1200" b="0" i="1" dirty="0">
+                <a:solidFill>
+                  <a:schemeClr val="tx1">
+                    <a:lumMod val="50000"/>
+                    <a:lumOff val="50000"/>
+                  </a:schemeClr>
+                </a:solidFill>
+                <a:effectLst/>
+                <a:latin typeface="Helvetica" pitchFamily="2" charset="0"/>
+              </a:rPr>
+              <a:t>Beilstein J. Org. Chem.</a:t>
+            </a:r>
+            <a:r>
+              <a:rPr lang="de-AT" sz="1200" b="0" i="0" dirty="0">
+                <a:solidFill>
+                  <a:schemeClr val="tx1">
+                    <a:lumMod val="50000"/>
+                    <a:lumOff val="50000"/>
+                  </a:schemeClr>
+                </a:solidFill>
+                <a:effectLst/>
+                <a:latin typeface="Helvetica" pitchFamily="2" charset="0"/>
+              </a:rPr>
+              <a:t> </a:t>
+            </a:r>
+            <a:r>
+              <a:rPr lang="de-AT" sz="1200" b="1" i="0" dirty="0">
+                <a:solidFill>
+                  <a:schemeClr val="tx1">
+                    <a:lumMod val="50000"/>
+                    <a:lumOff val="50000"/>
+                  </a:schemeClr>
+                </a:solidFill>
+                <a:effectLst/>
+                <a:latin typeface="Helvetica" pitchFamily="2" charset="0"/>
+              </a:rPr>
+              <a:t>2025,</a:t>
+            </a:r>
+            <a:r>
+              <a:rPr lang="de-AT" sz="1200" b="0" i="0" dirty="0">
+                <a:solidFill>
+                  <a:schemeClr val="tx1">
+                    <a:lumMod val="50000"/>
+                    <a:lumOff val="50000"/>
+                  </a:schemeClr>
+                </a:solidFill>
+                <a:effectLst/>
+                <a:latin typeface="Helvetica" pitchFamily="2" charset="0"/>
+              </a:rPr>
+              <a:t> </a:t>
+            </a:r>
+            <a:r>
+              <a:rPr lang="de-AT" sz="1200" b="0" i="1" dirty="0">
+                <a:solidFill>
+                  <a:schemeClr val="tx1">
+                    <a:lumMod val="50000"/>
+                    <a:lumOff val="50000"/>
+                  </a:schemeClr>
+                </a:solidFill>
+                <a:effectLst/>
+                <a:latin typeface="Helvetica" pitchFamily="2" charset="0"/>
+              </a:rPr>
+              <a:t>21,</a:t>
+            </a:r>
+            <a:r>
+              <a:rPr lang="de-AT" sz="1200" b="0" i="0" dirty="0">
+                <a:solidFill>
+                  <a:schemeClr val="tx1">
+                    <a:lumMod val="50000"/>
+                    <a:lumOff val="50000"/>
+                  </a:schemeClr>
+                </a:solidFill>
+                <a:effectLst/>
+                <a:latin typeface="Helvetica" pitchFamily="2" charset="0"/>
+              </a:rPr>
+              <a:t> 369–406. </a:t>
+            </a:r>
+            <a:r>
+              <a:rPr lang="de-AT" sz="1200" b="0" i="0" dirty="0">
+                <a:solidFill>
+                  <a:schemeClr val="tx1">
+                    <a:lumMod val="50000"/>
+                    <a:lumOff val="50000"/>
+                  </a:schemeClr>
+                </a:solidFill>
+                <a:effectLst/>
+                <a:latin typeface="Helvetica" pitchFamily="2" charset="0"/>
+                <a:hlinkClick r:id="rId3">
+                  <a:extLst>
+                    <a:ext uri="{A12FA001-AC4F-418D-AE19-62706E023703}">
+                      <ahyp:hlinkClr xmlns:ahyp="http://schemas.microsoft.com/office/drawing/2018/hyperlinkcolor" val="tx"/>
+                    </a:ext>
+                  </a:extLst>
+                </a:hlinkClick>
+              </a:rPr>
+              <a:t>doi:10.3762/bjoc.21.27</a:t>
+            </a:r>
+            <a:endParaRPr lang="en-GB" sz="1200" dirty="0">
+              <a:solidFill>
+                <a:schemeClr val="tx1">
+                  <a:lumMod val="50000"/>
+                  <a:lumOff val="50000"/>
+                </a:schemeClr>
+              </a:solidFill>
+              <a:latin typeface="Helvetica" pitchFamily="2" charset="0"/>
+            </a:endParaRPr>
+          </a:p>
+        </p:txBody>
+      </p:sp>
     </p:spTree>
     <p:extLst>
       <p:ext uri="{BB962C8B-B14F-4D97-AF65-F5344CB8AC3E}">
@@ -8533,7 +8580,7 @@
                 </a:pPr>
                 <a:r>
                   <a:rPr lang="en-GB" dirty="0"/>
-                  <a:t>Greater Reactivity of Oxocarbenium </a:t>
+                  <a:t>Greater reactivity of Oxocarbenium </a:t>
                 </a:r>
                 <a:r>
                   <a:rPr lang="en-GB" dirty="0">
@@ -10215,11 +10262,19 @@
           <a:p>
             <a:r>
               <a:rPr lang="en-GB" dirty="0"/>
-              <a:t>Protecting Groups at C-2 position can be </a:t>
+              <a:t>Protecting groups at C-2 position can be </a:t>
+            </a:r>
+            <a:r>
+              <a:rPr lang="en-GB" i="1" dirty="0">
+                <a:solidFill>
+                  <a:srgbClr val="C00000"/>
+                </a:solidFill>
+              </a:rPr>
+              <a:t>participating</a:t>
             </a:r>
             <a:r>
               <a:rPr lang="en-GB" i="1" dirty="0"/>
-              <a:t>participating / non-participating</a:t>
+              <a:t> / non-participating</a:t>
             </a:r>
           </a:p>
         </p:txBody>
@@ -11503,73 +11558,12 @@
           <a:chExt cx="0" cy="0"/>
         </a:xfrm>
       </p:grpSpPr>
-      <p:sp>
-        <p:nvSpPr>
-          <p:cNvPr id="3" name="Foliennummernplatzhalter 2">
-            <a:extLst>
-              <a:ext uri="{FF2B5EF4-FFF2-40B4-BE49-F238E27FC236}">
-                <a16:creationId xmlns:a16="http://schemas.microsoft.com/office/drawing/2014/main" id="{3718A96E-CB49-DEC2-CBF1-C807EE3E0B79}"/>
-              </a:ext>
-            </a:extLst>
-          </p:cNvPr>
-          <p:cNvSpPr>
-            <a:spLocks noGrp="1"/>
-          </p:cNvSpPr>
-          <p:nvPr>
-            <p:ph type="sldNum" sz="quarter" idx="12"/>
-          </p:nvPr>
-        </p:nvSpPr>
-        <p:spPr/>
-        <p:txBody>
-          <a:bodyPr/>
-          <a:lstStyle/>
-          <a:p>
-            <a:fld id="{49C656FD-8168-4A70-85FD-CB3FFEA2E3E7}" type="slidenum">
-              <a:rPr lang="de-AT" smtClean="0"/>
-              <a:t>15</a:t>
-            </a:fld>
-            <a:endParaRPr lang="de-AT" dirty="0"/>
-          </a:p>
-        </p:txBody>
-      </p:sp>
-      <p:sp>
-        <p:nvSpPr>
-          <p:cNvPr id="4" name="Titel 3">
-            <a:extLst>
-              <a:ext uri="{FF2B5EF4-FFF2-40B4-BE49-F238E27FC236}">
-                <a16:creationId xmlns:a16="http://schemas.microsoft.com/office/drawing/2014/main" id="{3EB6963D-92F0-670D-7E3D-AB7A30FF474B}"/>
-              </a:ext>
-            </a:extLst>
-          </p:cNvPr>
-          <p:cNvSpPr>
-            <a:spLocks noGrp="1"/>
-          </p:cNvSpPr>
-          <p:nvPr>
-            <p:ph type="title"/>
-          </p:nvPr>
-        </p:nvSpPr>
-        <p:spPr/>
-        <p:txBody>
-          <a:bodyPr/>
-          <a:lstStyle/>
-          <a:p>
-            <a:r>
-              <a:rPr lang="en-GB" dirty="0">
-                <a:solidFill>
-                  <a:schemeClr val="tx1"/>
-                </a:solidFill>
-              </a:rPr>
-              <a:t>Glycosylation under solvent free conditions</a:t>
-            </a:r>
-          </a:p>
-        </p:txBody>
-      </p:sp>
       <p:pic>
         <p:nvPicPr>
-          <p:cNvPr id="5" name="Grafik 4">
-            <a:extLst>
-              <a:ext uri="{FF2B5EF4-FFF2-40B4-BE49-F238E27FC236}">
-                <a16:creationId xmlns:a16="http://schemas.microsoft.com/office/drawing/2014/main" id="{767B3ED4-05D2-59E5-7FA2-E43FAD366061}"/>
+          <p:cNvPr id="2" name="Grafik 1">
+            <a:extLst>
+              <a:ext uri="{FF2B5EF4-FFF2-40B4-BE49-F238E27FC236}">
+                <a16:creationId xmlns:a16="http://schemas.microsoft.com/office/drawing/2014/main" id="{EC6393EB-D75B-ACE1-C080-994B692855DA}"/>
               </a:ext>
             </a:extLst>
           </p:cNvPr>
@@ -11586,8 +11580,8 @@
         </p:blipFill>
         <p:spPr>
           <a:xfrm>
-            <a:off x="566755" y="1831192"/>
-            <a:ext cx="8944806" cy="3195615"/>
+            <a:off x="48788" y="1704430"/>
+            <a:ext cx="10079315" cy="3628200"/>
           </a:xfrm>
           <a:prstGeom prst="rect">
             <a:avLst/>
@@ -11596,6 +11590,67 @@
       </p:pic>
       <p:sp>
         <p:nvSpPr>
+          <p:cNvPr id="3" name="Foliennummernplatzhalter 2">
+            <a:extLst>
+              <a:ext uri="{FF2B5EF4-FFF2-40B4-BE49-F238E27FC236}">
+                <a16:creationId xmlns:a16="http://schemas.microsoft.com/office/drawing/2014/main" id="{3718A96E-CB49-DEC2-CBF1-C807EE3E0B79}"/>
+              </a:ext>
+            </a:extLst>
+          </p:cNvPr>
+          <p:cNvSpPr>
+            <a:spLocks noGrp="1"/>
+          </p:cNvSpPr>
+          <p:nvPr>
+            <p:ph type="sldNum" sz="quarter" idx="12"/>
+          </p:nvPr>
+        </p:nvSpPr>
+        <p:spPr/>
+        <p:txBody>
+          <a:bodyPr/>
+          <a:lstStyle/>
+          <a:p>
+            <a:fld id="{49C656FD-8168-4A70-85FD-CB3FFEA2E3E7}" type="slidenum">
+              <a:rPr lang="de-AT" smtClean="0"/>
+              <a:t>15</a:t>
+            </a:fld>
+            <a:endParaRPr lang="de-AT" dirty="0"/>
+          </a:p>
+        </p:txBody>
+      </p:sp>
+      <p:sp>
+        <p:nvSpPr>
+          <p:cNvPr id="4" name="Titel 3">
+            <a:extLst>
+              <a:ext uri="{FF2B5EF4-FFF2-40B4-BE49-F238E27FC236}">
+                <a16:creationId xmlns:a16="http://schemas.microsoft.com/office/drawing/2014/main" id="{3EB6963D-92F0-670D-7E3D-AB7A30FF474B}"/>
+              </a:ext>
+            </a:extLst>
+          </p:cNvPr>
+          <p:cNvSpPr>
+            <a:spLocks noGrp="1"/>
+          </p:cNvSpPr>
+          <p:nvPr>
+            <p:ph type="title"/>
+          </p:nvPr>
+        </p:nvSpPr>
+        <p:spPr/>
+        <p:txBody>
+          <a:bodyPr/>
+          <a:lstStyle/>
+          <a:p>
+            <a:r>
+              <a:rPr lang="en-GB" dirty="0">
+                <a:solidFill>
+                  <a:schemeClr val="tx1"/>
+                </a:solidFill>
+              </a:rPr>
+              <a:t>Glycosylation under solvent free conditions</a:t>
+            </a:r>
+          </a:p>
+        </p:txBody>
+      </p:sp>
+      <p:sp>
+        <p:nvSpPr>
           <p:cNvPr id="7" name="Textfeld 6">
             <a:extLst>
               <a:ext uri="{FF2B5EF4-FFF2-40B4-BE49-F238E27FC236}">
@@ -11608,7 +11663,7 @@
         </p:nvSpPr>
         <p:spPr>
           <a:xfrm>
-            <a:off x="4698809" y="2448827"/>
+            <a:off x="4899225" y="2498931"/>
             <a:ext cx="965136" cy="307777"/>
           </a:xfrm>
           <a:prstGeom prst="rect">
@@ -11647,7 +11702,7 @@
         </p:nvSpPr>
         <p:spPr>
           <a:xfrm>
-            <a:off x="4885715" y="3972827"/>
+            <a:off x="5073605" y="4135665"/>
             <a:ext cx="965136" cy="307777"/>
           </a:xfrm>
           <a:prstGeom prst="rect">
@@ -11814,7 +11869,7 @@
             </p:nvSpPr>
             <p:spPr>
               <a:xfrm>
-                <a:off x="7165964" y="4854001"/>
+                <a:off x="7165964" y="4991787"/>
                 <a:ext cx="1271182" cy="307777"/>
               </a:xfrm>
               <a:prstGeom prst="rect">
@@ -11896,7 +11951,7 @@
             </p:nvSpPr>
             <p:spPr>
               <a:xfrm>
-                <a:off x="7165964" y="4854001"/>
+                <a:off x="7165964" y="4991787"/>
                 <a:ext cx="1271182" cy="307777"/>
               </a:xfrm>
               <a:prstGeom prst="rect">
@@ -12267,7 +12322,7 @@
         <p:cNvPr id="1" name="">
           <a:extLst>
             <a:ext uri="{FF2B5EF4-FFF2-40B4-BE49-F238E27FC236}">
-              <a16:creationId xmlns:a16="http://schemas.microsoft.com/office/drawing/2014/main" id="{D844B536-0031-772A-1F31-5714080F66BA}"/>
+              <a16:creationId xmlns:a16="http://schemas.microsoft.com/office/drawing/2014/main" id="{07895D4B-8E3C-4F07-B74B-E6D5AA2403A5}"/>
             </a:ext>
           </a:extLst>
         </p:cNvPr>
@@ -12287,7 +12342,7 @@
           <p:cNvPr id="3" name="Foliennummernplatzhalter 2">
             <a:extLst>
               <a:ext uri="{FF2B5EF4-FFF2-40B4-BE49-F238E27FC236}">
-                <a16:creationId xmlns:a16="http://schemas.microsoft.com/office/drawing/2014/main" id="{F7318DD7-8471-D69B-7EA8-E6CD23049945}"/>
+                <a16:creationId xmlns:a16="http://schemas.microsoft.com/office/drawing/2014/main" id="{E40691D2-7995-E6DF-1D65-1A4F014D3751}"/>
               </a:ext>
             </a:extLst>
           </p:cNvPr>
@@ -12316,7 +12371,7 @@
           <p:cNvPr id="4" name="Titel 3">
             <a:extLst>
               <a:ext uri="{FF2B5EF4-FFF2-40B4-BE49-F238E27FC236}">
-                <a16:creationId xmlns:a16="http://schemas.microsoft.com/office/drawing/2014/main" id="{04802C0C-D377-7067-66FD-0D5334652F3F}"/>
+                <a16:creationId xmlns:a16="http://schemas.microsoft.com/office/drawing/2014/main" id="{724E3F8B-AB3D-4396-13E8-7540C9D3A613}"/>
               </a:ext>
             </a:extLst>
           </p:cNvPr>
@@ -12356,7 +12411,7 @@
           <p:cNvPr id="2" name="Grafik 1">
             <a:extLst>
               <a:ext uri="{FF2B5EF4-FFF2-40B4-BE49-F238E27FC236}">
-                <a16:creationId xmlns:a16="http://schemas.microsoft.com/office/drawing/2014/main" id="{A44B3146-C14A-206A-2D1E-14D4D6E79719}"/>
+                <a16:creationId xmlns:a16="http://schemas.microsoft.com/office/drawing/2014/main" id="{3633A058-FC64-F0C6-DF0B-82139F5B11B9}"/>
               </a:ext>
             </a:extLst>
           </p:cNvPr>
@@ -12386,7 +12441,7 @@
           <p:cNvPr id="13" name="Textfeld 12">
             <a:extLst>
               <a:ext uri="{FF2B5EF4-FFF2-40B4-BE49-F238E27FC236}">
-                <a16:creationId xmlns:a16="http://schemas.microsoft.com/office/drawing/2014/main" id="{19E9ED7C-DB05-37A0-3A3D-A5392EE04F0F}"/>
+                <a16:creationId xmlns:a16="http://schemas.microsoft.com/office/drawing/2014/main" id="{0D4D7D06-3C31-4102-7CA2-61B13F6CC1F6}"/>
               </a:ext>
             </a:extLst>
           </p:cNvPr>
@@ -12417,1273 +12472,6 @@
               </a:rPr>
               <a:t>45 %</a:t>
             </a:r>
-          </a:p>
-        </p:txBody>
-      </p:sp>
-      <p:sp>
-        <p:nvSpPr>
-          <p:cNvPr id="15" name="Textfeld 14">
-            <a:extLst>
-              <a:ext uri="{FF2B5EF4-FFF2-40B4-BE49-F238E27FC236}">
-                <a16:creationId xmlns:a16="http://schemas.microsoft.com/office/drawing/2014/main" id="{376D4EA3-9A22-6C2A-677E-510C4F569CAC}"/>
-              </a:ext>
-            </a:extLst>
-          </p:cNvPr>
-          <p:cNvSpPr txBox="1"/>
-          <p:nvPr/>
-        </p:nvSpPr>
-        <p:spPr>
-          <a:xfrm>
-            <a:off x="114480" y="6211669"/>
-            <a:ext cx="8305620" cy="646331"/>
-          </a:xfrm>
-          <a:prstGeom prst="rect">
-            <a:avLst/>
-          </a:prstGeom>
-          <a:noFill/>
-        </p:spPr>
-        <p:txBody>
-          <a:bodyPr wrap="square">
-            <a:spAutoFit/>
-          </a:bodyPr>
-          <a:lstStyle/>
-          <a:p>
-            <a:pPr algn="l"/>
-            <a:r>
-              <a:rPr lang="de-AT" sz="1200" b="0" i="0" dirty="0">
-                <a:solidFill>
-                  <a:schemeClr val="tx1">
-                    <a:lumMod val="50000"/>
-                    <a:lumOff val="50000"/>
-                  </a:schemeClr>
-                </a:solidFill>
-                <a:effectLst/>
-                <a:latin typeface="Helvetica" pitchFamily="2" charset="0"/>
-              </a:rPr>
-              <a:t>T.K. Mong, H. Lee, S.G. </a:t>
-            </a:r>
-            <a:r>
-              <a:rPr lang="de-AT" sz="1200" b="0" i="0" dirty="0" err="1">
-                <a:solidFill>
-                  <a:schemeClr val="tx1">
-                    <a:lumMod val="50000"/>
-                    <a:lumOff val="50000"/>
-                  </a:schemeClr>
-                </a:solidFill>
-                <a:effectLst/>
-                <a:latin typeface="Helvetica" pitchFamily="2" charset="0"/>
-              </a:rPr>
-              <a:t>Durón</a:t>
-            </a:r>
-            <a:r>
-              <a:rPr lang="de-AT" sz="1200" b="0" i="0" dirty="0">
-                <a:solidFill>
-                  <a:schemeClr val="tx1">
-                    <a:lumMod val="50000"/>
-                    <a:lumOff val="50000"/>
-                  </a:schemeClr>
-                </a:solidFill>
-                <a:effectLst/>
-                <a:latin typeface="Helvetica" pitchFamily="2" charset="0"/>
-              </a:rPr>
-              <a:t>, &amp; C. Wong,</a:t>
-            </a:r>
-          </a:p>
-          <a:p>
-            <a:pPr>
-              <a:buNone/>
-            </a:pPr>
-            <a:r>
-              <a:rPr lang="de-AT" sz="1200" b="0" i="0" dirty="0" err="1">
-                <a:solidFill>
-                  <a:schemeClr val="tx1">
-                    <a:lumMod val="50000"/>
-                    <a:lumOff val="50000"/>
-                  </a:schemeClr>
-                </a:solidFill>
-                <a:effectLst/>
-                <a:latin typeface="Helvetica" pitchFamily="2" charset="0"/>
-              </a:rPr>
-              <a:t>Reactivity-based</a:t>
-            </a:r>
-            <a:r>
-              <a:rPr lang="de-AT" sz="1200" b="0" i="0" dirty="0">
-                <a:solidFill>
-                  <a:schemeClr val="tx1">
-                    <a:lumMod val="50000"/>
-                    <a:lumOff val="50000"/>
-                  </a:schemeClr>
-                </a:solidFill>
-                <a:effectLst/>
-                <a:latin typeface="Helvetica" pitchFamily="2" charset="0"/>
-              </a:rPr>
-              <a:t> </a:t>
-            </a:r>
-            <a:r>
-              <a:rPr lang="de-AT" sz="1200" b="0" i="0" dirty="0" err="1">
-                <a:solidFill>
-                  <a:schemeClr val="tx1">
-                    <a:lumMod val="50000"/>
-                    <a:lumOff val="50000"/>
-                  </a:schemeClr>
-                </a:solidFill>
-                <a:effectLst/>
-                <a:latin typeface="Helvetica" pitchFamily="2" charset="0"/>
-              </a:rPr>
-              <a:t>one-pot</a:t>
-            </a:r>
-            <a:r>
-              <a:rPr lang="de-AT" sz="1200" b="0" i="0" dirty="0">
-                <a:solidFill>
-                  <a:schemeClr val="tx1">
-                    <a:lumMod val="50000"/>
-                    <a:lumOff val="50000"/>
-                  </a:schemeClr>
-                </a:solidFill>
-                <a:effectLst/>
-                <a:latin typeface="Helvetica" pitchFamily="2" charset="0"/>
-              </a:rPr>
-              <a:t> total </a:t>
-            </a:r>
-            <a:r>
-              <a:rPr lang="de-AT" sz="1200" b="0" i="0" dirty="0" err="1">
-                <a:solidFill>
-                  <a:schemeClr val="tx1">
-                    <a:lumMod val="50000"/>
-                    <a:lumOff val="50000"/>
-                  </a:schemeClr>
-                </a:solidFill>
-                <a:effectLst/>
-                <a:latin typeface="Helvetica" pitchFamily="2" charset="0"/>
-              </a:rPr>
-              <a:t>synthesis</a:t>
-            </a:r>
-            <a:r>
-              <a:rPr lang="de-AT" sz="1200" b="0" i="0" dirty="0">
-                <a:solidFill>
-                  <a:schemeClr val="tx1">
-                    <a:lumMod val="50000"/>
-                    <a:lumOff val="50000"/>
-                  </a:schemeClr>
-                </a:solidFill>
-                <a:effectLst/>
-                <a:latin typeface="Helvetica" pitchFamily="2" charset="0"/>
-              </a:rPr>
-              <a:t> </a:t>
-            </a:r>
-            <a:r>
-              <a:rPr lang="de-AT" sz="1200" b="0" i="0" dirty="0" err="1">
-                <a:solidFill>
-                  <a:schemeClr val="tx1">
-                    <a:lumMod val="50000"/>
-                    <a:lumOff val="50000"/>
-                  </a:schemeClr>
-                </a:solidFill>
-                <a:effectLst/>
-                <a:latin typeface="Helvetica" pitchFamily="2" charset="0"/>
-              </a:rPr>
-              <a:t>of</a:t>
-            </a:r>
-            <a:r>
-              <a:rPr lang="de-AT" sz="1200" b="0" i="0" dirty="0">
-                <a:solidFill>
-                  <a:schemeClr val="tx1">
-                    <a:lumMod val="50000"/>
-                    <a:lumOff val="50000"/>
-                  </a:schemeClr>
-                </a:solidFill>
-                <a:effectLst/>
-                <a:latin typeface="Helvetica" pitchFamily="2" charset="0"/>
-              </a:rPr>
-              <a:t> </a:t>
-            </a:r>
-            <a:r>
-              <a:rPr lang="de-AT" sz="1200" b="0" i="0" dirty="0" err="1">
-                <a:solidFill>
-                  <a:schemeClr val="tx1">
-                    <a:lumMod val="50000"/>
-                    <a:lumOff val="50000"/>
-                  </a:schemeClr>
-                </a:solidFill>
-                <a:effectLst/>
-                <a:latin typeface="Helvetica" pitchFamily="2" charset="0"/>
-              </a:rPr>
-              <a:t>fucose</a:t>
-            </a:r>
-            <a:r>
-              <a:rPr lang="de-AT" sz="1200" b="0" i="0" dirty="0">
-                <a:solidFill>
-                  <a:schemeClr val="tx1">
-                    <a:lumMod val="50000"/>
-                    <a:lumOff val="50000"/>
-                  </a:schemeClr>
-                </a:solidFill>
-                <a:effectLst/>
-                <a:latin typeface="Helvetica" pitchFamily="2" charset="0"/>
-              </a:rPr>
-              <a:t> GM</a:t>
-            </a:r>
-            <a:r>
-              <a:rPr lang="de-AT" sz="1200" b="0" i="0" baseline="-25000" dirty="0">
-                <a:solidFill>
-                  <a:schemeClr val="tx1">
-                    <a:lumMod val="50000"/>
-                    <a:lumOff val="50000"/>
-                  </a:schemeClr>
-                </a:solidFill>
-                <a:effectLst/>
-                <a:latin typeface="Helvetica" pitchFamily="2" charset="0"/>
-              </a:rPr>
-              <a:t>1</a:t>
-            </a:r>
-            <a:r>
-              <a:rPr lang="de-AT" sz="1200" b="0" i="0" dirty="0">
-                <a:solidFill>
-                  <a:schemeClr val="tx1">
-                    <a:lumMod val="50000"/>
-                    <a:lumOff val="50000"/>
-                  </a:schemeClr>
-                </a:solidFill>
-                <a:effectLst/>
-                <a:latin typeface="Helvetica" pitchFamily="2" charset="0"/>
-              </a:rPr>
-              <a:t> </a:t>
-            </a:r>
-            <a:r>
-              <a:rPr lang="de-AT" sz="1200" b="0" i="0" dirty="0" err="1">
-                <a:solidFill>
-                  <a:schemeClr val="tx1">
-                    <a:lumMod val="50000"/>
-                    <a:lumOff val="50000"/>
-                  </a:schemeClr>
-                </a:solidFill>
-                <a:effectLst/>
-                <a:latin typeface="Helvetica" pitchFamily="2" charset="0"/>
-              </a:rPr>
-              <a:t>oligosaccharide</a:t>
-            </a:r>
-            <a:r>
-              <a:rPr lang="de-AT" sz="1200" b="0" i="0" dirty="0">
-                <a:solidFill>
-                  <a:schemeClr val="tx1">
-                    <a:lumMod val="50000"/>
-                    <a:lumOff val="50000"/>
-                  </a:schemeClr>
-                </a:solidFill>
-                <a:effectLst/>
-                <a:latin typeface="Helvetica" pitchFamily="2" charset="0"/>
-              </a:rPr>
-              <a:t>: A </a:t>
-            </a:r>
-            <a:r>
-              <a:rPr lang="de-AT" sz="1200" b="0" i="0" dirty="0" err="1">
-                <a:solidFill>
-                  <a:schemeClr val="tx1">
-                    <a:lumMod val="50000"/>
-                    <a:lumOff val="50000"/>
-                  </a:schemeClr>
-                </a:solidFill>
-                <a:effectLst/>
-                <a:latin typeface="Helvetica" pitchFamily="2" charset="0"/>
-              </a:rPr>
-              <a:t>sialylated</a:t>
-            </a:r>
-            <a:r>
-              <a:rPr lang="de-AT" sz="1200" b="0" i="0" dirty="0">
-                <a:solidFill>
-                  <a:schemeClr val="tx1">
-                    <a:lumMod val="50000"/>
-                    <a:lumOff val="50000"/>
-                  </a:schemeClr>
-                </a:solidFill>
-                <a:effectLst/>
-                <a:latin typeface="Helvetica" pitchFamily="2" charset="0"/>
-              </a:rPr>
-              <a:t> </a:t>
-            </a:r>
-            <a:r>
-              <a:rPr lang="de-AT" sz="1200" b="0" i="0" dirty="0" err="1">
-                <a:solidFill>
-                  <a:schemeClr val="tx1">
-                    <a:lumMod val="50000"/>
-                    <a:lumOff val="50000"/>
-                  </a:schemeClr>
-                </a:solidFill>
-                <a:effectLst/>
-                <a:latin typeface="Helvetica" pitchFamily="2" charset="0"/>
-              </a:rPr>
-              <a:t>antigenic</a:t>
-            </a:r>
-            <a:r>
-              <a:rPr lang="de-AT" sz="1200" b="0" i="0" dirty="0">
-                <a:solidFill>
-                  <a:schemeClr val="tx1">
-                    <a:lumMod val="50000"/>
-                    <a:lumOff val="50000"/>
-                  </a:schemeClr>
-                </a:solidFill>
-                <a:effectLst/>
-                <a:latin typeface="Helvetica" pitchFamily="2" charset="0"/>
-              </a:rPr>
-              <a:t> </a:t>
-            </a:r>
-            <a:r>
-              <a:rPr lang="de-AT" sz="1200" b="0" i="0" dirty="0" err="1">
-                <a:solidFill>
-                  <a:schemeClr val="tx1">
-                    <a:lumMod val="50000"/>
-                    <a:lumOff val="50000"/>
-                  </a:schemeClr>
-                </a:solidFill>
-                <a:effectLst/>
-                <a:latin typeface="Helvetica" pitchFamily="2" charset="0"/>
-              </a:rPr>
-              <a:t>epitope</a:t>
-            </a:r>
-            <a:r>
-              <a:rPr lang="de-AT" sz="1200" b="0" i="0" dirty="0">
-                <a:solidFill>
-                  <a:schemeClr val="tx1">
-                    <a:lumMod val="50000"/>
-                    <a:lumOff val="50000"/>
-                  </a:schemeClr>
-                </a:solidFill>
-                <a:effectLst/>
-                <a:latin typeface="Helvetica" pitchFamily="2" charset="0"/>
-              </a:rPr>
-              <a:t> </a:t>
-            </a:r>
-            <a:r>
-              <a:rPr lang="de-AT" sz="1200" b="0" i="0" dirty="0" err="1">
-                <a:solidFill>
-                  <a:schemeClr val="tx1">
-                    <a:lumMod val="50000"/>
-                    <a:lumOff val="50000"/>
-                  </a:schemeClr>
-                </a:solidFill>
-                <a:effectLst/>
-                <a:latin typeface="Helvetica" pitchFamily="2" charset="0"/>
-              </a:rPr>
-              <a:t>of</a:t>
-            </a:r>
-            <a:r>
-              <a:rPr lang="de-AT" sz="1200" b="0" i="0" dirty="0">
-                <a:solidFill>
-                  <a:schemeClr val="tx1">
-                    <a:lumMod val="50000"/>
-                    <a:lumOff val="50000"/>
-                  </a:schemeClr>
-                </a:solidFill>
-                <a:effectLst/>
-                <a:latin typeface="Helvetica" pitchFamily="2" charset="0"/>
-              </a:rPr>
-              <a:t> </a:t>
-            </a:r>
-            <a:r>
-              <a:rPr lang="de-AT" sz="1200" b="0" i="0" dirty="0" err="1">
-                <a:solidFill>
-                  <a:schemeClr val="tx1">
-                    <a:lumMod val="50000"/>
-                    <a:lumOff val="50000"/>
-                  </a:schemeClr>
-                </a:solidFill>
-                <a:effectLst/>
-                <a:latin typeface="Helvetica" pitchFamily="2" charset="0"/>
-              </a:rPr>
-              <a:t>small-cell</a:t>
-            </a:r>
-            <a:r>
-              <a:rPr lang="de-AT" sz="1200" b="0" i="0" dirty="0">
-                <a:solidFill>
-                  <a:schemeClr val="tx1">
-                    <a:lumMod val="50000"/>
-                    <a:lumOff val="50000"/>
-                  </a:schemeClr>
-                </a:solidFill>
-                <a:effectLst/>
-                <a:latin typeface="Helvetica" pitchFamily="2" charset="0"/>
-              </a:rPr>
-              <a:t> </a:t>
-            </a:r>
-            <a:r>
-              <a:rPr lang="de-AT" sz="1200" b="0" i="0" dirty="0" err="1">
-                <a:solidFill>
-                  <a:schemeClr val="tx1">
-                    <a:lumMod val="50000"/>
-                    <a:lumOff val="50000"/>
-                  </a:schemeClr>
-                </a:solidFill>
-                <a:effectLst/>
-                <a:latin typeface="Helvetica" pitchFamily="2" charset="0"/>
-              </a:rPr>
-              <a:t>lung</a:t>
-            </a:r>
-            <a:r>
-              <a:rPr lang="de-AT" sz="1200" b="0" i="0" dirty="0">
-                <a:solidFill>
-                  <a:schemeClr val="tx1">
-                    <a:lumMod val="50000"/>
-                    <a:lumOff val="50000"/>
-                  </a:schemeClr>
-                </a:solidFill>
-                <a:effectLst/>
-                <a:latin typeface="Helvetica" pitchFamily="2" charset="0"/>
-              </a:rPr>
-              <a:t> </a:t>
-            </a:r>
-            <a:r>
-              <a:rPr lang="de-AT" sz="1200" b="0" i="0" dirty="0" err="1">
-                <a:solidFill>
-                  <a:schemeClr val="tx1">
-                    <a:lumMod val="50000"/>
-                    <a:lumOff val="50000"/>
-                  </a:schemeClr>
-                </a:solidFill>
-                <a:effectLst/>
-                <a:latin typeface="Helvetica" pitchFamily="2" charset="0"/>
-              </a:rPr>
-              <a:t>cancer</a:t>
-            </a:r>
-            <a:r>
-              <a:rPr lang="de-AT" sz="1200" b="0" i="0" dirty="0">
-                <a:solidFill>
-                  <a:schemeClr val="tx1">
-                    <a:lumMod val="50000"/>
-                    <a:lumOff val="50000"/>
-                  </a:schemeClr>
-                </a:solidFill>
-                <a:effectLst/>
-                <a:latin typeface="Helvetica" pitchFamily="2" charset="0"/>
-              </a:rPr>
-              <a:t>, </a:t>
-            </a:r>
-            <a:r>
-              <a:rPr lang="de-AT" sz="1200" b="0" i="1" dirty="0" err="1">
-                <a:solidFill>
-                  <a:schemeClr val="tx1">
-                    <a:lumMod val="50000"/>
-                    <a:lumOff val="50000"/>
-                  </a:schemeClr>
-                </a:solidFill>
-                <a:effectLst/>
-                <a:latin typeface="Helvetica" pitchFamily="2" charset="0"/>
-              </a:rPr>
-              <a:t>Proc</a:t>
-            </a:r>
-            <a:r>
-              <a:rPr lang="de-AT" sz="1200" b="0" i="1" dirty="0">
-                <a:solidFill>
-                  <a:schemeClr val="tx1">
-                    <a:lumMod val="50000"/>
-                    <a:lumOff val="50000"/>
-                  </a:schemeClr>
-                </a:solidFill>
-                <a:effectLst/>
-                <a:latin typeface="Helvetica" pitchFamily="2" charset="0"/>
-              </a:rPr>
-              <a:t>. </a:t>
-            </a:r>
-            <a:r>
-              <a:rPr lang="de-AT" sz="1200" b="0" i="1" dirty="0" err="1">
-                <a:solidFill>
-                  <a:schemeClr val="tx1">
-                    <a:lumMod val="50000"/>
-                    <a:lumOff val="50000"/>
-                  </a:schemeClr>
-                </a:solidFill>
-                <a:effectLst/>
-                <a:latin typeface="Helvetica" pitchFamily="2" charset="0"/>
-              </a:rPr>
-              <a:t>Natl</a:t>
-            </a:r>
-            <a:r>
-              <a:rPr lang="de-AT" sz="1200" b="0" i="1" dirty="0">
-                <a:solidFill>
-                  <a:schemeClr val="tx1">
-                    <a:lumMod val="50000"/>
-                    <a:lumOff val="50000"/>
-                  </a:schemeClr>
-                </a:solidFill>
-                <a:effectLst/>
-                <a:latin typeface="Helvetica" pitchFamily="2" charset="0"/>
-              </a:rPr>
-              <a:t>. Acad. </a:t>
-            </a:r>
-            <a:r>
-              <a:rPr lang="de-AT" sz="1200" b="0" i="1" dirty="0" err="1">
-                <a:solidFill>
-                  <a:schemeClr val="tx1">
-                    <a:lumMod val="50000"/>
-                    <a:lumOff val="50000"/>
-                  </a:schemeClr>
-                </a:solidFill>
-                <a:effectLst/>
-                <a:latin typeface="Helvetica" pitchFamily="2" charset="0"/>
-              </a:rPr>
-              <a:t>Sci</a:t>
-            </a:r>
-            <a:r>
-              <a:rPr lang="de-AT" sz="1200" b="0" i="1" dirty="0">
-                <a:solidFill>
-                  <a:schemeClr val="tx1">
-                    <a:lumMod val="50000"/>
-                    <a:lumOff val="50000"/>
-                  </a:schemeClr>
-                </a:solidFill>
-                <a:effectLst/>
-                <a:latin typeface="Helvetica" pitchFamily="2" charset="0"/>
-              </a:rPr>
-              <a:t>. U.S.A.</a:t>
-            </a:r>
-            <a:r>
-              <a:rPr lang="de-AT" sz="1200" b="0" i="0" dirty="0">
-                <a:solidFill>
-                  <a:schemeClr val="tx1">
-                    <a:lumMod val="50000"/>
-                    <a:lumOff val="50000"/>
-                  </a:schemeClr>
-                </a:solidFill>
-                <a:effectLst/>
-                <a:latin typeface="Helvetica" pitchFamily="2" charset="0"/>
-              </a:rPr>
-              <a:t> 100 (3) 797-802,</a:t>
-            </a:r>
-            <a:endParaRPr lang="en-GB" sz="1200" dirty="0">
-              <a:solidFill>
-                <a:schemeClr val="tx1">
-                  <a:lumMod val="50000"/>
-                  <a:lumOff val="50000"/>
-                </a:schemeClr>
-              </a:solidFill>
-              <a:latin typeface="Helvetica" pitchFamily="2" charset="0"/>
-            </a:endParaRPr>
-          </a:p>
-        </p:txBody>
-      </p:sp>
-    </p:spTree>
-    <p:extLst>
-      <p:ext uri="{BB962C8B-B14F-4D97-AF65-F5344CB8AC3E}">
-        <p14:creationId xmlns:p14="http://schemas.microsoft.com/office/powerpoint/2010/main" val="2451513987"/>
-      </p:ext>
-    </p:extLst>
-  </p:cSld>
-  <p:clrMapOvr>
-    <a:masterClrMapping/>
-  </p:clrMapOvr>
-</p:sld>
-</file>
-
-<file path=ppt/slides/slide17.xml><?xml version="1.0" encoding="utf-8"?>
-<p:sld xmlns:a="http://schemas.openxmlformats.org/drawingml/2006/main" xmlns:r="http://schemas.openxmlformats.org/officeDocument/2006/relationships" xmlns:p="http://schemas.openxmlformats.org/presentationml/2006/main">
-  <p:cSld>
-    <p:spTree>
-      <p:nvGrpSpPr>
-        <p:cNvPr id="1" name="">
-          <a:extLst>
-            <a:ext uri="{FF2B5EF4-FFF2-40B4-BE49-F238E27FC236}">
-              <a16:creationId xmlns:a16="http://schemas.microsoft.com/office/drawing/2014/main" id="{07895D4B-8E3C-4F07-B74B-E6D5AA2403A5}"/>
-            </a:ext>
-          </a:extLst>
-        </p:cNvPr>
-        <p:cNvGrpSpPr/>
-        <p:nvPr/>
-      </p:nvGrpSpPr>
-      <p:grpSpPr>
-        <a:xfrm>
-          <a:off x="0" y="0"/>
-          <a:ext cx="0" cy="0"/>
-          <a:chOff x="0" y="0"/>
-          <a:chExt cx="0" cy="0"/>
-        </a:xfrm>
-      </p:grpSpPr>
-      <p:sp>
-        <p:nvSpPr>
-          <p:cNvPr id="3" name="Foliennummernplatzhalter 2">
-            <a:extLst>
-              <a:ext uri="{FF2B5EF4-FFF2-40B4-BE49-F238E27FC236}">
-                <a16:creationId xmlns:a16="http://schemas.microsoft.com/office/drawing/2014/main" id="{E40691D2-7995-E6DF-1D65-1A4F014D3751}"/>
-              </a:ext>
-            </a:extLst>
-          </p:cNvPr>
-          <p:cNvSpPr>
-            <a:spLocks noGrp="1"/>
-          </p:cNvSpPr>
-          <p:nvPr>
-            <p:ph type="sldNum" sz="quarter" idx="12"/>
-          </p:nvPr>
-        </p:nvSpPr>
-        <p:spPr/>
-        <p:txBody>
-          <a:bodyPr/>
-          <a:lstStyle/>
-          <a:p>
-            <a:fld id="{49C656FD-8168-4A70-85FD-CB3FFEA2E3E7}" type="slidenum">
-              <a:rPr lang="de-AT" smtClean="0"/>
-              <a:t>17</a:t>
-            </a:fld>
-            <a:endParaRPr lang="de-AT" dirty="0"/>
-          </a:p>
-        </p:txBody>
-      </p:sp>
-      <p:sp>
-        <p:nvSpPr>
-          <p:cNvPr id="4" name="Titel 3">
-            <a:extLst>
-              <a:ext uri="{FF2B5EF4-FFF2-40B4-BE49-F238E27FC236}">
-                <a16:creationId xmlns:a16="http://schemas.microsoft.com/office/drawing/2014/main" id="{724E3F8B-AB3D-4396-13E8-7540C9D3A613}"/>
-              </a:ext>
-            </a:extLst>
-          </p:cNvPr>
-          <p:cNvSpPr>
-            <a:spLocks noGrp="1"/>
-          </p:cNvSpPr>
-          <p:nvPr>
-            <p:ph type="title"/>
-          </p:nvPr>
-        </p:nvSpPr>
-        <p:spPr/>
-        <p:txBody>
-          <a:bodyPr/>
-          <a:lstStyle/>
-          <a:p>
-            <a:r>
-              <a:rPr lang="en-GB" dirty="0" err="1">
-                <a:solidFill>
-                  <a:schemeClr val="tx1"/>
-                </a:solidFill>
-              </a:rPr>
-              <a:t>Levulinoyl</a:t>
-            </a:r>
-            <a:r>
-              <a:rPr lang="en-GB" dirty="0">
-                <a:solidFill>
-                  <a:schemeClr val="tx1"/>
-                </a:solidFill>
-              </a:rPr>
-              <a:t> Protection</a:t>
-            </a:r>
-          </a:p>
-        </p:txBody>
-      </p:sp>
-      <p:pic>
-        <p:nvPicPr>
-          <p:cNvPr id="2" name="Grafik 1">
-            <a:extLst>
-              <a:ext uri="{FF2B5EF4-FFF2-40B4-BE49-F238E27FC236}">
-                <a16:creationId xmlns:a16="http://schemas.microsoft.com/office/drawing/2014/main" id="{3633A058-FC64-F0C6-DF0B-82139F5B11B9}"/>
-              </a:ext>
-            </a:extLst>
-          </p:cNvPr>
-          <p:cNvPicPr>
-            <a:picLocks noChangeAspect="1"/>
-          </p:cNvPicPr>
-          <p:nvPr/>
-        </p:nvPicPr>
-        <p:blipFill>
-          <a:blip r:embed="rId3"/>
-          <a:stretch>
-            <a:fillRect/>
-          </a:stretch>
-        </p:blipFill>
-        <p:spPr>
-          <a:xfrm>
-            <a:off x="269711" y="2160026"/>
-            <a:ext cx="8917359" cy="910834"/>
-          </a:xfrm>
-          <a:prstGeom prst="rect">
-            <a:avLst/>
-          </a:prstGeom>
-        </p:spPr>
-      </p:pic>
-      <p:sp>
-        <p:nvSpPr>
-          <p:cNvPr id="13" name="Textfeld 12">
-            <a:extLst>
-              <a:ext uri="{FF2B5EF4-FFF2-40B4-BE49-F238E27FC236}">
-                <a16:creationId xmlns:a16="http://schemas.microsoft.com/office/drawing/2014/main" id="{0D4D7D06-3C31-4102-7CA2-61B13F6CC1F6}"/>
-              </a:ext>
-            </a:extLst>
-          </p:cNvPr>
-          <p:cNvSpPr txBox="1"/>
-          <p:nvPr/>
-        </p:nvSpPr>
-        <p:spPr>
-          <a:xfrm>
-            <a:off x="7308505" y="3121223"/>
-            <a:ext cx="535724" cy="307777"/>
-          </a:xfrm>
-          <a:prstGeom prst="rect">
-            <a:avLst/>
-          </a:prstGeom>
-          <a:noFill/>
-        </p:spPr>
-        <p:txBody>
-          <a:bodyPr wrap="none" rtlCol="0">
-            <a:spAutoFit/>
-          </a:bodyPr>
-          <a:lstStyle/>
-          <a:p>
-            <a:r>
-              <a:rPr lang="en-GB" sz="1400" dirty="0">
-                <a:solidFill>
-                  <a:srgbClr val="1E488F"/>
-                </a:solidFill>
-              </a:rPr>
-              <a:t>45 %</a:t>
-            </a:r>
-          </a:p>
-        </p:txBody>
-      </p:sp>
-      <p:sp>
-        <p:nvSpPr>
-          <p:cNvPr id="15" name="Textfeld 14">
-            <a:extLst>
-              <a:ext uri="{FF2B5EF4-FFF2-40B4-BE49-F238E27FC236}">
-                <a16:creationId xmlns:a16="http://schemas.microsoft.com/office/drawing/2014/main" id="{6D47BB93-1B4D-6E50-9A2F-2D17D0D5EE1A}"/>
-              </a:ext>
-            </a:extLst>
-          </p:cNvPr>
-          <p:cNvSpPr txBox="1"/>
-          <p:nvPr/>
-        </p:nvSpPr>
-        <p:spPr>
-          <a:xfrm>
-            <a:off x="114480" y="6211669"/>
-            <a:ext cx="8305620" cy="646331"/>
-          </a:xfrm>
-          <a:prstGeom prst="rect">
-            <a:avLst/>
-          </a:prstGeom>
-          <a:noFill/>
-        </p:spPr>
-        <p:txBody>
-          <a:bodyPr wrap="square">
-            <a:spAutoFit/>
-          </a:bodyPr>
-          <a:lstStyle/>
-          <a:p>
-            <a:pPr algn="l"/>
-            <a:r>
-              <a:rPr lang="de-AT" sz="1200" b="0" i="0" dirty="0">
-                <a:solidFill>
-                  <a:schemeClr val="tx1">
-                    <a:lumMod val="50000"/>
-                    <a:lumOff val="50000"/>
-                  </a:schemeClr>
-                </a:solidFill>
-                <a:effectLst/>
-                <a:latin typeface="Helvetica" pitchFamily="2" charset="0"/>
-              </a:rPr>
-              <a:t>T.K. Mong, H. Lee, S.G. </a:t>
-            </a:r>
-            <a:r>
-              <a:rPr lang="de-AT" sz="1200" b="0" i="0" dirty="0" err="1">
-                <a:solidFill>
-                  <a:schemeClr val="tx1">
-                    <a:lumMod val="50000"/>
-                    <a:lumOff val="50000"/>
-                  </a:schemeClr>
-                </a:solidFill>
-                <a:effectLst/>
-                <a:latin typeface="Helvetica" pitchFamily="2" charset="0"/>
-              </a:rPr>
-              <a:t>Durón</a:t>
-            </a:r>
-            <a:r>
-              <a:rPr lang="de-AT" sz="1200" b="0" i="0" dirty="0">
-                <a:solidFill>
-                  <a:schemeClr val="tx1">
-                    <a:lumMod val="50000"/>
-                    <a:lumOff val="50000"/>
-                  </a:schemeClr>
-                </a:solidFill>
-                <a:effectLst/>
-                <a:latin typeface="Helvetica" pitchFamily="2" charset="0"/>
-              </a:rPr>
-              <a:t>, &amp; C. Wong,</a:t>
-            </a:r>
-          </a:p>
-          <a:p>
-            <a:pPr>
-              <a:buNone/>
-            </a:pPr>
-            <a:r>
-              <a:rPr lang="de-AT" sz="1200" b="0" i="0" dirty="0">
-                <a:solidFill>
-                  <a:schemeClr val="tx1">
-                    <a:lumMod val="50000"/>
-                    <a:lumOff val="50000"/>
-                  </a:schemeClr>
-                </a:solidFill>
-                <a:effectLst/>
-                <a:latin typeface="Helvetica" pitchFamily="2" charset="0"/>
-              </a:rPr>
-              <a:t> </a:t>
-            </a:r>
-            <a:r>
-              <a:rPr lang="de-AT" sz="1200" b="0" i="0" dirty="0" err="1">
-                <a:solidFill>
-                  <a:schemeClr val="tx1">
-                    <a:lumMod val="50000"/>
-                    <a:lumOff val="50000"/>
-                  </a:schemeClr>
-                </a:solidFill>
-                <a:effectLst/>
-                <a:latin typeface="Helvetica" pitchFamily="2" charset="0"/>
-              </a:rPr>
-              <a:t>Reactivity-based</a:t>
-            </a:r>
-            <a:r>
-              <a:rPr lang="de-AT" sz="1200" b="0" i="0" dirty="0">
-                <a:solidFill>
-                  <a:schemeClr val="tx1">
-                    <a:lumMod val="50000"/>
-                    <a:lumOff val="50000"/>
-                  </a:schemeClr>
-                </a:solidFill>
-                <a:effectLst/>
-                <a:latin typeface="Helvetica" pitchFamily="2" charset="0"/>
-              </a:rPr>
-              <a:t> </a:t>
-            </a:r>
-            <a:r>
-              <a:rPr lang="de-AT" sz="1200" b="0" i="0" dirty="0" err="1">
-                <a:solidFill>
-                  <a:schemeClr val="tx1">
-                    <a:lumMod val="50000"/>
-                    <a:lumOff val="50000"/>
-                  </a:schemeClr>
-                </a:solidFill>
-                <a:effectLst/>
-                <a:latin typeface="Helvetica" pitchFamily="2" charset="0"/>
-              </a:rPr>
-              <a:t>one-pot</a:t>
-            </a:r>
-            <a:r>
-              <a:rPr lang="de-AT" sz="1200" b="0" i="0" dirty="0">
-                <a:solidFill>
-                  <a:schemeClr val="tx1">
-                    <a:lumMod val="50000"/>
-                    <a:lumOff val="50000"/>
-                  </a:schemeClr>
-                </a:solidFill>
-                <a:effectLst/>
-                <a:latin typeface="Helvetica" pitchFamily="2" charset="0"/>
-              </a:rPr>
-              <a:t> total </a:t>
-            </a:r>
-            <a:r>
-              <a:rPr lang="de-AT" sz="1200" b="0" i="0" dirty="0" err="1">
-                <a:solidFill>
-                  <a:schemeClr val="tx1">
-                    <a:lumMod val="50000"/>
-                    <a:lumOff val="50000"/>
-                  </a:schemeClr>
-                </a:solidFill>
-                <a:effectLst/>
-                <a:latin typeface="Helvetica" pitchFamily="2" charset="0"/>
-              </a:rPr>
-              <a:t>synthesis</a:t>
-            </a:r>
-            <a:r>
-              <a:rPr lang="de-AT" sz="1200" b="0" i="0" dirty="0">
-                <a:solidFill>
-                  <a:schemeClr val="tx1">
-                    <a:lumMod val="50000"/>
-                    <a:lumOff val="50000"/>
-                  </a:schemeClr>
-                </a:solidFill>
-                <a:effectLst/>
-                <a:latin typeface="Helvetica" pitchFamily="2" charset="0"/>
-              </a:rPr>
-              <a:t> </a:t>
-            </a:r>
-            <a:r>
-              <a:rPr lang="de-AT" sz="1200" b="0" i="0" dirty="0" err="1">
-                <a:solidFill>
-                  <a:schemeClr val="tx1">
-                    <a:lumMod val="50000"/>
-                    <a:lumOff val="50000"/>
-                  </a:schemeClr>
-                </a:solidFill>
-                <a:effectLst/>
-                <a:latin typeface="Helvetica" pitchFamily="2" charset="0"/>
-              </a:rPr>
-              <a:t>of</a:t>
-            </a:r>
-            <a:r>
-              <a:rPr lang="de-AT" sz="1200" b="0" i="0" dirty="0">
-                <a:solidFill>
-                  <a:schemeClr val="tx1">
-                    <a:lumMod val="50000"/>
-                    <a:lumOff val="50000"/>
-                  </a:schemeClr>
-                </a:solidFill>
-                <a:effectLst/>
-                <a:latin typeface="Helvetica" pitchFamily="2" charset="0"/>
-              </a:rPr>
-              <a:t> </a:t>
-            </a:r>
-            <a:r>
-              <a:rPr lang="de-AT" sz="1200" b="0" i="0" dirty="0" err="1">
-                <a:solidFill>
-                  <a:schemeClr val="tx1">
-                    <a:lumMod val="50000"/>
-                    <a:lumOff val="50000"/>
-                  </a:schemeClr>
-                </a:solidFill>
-                <a:effectLst/>
-                <a:latin typeface="Helvetica" pitchFamily="2" charset="0"/>
-              </a:rPr>
-              <a:t>fucose</a:t>
-            </a:r>
-            <a:r>
-              <a:rPr lang="de-AT" sz="1200" b="0" i="0" dirty="0">
-                <a:solidFill>
-                  <a:schemeClr val="tx1">
-                    <a:lumMod val="50000"/>
-                    <a:lumOff val="50000"/>
-                  </a:schemeClr>
-                </a:solidFill>
-                <a:effectLst/>
-                <a:latin typeface="Helvetica" pitchFamily="2" charset="0"/>
-              </a:rPr>
-              <a:t> GM</a:t>
-            </a:r>
-            <a:r>
-              <a:rPr lang="de-AT" sz="1200" b="0" i="0" baseline="-25000" dirty="0">
-                <a:solidFill>
-                  <a:schemeClr val="tx1">
-                    <a:lumMod val="50000"/>
-                    <a:lumOff val="50000"/>
-                  </a:schemeClr>
-                </a:solidFill>
-                <a:effectLst/>
-                <a:latin typeface="Helvetica" pitchFamily="2" charset="0"/>
-              </a:rPr>
-              <a:t>1</a:t>
-            </a:r>
-            <a:r>
-              <a:rPr lang="de-AT" sz="1200" b="0" i="0" dirty="0">
-                <a:solidFill>
-                  <a:schemeClr val="tx1">
-                    <a:lumMod val="50000"/>
-                    <a:lumOff val="50000"/>
-                  </a:schemeClr>
-                </a:solidFill>
-                <a:effectLst/>
-                <a:latin typeface="Helvetica" pitchFamily="2" charset="0"/>
-              </a:rPr>
-              <a:t> </a:t>
-            </a:r>
-            <a:r>
-              <a:rPr lang="de-AT" sz="1200" b="0" i="0" dirty="0" err="1">
-                <a:solidFill>
-                  <a:schemeClr val="tx1">
-                    <a:lumMod val="50000"/>
-                    <a:lumOff val="50000"/>
-                  </a:schemeClr>
-                </a:solidFill>
-                <a:effectLst/>
-                <a:latin typeface="Helvetica" pitchFamily="2" charset="0"/>
-              </a:rPr>
-              <a:t>oligosaccharide</a:t>
-            </a:r>
-            <a:r>
-              <a:rPr lang="de-AT" sz="1200" b="0" i="0" dirty="0">
-                <a:solidFill>
-                  <a:schemeClr val="tx1">
-                    <a:lumMod val="50000"/>
-                    <a:lumOff val="50000"/>
-                  </a:schemeClr>
-                </a:solidFill>
-                <a:effectLst/>
-                <a:latin typeface="Helvetica" pitchFamily="2" charset="0"/>
-              </a:rPr>
-              <a:t>: A </a:t>
-            </a:r>
-            <a:r>
-              <a:rPr lang="de-AT" sz="1200" b="0" i="0" dirty="0" err="1">
-                <a:solidFill>
-                  <a:schemeClr val="tx1">
-                    <a:lumMod val="50000"/>
-                    <a:lumOff val="50000"/>
-                  </a:schemeClr>
-                </a:solidFill>
-                <a:effectLst/>
-                <a:latin typeface="Helvetica" pitchFamily="2" charset="0"/>
-              </a:rPr>
-              <a:t>sialylated</a:t>
-            </a:r>
-            <a:r>
-              <a:rPr lang="de-AT" sz="1200" b="0" i="0" dirty="0">
-                <a:solidFill>
-                  <a:schemeClr val="tx1">
-                    <a:lumMod val="50000"/>
-                    <a:lumOff val="50000"/>
-                  </a:schemeClr>
-                </a:solidFill>
-                <a:effectLst/>
-                <a:latin typeface="Helvetica" pitchFamily="2" charset="0"/>
-              </a:rPr>
-              <a:t> </a:t>
-            </a:r>
-            <a:r>
-              <a:rPr lang="de-AT" sz="1200" b="0" i="0" dirty="0" err="1">
-                <a:solidFill>
-                  <a:schemeClr val="tx1">
-                    <a:lumMod val="50000"/>
-                    <a:lumOff val="50000"/>
-                  </a:schemeClr>
-                </a:solidFill>
-                <a:effectLst/>
-                <a:latin typeface="Helvetica" pitchFamily="2" charset="0"/>
-              </a:rPr>
-              <a:t>antigenic</a:t>
-            </a:r>
-            <a:r>
-              <a:rPr lang="de-AT" sz="1200" b="0" i="0" dirty="0">
-                <a:solidFill>
-                  <a:schemeClr val="tx1">
-                    <a:lumMod val="50000"/>
-                    <a:lumOff val="50000"/>
-                  </a:schemeClr>
-                </a:solidFill>
-                <a:effectLst/>
-                <a:latin typeface="Helvetica" pitchFamily="2" charset="0"/>
-              </a:rPr>
-              <a:t> </a:t>
-            </a:r>
-            <a:r>
-              <a:rPr lang="de-AT" sz="1200" b="0" i="0" dirty="0" err="1">
-                <a:solidFill>
-                  <a:schemeClr val="tx1">
-                    <a:lumMod val="50000"/>
-                    <a:lumOff val="50000"/>
-                  </a:schemeClr>
-                </a:solidFill>
-                <a:effectLst/>
-                <a:latin typeface="Helvetica" pitchFamily="2" charset="0"/>
-              </a:rPr>
-              <a:t>epitope</a:t>
-            </a:r>
-            <a:r>
-              <a:rPr lang="de-AT" sz="1200" b="0" i="0" dirty="0">
-                <a:solidFill>
-                  <a:schemeClr val="tx1">
-                    <a:lumMod val="50000"/>
-                    <a:lumOff val="50000"/>
-                  </a:schemeClr>
-                </a:solidFill>
-                <a:effectLst/>
-                <a:latin typeface="Helvetica" pitchFamily="2" charset="0"/>
-              </a:rPr>
-              <a:t> </a:t>
-            </a:r>
-            <a:r>
-              <a:rPr lang="de-AT" sz="1200" b="0" i="0" dirty="0" err="1">
-                <a:solidFill>
-                  <a:schemeClr val="tx1">
-                    <a:lumMod val="50000"/>
-                    <a:lumOff val="50000"/>
-                  </a:schemeClr>
-                </a:solidFill>
-                <a:effectLst/>
-                <a:latin typeface="Helvetica" pitchFamily="2" charset="0"/>
-              </a:rPr>
-              <a:t>of</a:t>
-            </a:r>
-            <a:r>
-              <a:rPr lang="de-AT" sz="1200" b="0" i="0" dirty="0">
-                <a:solidFill>
-                  <a:schemeClr val="tx1">
-                    <a:lumMod val="50000"/>
-                    <a:lumOff val="50000"/>
-                  </a:schemeClr>
-                </a:solidFill>
-                <a:effectLst/>
-                <a:latin typeface="Helvetica" pitchFamily="2" charset="0"/>
-              </a:rPr>
-              <a:t> </a:t>
-            </a:r>
-            <a:r>
-              <a:rPr lang="de-AT" sz="1200" b="0" i="0" dirty="0" err="1">
-                <a:solidFill>
-                  <a:schemeClr val="tx1">
-                    <a:lumMod val="50000"/>
-                    <a:lumOff val="50000"/>
-                  </a:schemeClr>
-                </a:solidFill>
-                <a:effectLst/>
-                <a:latin typeface="Helvetica" pitchFamily="2" charset="0"/>
-              </a:rPr>
-              <a:t>small-cell</a:t>
-            </a:r>
-            <a:r>
-              <a:rPr lang="de-AT" sz="1200" b="0" i="0" dirty="0">
-                <a:solidFill>
-                  <a:schemeClr val="tx1">
-                    <a:lumMod val="50000"/>
-                    <a:lumOff val="50000"/>
-                  </a:schemeClr>
-                </a:solidFill>
-                <a:effectLst/>
-                <a:latin typeface="Helvetica" pitchFamily="2" charset="0"/>
-              </a:rPr>
-              <a:t> </a:t>
-            </a:r>
-            <a:r>
-              <a:rPr lang="de-AT" sz="1200" b="0" i="0" dirty="0" err="1">
-                <a:solidFill>
-                  <a:schemeClr val="tx1">
-                    <a:lumMod val="50000"/>
-                    <a:lumOff val="50000"/>
-                  </a:schemeClr>
-                </a:solidFill>
-                <a:effectLst/>
-                <a:latin typeface="Helvetica" pitchFamily="2" charset="0"/>
-              </a:rPr>
-              <a:t>lung</a:t>
-            </a:r>
-            <a:r>
-              <a:rPr lang="de-AT" sz="1200" b="0" i="0" dirty="0">
-                <a:solidFill>
-                  <a:schemeClr val="tx1">
-                    <a:lumMod val="50000"/>
-                    <a:lumOff val="50000"/>
-                  </a:schemeClr>
-                </a:solidFill>
-                <a:effectLst/>
-                <a:latin typeface="Helvetica" pitchFamily="2" charset="0"/>
-              </a:rPr>
-              <a:t> </a:t>
-            </a:r>
-            <a:r>
-              <a:rPr lang="de-AT" sz="1200" b="0" i="0" dirty="0" err="1">
-                <a:solidFill>
-                  <a:schemeClr val="tx1">
-                    <a:lumMod val="50000"/>
-                    <a:lumOff val="50000"/>
-                  </a:schemeClr>
-                </a:solidFill>
-                <a:effectLst/>
-                <a:latin typeface="Helvetica" pitchFamily="2" charset="0"/>
-              </a:rPr>
-              <a:t>cancer</a:t>
-            </a:r>
-            <a:r>
-              <a:rPr lang="de-AT" sz="1200" b="0" i="0" dirty="0">
-                <a:solidFill>
-                  <a:schemeClr val="tx1">
-                    <a:lumMod val="50000"/>
-                    <a:lumOff val="50000"/>
-                  </a:schemeClr>
-                </a:solidFill>
-                <a:effectLst/>
-                <a:latin typeface="Helvetica" pitchFamily="2" charset="0"/>
-              </a:rPr>
-              <a:t>, </a:t>
-            </a:r>
-            <a:r>
-              <a:rPr lang="de-AT" sz="1200" b="0" i="1" dirty="0" err="1">
-                <a:solidFill>
-                  <a:schemeClr val="tx1">
-                    <a:lumMod val="50000"/>
-                    <a:lumOff val="50000"/>
-                  </a:schemeClr>
-                </a:solidFill>
-                <a:effectLst/>
-                <a:latin typeface="Helvetica" pitchFamily="2" charset="0"/>
-              </a:rPr>
-              <a:t>Proc</a:t>
-            </a:r>
-            <a:r>
-              <a:rPr lang="de-AT" sz="1200" b="0" i="1" dirty="0">
-                <a:solidFill>
-                  <a:schemeClr val="tx1">
-                    <a:lumMod val="50000"/>
-                    <a:lumOff val="50000"/>
-                  </a:schemeClr>
-                </a:solidFill>
-                <a:effectLst/>
-                <a:latin typeface="Helvetica" pitchFamily="2" charset="0"/>
-              </a:rPr>
-              <a:t>. </a:t>
-            </a:r>
-            <a:r>
-              <a:rPr lang="de-AT" sz="1200" b="0" i="1" dirty="0" err="1">
-                <a:solidFill>
-                  <a:schemeClr val="tx1">
-                    <a:lumMod val="50000"/>
-                    <a:lumOff val="50000"/>
-                  </a:schemeClr>
-                </a:solidFill>
-                <a:effectLst/>
-                <a:latin typeface="Helvetica" pitchFamily="2" charset="0"/>
-              </a:rPr>
-              <a:t>Natl</a:t>
-            </a:r>
-            <a:r>
-              <a:rPr lang="de-AT" sz="1200" b="0" i="1" dirty="0">
-                <a:solidFill>
-                  <a:schemeClr val="tx1">
-                    <a:lumMod val="50000"/>
-                    <a:lumOff val="50000"/>
-                  </a:schemeClr>
-                </a:solidFill>
-                <a:effectLst/>
-                <a:latin typeface="Helvetica" pitchFamily="2" charset="0"/>
-              </a:rPr>
-              <a:t>. Acad. </a:t>
-            </a:r>
-            <a:r>
-              <a:rPr lang="de-AT" sz="1200" b="0" i="1" dirty="0" err="1">
-                <a:solidFill>
-                  <a:schemeClr val="tx1">
-                    <a:lumMod val="50000"/>
-                    <a:lumOff val="50000"/>
-                  </a:schemeClr>
-                </a:solidFill>
-                <a:effectLst/>
-                <a:latin typeface="Helvetica" pitchFamily="2" charset="0"/>
-              </a:rPr>
-              <a:t>Sci</a:t>
-            </a:r>
-            <a:r>
-              <a:rPr lang="de-AT" sz="1200" b="0" i="1" dirty="0">
-                <a:solidFill>
-                  <a:schemeClr val="tx1">
-                    <a:lumMod val="50000"/>
-                    <a:lumOff val="50000"/>
-                  </a:schemeClr>
-                </a:solidFill>
-                <a:effectLst/>
-                <a:latin typeface="Helvetica" pitchFamily="2" charset="0"/>
-              </a:rPr>
-              <a:t>. U.S.A.</a:t>
-            </a:r>
-            <a:r>
-              <a:rPr lang="de-AT" sz="1200" b="0" i="0" dirty="0">
-                <a:solidFill>
-                  <a:schemeClr val="tx1">
-                    <a:lumMod val="50000"/>
-                    <a:lumOff val="50000"/>
-                  </a:schemeClr>
-                </a:solidFill>
-                <a:effectLst/>
-                <a:latin typeface="Helvetica" pitchFamily="2" charset="0"/>
-              </a:rPr>
-              <a:t> 100 (3) 797-802,</a:t>
-            </a:r>
-            <a:endParaRPr lang="en-GB" sz="1200" dirty="0">
-              <a:solidFill>
-                <a:schemeClr val="tx1">
-                  <a:lumMod val="50000"/>
-                  <a:lumOff val="50000"/>
-                </a:schemeClr>
-              </a:solidFill>
-              <a:latin typeface="Helvetica" pitchFamily="2" charset="0"/>
-            </a:endParaRPr>
           </a:p>
         </p:txBody>
       </p:sp>
@@ -13739,7 +12527,7 @@
             <p:spPr>
               <a:xfrm>
                 <a:off x="390813" y="3540169"/>
-                <a:ext cx="2054665" cy="369332"/>
+                <a:ext cx="2255810" cy="369332"/>
               </a:xfrm>
               <a:prstGeom prst="rect">
                 <a:avLst/>
@@ -13753,7 +12541,10 @@
               <a:lstStyle/>
               <a:p>
                 <a:r>
-                  <a:rPr lang="en-GB" dirty="0"/>
+                  <a:rPr lang="en-GB" dirty="0">
+                    <a:latin typeface="Arial" panose="020B0604020202020204" pitchFamily="34" charset="0"/>
+                    <a:cs typeface="Arial" panose="020B0604020202020204" pitchFamily="34" charset="0"/>
+                  </a:rPr>
                   <a:t>Levulinic Acid </a:t>
                 </a:r>
                 <a14:m>
@@ -13768,7 +12559,10 @@
                   </m:oMath>
                 </a14:m>
                 <a:r>
-                  <a:rPr lang="en-GB" dirty="0"/>
+                  <a:rPr lang="en-GB" dirty="0">
+                    <a:latin typeface="Arial" panose="020B0604020202020204" pitchFamily="34" charset="0"/>
+                    <a:cs typeface="Arial" panose="020B0604020202020204" pitchFamily="34" charset="0"/>
+                  </a:rPr>
                   <a:t> Lev</a:t>
                 </a:r>
               </a:p>
@@ -13793,7 +12587,7 @@
             <p:spPr>
               <a:xfrm>
                 <a:off x="390813" y="3540169"/>
-                <a:ext cx="2054665" cy="369332"/>
+                <a:ext cx="2255810" cy="369332"/>
               </a:xfrm>
               <a:prstGeom prst="rect">
                 <a:avLst/>
@@ -13801,7 +12595,7 @@
               <a:blipFill>
                 <a:blip r:embed="rId5"/>
                 <a:stretch>
-                  <a:fillRect l="-2454" t="-6667" r="-1227" b="-26667"/>
+                  <a:fillRect l="-2235" t="-6667" r="-1117" b="-26667"/>
                 </a:stretch>
               </a:blipFill>
             </p:spPr>
@@ -13820,6 +12614,553 @@
           </p:sp>
         </mc:Fallback>
       </mc:AlternateContent>
+      <p:sp>
+        <p:nvSpPr>
+          <p:cNvPr id="5" name="Textfeld 4">
+            <a:extLst>
+              <a:ext uri="{FF2B5EF4-FFF2-40B4-BE49-F238E27FC236}">
+                <a16:creationId xmlns:a16="http://schemas.microsoft.com/office/drawing/2014/main" id="{22FEAEAA-17EE-B1DF-45FB-41271E580FCC}"/>
+              </a:ext>
+            </a:extLst>
+          </p:cNvPr>
+          <p:cNvSpPr txBox="1"/>
+          <p:nvPr/>
+        </p:nvSpPr>
+        <p:spPr>
+          <a:xfrm>
+            <a:off x="84000" y="6315801"/>
+            <a:ext cx="8305620" cy="461665"/>
+          </a:xfrm>
+          <a:prstGeom prst="rect">
+            <a:avLst/>
+          </a:prstGeom>
+          <a:noFill/>
+        </p:spPr>
+        <p:txBody>
+          <a:bodyPr wrap="square">
+            <a:spAutoFit/>
+          </a:bodyPr>
+          <a:lstStyle/>
+          <a:p>
+            <a:pPr algn="l"/>
+            <a:r>
+              <a:rPr lang="de-AT" sz="1200" b="0" i="0" dirty="0">
+                <a:solidFill>
+                  <a:schemeClr val="tx1">
+                    <a:lumMod val="50000"/>
+                    <a:lumOff val="50000"/>
+                  </a:schemeClr>
+                </a:solidFill>
+                <a:effectLst/>
+                <a:latin typeface="Helvetica" pitchFamily="2" charset="0"/>
+              </a:rPr>
+              <a:t>T.K. Mong, H. Lee, S.G. </a:t>
+            </a:r>
+            <a:r>
+              <a:rPr lang="de-AT" sz="1200" b="0" i="0" dirty="0" err="1">
+                <a:solidFill>
+                  <a:schemeClr val="tx1">
+                    <a:lumMod val="50000"/>
+                    <a:lumOff val="50000"/>
+                  </a:schemeClr>
+                </a:solidFill>
+                <a:effectLst/>
+                <a:latin typeface="Helvetica" pitchFamily="2" charset="0"/>
+              </a:rPr>
+              <a:t>Durón</a:t>
+            </a:r>
+            <a:r>
+              <a:rPr lang="de-AT" sz="1200" b="0" i="0" dirty="0">
+                <a:solidFill>
+                  <a:schemeClr val="tx1">
+                    <a:lumMod val="50000"/>
+                    <a:lumOff val="50000"/>
+                  </a:schemeClr>
+                </a:solidFill>
+                <a:effectLst/>
+                <a:latin typeface="Helvetica" pitchFamily="2" charset="0"/>
+              </a:rPr>
+              <a:t>, &amp; C. Wong,</a:t>
+            </a:r>
+            <a:r>
+              <a:rPr lang="de-AT" sz="1200" dirty="0">
+                <a:solidFill>
+                  <a:schemeClr val="tx1">
+                    <a:lumMod val="50000"/>
+                    <a:lumOff val="50000"/>
+                  </a:schemeClr>
+                </a:solidFill>
+                <a:latin typeface="Helvetica" pitchFamily="2" charset="0"/>
+              </a:rPr>
+              <a:t> </a:t>
+            </a:r>
+            <a:r>
+              <a:rPr lang="de-AT" sz="1200" b="0" i="0" dirty="0" err="1">
+                <a:solidFill>
+                  <a:schemeClr val="tx1">
+                    <a:lumMod val="50000"/>
+                    <a:lumOff val="50000"/>
+                  </a:schemeClr>
+                </a:solidFill>
+                <a:effectLst/>
+                <a:latin typeface="Helvetica" pitchFamily="2" charset="0"/>
+              </a:rPr>
+              <a:t>Reactivity-based</a:t>
+            </a:r>
+            <a:r>
+              <a:rPr lang="de-AT" sz="1200" b="0" i="0" dirty="0">
+                <a:solidFill>
+                  <a:schemeClr val="tx1">
+                    <a:lumMod val="50000"/>
+                    <a:lumOff val="50000"/>
+                  </a:schemeClr>
+                </a:solidFill>
+                <a:effectLst/>
+                <a:latin typeface="Helvetica" pitchFamily="2" charset="0"/>
+              </a:rPr>
+              <a:t> </a:t>
+            </a:r>
+            <a:r>
+              <a:rPr lang="de-AT" sz="1200" b="0" i="0" dirty="0" err="1">
+                <a:solidFill>
+                  <a:schemeClr val="tx1">
+                    <a:lumMod val="50000"/>
+                    <a:lumOff val="50000"/>
+                  </a:schemeClr>
+                </a:solidFill>
+                <a:effectLst/>
+                <a:latin typeface="Helvetica" pitchFamily="2" charset="0"/>
+              </a:rPr>
+              <a:t>one-pot</a:t>
+            </a:r>
+            <a:r>
+              <a:rPr lang="de-AT" sz="1200" b="0" i="0" dirty="0">
+                <a:solidFill>
+                  <a:schemeClr val="tx1">
+                    <a:lumMod val="50000"/>
+                    <a:lumOff val="50000"/>
+                  </a:schemeClr>
+                </a:solidFill>
+                <a:effectLst/>
+                <a:latin typeface="Helvetica" pitchFamily="2" charset="0"/>
+              </a:rPr>
+              <a:t> total </a:t>
+            </a:r>
+            <a:r>
+              <a:rPr lang="de-AT" sz="1200" b="0" i="0" dirty="0" err="1">
+                <a:solidFill>
+                  <a:schemeClr val="tx1">
+                    <a:lumMod val="50000"/>
+                    <a:lumOff val="50000"/>
+                  </a:schemeClr>
+                </a:solidFill>
+                <a:effectLst/>
+                <a:latin typeface="Helvetica" pitchFamily="2" charset="0"/>
+              </a:rPr>
+              <a:t>synthesis</a:t>
+            </a:r>
+            <a:r>
+              <a:rPr lang="de-AT" sz="1200" b="0" i="0" dirty="0">
+                <a:solidFill>
+                  <a:schemeClr val="tx1">
+                    <a:lumMod val="50000"/>
+                    <a:lumOff val="50000"/>
+                  </a:schemeClr>
+                </a:solidFill>
+                <a:effectLst/>
+                <a:latin typeface="Helvetica" pitchFamily="2" charset="0"/>
+              </a:rPr>
+              <a:t> </a:t>
+            </a:r>
+            <a:r>
+              <a:rPr lang="de-AT" sz="1200" b="0" i="0" dirty="0" err="1">
+                <a:solidFill>
+                  <a:schemeClr val="tx1">
+                    <a:lumMod val="50000"/>
+                    <a:lumOff val="50000"/>
+                  </a:schemeClr>
+                </a:solidFill>
+                <a:effectLst/>
+                <a:latin typeface="Helvetica" pitchFamily="2" charset="0"/>
+              </a:rPr>
+              <a:t>of</a:t>
+            </a:r>
+            <a:r>
+              <a:rPr lang="de-AT" sz="1200" b="0" i="0" dirty="0">
+                <a:solidFill>
+                  <a:schemeClr val="tx1">
+                    <a:lumMod val="50000"/>
+                    <a:lumOff val="50000"/>
+                  </a:schemeClr>
+                </a:solidFill>
+                <a:effectLst/>
+                <a:latin typeface="Helvetica" pitchFamily="2" charset="0"/>
+              </a:rPr>
+              <a:t> </a:t>
+            </a:r>
+            <a:r>
+              <a:rPr lang="de-AT" sz="1200" b="0" i="0" dirty="0" err="1">
+                <a:solidFill>
+                  <a:schemeClr val="tx1">
+                    <a:lumMod val="50000"/>
+                    <a:lumOff val="50000"/>
+                  </a:schemeClr>
+                </a:solidFill>
+                <a:effectLst/>
+                <a:latin typeface="Helvetica" pitchFamily="2" charset="0"/>
+              </a:rPr>
+              <a:t>fucose</a:t>
+            </a:r>
+            <a:r>
+              <a:rPr lang="de-AT" sz="1200" b="0" i="0" dirty="0">
+                <a:solidFill>
+                  <a:schemeClr val="tx1">
+                    <a:lumMod val="50000"/>
+                    <a:lumOff val="50000"/>
+                  </a:schemeClr>
+                </a:solidFill>
+                <a:effectLst/>
+                <a:latin typeface="Helvetica" pitchFamily="2" charset="0"/>
+              </a:rPr>
+              <a:t> GM</a:t>
+            </a:r>
+            <a:r>
+              <a:rPr lang="de-AT" sz="1200" b="0" i="0" baseline="-25000" dirty="0">
+                <a:solidFill>
+                  <a:schemeClr val="tx1">
+                    <a:lumMod val="50000"/>
+                    <a:lumOff val="50000"/>
+                  </a:schemeClr>
+                </a:solidFill>
+                <a:effectLst/>
+                <a:latin typeface="Helvetica" pitchFamily="2" charset="0"/>
+              </a:rPr>
+              <a:t>1</a:t>
+            </a:r>
+            <a:r>
+              <a:rPr lang="de-AT" sz="1200" b="0" i="0" dirty="0">
+                <a:solidFill>
+                  <a:schemeClr val="tx1">
+                    <a:lumMod val="50000"/>
+                    <a:lumOff val="50000"/>
+                  </a:schemeClr>
+                </a:solidFill>
+                <a:effectLst/>
+                <a:latin typeface="Helvetica" pitchFamily="2" charset="0"/>
+              </a:rPr>
+              <a:t> </a:t>
+            </a:r>
+            <a:r>
+              <a:rPr lang="de-AT" sz="1200" b="0" i="0" dirty="0" err="1">
+                <a:solidFill>
+                  <a:schemeClr val="tx1">
+                    <a:lumMod val="50000"/>
+                    <a:lumOff val="50000"/>
+                  </a:schemeClr>
+                </a:solidFill>
+                <a:effectLst/>
+                <a:latin typeface="Helvetica" pitchFamily="2" charset="0"/>
+              </a:rPr>
+              <a:t>oligosaccharide</a:t>
+            </a:r>
+            <a:r>
+              <a:rPr lang="de-AT" sz="1200" b="0" i="0" dirty="0">
+                <a:solidFill>
+                  <a:schemeClr val="tx1">
+                    <a:lumMod val="50000"/>
+                    <a:lumOff val="50000"/>
+                  </a:schemeClr>
+                </a:solidFill>
+                <a:effectLst/>
+                <a:latin typeface="Helvetica" pitchFamily="2" charset="0"/>
+              </a:rPr>
+              <a:t>: A </a:t>
+            </a:r>
+            <a:r>
+              <a:rPr lang="de-AT" sz="1200" b="0" i="0" dirty="0" err="1">
+                <a:solidFill>
+                  <a:schemeClr val="tx1">
+                    <a:lumMod val="50000"/>
+                    <a:lumOff val="50000"/>
+                  </a:schemeClr>
+                </a:solidFill>
+                <a:effectLst/>
+                <a:latin typeface="Helvetica" pitchFamily="2" charset="0"/>
+              </a:rPr>
+              <a:t>sialylated</a:t>
+            </a:r>
+            <a:r>
+              <a:rPr lang="de-AT" sz="1200" b="0" i="0" dirty="0">
+                <a:solidFill>
+                  <a:schemeClr val="tx1">
+                    <a:lumMod val="50000"/>
+                    <a:lumOff val="50000"/>
+                  </a:schemeClr>
+                </a:solidFill>
+                <a:effectLst/>
+                <a:latin typeface="Helvetica" pitchFamily="2" charset="0"/>
+              </a:rPr>
+              <a:t> </a:t>
+            </a:r>
+            <a:r>
+              <a:rPr lang="de-AT" sz="1200" b="0" i="0" dirty="0" err="1">
+                <a:solidFill>
+                  <a:schemeClr val="tx1">
+                    <a:lumMod val="50000"/>
+                    <a:lumOff val="50000"/>
+                  </a:schemeClr>
+                </a:solidFill>
+                <a:effectLst/>
+                <a:latin typeface="Helvetica" pitchFamily="2" charset="0"/>
+              </a:rPr>
+              <a:t>antigenic</a:t>
+            </a:r>
+            <a:r>
+              <a:rPr lang="de-AT" sz="1200" b="0" i="0" dirty="0">
+                <a:solidFill>
+                  <a:schemeClr val="tx1">
+                    <a:lumMod val="50000"/>
+                    <a:lumOff val="50000"/>
+                  </a:schemeClr>
+                </a:solidFill>
+                <a:effectLst/>
+                <a:latin typeface="Helvetica" pitchFamily="2" charset="0"/>
+              </a:rPr>
+              <a:t> </a:t>
+            </a:r>
+            <a:r>
+              <a:rPr lang="de-AT" sz="1200" b="0" i="0" dirty="0" err="1">
+                <a:solidFill>
+                  <a:schemeClr val="tx1">
+                    <a:lumMod val="50000"/>
+                    <a:lumOff val="50000"/>
+                  </a:schemeClr>
+                </a:solidFill>
+                <a:effectLst/>
+                <a:latin typeface="Helvetica" pitchFamily="2" charset="0"/>
+              </a:rPr>
+              <a:t>epitope</a:t>
+            </a:r>
+            <a:r>
+              <a:rPr lang="de-AT" sz="1200" b="0" i="0" dirty="0">
+                <a:solidFill>
+                  <a:schemeClr val="tx1">
+                    <a:lumMod val="50000"/>
+                    <a:lumOff val="50000"/>
+                  </a:schemeClr>
+                </a:solidFill>
+                <a:effectLst/>
+                <a:latin typeface="Helvetica" pitchFamily="2" charset="0"/>
+              </a:rPr>
+              <a:t> </a:t>
+            </a:r>
+            <a:r>
+              <a:rPr lang="de-AT" sz="1200" b="0" i="0" dirty="0" err="1">
+                <a:solidFill>
+                  <a:schemeClr val="tx1">
+                    <a:lumMod val="50000"/>
+                    <a:lumOff val="50000"/>
+                  </a:schemeClr>
+                </a:solidFill>
+                <a:effectLst/>
+                <a:latin typeface="Helvetica" pitchFamily="2" charset="0"/>
+              </a:rPr>
+              <a:t>of</a:t>
+            </a:r>
+            <a:r>
+              <a:rPr lang="de-AT" sz="1200" b="0" i="0" dirty="0">
+                <a:solidFill>
+                  <a:schemeClr val="tx1">
+                    <a:lumMod val="50000"/>
+                    <a:lumOff val="50000"/>
+                  </a:schemeClr>
+                </a:solidFill>
+                <a:effectLst/>
+                <a:latin typeface="Helvetica" pitchFamily="2" charset="0"/>
+              </a:rPr>
+              <a:t> </a:t>
+            </a:r>
+            <a:r>
+              <a:rPr lang="de-AT" sz="1200" b="0" i="0" dirty="0" err="1">
+                <a:solidFill>
+                  <a:schemeClr val="tx1">
+                    <a:lumMod val="50000"/>
+                    <a:lumOff val="50000"/>
+                  </a:schemeClr>
+                </a:solidFill>
+                <a:effectLst/>
+                <a:latin typeface="Helvetica" pitchFamily="2" charset="0"/>
+              </a:rPr>
+              <a:t>small-cell</a:t>
+            </a:r>
+            <a:r>
+              <a:rPr lang="de-AT" sz="1200" b="0" i="0" dirty="0">
+                <a:solidFill>
+                  <a:schemeClr val="tx1">
+                    <a:lumMod val="50000"/>
+                    <a:lumOff val="50000"/>
+                  </a:schemeClr>
+                </a:solidFill>
+                <a:effectLst/>
+                <a:latin typeface="Helvetica" pitchFamily="2" charset="0"/>
+              </a:rPr>
+              <a:t> </a:t>
+            </a:r>
+            <a:r>
+              <a:rPr lang="de-AT" sz="1200" b="0" i="0" dirty="0" err="1">
+                <a:solidFill>
+                  <a:schemeClr val="tx1">
+                    <a:lumMod val="50000"/>
+                    <a:lumOff val="50000"/>
+                  </a:schemeClr>
+                </a:solidFill>
+                <a:effectLst/>
+                <a:latin typeface="Helvetica" pitchFamily="2" charset="0"/>
+              </a:rPr>
+              <a:t>lung</a:t>
+            </a:r>
+            <a:r>
+              <a:rPr lang="de-AT" sz="1200" b="0" i="0" dirty="0">
+                <a:solidFill>
+                  <a:schemeClr val="tx1">
+                    <a:lumMod val="50000"/>
+                    <a:lumOff val="50000"/>
+                  </a:schemeClr>
+                </a:solidFill>
+                <a:effectLst/>
+                <a:latin typeface="Helvetica" pitchFamily="2" charset="0"/>
+              </a:rPr>
+              <a:t> </a:t>
+            </a:r>
+            <a:r>
+              <a:rPr lang="de-AT" sz="1200" b="0" i="0" dirty="0" err="1">
+                <a:solidFill>
+                  <a:schemeClr val="tx1">
+                    <a:lumMod val="50000"/>
+                    <a:lumOff val="50000"/>
+                  </a:schemeClr>
+                </a:solidFill>
+                <a:effectLst/>
+                <a:latin typeface="Helvetica" pitchFamily="2" charset="0"/>
+              </a:rPr>
+              <a:t>cancer</a:t>
+            </a:r>
+            <a:r>
+              <a:rPr lang="de-AT" sz="1200" b="0" i="0" dirty="0">
+                <a:solidFill>
+                  <a:schemeClr val="tx1">
+                    <a:lumMod val="50000"/>
+                    <a:lumOff val="50000"/>
+                  </a:schemeClr>
+                </a:solidFill>
+                <a:effectLst/>
+                <a:latin typeface="Helvetica" pitchFamily="2" charset="0"/>
+              </a:rPr>
+              <a:t>, </a:t>
+            </a:r>
+            <a:r>
+              <a:rPr lang="de-AT" sz="1200" b="0" i="1" dirty="0" err="1">
+                <a:solidFill>
+                  <a:schemeClr val="tx1">
+                    <a:lumMod val="50000"/>
+                    <a:lumOff val="50000"/>
+                  </a:schemeClr>
+                </a:solidFill>
+                <a:effectLst/>
+                <a:latin typeface="Helvetica" pitchFamily="2" charset="0"/>
+              </a:rPr>
+              <a:t>Proc</a:t>
+            </a:r>
+            <a:r>
+              <a:rPr lang="de-AT" sz="1200" b="0" i="1" dirty="0">
+                <a:solidFill>
+                  <a:schemeClr val="tx1">
+                    <a:lumMod val="50000"/>
+                    <a:lumOff val="50000"/>
+                  </a:schemeClr>
+                </a:solidFill>
+                <a:effectLst/>
+                <a:latin typeface="Helvetica" pitchFamily="2" charset="0"/>
+              </a:rPr>
+              <a:t>. </a:t>
+            </a:r>
+            <a:r>
+              <a:rPr lang="de-AT" sz="1200" b="0" i="1" dirty="0" err="1">
+                <a:solidFill>
+                  <a:schemeClr val="tx1">
+                    <a:lumMod val="50000"/>
+                    <a:lumOff val="50000"/>
+                  </a:schemeClr>
+                </a:solidFill>
+                <a:effectLst/>
+                <a:latin typeface="Helvetica" pitchFamily="2" charset="0"/>
+              </a:rPr>
+              <a:t>Natl</a:t>
+            </a:r>
+            <a:r>
+              <a:rPr lang="de-AT" sz="1200" b="0" i="1" dirty="0">
+                <a:solidFill>
+                  <a:schemeClr val="tx1">
+                    <a:lumMod val="50000"/>
+                    <a:lumOff val="50000"/>
+                  </a:schemeClr>
+                </a:solidFill>
+                <a:effectLst/>
+                <a:latin typeface="Helvetica" pitchFamily="2" charset="0"/>
+              </a:rPr>
+              <a:t>. Acad. </a:t>
+            </a:r>
+            <a:r>
+              <a:rPr lang="de-AT" sz="1200" b="0" i="1" dirty="0" err="1">
+                <a:solidFill>
+                  <a:schemeClr val="tx1">
+                    <a:lumMod val="50000"/>
+                    <a:lumOff val="50000"/>
+                  </a:schemeClr>
+                </a:solidFill>
+                <a:effectLst/>
+                <a:latin typeface="Helvetica" pitchFamily="2" charset="0"/>
+              </a:rPr>
+              <a:t>Sci</a:t>
+            </a:r>
+            <a:r>
+              <a:rPr lang="de-AT" sz="1200" b="0" i="1" dirty="0">
+                <a:solidFill>
+                  <a:schemeClr val="tx1">
+                    <a:lumMod val="50000"/>
+                    <a:lumOff val="50000"/>
+                  </a:schemeClr>
+                </a:solidFill>
+                <a:effectLst/>
+                <a:latin typeface="Helvetica" pitchFamily="2" charset="0"/>
+              </a:rPr>
+              <a:t>. U.S.A.</a:t>
+            </a:r>
+            <a:r>
+              <a:rPr lang="de-AT" sz="1200" b="0" i="0" dirty="0">
+                <a:solidFill>
+                  <a:schemeClr val="tx1">
+                    <a:lumMod val="50000"/>
+                    <a:lumOff val="50000"/>
+                  </a:schemeClr>
+                </a:solidFill>
+                <a:effectLst/>
+                <a:latin typeface="Helvetica" pitchFamily="2" charset="0"/>
+              </a:rPr>
+              <a:t> 100 (3) 797-802,</a:t>
+            </a:r>
+            <a:endParaRPr lang="en-GB" sz="1200" dirty="0">
+              <a:solidFill>
+                <a:schemeClr val="tx1">
+                  <a:lumMod val="50000"/>
+                  <a:lumOff val="50000"/>
+                </a:schemeClr>
+              </a:solidFill>
+              <a:latin typeface="Helvetica" pitchFamily="2" charset="0"/>
+            </a:endParaRPr>
+          </a:p>
+        </p:txBody>
+      </p:sp>
     </p:spTree>
     <p:extLst>
       <p:ext uri="{BB962C8B-B14F-4D97-AF65-F5344CB8AC3E}">
@@ -13833,7 +13174,7 @@
 </p:sld>
 </file>
 
-<file path=ppt/slides/slide18.xml><?xml version="1.0" encoding="utf-8"?>
+<file path=ppt/slides/slide17.xml><?xml version="1.0" encoding="utf-8"?>
 <p:sld xmlns:a="http://schemas.openxmlformats.org/drawingml/2006/main" xmlns:r="http://schemas.openxmlformats.org/officeDocument/2006/relationships" xmlns:p="http://schemas.openxmlformats.org/presentationml/2006/main">
   <p:cSld>
     <p:spTree>
@@ -13879,7 +13220,7 @@
           <a:p>
             <a:fld id="{49C656FD-8168-4A70-85FD-CB3FFEA2E3E7}" type="slidenum">
               <a:rPr lang="de-AT" smtClean="0"/>
-              <a:t>18</a:t>
+              <a:t>17</a:t>
             </a:fld>
             <a:endParaRPr lang="de-AT" dirty="0"/>
           </a:p>
@@ -14907,7 +14248,7 @@
 </p:sld>
 </file>
 
-<file path=ppt/slides/slide19.xml><?xml version="1.0" encoding="utf-8"?>
+<file path=ppt/slides/slide18.xml><?xml version="1.0" encoding="utf-8"?>
 <p:sld xmlns:a="http://schemas.openxmlformats.org/drawingml/2006/main" xmlns:r="http://schemas.openxmlformats.org/officeDocument/2006/relationships" xmlns:p="http://schemas.openxmlformats.org/presentationml/2006/main">
   <p:cSld>
     <p:spTree>
@@ -14953,7 +14294,7 @@
           <a:p>
             <a:fld id="{49C656FD-8168-4A70-85FD-CB3FFEA2E3E7}" type="slidenum">
               <a:rPr lang="de-AT" smtClean="0"/>
-              <a:t>19</a:t>
+              <a:t>18</a:t>
             </a:fld>
             <a:endParaRPr lang="de-AT" dirty="0"/>
           </a:p>
@@ -15114,7 +14455,7 @@
                 <a:latin typeface="Arial" panose="020B0604020202020204" pitchFamily="34" charset="0"/>
                 <a:cs typeface="Arial" panose="020B0604020202020204" pitchFamily="34" charset="0"/>
               </a:rPr>
-              <a:t>Removal of Pivalate Group requires harsher conditions</a:t>
+              <a:t>Removal of pivalate group requires harsher conditions</a:t>
             </a:r>
           </a:p>
         </p:txBody>
@@ -15668,6 +15009,806 @@
     <p:extLst>
       <p:ext uri="{BB962C8B-B14F-4D97-AF65-F5344CB8AC3E}">
         <p14:creationId xmlns:p14="http://schemas.microsoft.com/office/powerpoint/2010/main" val="1016338727"/>
+      </p:ext>
+    </p:extLst>
+  </p:cSld>
+  <p:clrMapOvr>
+    <a:masterClrMapping/>
+  </p:clrMapOvr>
+</p:sld>
+</file>
+
+<file path=ppt/slides/slide19.xml><?xml version="1.0" encoding="utf-8"?>
+<p:sld xmlns:a="http://schemas.openxmlformats.org/drawingml/2006/main" xmlns:r="http://schemas.openxmlformats.org/officeDocument/2006/relationships" xmlns:p="http://schemas.openxmlformats.org/presentationml/2006/main">
+  <p:cSld>
+    <p:spTree>
+      <p:nvGrpSpPr>
+        <p:cNvPr id="1" name="">
+          <a:extLst>
+            <a:ext uri="{FF2B5EF4-FFF2-40B4-BE49-F238E27FC236}">
+              <a16:creationId xmlns:a16="http://schemas.microsoft.com/office/drawing/2014/main" id="{F7A54856-6D32-D568-25D3-7774C4D6C982}"/>
+            </a:ext>
+          </a:extLst>
+        </p:cNvPr>
+        <p:cNvGrpSpPr/>
+        <p:nvPr/>
+      </p:nvGrpSpPr>
+      <p:grpSpPr>
+        <a:xfrm>
+          <a:off x="0" y="0"/>
+          <a:ext cx="0" cy="0"/>
+          <a:chOff x="0" y="0"/>
+          <a:chExt cx="0" cy="0"/>
+        </a:xfrm>
+      </p:grpSpPr>
+      <p:sp>
+        <p:nvSpPr>
+          <p:cNvPr id="3" name="Foliennummernplatzhalter 2">
+            <a:extLst>
+              <a:ext uri="{FF2B5EF4-FFF2-40B4-BE49-F238E27FC236}">
+                <a16:creationId xmlns:a16="http://schemas.microsoft.com/office/drawing/2014/main" id="{E91E64BA-9D48-92A6-5F54-C7ABACC4734D}"/>
+              </a:ext>
+            </a:extLst>
+          </p:cNvPr>
+          <p:cNvSpPr>
+            <a:spLocks noGrp="1"/>
+          </p:cNvSpPr>
+          <p:nvPr>
+            <p:ph type="sldNum" sz="quarter" idx="12"/>
+          </p:nvPr>
+        </p:nvSpPr>
+        <p:spPr/>
+        <p:txBody>
+          <a:bodyPr/>
+          <a:lstStyle/>
+          <a:p>
+            <a:fld id="{49C656FD-8168-4A70-85FD-CB3FFEA2E3E7}" type="slidenum">
+              <a:rPr lang="de-AT" smtClean="0"/>
+              <a:t>19</a:t>
+            </a:fld>
+            <a:endParaRPr lang="de-AT" dirty="0"/>
+          </a:p>
+        </p:txBody>
+      </p:sp>
+      <p:sp>
+        <p:nvSpPr>
+          <p:cNvPr id="4" name="Titel 3">
+            <a:extLst>
+              <a:ext uri="{FF2B5EF4-FFF2-40B4-BE49-F238E27FC236}">
+                <a16:creationId xmlns:a16="http://schemas.microsoft.com/office/drawing/2014/main" id="{0A5EB087-E6F5-E855-4316-EEB68F720D8C}"/>
+              </a:ext>
+            </a:extLst>
+          </p:cNvPr>
+          <p:cNvSpPr>
+            <a:spLocks noGrp="1"/>
+          </p:cNvSpPr>
+          <p:nvPr>
+            <p:ph type="title"/>
+          </p:nvPr>
+        </p:nvSpPr>
+        <p:spPr/>
+        <p:txBody>
+          <a:bodyPr/>
+          <a:lstStyle/>
+          <a:p>
+            <a:r>
+              <a:rPr lang="en-GB" dirty="0">
+                <a:solidFill>
+                  <a:schemeClr val="tx1"/>
+                </a:solidFill>
+              </a:rPr>
+              <a:t>Pivalate Protection</a:t>
+            </a:r>
+          </a:p>
+        </p:txBody>
+      </p:sp>
+      <p:pic>
+        <p:nvPicPr>
+          <p:cNvPr id="5" name="Grafik 4">
+            <a:extLst>
+              <a:ext uri="{FF2B5EF4-FFF2-40B4-BE49-F238E27FC236}">
+                <a16:creationId xmlns:a16="http://schemas.microsoft.com/office/drawing/2014/main" id="{0A80C126-8EBA-7A99-393A-45E5F6D3833A}"/>
+              </a:ext>
+            </a:extLst>
+          </p:cNvPr>
+          <p:cNvPicPr>
+            <a:picLocks noChangeAspect="1"/>
+          </p:cNvPicPr>
+          <p:nvPr/>
+        </p:nvPicPr>
+        <p:blipFill>
+          <a:blip r:embed="rId3"/>
+          <a:stretch>
+            <a:fillRect/>
+          </a:stretch>
+        </p:blipFill>
+        <p:spPr>
+          <a:xfrm>
+            <a:off x="336332" y="2329551"/>
+            <a:ext cx="4289008" cy="2891831"/>
+          </a:xfrm>
+          <a:prstGeom prst="rect">
+            <a:avLst/>
+          </a:prstGeom>
+          <a:ln>
+            <a:solidFill>
+              <a:schemeClr val="tx1"/>
+            </a:solidFill>
+          </a:ln>
+        </p:spPr>
+      </p:pic>
+      <p:sp>
+        <p:nvSpPr>
+          <p:cNvPr id="8" name="Textfeld 7">
+            <a:extLst>
+              <a:ext uri="{FF2B5EF4-FFF2-40B4-BE49-F238E27FC236}">
+                <a16:creationId xmlns:a16="http://schemas.microsoft.com/office/drawing/2014/main" id="{9F489FDE-220B-0C7B-EEC8-5C7B66FF6790}"/>
+              </a:ext>
+            </a:extLst>
+          </p:cNvPr>
+          <p:cNvSpPr txBox="1"/>
+          <p:nvPr/>
+        </p:nvSpPr>
+        <p:spPr>
+          <a:xfrm>
+            <a:off x="274320" y="1960219"/>
+            <a:ext cx="3070071" cy="369332"/>
+          </a:xfrm>
+          <a:prstGeom prst="rect">
+            <a:avLst/>
+          </a:prstGeom>
+          <a:noFill/>
+        </p:spPr>
+        <p:txBody>
+          <a:bodyPr wrap="none" rtlCol="0">
+            <a:spAutoFit/>
+          </a:bodyPr>
+          <a:lstStyle/>
+          <a:p>
+            <a:r>
+              <a:rPr lang="en-GB" dirty="0">
+                <a:latin typeface="Arial" panose="020B0604020202020204" pitchFamily="34" charset="0"/>
+                <a:cs typeface="Arial" panose="020B0604020202020204" pitchFamily="34" charset="0"/>
+              </a:rPr>
+              <a:t>Derivatives of pivaloyl group</a:t>
+            </a:r>
+          </a:p>
+        </p:txBody>
+      </p:sp>
+      <p:sp>
+        <p:nvSpPr>
+          <p:cNvPr id="10" name="Textfeld 9">
+            <a:extLst>
+              <a:ext uri="{FF2B5EF4-FFF2-40B4-BE49-F238E27FC236}">
+                <a16:creationId xmlns:a16="http://schemas.microsoft.com/office/drawing/2014/main" id="{4B36297C-A588-479C-89BA-6D455361BEC7}"/>
+              </a:ext>
+            </a:extLst>
+          </p:cNvPr>
+          <p:cNvSpPr txBox="1"/>
+          <p:nvPr/>
+        </p:nvSpPr>
+        <p:spPr>
+          <a:xfrm>
+            <a:off x="336332" y="5436825"/>
+            <a:ext cx="5735866" cy="523220"/>
+          </a:xfrm>
+          <a:prstGeom prst="rect">
+            <a:avLst/>
+          </a:prstGeom>
+          <a:noFill/>
+        </p:spPr>
+        <p:txBody>
+          <a:bodyPr wrap="none" rtlCol="0">
+            <a:spAutoFit/>
+          </a:bodyPr>
+          <a:lstStyle/>
+          <a:p>
+            <a:pPr marL="285750" indent="-285750">
+              <a:buFont typeface="Arial" panose="020B0604020202020204" pitchFamily="34" charset="0"/>
+              <a:buChar char="•"/>
+            </a:pPr>
+            <a:r>
+              <a:rPr lang="en-GB" sz="1400" dirty="0">
+                <a:latin typeface="Arial" panose="020B0604020202020204" pitchFamily="34" charset="0"/>
+                <a:cs typeface="Arial" panose="020B0604020202020204" pitchFamily="34" charset="0"/>
+              </a:rPr>
+              <a:t>Reduces probability for nucleophilic attack at oxocarbenium centre</a:t>
+            </a:r>
+          </a:p>
+          <a:p>
+            <a:pPr marL="285750" indent="-285750">
+              <a:buFont typeface="Arial" panose="020B0604020202020204" pitchFamily="34" charset="0"/>
+              <a:buChar char="•"/>
+            </a:pPr>
+            <a:r>
+              <a:rPr lang="en-GB" sz="1400" dirty="0">
+                <a:latin typeface="Arial" panose="020B0604020202020204" pitchFamily="34" charset="0"/>
+                <a:cs typeface="Arial" panose="020B0604020202020204" pitchFamily="34" charset="0"/>
+              </a:rPr>
+              <a:t>Removal of pivalate group requires harsher conditions</a:t>
+            </a:r>
+          </a:p>
+        </p:txBody>
+      </p:sp>
+      <p:sp>
+        <p:nvSpPr>
+          <p:cNvPr id="18" name="AutoShape 2" descr="[1860-5397-21-27-i6]">
+            <a:extLst>
+              <a:ext uri="{FF2B5EF4-FFF2-40B4-BE49-F238E27FC236}">
+                <a16:creationId xmlns:a16="http://schemas.microsoft.com/office/drawing/2014/main" id="{E7276DDF-0CCA-1D5E-C729-A2B7B0883077}"/>
+              </a:ext>
+            </a:extLst>
+          </p:cNvPr>
+          <p:cNvSpPr>
+            <a:spLocks noChangeAspect="1" noChangeArrowheads="1"/>
+          </p:cNvSpPr>
+          <p:nvPr/>
+        </p:nvSpPr>
+        <p:spPr bwMode="auto">
+          <a:xfrm>
+            <a:off x="5943600" y="3276600"/>
+            <a:ext cx="304800" cy="304800"/>
+          </a:xfrm>
+          <a:prstGeom prst="rect">
+            <a:avLst/>
+          </a:prstGeom>
+          <a:noFill/>
+          <a:extLst>
+            <a:ext uri="{909E8E84-426E-40DD-AFC4-6F175D3DCCD1}">
+              <a14:hiddenFill xmlns:a14="http://schemas.microsoft.com/office/drawing/2010/main">
+                <a:solidFill>
+                  <a:srgbClr val="FFFFFF"/>
+                </a:solidFill>
+              </a14:hiddenFill>
+            </a:ext>
+          </a:extLst>
+        </p:spPr>
+        <p:txBody>
+          <a:bodyPr vert="horz" wrap="square" lIns="91440" tIns="45720" rIns="91440" bIns="45720" numCol="1" anchor="t" anchorCtr="0" compatLnSpc="1">
+            <a:prstTxWarp prst="textNoShape">
+              <a:avLst/>
+            </a:prstTxWarp>
+          </a:bodyPr>
+          <a:lstStyle/>
+          <a:p>
+            <a:endParaRPr lang="en-GB"/>
+          </a:p>
+        </p:txBody>
+      </p:sp>
+      <p:sp>
+        <p:nvSpPr>
+          <p:cNvPr id="21" name="AutoShape 8">
+            <a:extLst>
+              <a:ext uri="{FF2B5EF4-FFF2-40B4-BE49-F238E27FC236}">
+                <a16:creationId xmlns:a16="http://schemas.microsoft.com/office/drawing/2014/main" id="{029D8217-C995-64A8-4664-A21AD9EB3178}"/>
+              </a:ext>
+            </a:extLst>
+          </p:cNvPr>
+          <p:cNvSpPr>
+            <a:spLocks noChangeAspect="1" noChangeArrowheads="1"/>
+          </p:cNvSpPr>
+          <p:nvPr/>
+        </p:nvSpPr>
+        <p:spPr bwMode="auto">
+          <a:xfrm>
+            <a:off x="6096000" y="3429000"/>
+            <a:ext cx="2827020" cy="2827020"/>
+          </a:xfrm>
+          <a:prstGeom prst="rect">
+            <a:avLst/>
+          </a:prstGeom>
+          <a:noFill/>
+          <a:extLst>
+            <a:ext uri="{909E8E84-426E-40DD-AFC4-6F175D3DCCD1}">
+              <a14:hiddenFill xmlns:a14="http://schemas.microsoft.com/office/drawing/2010/main">
+                <a:solidFill>
+                  <a:srgbClr val="FFFFFF"/>
+                </a:solidFill>
+              </a14:hiddenFill>
+            </a:ext>
+          </a:extLst>
+        </p:spPr>
+        <p:txBody>
+          <a:bodyPr vert="horz" wrap="square" lIns="91440" tIns="45720" rIns="91440" bIns="45720" numCol="1" anchor="t" anchorCtr="0" compatLnSpc="1">
+            <a:prstTxWarp prst="textNoShape">
+              <a:avLst/>
+            </a:prstTxWarp>
+          </a:bodyPr>
+          <a:lstStyle/>
+          <a:p>
+            <a:endParaRPr lang="en-GB"/>
+          </a:p>
+        </p:txBody>
+      </p:sp>
+      <p:pic>
+        <p:nvPicPr>
+          <p:cNvPr id="22" name="Grafik 21">
+            <a:extLst>
+              <a:ext uri="{FF2B5EF4-FFF2-40B4-BE49-F238E27FC236}">
+                <a16:creationId xmlns:a16="http://schemas.microsoft.com/office/drawing/2014/main" id="{48108E77-7B15-9102-48F3-B938C978D181}"/>
+              </a:ext>
+            </a:extLst>
+          </p:cNvPr>
+          <p:cNvPicPr>
+            <a:picLocks noChangeAspect="1"/>
+          </p:cNvPicPr>
+          <p:nvPr/>
+        </p:nvPicPr>
+        <p:blipFill>
+          <a:blip r:embed="rId4"/>
+          <a:stretch>
+            <a:fillRect/>
+          </a:stretch>
+        </p:blipFill>
+        <p:spPr>
+          <a:xfrm>
+            <a:off x="5073883" y="2069753"/>
+            <a:ext cx="6813317" cy="3151629"/>
+          </a:xfrm>
+          <a:prstGeom prst="rect">
+            <a:avLst/>
+          </a:prstGeom>
+        </p:spPr>
+      </p:pic>
+      <p:sp>
+        <p:nvSpPr>
+          <p:cNvPr id="23" name="Textfeld 22">
+            <a:extLst>
+              <a:ext uri="{FF2B5EF4-FFF2-40B4-BE49-F238E27FC236}">
+                <a16:creationId xmlns:a16="http://schemas.microsoft.com/office/drawing/2014/main" id="{FBCBC5B9-5B1F-AB3D-D84A-929E02D6B007}"/>
+              </a:ext>
+            </a:extLst>
+          </p:cNvPr>
+          <p:cNvSpPr txBox="1"/>
+          <p:nvPr/>
+        </p:nvSpPr>
+        <p:spPr>
+          <a:xfrm>
+            <a:off x="2063894" y="4046220"/>
+            <a:ext cx="833883" cy="307777"/>
+          </a:xfrm>
+          <a:prstGeom prst="rect">
+            <a:avLst/>
+          </a:prstGeom>
+          <a:noFill/>
+        </p:spPr>
+        <p:txBody>
+          <a:bodyPr wrap="none" rtlCol="0">
+            <a:spAutoFit/>
+          </a:bodyPr>
+          <a:lstStyle/>
+          <a:p>
+            <a:r>
+              <a:rPr lang="en-GB" sz="1400" dirty="0" err="1">
+                <a:solidFill>
+                  <a:srgbClr val="C00000"/>
+                </a:solidFill>
+                <a:latin typeface="Arial" panose="020B0604020202020204" pitchFamily="34" charset="0"/>
+                <a:cs typeface="Arial" panose="020B0604020202020204" pitchFamily="34" charset="0"/>
+              </a:rPr>
+              <a:t>OPivCN</a:t>
+            </a:r>
+            <a:endParaRPr lang="en-GB" sz="1400" dirty="0">
+              <a:solidFill>
+                <a:srgbClr val="C00000"/>
+              </a:solidFill>
+              <a:latin typeface="Arial" panose="020B0604020202020204" pitchFamily="34" charset="0"/>
+              <a:cs typeface="Arial" panose="020B0604020202020204" pitchFamily="34" charset="0"/>
+            </a:endParaRPr>
+          </a:p>
+        </p:txBody>
+      </p:sp>
+      <p:sp>
+        <p:nvSpPr>
+          <p:cNvPr id="7" name="Textfeld 6">
+            <a:extLst>
+              <a:ext uri="{FF2B5EF4-FFF2-40B4-BE49-F238E27FC236}">
+                <a16:creationId xmlns:a16="http://schemas.microsoft.com/office/drawing/2014/main" id="{BD54098C-A83E-D3A3-B498-108017F08D76}"/>
+              </a:ext>
+            </a:extLst>
+          </p:cNvPr>
+          <p:cNvSpPr txBox="1"/>
+          <p:nvPr/>
+        </p:nvSpPr>
+        <p:spPr>
+          <a:xfrm>
+            <a:off x="101379" y="6300238"/>
+            <a:ext cx="11156806" cy="461665"/>
+          </a:xfrm>
+          <a:prstGeom prst="rect">
+            <a:avLst/>
+          </a:prstGeom>
+          <a:noFill/>
+        </p:spPr>
+        <p:txBody>
+          <a:bodyPr wrap="square">
+            <a:spAutoFit/>
+          </a:bodyPr>
+          <a:lstStyle/>
+          <a:p>
+            <a:pPr algn="l"/>
+            <a:r>
+              <a:rPr lang="de-AT" sz="1200" i="0" dirty="0" err="1">
+                <a:solidFill>
+                  <a:schemeClr val="tx1">
+                    <a:lumMod val="50000"/>
+                    <a:lumOff val="50000"/>
+                  </a:schemeClr>
+                </a:solidFill>
+                <a:effectLst/>
+                <a:latin typeface="Helvetica" pitchFamily="2" charset="0"/>
+              </a:rPr>
+              <a:t>Cyanopivaloyl</a:t>
+            </a:r>
+            <a:r>
+              <a:rPr lang="de-AT" sz="1200" i="0" dirty="0">
+                <a:solidFill>
+                  <a:schemeClr val="tx1">
+                    <a:lumMod val="50000"/>
+                    <a:lumOff val="50000"/>
+                  </a:schemeClr>
+                </a:solidFill>
+                <a:effectLst/>
+                <a:latin typeface="Helvetica" pitchFamily="2" charset="0"/>
+              </a:rPr>
+              <a:t> Ester in </a:t>
+            </a:r>
+            <a:r>
+              <a:rPr lang="de-AT" sz="1200" i="0" dirty="0" err="1">
+                <a:solidFill>
+                  <a:schemeClr val="tx1">
+                    <a:lumMod val="50000"/>
+                    <a:lumOff val="50000"/>
+                  </a:schemeClr>
+                </a:solidFill>
+                <a:effectLst/>
+                <a:latin typeface="Helvetica" pitchFamily="2" charset="0"/>
+              </a:rPr>
+              <a:t>the</a:t>
+            </a:r>
+            <a:r>
+              <a:rPr lang="de-AT" sz="1200" i="0" dirty="0">
+                <a:solidFill>
+                  <a:schemeClr val="tx1">
+                    <a:lumMod val="50000"/>
+                    <a:lumOff val="50000"/>
+                  </a:schemeClr>
+                </a:solidFill>
+                <a:effectLst/>
+                <a:latin typeface="Helvetica" pitchFamily="2" charset="0"/>
+              </a:rPr>
+              <a:t> </a:t>
+            </a:r>
+            <a:r>
+              <a:rPr lang="de-AT" sz="1200" i="0" dirty="0" err="1">
+                <a:solidFill>
+                  <a:schemeClr val="tx1">
+                    <a:lumMod val="50000"/>
+                    <a:lumOff val="50000"/>
+                  </a:schemeClr>
+                </a:solidFill>
+                <a:effectLst/>
+                <a:latin typeface="Helvetica" pitchFamily="2" charset="0"/>
+              </a:rPr>
+              <a:t>Automated</a:t>
+            </a:r>
+            <a:r>
+              <a:rPr lang="de-AT" sz="1200" i="0" dirty="0">
+                <a:solidFill>
+                  <a:schemeClr val="tx1">
+                    <a:lumMod val="50000"/>
+                    <a:lumOff val="50000"/>
+                  </a:schemeClr>
+                </a:solidFill>
+                <a:effectLst/>
+                <a:latin typeface="Helvetica" pitchFamily="2" charset="0"/>
+              </a:rPr>
+              <a:t> Solid-Phase Synthesis </a:t>
+            </a:r>
+            <a:r>
+              <a:rPr lang="de-AT" sz="1200" i="0" dirty="0" err="1">
+                <a:solidFill>
+                  <a:schemeClr val="tx1">
+                    <a:lumMod val="50000"/>
+                    <a:lumOff val="50000"/>
+                  </a:schemeClr>
+                </a:solidFill>
+                <a:effectLst/>
+                <a:latin typeface="Helvetica" pitchFamily="2" charset="0"/>
+              </a:rPr>
+              <a:t>of</a:t>
+            </a:r>
+            <a:r>
+              <a:rPr lang="de-AT" sz="1200" i="0" dirty="0">
+                <a:solidFill>
+                  <a:schemeClr val="tx1">
+                    <a:lumMod val="50000"/>
+                    <a:lumOff val="50000"/>
+                  </a:schemeClr>
+                </a:solidFill>
+                <a:effectLst/>
+                <a:latin typeface="Helvetica" pitchFamily="2" charset="0"/>
+              </a:rPr>
+              <a:t> </a:t>
+            </a:r>
+            <a:r>
+              <a:rPr lang="de-AT" sz="1200" i="0" dirty="0" err="1">
+                <a:solidFill>
+                  <a:schemeClr val="tx1">
+                    <a:lumMod val="50000"/>
+                    <a:lumOff val="50000"/>
+                  </a:schemeClr>
+                </a:solidFill>
+                <a:effectLst/>
+                <a:latin typeface="Helvetica" pitchFamily="2" charset="0"/>
+              </a:rPr>
+              <a:t>Oligorhamnans</a:t>
+            </a:r>
+            <a:r>
+              <a:rPr lang="de-AT" sz="1200" dirty="0">
+                <a:solidFill>
+                  <a:schemeClr val="tx1">
+                    <a:lumMod val="50000"/>
+                    <a:lumOff val="50000"/>
+                  </a:schemeClr>
+                </a:solidFill>
+                <a:latin typeface="Helvetica" pitchFamily="2" charset="0"/>
+              </a:rPr>
+              <a:t> </a:t>
+            </a:r>
+            <a:r>
+              <a:rPr lang="de-AT" sz="1200" i="0" dirty="0">
+                <a:solidFill>
+                  <a:schemeClr val="tx1">
+                    <a:lumMod val="50000"/>
+                    <a:lumOff val="50000"/>
+                  </a:schemeClr>
+                </a:solidFill>
+                <a:effectLst/>
+                <a:latin typeface="Helvetica" pitchFamily="2" charset="0"/>
+              </a:rPr>
+              <a:t>Anne Geert </a:t>
+            </a:r>
+            <a:r>
+              <a:rPr lang="de-AT" sz="1200" i="0" dirty="0" err="1">
+                <a:solidFill>
+                  <a:schemeClr val="tx1">
+                    <a:lumMod val="50000"/>
+                    <a:lumOff val="50000"/>
+                  </a:schemeClr>
+                </a:solidFill>
+                <a:effectLst/>
+                <a:latin typeface="Helvetica" pitchFamily="2" charset="0"/>
+              </a:rPr>
+              <a:t>Volbeda</a:t>
+            </a:r>
+            <a:r>
+              <a:rPr lang="de-AT" sz="1200" i="0" dirty="0">
+                <a:solidFill>
+                  <a:schemeClr val="tx1">
+                    <a:lumMod val="50000"/>
+                    <a:lumOff val="50000"/>
+                  </a:schemeClr>
+                </a:solidFill>
+                <a:effectLst/>
+                <a:latin typeface="Helvetica" pitchFamily="2" charset="0"/>
+              </a:rPr>
+              <a:t>, Jeanine van Mechelen, Nico </a:t>
+            </a:r>
+            <a:r>
+              <a:rPr lang="de-AT" sz="1200" i="0" dirty="0" err="1">
+                <a:solidFill>
+                  <a:schemeClr val="tx1">
+                    <a:lumMod val="50000"/>
+                    <a:lumOff val="50000"/>
+                  </a:schemeClr>
+                </a:solidFill>
+                <a:effectLst/>
+                <a:latin typeface="Helvetica" pitchFamily="2" charset="0"/>
+              </a:rPr>
+              <a:t>Meeuwenoord</a:t>
+            </a:r>
+            <a:r>
+              <a:rPr lang="de-AT" sz="1200" i="0" dirty="0">
+                <a:solidFill>
+                  <a:schemeClr val="tx1">
+                    <a:lumMod val="50000"/>
+                    <a:lumOff val="50000"/>
+                  </a:schemeClr>
+                </a:solidFill>
+                <a:effectLst/>
+                <a:latin typeface="Helvetica" pitchFamily="2" charset="0"/>
+              </a:rPr>
+              <a:t>, Herman S. </a:t>
+            </a:r>
+            <a:r>
+              <a:rPr lang="de-AT" sz="1200" i="0" dirty="0" err="1">
+                <a:solidFill>
+                  <a:schemeClr val="tx1">
+                    <a:lumMod val="50000"/>
+                    <a:lumOff val="50000"/>
+                  </a:schemeClr>
+                </a:solidFill>
+                <a:effectLst/>
+                <a:latin typeface="Helvetica" pitchFamily="2" charset="0"/>
+              </a:rPr>
+              <a:t>Overkleeft</a:t>
+            </a:r>
+            <a:r>
+              <a:rPr lang="de-AT" sz="1200" i="0" dirty="0">
+                <a:solidFill>
+                  <a:schemeClr val="tx1">
+                    <a:lumMod val="50000"/>
+                    <a:lumOff val="50000"/>
+                  </a:schemeClr>
+                </a:solidFill>
+                <a:effectLst/>
+                <a:latin typeface="Helvetica" pitchFamily="2" charset="0"/>
+              </a:rPr>
+              <a:t>, </a:t>
+            </a:r>
+            <a:r>
+              <a:rPr lang="de-AT" sz="1200" i="0" dirty="0" err="1">
+                <a:solidFill>
+                  <a:schemeClr val="tx1">
+                    <a:lumMod val="50000"/>
+                    <a:lumOff val="50000"/>
+                  </a:schemeClr>
+                </a:solidFill>
+                <a:effectLst/>
+                <a:latin typeface="Helvetica" pitchFamily="2" charset="0"/>
+              </a:rPr>
+              <a:t>Gijsbert</a:t>
+            </a:r>
+            <a:r>
+              <a:rPr lang="de-AT" sz="1200" i="0" dirty="0">
+                <a:solidFill>
+                  <a:schemeClr val="tx1">
+                    <a:lumMod val="50000"/>
+                    <a:lumOff val="50000"/>
+                  </a:schemeClr>
+                </a:solidFill>
+                <a:effectLst/>
+                <a:latin typeface="Helvetica" pitchFamily="2" charset="0"/>
+              </a:rPr>
+              <a:t> A. van der Marel, and Jeroen D. C. </a:t>
+            </a:r>
+            <a:r>
+              <a:rPr lang="de-AT" sz="1200" i="0" dirty="0" err="1">
+                <a:solidFill>
+                  <a:schemeClr val="tx1">
+                    <a:lumMod val="50000"/>
+                    <a:lumOff val="50000"/>
+                  </a:schemeClr>
+                </a:solidFill>
+                <a:effectLst/>
+                <a:latin typeface="Helvetica" pitchFamily="2" charset="0"/>
+              </a:rPr>
+              <a:t>Codée</a:t>
+            </a:r>
+            <a:r>
+              <a:rPr lang="de-AT" sz="1200" dirty="0">
+                <a:solidFill>
+                  <a:schemeClr val="tx1">
+                    <a:lumMod val="50000"/>
+                    <a:lumOff val="50000"/>
+                  </a:schemeClr>
+                </a:solidFill>
+                <a:latin typeface="Helvetica" pitchFamily="2" charset="0"/>
+              </a:rPr>
+              <a:t> </a:t>
+            </a:r>
+            <a:r>
+              <a:rPr lang="de-AT" sz="1200" i="1" dirty="0">
+                <a:solidFill>
+                  <a:schemeClr val="tx1">
+                    <a:lumMod val="50000"/>
+                    <a:lumOff val="50000"/>
+                  </a:schemeClr>
+                </a:solidFill>
+                <a:effectLst/>
+                <a:latin typeface="Helvetica" pitchFamily="2" charset="0"/>
+              </a:rPr>
+              <a:t>The Journal </a:t>
+            </a:r>
+            <a:r>
+              <a:rPr lang="de-AT" sz="1200" i="1" dirty="0" err="1">
+                <a:solidFill>
+                  <a:schemeClr val="tx1">
+                    <a:lumMod val="50000"/>
+                    <a:lumOff val="50000"/>
+                  </a:schemeClr>
+                </a:solidFill>
+                <a:effectLst/>
+                <a:latin typeface="Helvetica" pitchFamily="2" charset="0"/>
+              </a:rPr>
+              <a:t>of</a:t>
+            </a:r>
+            <a:r>
+              <a:rPr lang="de-AT" sz="1200" i="1" dirty="0">
+                <a:solidFill>
+                  <a:schemeClr val="tx1">
+                    <a:lumMod val="50000"/>
+                    <a:lumOff val="50000"/>
+                  </a:schemeClr>
+                </a:solidFill>
+                <a:effectLst/>
+                <a:latin typeface="Helvetica" pitchFamily="2" charset="0"/>
+              </a:rPr>
+              <a:t> </a:t>
+            </a:r>
+            <a:r>
+              <a:rPr lang="de-AT" sz="1200" i="1" dirty="0" err="1">
+                <a:solidFill>
+                  <a:schemeClr val="tx1">
+                    <a:lumMod val="50000"/>
+                    <a:lumOff val="50000"/>
+                  </a:schemeClr>
+                </a:solidFill>
+                <a:effectLst/>
+                <a:latin typeface="Helvetica" pitchFamily="2" charset="0"/>
+              </a:rPr>
+              <a:t>Organic</a:t>
+            </a:r>
+            <a:r>
+              <a:rPr lang="de-AT" sz="1200" i="1" dirty="0">
+                <a:solidFill>
+                  <a:schemeClr val="tx1">
+                    <a:lumMod val="50000"/>
+                    <a:lumOff val="50000"/>
+                  </a:schemeClr>
+                </a:solidFill>
+                <a:effectLst/>
+                <a:latin typeface="Helvetica" pitchFamily="2" charset="0"/>
+              </a:rPr>
+              <a:t> Chemistry</a:t>
+            </a:r>
+            <a:r>
+              <a:rPr lang="de-AT" sz="1200" i="0" dirty="0">
+                <a:solidFill>
+                  <a:schemeClr val="tx1">
+                    <a:lumMod val="50000"/>
+                    <a:lumOff val="50000"/>
+                  </a:schemeClr>
+                </a:solidFill>
+                <a:effectLst/>
+                <a:latin typeface="Helvetica" pitchFamily="2" charset="0"/>
+              </a:rPr>
+              <a:t> 2017 </a:t>
+            </a:r>
+            <a:r>
+              <a:rPr lang="de-AT" sz="1200" i="1" dirty="0">
+                <a:solidFill>
+                  <a:schemeClr val="tx1">
+                    <a:lumMod val="50000"/>
+                    <a:lumOff val="50000"/>
+                  </a:schemeClr>
+                </a:solidFill>
+                <a:effectLst/>
+                <a:latin typeface="Helvetica" pitchFamily="2" charset="0"/>
+              </a:rPr>
+              <a:t>82</a:t>
+            </a:r>
+            <a:r>
+              <a:rPr lang="de-AT" sz="1200" i="0" dirty="0">
+                <a:solidFill>
+                  <a:schemeClr val="tx1">
+                    <a:lumMod val="50000"/>
+                    <a:lumOff val="50000"/>
+                  </a:schemeClr>
+                </a:solidFill>
+                <a:effectLst/>
+                <a:latin typeface="Helvetica" pitchFamily="2" charset="0"/>
+              </a:rPr>
+              <a:t> (24), 12992-13002 DOI: 10.1021/acs.joc.7b02511</a:t>
+            </a:r>
+          </a:p>
+        </p:txBody>
+      </p:sp>
+    </p:spTree>
+    <p:extLst>
+      <p:ext uri="{BB962C8B-B14F-4D97-AF65-F5344CB8AC3E}">
+        <p14:creationId xmlns:p14="http://schemas.microsoft.com/office/powerpoint/2010/main" val="4125677127"/>
       </p:ext>
     </p:extLst>
   </p:cSld>
@@ -16218,806 +16359,6 @@
         <p:cNvPr id="1" name="">
           <a:extLst>
             <a:ext uri="{FF2B5EF4-FFF2-40B4-BE49-F238E27FC236}">
-              <a16:creationId xmlns:a16="http://schemas.microsoft.com/office/drawing/2014/main" id="{F7A54856-6D32-D568-25D3-7774C4D6C982}"/>
-            </a:ext>
-          </a:extLst>
-        </p:cNvPr>
-        <p:cNvGrpSpPr/>
-        <p:nvPr/>
-      </p:nvGrpSpPr>
-      <p:grpSpPr>
-        <a:xfrm>
-          <a:off x="0" y="0"/>
-          <a:ext cx="0" cy="0"/>
-          <a:chOff x="0" y="0"/>
-          <a:chExt cx="0" cy="0"/>
-        </a:xfrm>
-      </p:grpSpPr>
-      <p:sp>
-        <p:nvSpPr>
-          <p:cNvPr id="3" name="Foliennummernplatzhalter 2">
-            <a:extLst>
-              <a:ext uri="{FF2B5EF4-FFF2-40B4-BE49-F238E27FC236}">
-                <a16:creationId xmlns:a16="http://schemas.microsoft.com/office/drawing/2014/main" id="{E91E64BA-9D48-92A6-5F54-C7ABACC4734D}"/>
-              </a:ext>
-            </a:extLst>
-          </p:cNvPr>
-          <p:cNvSpPr>
-            <a:spLocks noGrp="1"/>
-          </p:cNvSpPr>
-          <p:nvPr>
-            <p:ph type="sldNum" sz="quarter" idx="12"/>
-          </p:nvPr>
-        </p:nvSpPr>
-        <p:spPr/>
-        <p:txBody>
-          <a:bodyPr/>
-          <a:lstStyle/>
-          <a:p>
-            <a:fld id="{49C656FD-8168-4A70-85FD-CB3FFEA2E3E7}" type="slidenum">
-              <a:rPr lang="de-AT" smtClean="0"/>
-              <a:t>20</a:t>
-            </a:fld>
-            <a:endParaRPr lang="de-AT" dirty="0"/>
-          </a:p>
-        </p:txBody>
-      </p:sp>
-      <p:sp>
-        <p:nvSpPr>
-          <p:cNvPr id="4" name="Titel 3">
-            <a:extLst>
-              <a:ext uri="{FF2B5EF4-FFF2-40B4-BE49-F238E27FC236}">
-                <a16:creationId xmlns:a16="http://schemas.microsoft.com/office/drawing/2014/main" id="{0A5EB087-E6F5-E855-4316-EEB68F720D8C}"/>
-              </a:ext>
-            </a:extLst>
-          </p:cNvPr>
-          <p:cNvSpPr>
-            <a:spLocks noGrp="1"/>
-          </p:cNvSpPr>
-          <p:nvPr>
-            <p:ph type="title"/>
-          </p:nvPr>
-        </p:nvSpPr>
-        <p:spPr/>
-        <p:txBody>
-          <a:bodyPr/>
-          <a:lstStyle/>
-          <a:p>
-            <a:r>
-              <a:rPr lang="en-GB" dirty="0">
-                <a:solidFill>
-                  <a:schemeClr val="tx1"/>
-                </a:solidFill>
-              </a:rPr>
-              <a:t>Pivalate Protection</a:t>
-            </a:r>
-          </a:p>
-        </p:txBody>
-      </p:sp>
-      <p:pic>
-        <p:nvPicPr>
-          <p:cNvPr id="5" name="Grafik 4">
-            <a:extLst>
-              <a:ext uri="{FF2B5EF4-FFF2-40B4-BE49-F238E27FC236}">
-                <a16:creationId xmlns:a16="http://schemas.microsoft.com/office/drawing/2014/main" id="{0A80C126-8EBA-7A99-393A-45E5F6D3833A}"/>
-              </a:ext>
-            </a:extLst>
-          </p:cNvPr>
-          <p:cNvPicPr>
-            <a:picLocks noChangeAspect="1"/>
-          </p:cNvPicPr>
-          <p:nvPr/>
-        </p:nvPicPr>
-        <p:blipFill>
-          <a:blip r:embed="rId3"/>
-          <a:stretch>
-            <a:fillRect/>
-          </a:stretch>
-        </p:blipFill>
-        <p:spPr>
-          <a:xfrm>
-            <a:off x="336332" y="2329551"/>
-            <a:ext cx="4289008" cy="2891831"/>
-          </a:xfrm>
-          <a:prstGeom prst="rect">
-            <a:avLst/>
-          </a:prstGeom>
-          <a:ln>
-            <a:solidFill>
-              <a:schemeClr val="tx1"/>
-            </a:solidFill>
-          </a:ln>
-        </p:spPr>
-      </p:pic>
-      <p:sp>
-        <p:nvSpPr>
-          <p:cNvPr id="8" name="Textfeld 7">
-            <a:extLst>
-              <a:ext uri="{FF2B5EF4-FFF2-40B4-BE49-F238E27FC236}">
-                <a16:creationId xmlns:a16="http://schemas.microsoft.com/office/drawing/2014/main" id="{9F489FDE-220B-0C7B-EEC8-5C7B66FF6790}"/>
-              </a:ext>
-            </a:extLst>
-          </p:cNvPr>
-          <p:cNvSpPr txBox="1"/>
-          <p:nvPr/>
-        </p:nvSpPr>
-        <p:spPr>
-          <a:xfrm>
-            <a:off x="274320" y="1960219"/>
-            <a:ext cx="3070071" cy="369332"/>
-          </a:xfrm>
-          <a:prstGeom prst="rect">
-            <a:avLst/>
-          </a:prstGeom>
-          <a:noFill/>
-        </p:spPr>
-        <p:txBody>
-          <a:bodyPr wrap="none" rtlCol="0">
-            <a:spAutoFit/>
-          </a:bodyPr>
-          <a:lstStyle/>
-          <a:p>
-            <a:r>
-              <a:rPr lang="en-GB" dirty="0">
-                <a:latin typeface="Arial" panose="020B0604020202020204" pitchFamily="34" charset="0"/>
-                <a:cs typeface="Arial" panose="020B0604020202020204" pitchFamily="34" charset="0"/>
-              </a:rPr>
-              <a:t>Derivatives of pivaloyl group</a:t>
-            </a:r>
-          </a:p>
-        </p:txBody>
-      </p:sp>
-      <p:sp>
-        <p:nvSpPr>
-          <p:cNvPr id="10" name="Textfeld 9">
-            <a:extLst>
-              <a:ext uri="{FF2B5EF4-FFF2-40B4-BE49-F238E27FC236}">
-                <a16:creationId xmlns:a16="http://schemas.microsoft.com/office/drawing/2014/main" id="{4B36297C-A588-479C-89BA-6D455361BEC7}"/>
-              </a:ext>
-            </a:extLst>
-          </p:cNvPr>
-          <p:cNvSpPr txBox="1"/>
-          <p:nvPr/>
-        </p:nvSpPr>
-        <p:spPr>
-          <a:xfrm>
-            <a:off x="336332" y="5436825"/>
-            <a:ext cx="5735866" cy="523220"/>
-          </a:xfrm>
-          <a:prstGeom prst="rect">
-            <a:avLst/>
-          </a:prstGeom>
-          <a:noFill/>
-        </p:spPr>
-        <p:txBody>
-          <a:bodyPr wrap="none" rtlCol="0">
-            <a:spAutoFit/>
-          </a:bodyPr>
-          <a:lstStyle/>
-          <a:p>
-            <a:pPr marL="285750" indent="-285750">
-              <a:buFont typeface="Arial" panose="020B0604020202020204" pitchFamily="34" charset="0"/>
-              <a:buChar char="•"/>
-            </a:pPr>
-            <a:r>
-              <a:rPr lang="en-GB" sz="1400" dirty="0">
-                <a:latin typeface="Arial" panose="020B0604020202020204" pitchFamily="34" charset="0"/>
-                <a:cs typeface="Arial" panose="020B0604020202020204" pitchFamily="34" charset="0"/>
-              </a:rPr>
-              <a:t>Reduces probability for nucleophilic attack at oxocarbenium centre</a:t>
-            </a:r>
-          </a:p>
-          <a:p>
-            <a:pPr marL="285750" indent="-285750">
-              <a:buFont typeface="Arial" panose="020B0604020202020204" pitchFamily="34" charset="0"/>
-              <a:buChar char="•"/>
-            </a:pPr>
-            <a:r>
-              <a:rPr lang="en-GB" sz="1400" dirty="0">
-                <a:latin typeface="Arial" panose="020B0604020202020204" pitchFamily="34" charset="0"/>
-                <a:cs typeface="Arial" panose="020B0604020202020204" pitchFamily="34" charset="0"/>
-              </a:rPr>
-              <a:t>Removal of Pivalate Group requires harsher conditions</a:t>
-            </a:r>
-          </a:p>
-        </p:txBody>
-      </p:sp>
-      <p:sp>
-        <p:nvSpPr>
-          <p:cNvPr id="18" name="AutoShape 2" descr="[1860-5397-21-27-i6]">
-            <a:extLst>
-              <a:ext uri="{FF2B5EF4-FFF2-40B4-BE49-F238E27FC236}">
-                <a16:creationId xmlns:a16="http://schemas.microsoft.com/office/drawing/2014/main" id="{E7276DDF-0CCA-1D5E-C729-A2B7B0883077}"/>
-              </a:ext>
-            </a:extLst>
-          </p:cNvPr>
-          <p:cNvSpPr>
-            <a:spLocks noChangeAspect="1" noChangeArrowheads="1"/>
-          </p:cNvSpPr>
-          <p:nvPr/>
-        </p:nvSpPr>
-        <p:spPr bwMode="auto">
-          <a:xfrm>
-            <a:off x="5943600" y="3276600"/>
-            <a:ext cx="304800" cy="304800"/>
-          </a:xfrm>
-          <a:prstGeom prst="rect">
-            <a:avLst/>
-          </a:prstGeom>
-          <a:noFill/>
-          <a:extLst>
-            <a:ext uri="{909E8E84-426E-40DD-AFC4-6F175D3DCCD1}">
-              <a14:hiddenFill xmlns:a14="http://schemas.microsoft.com/office/drawing/2010/main">
-                <a:solidFill>
-                  <a:srgbClr val="FFFFFF"/>
-                </a:solidFill>
-              </a14:hiddenFill>
-            </a:ext>
-          </a:extLst>
-        </p:spPr>
-        <p:txBody>
-          <a:bodyPr vert="horz" wrap="square" lIns="91440" tIns="45720" rIns="91440" bIns="45720" numCol="1" anchor="t" anchorCtr="0" compatLnSpc="1">
-            <a:prstTxWarp prst="textNoShape">
-              <a:avLst/>
-            </a:prstTxWarp>
-          </a:bodyPr>
-          <a:lstStyle/>
-          <a:p>
-            <a:endParaRPr lang="en-GB"/>
-          </a:p>
-        </p:txBody>
-      </p:sp>
-      <p:sp>
-        <p:nvSpPr>
-          <p:cNvPr id="21" name="AutoShape 8">
-            <a:extLst>
-              <a:ext uri="{FF2B5EF4-FFF2-40B4-BE49-F238E27FC236}">
-                <a16:creationId xmlns:a16="http://schemas.microsoft.com/office/drawing/2014/main" id="{029D8217-C995-64A8-4664-A21AD9EB3178}"/>
-              </a:ext>
-            </a:extLst>
-          </p:cNvPr>
-          <p:cNvSpPr>
-            <a:spLocks noChangeAspect="1" noChangeArrowheads="1"/>
-          </p:cNvSpPr>
-          <p:nvPr/>
-        </p:nvSpPr>
-        <p:spPr bwMode="auto">
-          <a:xfrm>
-            <a:off x="6096000" y="3429000"/>
-            <a:ext cx="2827020" cy="2827020"/>
-          </a:xfrm>
-          <a:prstGeom prst="rect">
-            <a:avLst/>
-          </a:prstGeom>
-          <a:noFill/>
-          <a:extLst>
-            <a:ext uri="{909E8E84-426E-40DD-AFC4-6F175D3DCCD1}">
-              <a14:hiddenFill xmlns:a14="http://schemas.microsoft.com/office/drawing/2010/main">
-                <a:solidFill>
-                  <a:srgbClr val="FFFFFF"/>
-                </a:solidFill>
-              </a14:hiddenFill>
-            </a:ext>
-          </a:extLst>
-        </p:spPr>
-        <p:txBody>
-          <a:bodyPr vert="horz" wrap="square" lIns="91440" tIns="45720" rIns="91440" bIns="45720" numCol="1" anchor="t" anchorCtr="0" compatLnSpc="1">
-            <a:prstTxWarp prst="textNoShape">
-              <a:avLst/>
-            </a:prstTxWarp>
-          </a:bodyPr>
-          <a:lstStyle/>
-          <a:p>
-            <a:endParaRPr lang="en-GB"/>
-          </a:p>
-        </p:txBody>
-      </p:sp>
-      <p:pic>
-        <p:nvPicPr>
-          <p:cNvPr id="22" name="Grafik 21">
-            <a:extLst>
-              <a:ext uri="{FF2B5EF4-FFF2-40B4-BE49-F238E27FC236}">
-                <a16:creationId xmlns:a16="http://schemas.microsoft.com/office/drawing/2014/main" id="{48108E77-7B15-9102-48F3-B938C978D181}"/>
-              </a:ext>
-            </a:extLst>
-          </p:cNvPr>
-          <p:cNvPicPr>
-            <a:picLocks noChangeAspect="1"/>
-          </p:cNvPicPr>
-          <p:nvPr/>
-        </p:nvPicPr>
-        <p:blipFill>
-          <a:blip r:embed="rId4"/>
-          <a:stretch>
-            <a:fillRect/>
-          </a:stretch>
-        </p:blipFill>
-        <p:spPr>
-          <a:xfrm>
-            <a:off x="5073883" y="2069753"/>
-            <a:ext cx="6813317" cy="3151629"/>
-          </a:xfrm>
-          <a:prstGeom prst="rect">
-            <a:avLst/>
-          </a:prstGeom>
-        </p:spPr>
-      </p:pic>
-      <p:sp>
-        <p:nvSpPr>
-          <p:cNvPr id="23" name="Textfeld 22">
-            <a:extLst>
-              <a:ext uri="{FF2B5EF4-FFF2-40B4-BE49-F238E27FC236}">
-                <a16:creationId xmlns:a16="http://schemas.microsoft.com/office/drawing/2014/main" id="{FBCBC5B9-5B1F-AB3D-D84A-929E02D6B007}"/>
-              </a:ext>
-            </a:extLst>
-          </p:cNvPr>
-          <p:cNvSpPr txBox="1"/>
-          <p:nvPr/>
-        </p:nvSpPr>
-        <p:spPr>
-          <a:xfrm>
-            <a:off x="2063894" y="4046220"/>
-            <a:ext cx="833883" cy="307777"/>
-          </a:xfrm>
-          <a:prstGeom prst="rect">
-            <a:avLst/>
-          </a:prstGeom>
-          <a:noFill/>
-        </p:spPr>
-        <p:txBody>
-          <a:bodyPr wrap="none" rtlCol="0">
-            <a:spAutoFit/>
-          </a:bodyPr>
-          <a:lstStyle/>
-          <a:p>
-            <a:r>
-              <a:rPr lang="en-GB" sz="1400" dirty="0" err="1">
-                <a:solidFill>
-                  <a:srgbClr val="C00000"/>
-                </a:solidFill>
-                <a:latin typeface="Arial" panose="020B0604020202020204" pitchFamily="34" charset="0"/>
-                <a:cs typeface="Arial" panose="020B0604020202020204" pitchFamily="34" charset="0"/>
-              </a:rPr>
-              <a:t>OPivCN</a:t>
-            </a:r>
-            <a:endParaRPr lang="en-GB" sz="1400" dirty="0">
-              <a:solidFill>
-                <a:srgbClr val="C00000"/>
-              </a:solidFill>
-              <a:latin typeface="Arial" panose="020B0604020202020204" pitchFamily="34" charset="0"/>
-              <a:cs typeface="Arial" panose="020B0604020202020204" pitchFamily="34" charset="0"/>
-            </a:endParaRPr>
-          </a:p>
-        </p:txBody>
-      </p:sp>
-      <p:sp>
-        <p:nvSpPr>
-          <p:cNvPr id="7" name="Textfeld 6">
-            <a:extLst>
-              <a:ext uri="{FF2B5EF4-FFF2-40B4-BE49-F238E27FC236}">
-                <a16:creationId xmlns:a16="http://schemas.microsoft.com/office/drawing/2014/main" id="{BD54098C-A83E-D3A3-B498-108017F08D76}"/>
-              </a:ext>
-            </a:extLst>
-          </p:cNvPr>
-          <p:cNvSpPr txBox="1"/>
-          <p:nvPr/>
-        </p:nvSpPr>
-        <p:spPr>
-          <a:xfrm>
-            <a:off x="101379" y="6300238"/>
-            <a:ext cx="11156806" cy="461665"/>
-          </a:xfrm>
-          <a:prstGeom prst="rect">
-            <a:avLst/>
-          </a:prstGeom>
-          <a:noFill/>
-        </p:spPr>
-        <p:txBody>
-          <a:bodyPr wrap="square">
-            <a:spAutoFit/>
-          </a:bodyPr>
-          <a:lstStyle/>
-          <a:p>
-            <a:pPr algn="l"/>
-            <a:r>
-              <a:rPr lang="de-AT" sz="1200" i="0" dirty="0" err="1">
-                <a:solidFill>
-                  <a:schemeClr val="tx1">
-                    <a:lumMod val="50000"/>
-                    <a:lumOff val="50000"/>
-                  </a:schemeClr>
-                </a:solidFill>
-                <a:effectLst/>
-                <a:latin typeface="Helvetica" pitchFamily="2" charset="0"/>
-              </a:rPr>
-              <a:t>Cyanopivaloyl</a:t>
-            </a:r>
-            <a:r>
-              <a:rPr lang="de-AT" sz="1200" i="0" dirty="0">
-                <a:solidFill>
-                  <a:schemeClr val="tx1">
-                    <a:lumMod val="50000"/>
-                    <a:lumOff val="50000"/>
-                  </a:schemeClr>
-                </a:solidFill>
-                <a:effectLst/>
-                <a:latin typeface="Helvetica" pitchFamily="2" charset="0"/>
-              </a:rPr>
-              <a:t> Ester in </a:t>
-            </a:r>
-            <a:r>
-              <a:rPr lang="de-AT" sz="1200" i="0" dirty="0" err="1">
-                <a:solidFill>
-                  <a:schemeClr val="tx1">
-                    <a:lumMod val="50000"/>
-                    <a:lumOff val="50000"/>
-                  </a:schemeClr>
-                </a:solidFill>
-                <a:effectLst/>
-                <a:latin typeface="Helvetica" pitchFamily="2" charset="0"/>
-              </a:rPr>
-              <a:t>the</a:t>
-            </a:r>
-            <a:r>
-              <a:rPr lang="de-AT" sz="1200" i="0" dirty="0">
-                <a:solidFill>
-                  <a:schemeClr val="tx1">
-                    <a:lumMod val="50000"/>
-                    <a:lumOff val="50000"/>
-                  </a:schemeClr>
-                </a:solidFill>
-                <a:effectLst/>
-                <a:latin typeface="Helvetica" pitchFamily="2" charset="0"/>
-              </a:rPr>
-              <a:t> </a:t>
-            </a:r>
-            <a:r>
-              <a:rPr lang="de-AT" sz="1200" i="0" dirty="0" err="1">
-                <a:solidFill>
-                  <a:schemeClr val="tx1">
-                    <a:lumMod val="50000"/>
-                    <a:lumOff val="50000"/>
-                  </a:schemeClr>
-                </a:solidFill>
-                <a:effectLst/>
-                <a:latin typeface="Helvetica" pitchFamily="2" charset="0"/>
-              </a:rPr>
-              <a:t>Automated</a:t>
-            </a:r>
-            <a:r>
-              <a:rPr lang="de-AT" sz="1200" i="0" dirty="0">
-                <a:solidFill>
-                  <a:schemeClr val="tx1">
-                    <a:lumMod val="50000"/>
-                    <a:lumOff val="50000"/>
-                  </a:schemeClr>
-                </a:solidFill>
-                <a:effectLst/>
-                <a:latin typeface="Helvetica" pitchFamily="2" charset="0"/>
-              </a:rPr>
-              <a:t> Solid-Phase Synthesis </a:t>
-            </a:r>
-            <a:r>
-              <a:rPr lang="de-AT" sz="1200" i="0" dirty="0" err="1">
-                <a:solidFill>
-                  <a:schemeClr val="tx1">
-                    <a:lumMod val="50000"/>
-                    <a:lumOff val="50000"/>
-                  </a:schemeClr>
-                </a:solidFill>
-                <a:effectLst/>
-                <a:latin typeface="Helvetica" pitchFamily="2" charset="0"/>
-              </a:rPr>
-              <a:t>of</a:t>
-            </a:r>
-            <a:r>
-              <a:rPr lang="de-AT" sz="1200" i="0" dirty="0">
-                <a:solidFill>
-                  <a:schemeClr val="tx1">
-                    <a:lumMod val="50000"/>
-                    <a:lumOff val="50000"/>
-                  </a:schemeClr>
-                </a:solidFill>
-                <a:effectLst/>
-                <a:latin typeface="Helvetica" pitchFamily="2" charset="0"/>
-              </a:rPr>
-              <a:t> </a:t>
-            </a:r>
-            <a:r>
-              <a:rPr lang="de-AT" sz="1200" i="0" dirty="0" err="1">
-                <a:solidFill>
-                  <a:schemeClr val="tx1">
-                    <a:lumMod val="50000"/>
-                    <a:lumOff val="50000"/>
-                  </a:schemeClr>
-                </a:solidFill>
-                <a:effectLst/>
-                <a:latin typeface="Helvetica" pitchFamily="2" charset="0"/>
-              </a:rPr>
-              <a:t>Oligorhamnans</a:t>
-            </a:r>
-            <a:r>
-              <a:rPr lang="de-AT" sz="1200" dirty="0">
-                <a:solidFill>
-                  <a:schemeClr val="tx1">
-                    <a:lumMod val="50000"/>
-                    <a:lumOff val="50000"/>
-                  </a:schemeClr>
-                </a:solidFill>
-                <a:latin typeface="Helvetica" pitchFamily="2" charset="0"/>
-              </a:rPr>
-              <a:t> </a:t>
-            </a:r>
-            <a:r>
-              <a:rPr lang="de-AT" sz="1200" i="0" dirty="0">
-                <a:solidFill>
-                  <a:schemeClr val="tx1">
-                    <a:lumMod val="50000"/>
-                    <a:lumOff val="50000"/>
-                  </a:schemeClr>
-                </a:solidFill>
-                <a:effectLst/>
-                <a:latin typeface="Helvetica" pitchFamily="2" charset="0"/>
-              </a:rPr>
-              <a:t>Anne Geert </a:t>
-            </a:r>
-            <a:r>
-              <a:rPr lang="de-AT" sz="1200" i="0" dirty="0" err="1">
-                <a:solidFill>
-                  <a:schemeClr val="tx1">
-                    <a:lumMod val="50000"/>
-                    <a:lumOff val="50000"/>
-                  </a:schemeClr>
-                </a:solidFill>
-                <a:effectLst/>
-                <a:latin typeface="Helvetica" pitchFamily="2" charset="0"/>
-              </a:rPr>
-              <a:t>Volbeda</a:t>
-            </a:r>
-            <a:r>
-              <a:rPr lang="de-AT" sz="1200" i="0" dirty="0">
-                <a:solidFill>
-                  <a:schemeClr val="tx1">
-                    <a:lumMod val="50000"/>
-                    <a:lumOff val="50000"/>
-                  </a:schemeClr>
-                </a:solidFill>
-                <a:effectLst/>
-                <a:latin typeface="Helvetica" pitchFamily="2" charset="0"/>
-              </a:rPr>
-              <a:t>, Jeanine van Mechelen, Nico </a:t>
-            </a:r>
-            <a:r>
-              <a:rPr lang="de-AT" sz="1200" i="0" dirty="0" err="1">
-                <a:solidFill>
-                  <a:schemeClr val="tx1">
-                    <a:lumMod val="50000"/>
-                    <a:lumOff val="50000"/>
-                  </a:schemeClr>
-                </a:solidFill>
-                <a:effectLst/>
-                <a:latin typeface="Helvetica" pitchFamily="2" charset="0"/>
-              </a:rPr>
-              <a:t>Meeuwenoord</a:t>
-            </a:r>
-            <a:r>
-              <a:rPr lang="de-AT" sz="1200" i="0" dirty="0">
-                <a:solidFill>
-                  <a:schemeClr val="tx1">
-                    <a:lumMod val="50000"/>
-                    <a:lumOff val="50000"/>
-                  </a:schemeClr>
-                </a:solidFill>
-                <a:effectLst/>
-                <a:latin typeface="Helvetica" pitchFamily="2" charset="0"/>
-              </a:rPr>
-              <a:t>, Herman S. </a:t>
-            </a:r>
-            <a:r>
-              <a:rPr lang="de-AT" sz="1200" i="0" dirty="0" err="1">
-                <a:solidFill>
-                  <a:schemeClr val="tx1">
-                    <a:lumMod val="50000"/>
-                    <a:lumOff val="50000"/>
-                  </a:schemeClr>
-                </a:solidFill>
-                <a:effectLst/>
-                <a:latin typeface="Helvetica" pitchFamily="2" charset="0"/>
-              </a:rPr>
-              <a:t>Overkleeft</a:t>
-            </a:r>
-            <a:r>
-              <a:rPr lang="de-AT" sz="1200" i="0" dirty="0">
-                <a:solidFill>
-                  <a:schemeClr val="tx1">
-                    <a:lumMod val="50000"/>
-                    <a:lumOff val="50000"/>
-                  </a:schemeClr>
-                </a:solidFill>
-                <a:effectLst/>
-                <a:latin typeface="Helvetica" pitchFamily="2" charset="0"/>
-              </a:rPr>
-              <a:t>, </a:t>
-            </a:r>
-            <a:r>
-              <a:rPr lang="de-AT" sz="1200" i="0" dirty="0" err="1">
-                <a:solidFill>
-                  <a:schemeClr val="tx1">
-                    <a:lumMod val="50000"/>
-                    <a:lumOff val="50000"/>
-                  </a:schemeClr>
-                </a:solidFill>
-                <a:effectLst/>
-                <a:latin typeface="Helvetica" pitchFamily="2" charset="0"/>
-              </a:rPr>
-              <a:t>Gijsbert</a:t>
-            </a:r>
-            <a:r>
-              <a:rPr lang="de-AT" sz="1200" i="0" dirty="0">
-                <a:solidFill>
-                  <a:schemeClr val="tx1">
-                    <a:lumMod val="50000"/>
-                    <a:lumOff val="50000"/>
-                  </a:schemeClr>
-                </a:solidFill>
-                <a:effectLst/>
-                <a:latin typeface="Helvetica" pitchFamily="2" charset="0"/>
-              </a:rPr>
-              <a:t> A. van der Marel, and Jeroen D. C. </a:t>
-            </a:r>
-            <a:r>
-              <a:rPr lang="de-AT" sz="1200" i="0" dirty="0" err="1">
-                <a:solidFill>
-                  <a:schemeClr val="tx1">
-                    <a:lumMod val="50000"/>
-                    <a:lumOff val="50000"/>
-                  </a:schemeClr>
-                </a:solidFill>
-                <a:effectLst/>
-                <a:latin typeface="Helvetica" pitchFamily="2" charset="0"/>
-              </a:rPr>
-              <a:t>Codée</a:t>
-            </a:r>
-            <a:r>
-              <a:rPr lang="de-AT" sz="1200" dirty="0">
-                <a:solidFill>
-                  <a:schemeClr val="tx1">
-                    <a:lumMod val="50000"/>
-                    <a:lumOff val="50000"/>
-                  </a:schemeClr>
-                </a:solidFill>
-                <a:latin typeface="Helvetica" pitchFamily="2" charset="0"/>
-              </a:rPr>
-              <a:t> </a:t>
-            </a:r>
-            <a:r>
-              <a:rPr lang="de-AT" sz="1200" i="1" dirty="0">
-                <a:solidFill>
-                  <a:schemeClr val="tx1">
-                    <a:lumMod val="50000"/>
-                    <a:lumOff val="50000"/>
-                  </a:schemeClr>
-                </a:solidFill>
-                <a:effectLst/>
-                <a:latin typeface="Helvetica" pitchFamily="2" charset="0"/>
-              </a:rPr>
-              <a:t>The Journal </a:t>
-            </a:r>
-            <a:r>
-              <a:rPr lang="de-AT" sz="1200" i="1" dirty="0" err="1">
-                <a:solidFill>
-                  <a:schemeClr val="tx1">
-                    <a:lumMod val="50000"/>
-                    <a:lumOff val="50000"/>
-                  </a:schemeClr>
-                </a:solidFill>
-                <a:effectLst/>
-                <a:latin typeface="Helvetica" pitchFamily="2" charset="0"/>
-              </a:rPr>
-              <a:t>of</a:t>
-            </a:r>
-            <a:r>
-              <a:rPr lang="de-AT" sz="1200" i="1" dirty="0">
-                <a:solidFill>
-                  <a:schemeClr val="tx1">
-                    <a:lumMod val="50000"/>
-                    <a:lumOff val="50000"/>
-                  </a:schemeClr>
-                </a:solidFill>
-                <a:effectLst/>
-                <a:latin typeface="Helvetica" pitchFamily="2" charset="0"/>
-              </a:rPr>
-              <a:t> </a:t>
-            </a:r>
-            <a:r>
-              <a:rPr lang="de-AT" sz="1200" i="1" dirty="0" err="1">
-                <a:solidFill>
-                  <a:schemeClr val="tx1">
-                    <a:lumMod val="50000"/>
-                    <a:lumOff val="50000"/>
-                  </a:schemeClr>
-                </a:solidFill>
-                <a:effectLst/>
-                <a:latin typeface="Helvetica" pitchFamily="2" charset="0"/>
-              </a:rPr>
-              <a:t>Organic</a:t>
-            </a:r>
-            <a:r>
-              <a:rPr lang="de-AT" sz="1200" i="1" dirty="0">
-                <a:solidFill>
-                  <a:schemeClr val="tx1">
-                    <a:lumMod val="50000"/>
-                    <a:lumOff val="50000"/>
-                  </a:schemeClr>
-                </a:solidFill>
-                <a:effectLst/>
-                <a:latin typeface="Helvetica" pitchFamily="2" charset="0"/>
-              </a:rPr>
-              <a:t> Chemistry</a:t>
-            </a:r>
-            <a:r>
-              <a:rPr lang="de-AT" sz="1200" i="0" dirty="0">
-                <a:solidFill>
-                  <a:schemeClr val="tx1">
-                    <a:lumMod val="50000"/>
-                    <a:lumOff val="50000"/>
-                  </a:schemeClr>
-                </a:solidFill>
-                <a:effectLst/>
-                <a:latin typeface="Helvetica" pitchFamily="2" charset="0"/>
-              </a:rPr>
-              <a:t> 2017 </a:t>
-            </a:r>
-            <a:r>
-              <a:rPr lang="de-AT" sz="1200" i="1" dirty="0">
-                <a:solidFill>
-                  <a:schemeClr val="tx1">
-                    <a:lumMod val="50000"/>
-                    <a:lumOff val="50000"/>
-                  </a:schemeClr>
-                </a:solidFill>
-                <a:effectLst/>
-                <a:latin typeface="Helvetica" pitchFamily="2" charset="0"/>
-              </a:rPr>
-              <a:t>82</a:t>
-            </a:r>
-            <a:r>
-              <a:rPr lang="de-AT" sz="1200" i="0" dirty="0">
-                <a:solidFill>
-                  <a:schemeClr val="tx1">
-                    <a:lumMod val="50000"/>
-                    <a:lumOff val="50000"/>
-                  </a:schemeClr>
-                </a:solidFill>
-                <a:effectLst/>
-                <a:latin typeface="Helvetica" pitchFamily="2" charset="0"/>
-              </a:rPr>
-              <a:t> (24), 12992-13002 DOI: 10.1021/acs.joc.7b02511</a:t>
-            </a:r>
-          </a:p>
-        </p:txBody>
-      </p:sp>
-    </p:spTree>
-    <p:extLst>
-      <p:ext uri="{BB962C8B-B14F-4D97-AF65-F5344CB8AC3E}">
-        <p14:creationId xmlns:p14="http://schemas.microsoft.com/office/powerpoint/2010/main" val="4125677127"/>
-      </p:ext>
-    </p:extLst>
-  </p:cSld>
-  <p:clrMapOvr>
-    <a:masterClrMapping/>
-  </p:clrMapOvr>
-</p:sld>
-</file>
-
-<file path=ppt/slides/slide21.xml><?xml version="1.0" encoding="utf-8"?>
-<p:sld xmlns:a="http://schemas.openxmlformats.org/drawingml/2006/main" xmlns:r="http://schemas.openxmlformats.org/officeDocument/2006/relationships" xmlns:p="http://schemas.openxmlformats.org/presentationml/2006/main">
-  <p:cSld>
-    <p:spTree>
-      <p:nvGrpSpPr>
-        <p:cNvPr id="1" name="">
-          <a:extLst>
-            <a:ext uri="{FF2B5EF4-FFF2-40B4-BE49-F238E27FC236}">
               <a16:creationId xmlns:a16="http://schemas.microsoft.com/office/drawing/2014/main" id="{1CCC1864-095D-3A45-E2FA-B0891A9D143F}"/>
             </a:ext>
           </a:extLst>
@@ -17056,7 +16397,7 @@
           <a:p>
             <a:fld id="{49C656FD-8168-4A70-85FD-CB3FFEA2E3E7}" type="slidenum">
               <a:rPr lang="de-AT" smtClean="0"/>
-              <a:t>21</a:t>
+              <a:t>20</a:t>
             </a:fld>
             <a:endParaRPr lang="de-AT" dirty="0"/>
           </a:p>
@@ -17282,7 +16623,7 @@
 </p:sld>
 </file>
 
-<file path=ppt/slides/slide22.xml><?xml version="1.0" encoding="utf-8"?>
+<file path=ppt/slides/slide21.xml><?xml version="1.0" encoding="utf-8"?>
 <p:sld xmlns:a="http://schemas.openxmlformats.org/drawingml/2006/main" xmlns:r="http://schemas.openxmlformats.org/officeDocument/2006/relationships" xmlns:p="http://schemas.openxmlformats.org/presentationml/2006/main">
   <p:cSld>
     <p:spTree>
@@ -17328,7 +16669,7 @@
           <a:p>
             <a:fld id="{49C656FD-8168-4A70-85FD-CB3FFEA2E3E7}" type="slidenum">
               <a:rPr lang="de-AT" smtClean="0"/>
-              <a:t>22</a:t>
+              <a:t>21</a:t>
             </a:fld>
             <a:endParaRPr lang="de-AT" dirty="0"/>
           </a:p>
@@ -17651,7 +16992,7 @@
 </p:sld>
 </file>
 
-<file path=ppt/slides/slide23.xml><?xml version="1.0" encoding="utf-8"?>
+<file path=ppt/slides/slide22.xml><?xml version="1.0" encoding="utf-8"?>
 <p:sld xmlns:a="http://schemas.openxmlformats.org/drawingml/2006/main" xmlns:r="http://schemas.openxmlformats.org/officeDocument/2006/relationships" xmlns:p="http://schemas.openxmlformats.org/presentationml/2006/main">
   <p:cSld>
     <p:spTree>
@@ -17668,6 +17009,36 @@
           <a:chExt cx="0" cy="0"/>
         </a:xfrm>
       </p:grpSpPr>
+      <p:pic>
+        <p:nvPicPr>
+          <p:cNvPr id="14" name="Grafik 13">
+            <a:extLst>
+              <a:ext uri="{FF2B5EF4-FFF2-40B4-BE49-F238E27FC236}">
+                <a16:creationId xmlns:a16="http://schemas.microsoft.com/office/drawing/2014/main" id="{F80D223D-E20B-0295-3846-7788947E3464}"/>
+              </a:ext>
+            </a:extLst>
+          </p:cNvPr>
+          <p:cNvPicPr>
+            <a:picLocks noChangeAspect="1"/>
+          </p:cNvPicPr>
+          <p:nvPr/>
+        </p:nvPicPr>
+        <p:blipFill>
+          <a:blip r:embed="rId3"/>
+          <a:stretch>
+            <a:fillRect/>
+          </a:stretch>
+        </p:blipFill>
+        <p:spPr>
+          <a:xfrm>
+            <a:off x="88849" y="1805289"/>
+            <a:ext cx="11109960" cy="3728859"/>
+          </a:xfrm>
+          <a:prstGeom prst="rect">
+            <a:avLst/>
+          </a:prstGeom>
+        </p:spPr>
+      </p:pic>
       <p:sp>
         <p:nvSpPr>
           <p:cNvPr id="3" name="Foliennummernplatzhalter 2">
@@ -17691,7 +17062,7 @@
           <a:p>
             <a:fld id="{49C656FD-8168-4A70-85FD-CB3FFEA2E3E7}" type="slidenum">
               <a:rPr lang="de-AT" smtClean="0"/>
-              <a:t>23</a:t>
+              <a:t>22</a:t>
             </a:fld>
             <a:endParaRPr lang="de-AT" dirty="0"/>
           </a:p>
@@ -17732,7 +17103,7 @@
                   <a:schemeClr val="tx1"/>
                 </a:solidFill>
               </a:rPr>
-              <a:t>-type protecting groups</a:t>
+              <a:t>-type Protecting Groups</a:t>
             </a:r>
           </a:p>
         </p:txBody>
@@ -17751,7 +17122,7 @@
         </p:nvSpPr>
         <p:spPr>
           <a:xfrm>
-            <a:off x="5379720" y="2125980"/>
+            <a:off x="6058422" y="2138506"/>
             <a:ext cx="279244" cy="261610"/>
           </a:xfrm>
           <a:prstGeom prst="rect">
@@ -17789,7 +17160,7 @@
         </p:nvSpPr>
         <p:spPr>
           <a:xfrm>
-            <a:off x="5379720" y="3644661"/>
+            <a:off x="6058422" y="3945286"/>
             <a:ext cx="279244" cy="261610"/>
           </a:xfrm>
           <a:prstGeom prst="rect">
@@ -17813,179 +17184,6 @@
           </a:p>
         </p:txBody>
       </p:sp>
-      <p:grpSp>
-        <p:nvGrpSpPr>
-          <p:cNvPr id="12" name="Gruppieren 11">
-            <a:extLst>
-              <a:ext uri="{FF2B5EF4-FFF2-40B4-BE49-F238E27FC236}">
-                <a16:creationId xmlns:a16="http://schemas.microsoft.com/office/drawing/2014/main" id="{52EA2ECB-1929-956B-8A46-1E5AA2ADF98B}"/>
-              </a:ext>
-            </a:extLst>
-          </p:cNvPr>
-          <p:cNvGrpSpPr/>
-          <p:nvPr/>
-        </p:nvGrpSpPr>
-        <p:grpSpPr>
-          <a:xfrm>
-            <a:off x="556259" y="2024643"/>
-            <a:ext cx="9031943" cy="3133254"/>
-            <a:chOff x="556259" y="2024643"/>
-            <a:chExt cx="9031943" cy="3133254"/>
-          </a:xfrm>
-        </p:grpSpPr>
-        <p:pic>
-          <p:nvPicPr>
-            <p:cNvPr id="5" name="Grafik 4">
-              <a:extLst>
-                <a:ext uri="{FF2B5EF4-FFF2-40B4-BE49-F238E27FC236}">
-                  <a16:creationId xmlns:a16="http://schemas.microsoft.com/office/drawing/2014/main" id="{E4704190-F6B7-D828-D58E-F74381CC7ADE}"/>
-                </a:ext>
-              </a:extLst>
-            </p:cNvPr>
-            <p:cNvPicPr>
-              <a:picLocks noChangeAspect="1"/>
-            </p:cNvPicPr>
-            <p:nvPr/>
-          </p:nvPicPr>
-          <p:blipFill>
-            <a:blip r:embed="rId3"/>
-            <a:stretch>
-              <a:fillRect/>
-            </a:stretch>
-          </p:blipFill>
-          <p:spPr>
-            <a:xfrm>
-              <a:off x="556259" y="2024643"/>
-              <a:ext cx="9031943" cy="2808713"/>
-            </a:xfrm>
-            <a:prstGeom prst="rect">
-              <a:avLst/>
-            </a:prstGeom>
-          </p:spPr>
-        </p:pic>
-        <p:sp>
-          <p:nvSpPr>
-            <p:cNvPr id="8" name="Textfeld 7">
-              <a:extLst>
-                <a:ext uri="{FF2B5EF4-FFF2-40B4-BE49-F238E27FC236}">
-                  <a16:creationId xmlns:a16="http://schemas.microsoft.com/office/drawing/2014/main" id="{473BAC55-DCD7-8A34-9A82-ABB1A0E41724}"/>
-                </a:ext>
-              </a:extLst>
-            </p:cNvPr>
-            <p:cNvSpPr txBox="1"/>
-            <p:nvPr/>
-          </p:nvSpPr>
-          <p:spPr>
-            <a:xfrm>
-              <a:off x="556259" y="4896287"/>
-              <a:ext cx="5200463" cy="261610"/>
-            </a:xfrm>
-            <a:prstGeom prst="rect">
-              <a:avLst/>
-            </a:prstGeom>
-            <a:noFill/>
-          </p:spPr>
-          <p:txBody>
-            <a:bodyPr wrap="none" rtlCol="0">
-              <a:spAutoFit/>
-            </a:bodyPr>
-            <a:lstStyle/>
-            <a:p>
-              <a:r>
-                <a:rPr lang="en-GB" sz="1100" dirty="0">
-                  <a:latin typeface="Arial" panose="020B0604020202020204" pitchFamily="34" charset="0"/>
-                  <a:cs typeface="Arial" panose="020B0604020202020204" pitchFamily="34" charset="0"/>
-                </a:rPr>
-                <a:t>A = In(</a:t>
-              </a:r>
-              <a:r>
-                <a:rPr lang="en-GB" sz="1100" dirty="0" err="1">
-                  <a:latin typeface="Arial" panose="020B0604020202020204" pitchFamily="34" charset="0"/>
-                  <a:cs typeface="Arial" panose="020B0604020202020204" pitchFamily="34" charset="0"/>
-                </a:rPr>
-                <a:t>OTf</a:t>
-              </a:r>
-              <a:r>
-                <a:rPr lang="en-GB" sz="1100" dirty="0">
-                  <a:latin typeface="Arial" panose="020B0604020202020204" pitchFamily="34" charset="0"/>
-                  <a:cs typeface="Arial" panose="020B0604020202020204" pitchFamily="34" charset="0"/>
-                </a:rPr>
-                <a:t>)</a:t>
-              </a:r>
-              <a:r>
-                <a:rPr lang="en-GB" sz="1100" baseline="-25000" dirty="0">
-                  <a:latin typeface="Arial" panose="020B0604020202020204" pitchFamily="34" charset="0"/>
-                  <a:cs typeface="Arial" panose="020B0604020202020204" pitchFamily="34" charset="0"/>
-                </a:rPr>
-                <a:t>3</a:t>
-              </a:r>
-              <a:r>
-                <a:rPr lang="en-GB" sz="1100" dirty="0">
-                  <a:latin typeface="Arial" panose="020B0604020202020204" pitchFamily="34" charset="0"/>
-                  <a:cs typeface="Arial" panose="020B0604020202020204" pitchFamily="34" charset="0"/>
-                </a:rPr>
-                <a:t> (1.1 </a:t>
-              </a:r>
-              <a:r>
-                <a:rPr lang="en-GB" sz="1100" dirty="0" err="1">
-                  <a:latin typeface="Arial" panose="020B0604020202020204" pitchFamily="34" charset="0"/>
-                  <a:cs typeface="Arial" panose="020B0604020202020204" pitchFamily="34" charset="0"/>
-                </a:rPr>
-                <a:t>equiv</a:t>
-              </a:r>
-              <a:r>
-                <a:rPr lang="en-GB" sz="1100" dirty="0">
-                  <a:latin typeface="Arial" panose="020B0604020202020204" pitchFamily="34" charset="0"/>
-                  <a:cs typeface="Arial" panose="020B0604020202020204" pitchFamily="34" charset="0"/>
-                </a:rPr>
-                <a:t>), NIS (1.2 </a:t>
-              </a:r>
-              <a:r>
-                <a:rPr lang="en-GB" sz="1100" dirty="0" err="1">
-                  <a:latin typeface="Arial" panose="020B0604020202020204" pitchFamily="34" charset="0"/>
-                  <a:cs typeface="Arial" panose="020B0604020202020204" pitchFamily="34" charset="0"/>
-                </a:rPr>
-                <a:t>equiv</a:t>
-              </a:r>
-              <a:r>
-                <a:rPr lang="en-GB" sz="1100" dirty="0">
-                  <a:latin typeface="Arial" panose="020B0604020202020204" pitchFamily="34" charset="0"/>
-                  <a:cs typeface="Arial" panose="020B0604020202020204" pitchFamily="34" charset="0"/>
-                </a:rPr>
-                <a:t>), MS, CH</a:t>
-              </a:r>
-              <a:r>
-                <a:rPr lang="en-GB" sz="1100" baseline="-25000" dirty="0">
-                  <a:latin typeface="Arial" panose="020B0604020202020204" pitchFamily="34" charset="0"/>
-                  <a:cs typeface="Arial" panose="020B0604020202020204" pitchFamily="34" charset="0"/>
-                </a:rPr>
-                <a:t>2</a:t>
-              </a:r>
-              <a:r>
-                <a:rPr lang="en-GB" sz="1100" dirty="0">
-                  <a:latin typeface="Arial" panose="020B0604020202020204" pitchFamily="34" charset="0"/>
-                  <a:cs typeface="Arial" panose="020B0604020202020204" pitchFamily="34" charset="0"/>
-                </a:rPr>
-                <a:t>Cl</a:t>
-              </a:r>
-              <a:r>
-                <a:rPr lang="en-GB" sz="1100" baseline="-25000" dirty="0">
-                  <a:latin typeface="Arial" panose="020B0604020202020204" pitchFamily="34" charset="0"/>
-                  <a:cs typeface="Arial" panose="020B0604020202020204" pitchFamily="34" charset="0"/>
-                </a:rPr>
-                <a:t>2</a:t>
-              </a:r>
-              <a:r>
-                <a:rPr lang="en-GB" sz="1100" dirty="0">
-                  <a:latin typeface="Arial" panose="020B0604020202020204" pitchFamily="34" charset="0"/>
-                  <a:cs typeface="Arial" panose="020B0604020202020204" pitchFamily="34" charset="0"/>
-                </a:rPr>
-                <a:t>, -78 °C to -30 °C, 0.5 to 1 h</a:t>
-              </a:r>
-            </a:p>
-          </p:txBody>
-        </p:sp>
-      </p:grpSp>
       <p:sp>
         <p:nvSpPr>
           <p:cNvPr id="9" name="Textfeld 8">
@@ -18000,7 +17198,7 @@
         </p:nvSpPr>
         <p:spPr>
           <a:xfrm>
-            <a:off x="7310744" y="2987690"/>
+            <a:off x="8651346" y="3121223"/>
             <a:ext cx="535724" cy="307777"/>
           </a:xfrm>
           <a:prstGeom prst="rect">
@@ -18044,7 +17242,7 @@
         </p:nvSpPr>
         <p:spPr>
           <a:xfrm>
-            <a:off x="7310744" y="4915587"/>
+            <a:off x="8651346" y="5312290"/>
             <a:ext cx="535724" cy="307777"/>
           </a:xfrm>
           <a:prstGeom prst="rect">
@@ -18088,7 +17286,7 @@
         </p:nvSpPr>
         <p:spPr>
           <a:xfrm>
-            <a:off x="556259" y="5466179"/>
+            <a:off x="258804" y="5533385"/>
             <a:ext cx="5012911" cy="646331"/>
           </a:xfrm>
           <a:prstGeom prst="rect">
@@ -18565,6 +17763,325 @@
           </a:p>
         </p:txBody>
       </p:sp>
+      <mc:AlternateContent xmlns:mc="http://schemas.openxmlformats.org/markup-compatibility/2006" xmlns:a14="http://schemas.microsoft.com/office/drawing/2010/main">
+        <mc:Choice Requires="a14">
+          <p:sp>
+            <p:nvSpPr>
+              <p:cNvPr id="2" name="Textfeld 1">
+                <a:extLst>
+                  <a:ext uri="{FF2B5EF4-FFF2-40B4-BE49-F238E27FC236}">
+                    <a16:creationId xmlns:a16="http://schemas.microsoft.com/office/drawing/2014/main" id="{F54DD7EC-7669-29F2-53A4-DDE74587D290}"/>
+                  </a:ext>
+                </a:extLst>
+              </p:cNvPr>
+              <p:cNvSpPr txBox="1"/>
+              <p:nvPr/>
+            </p:nvSpPr>
+            <p:spPr>
+              <a:xfrm>
+                <a:off x="6198044" y="5779407"/>
+                <a:ext cx="5789470" cy="369332"/>
+              </a:xfrm>
+              <a:prstGeom prst="rect">
+                <a:avLst/>
+              </a:prstGeom>
+              <a:noFill/>
+            </p:spPr>
+            <p:txBody>
+              <a:bodyPr wrap="none" rtlCol="0">
+                <a:spAutoFit/>
+              </a:bodyPr>
+              <a:lstStyle/>
+              <a:p>
+                <a:r>
+                  <a:rPr lang="en-GB" dirty="0"/>
+                  <a:t>A = </a:t>
+                </a:r>
+                <a14:m>
+                  <m:oMath xmlns:m="http://schemas.openxmlformats.org/officeDocument/2006/math">
+                    <m:r>
+                      <m:rPr>
+                        <m:sty m:val="p"/>
+                      </m:rPr>
+                      <a:rPr lang="de-AT" b="0" i="0" smtClean="0">
+                        <a:latin typeface="Cambria Math" panose="02040503050406030204" pitchFamily="18" charset="0"/>
+                      </a:rPr>
+                      <m:t>In</m:t>
+                    </m:r>
+                    <m:sSub>
+                      <m:sSubPr>
+                        <m:ctrlPr>
+                          <a:rPr lang="de-AT" i="1" smtClean="0">
+                            <a:latin typeface="Cambria Math" panose="02040503050406030204" pitchFamily="18" charset="0"/>
+                          </a:rPr>
+                        </m:ctrlPr>
+                      </m:sSubPr>
+                      <m:e>
+                        <m:d>
+                          <m:dPr>
+                            <m:ctrlPr>
+                              <a:rPr lang="de-AT" i="1" smtClean="0">
+                                <a:latin typeface="Cambria Math" panose="02040503050406030204" pitchFamily="18" charset="0"/>
+                              </a:rPr>
+                            </m:ctrlPr>
+                          </m:dPr>
+                          <m:e>
+                            <m:r>
+                              <m:rPr>
+                                <m:sty m:val="p"/>
+                              </m:rPr>
+                              <a:rPr lang="de-AT" b="0" i="0" smtClean="0">
+                                <a:latin typeface="Cambria Math" panose="02040503050406030204" pitchFamily="18" charset="0"/>
+                              </a:rPr>
+                              <m:t>OTf</m:t>
+                            </m:r>
+                          </m:e>
+                        </m:d>
+                      </m:e>
+                      <m:sub>
+                        <m:r>
+                          <a:rPr lang="de-AT" b="0" i="0" smtClean="0">
+                            <a:latin typeface="Cambria Math" panose="02040503050406030204" pitchFamily="18" charset="0"/>
+                          </a:rPr>
+                          <m:t>3</m:t>
+                        </m:r>
+                      </m:sub>
+                    </m:sSub>
+                    <m:r>
+                      <a:rPr lang="de-AT" b="0" i="0" smtClean="0">
+                        <a:latin typeface="Cambria Math" panose="02040503050406030204" pitchFamily="18" charset="0"/>
+                      </a:rPr>
+                      <m:t> </m:t>
+                    </m:r>
+                    <m:d>
+                      <m:dPr>
+                        <m:ctrlPr>
+                          <a:rPr lang="de-AT" i="1" smtClean="0">
+                            <a:latin typeface="Cambria Math" panose="02040503050406030204" pitchFamily="18" charset="0"/>
+                          </a:rPr>
+                        </m:ctrlPr>
+                      </m:dPr>
+                      <m:e>
+                        <m:r>
+                          <a:rPr lang="de-AT" b="0" i="0" smtClean="0">
+                            <a:latin typeface="Cambria Math" panose="02040503050406030204" pitchFamily="18" charset="0"/>
+                          </a:rPr>
+                          <m:t>1.1 </m:t>
+                        </m:r>
+                        <m:r>
+                          <m:rPr>
+                            <m:sty m:val="p"/>
+                          </m:rPr>
+                          <a:rPr lang="de-AT" b="0" i="0" smtClean="0">
+                            <a:latin typeface="Cambria Math" panose="02040503050406030204" pitchFamily="18" charset="0"/>
+                          </a:rPr>
+                          <m:t>eqv</m:t>
+                        </m:r>
+                      </m:e>
+                    </m:d>
+                    <m:r>
+                      <a:rPr lang="de-AT" b="0" i="0" smtClean="0">
+                        <a:latin typeface="Cambria Math" panose="02040503050406030204" pitchFamily="18" charset="0"/>
+                      </a:rPr>
+                      <m:t>,  </m:t>
+                    </m:r>
+                    <m:r>
+                      <m:rPr>
+                        <m:sty m:val="p"/>
+                      </m:rPr>
+                      <a:rPr lang="de-AT" b="0" i="0" smtClean="0">
+                        <a:latin typeface="Cambria Math" panose="02040503050406030204" pitchFamily="18" charset="0"/>
+                      </a:rPr>
+                      <m:t>NIS</m:t>
+                    </m:r>
+                    <m:r>
+                      <a:rPr lang="de-AT" b="0" i="0" smtClean="0">
+                        <a:latin typeface="Cambria Math" panose="02040503050406030204" pitchFamily="18" charset="0"/>
+                      </a:rPr>
+                      <m:t> </m:t>
+                    </m:r>
+                    <m:d>
+                      <m:dPr>
+                        <m:ctrlPr>
+                          <a:rPr lang="de-AT" i="1" smtClean="0">
+                            <a:latin typeface="Cambria Math" panose="02040503050406030204" pitchFamily="18" charset="0"/>
+                          </a:rPr>
+                        </m:ctrlPr>
+                      </m:dPr>
+                      <m:e>
+                        <m:r>
+                          <a:rPr lang="de-AT" b="0" i="0" smtClean="0">
+                            <a:latin typeface="Cambria Math" panose="02040503050406030204" pitchFamily="18" charset="0"/>
+                          </a:rPr>
+                          <m:t>1.2 </m:t>
+                        </m:r>
+                        <m:r>
+                          <m:rPr>
+                            <m:sty m:val="p"/>
+                          </m:rPr>
+                          <a:rPr lang="de-AT" b="0" i="0" smtClean="0">
+                            <a:latin typeface="Cambria Math" panose="02040503050406030204" pitchFamily="18" charset="0"/>
+                          </a:rPr>
+                          <m:t>eqv</m:t>
+                        </m:r>
+                      </m:e>
+                    </m:d>
+                    <m:r>
+                      <a:rPr lang="de-AT" b="0" i="0" smtClean="0">
+                        <a:latin typeface="Cambria Math" panose="02040503050406030204" pitchFamily="18" charset="0"/>
+                      </a:rPr>
+                      <m:t>,  </m:t>
+                    </m:r>
+                    <m:r>
+                      <m:rPr>
+                        <m:sty m:val="p"/>
+                      </m:rPr>
+                      <a:rPr lang="de-AT" b="0" i="0" smtClean="0">
+                        <a:latin typeface="Cambria Math" panose="02040503050406030204" pitchFamily="18" charset="0"/>
+                      </a:rPr>
+                      <m:t>MS</m:t>
+                    </m:r>
+                    <m:r>
+                      <a:rPr lang="de-AT" b="0" i="0" smtClean="0">
+                        <a:latin typeface="Cambria Math" panose="02040503050406030204" pitchFamily="18" charset="0"/>
+                      </a:rPr>
+                      <m:t>,  </m:t>
+                    </m:r>
+                    <m:r>
+                      <m:rPr>
+                        <m:sty m:val="p"/>
+                      </m:rPr>
+                      <a:rPr lang="de-AT" b="0" i="0" smtClean="0">
+                        <a:latin typeface="Cambria Math" panose="02040503050406030204" pitchFamily="18" charset="0"/>
+                      </a:rPr>
+                      <m:t>C</m:t>
+                    </m:r>
+                    <m:sSub>
+                      <m:sSubPr>
+                        <m:ctrlPr>
+                          <a:rPr lang="de-AT" i="1" smtClean="0">
+                            <a:latin typeface="Cambria Math" panose="02040503050406030204" pitchFamily="18" charset="0"/>
+                          </a:rPr>
+                        </m:ctrlPr>
+                      </m:sSubPr>
+                      <m:e>
+                        <m:r>
+                          <m:rPr>
+                            <m:sty m:val="p"/>
+                          </m:rPr>
+                          <a:rPr lang="de-AT" b="0" i="0" smtClean="0">
+                            <a:latin typeface="Cambria Math" panose="02040503050406030204" pitchFamily="18" charset="0"/>
+                          </a:rPr>
+                          <m:t>H</m:t>
+                        </m:r>
+                      </m:e>
+                      <m:sub>
+                        <m:r>
+                          <a:rPr lang="de-AT" b="0" i="0" smtClean="0">
+                            <a:latin typeface="Cambria Math" panose="02040503050406030204" pitchFamily="18" charset="0"/>
+                          </a:rPr>
+                          <m:t>2</m:t>
+                        </m:r>
+                      </m:sub>
+                    </m:sSub>
+                    <m:r>
+                      <m:rPr>
+                        <m:sty m:val="p"/>
+                      </m:rPr>
+                      <a:rPr lang="de-AT" b="0" i="0" smtClean="0">
+                        <a:latin typeface="Cambria Math" panose="02040503050406030204" pitchFamily="18" charset="0"/>
+                      </a:rPr>
+                      <m:t>C</m:t>
+                    </m:r>
+                    <m:sSub>
+                      <m:sSubPr>
+                        <m:ctrlPr>
+                          <a:rPr lang="de-AT" i="1" smtClean="0">
+                            <a:latin typeface="Cambria Math" panose="02040503050406030204" pitchFamily="18" charset="0"/>
+                          </a:rPr>
+                        </m:ctrlPr>
+                      </m:sSubPr>
+                      <m:e>
+                        <m:r>
+                          <m:rPr>
+                            <m:sty m:val="p"/>
+                          </m:rPr>
+                          <a:rPr lang="de-AT" b="0" i="0" smtClean="0">
+                            <a:latin typeface="Cambria Math" panose="02040503050406030204" pitchFamily="18" charset="0"/>
+                          </a:rPr>
+                          <m:t>l</m:t>
+                        </m:r>
+                      </m:e>
+                      <m:sub>
+                        <m:r>
+                          <a:rPr lang="de-AT" b="0" i="0" smtClean="0">
+                            <a:latin typeface="Cambria Math" panose="02040503050406030204" pitchFamily="18" charset="0"/>
+                          </a:rPr>
+                          <m:t>2</m:t>
+                        </m:r>
+                      </m:sub>
+                    </m:sSub>
+                    <m:r>
+                      <a:rPr lang="de-AT" b="0" i="0" smtClean="0">
+                        <a:latin typeface="Cambria Math" panose="02040503050406030204" pitchFamily="18" charset="0"/>
+                      </a:rPr>
+                      <m:t>,</m:t>
+                    </m:r>
+                  </m:oMath>
+                </a14:m>
+                <a:r>
+                  <a:rPr lang="en-GB" dirty="0"/>
+                  <a:t> -78 °C</a:t>
+                </a:r>
+              </a:p>
+            </p:txBody>
+          </p:sp>
+        </mc:Choice>
+        <mc:Fallback xmlns="">
+          <p:sp>
+            <p:nvSpPr>
+              <p:cNvPr id="2" name="Textfeld 1">
+                <a:extLst>
+                  <a:ext uri="{FF2B5EF4-FFF2-40B4-BE49-F238E27FC236}">
+                    <a16:creationId xmlns:a16="http://schemas.microsoft.com/office/drawing/2014/main" id="{F54DD7EC-7669-29F2-53A4-DDE74587D290}"/>
+                  </a:ext>
+                </a:extLst>
+              </p:cNvPr>
+              <p:cNvSpPr txBox="1">
+                <a:spLocks noRot="1" noChangeAspect="1" noMove="1" noResize="1" noEditPoints="1" noAdjustHandles="1" noChangeArrowheads="1" noChangeShapeType="1" noTextEdit="1"/>
+              </p:cNvSpPr>
+              <p:nvPr/>
+            </p:nvSpPr>
+            <p:spPr>
+              <a:xfrm>
+                <a:off x="6198044" y="5779407"/>
+                <a:ext cx="5789470" cy="369332"/>
+              </a:xfrm>
+              <a:prstGeom prst="rect">
+                <a:avLst/>
+              </a:prstGeom>
+              <a:blipFill>
+                <a:blip r:embed="rId4"/>
+                <a:stretch>
+                  <a:fillRect l="-1096" t="-6667" b="-26667"/>
+                </a:stretch>
+              </a:blipFill>
+            </p:spPr>
+            <p:txBody>
+              <a:bodyPr/>
+              <a:lstStyle/>
+              <a:p>
+                <a:r>
+                  <a:rPr lang="en-GB">
+                    <a:noFill/>
+                  </a:rPr>
+                  <a:t> </a:t>
+                </a:r>
+              </a:p>
+            </p:txBody>
+          </p:sp>
+        </mc:Fallback>
+      </mc:AlternateContent>
     </p:spTree>
     <p:extLst>
       <p:ext uri="{BB962C8B-B14F-4D97-AF65-F5344CB8AC3E}">
@@ -18578,7 +18095,7 @@
 </p:sld>
 </file>
 
-<file path=ppt/slides/slide24.xml><?xml version="1.0" encoding="utf-8"?>
+<file path=ppt/slides/slide23.xml><?xml version="1.0" encoding="utf-8"?>
 <p:sld xmlns:a="http://schemas.openxmlformats.org/drawingml/2006/main" xmlns:r="http://schemas.openxmlformats.org/officeDocument/2006/relationships" xmlns:p="http://schemas.openxmlformats.org/presentationml/2006/main">
   <p:cSld>
     <p:spTree>
@@ -18624,7 +18141,7 @@
           <a:p>
             <a:fld id="{49C656FD-8168-4A70-85FD-CB3FFEA2E3E7}" type="slidenum">
               <a:rPr lang="de-AT" smtClean="0"/>
-              <a:t>24</a:t>
+              <a:t>23</a:t>
             </a:fld>
             <a:endParaRPr lang="de-AT" dirty="0"/>
           </a:p>
@@ -18665,7 +18182,7 @@
                   <a:schemeClr val="tx1"/>
                 </a:solidFill>
               </a:rPr>
-              <a:t>-type protecting groups</a:t>
+              <a:t>-type Protecting Groups</a:t>
             </a:r>
           </a:p>
         </p:txBody>
@@ -19196,6 +18713,238 @@
     <p:extLst>
       <p:ext uri="{BB962C8B-B14F-4D97-AF65-F5344CB8AC3E}">
         <p14:creationId xmlns:p14="http://schemas.microsoft.com/office/powerpoint/2010/main" val="2295782739"/>
+      </p:ext>
+    </p:extLst>
+  </p:cSld>
+  <p:clrMapOvr>
+    <a:masterClrMapping/>
+  </p:clrMapOvr>
+</p:sld>
+</file>
+
+<file path=ppt/slides/slide24.xml><?xml version="1.0" encoding="utf-8"?>
+<p:sld xmlns:a="http://schemas.openxmlformats.org/drawingml/2006/main" xmlns:r="http://schemas.openxmlformats.org/officeDocument/2006/relationships" xmlns:p="http://schemas.openxmlformats.org/presentationml/2006/main">
+  <p:cSld>
+    <p:spTree>
+      <p:nvGrpSpPr>
+        <p:cNvPr id="1" name=""/>
+        <p:cNvGrpSpPr/>
+        <p:nvPr/>
+      </p:nvGrpSpPr>
+      <p:grpSpPr>
+        <a:xfrm>
+          <a:off x="0" y="0"/>
+          <a:ext cx="0" cy="0"/>
+          <a:chOff x="0" y="0"/>
+          <a:chExt cx="0" cy="0"/>
+        </a:xfrm>
+      </p:grpSpPr>
+      <p:sp>
+        <p:nvSpPr>
+          <p:cNvPr id="2" name="Inhaltsplatzhalter 1">
+            <a:extLst>
+              <a:ext uri="{FF2B5EF4-FFF2-40B4-BE49-F238E27FC236}">
+                <a16:creationId xmlns:a16="http://schemas.microsoft.com/office/drawing/2014/main" id="{EECD0745-718A-138B-24A9-79E64B66F974}"/>
+              </a:ext>
+            </a:extLst>
+          </p:cNvPr>
+          <p:cNvSpPr>
+            <a:spLocks noGrp="1"/>
+          </p:cNvSpPr>
+          <p:nvPr>
+            <p:ph idx="1"/>
+          </p:nvPr>
+        </p:nvSpPr>
+        <p:spPr/>
+        <p:txBody>
+          <a:bodyPr>
+            <a:normAutofit/>
+          </a:bodyPr>
+          <a:lstStyle/>
+          <a:p>
+            <a:r>
+              <a:rPr lang="en-GB" sz="1800" dirty="0">
+                <a:solidFill>
+                  <a:schemeClr val="tx1"/>
+                </a:solidFill>
+                <a:latin typeface="Arial" panose="020B0604020202020204" pitchFamily="34" charset="0"/>
+                <a:cs typeface="Arial" panose="020B0604020202020204" pitchFamily="34" charset="0"/>
+              </a:rPr>
+              <a:t>Protecting group manipulation highly essential in carbohydrate chemistry</a:t>
+            </a:r>
+          </a:p>
+          <a:p>
+            <a:pPr marL="0" indent="0">
+              <a:buNone/>
+            </a:pPr>
+            <a:endParaRPr lang="en-GB" sz="1800" dirty="0">
+              <a:solidFill>
+                <a:schemeClr val="tx1"/>
+              </a:solidFill>
+              <a:latin typeface="Arial" panose="020B0604020202020204" pitchFamily="34" charset="0"/>
+              <a:cs typeface="Arial" panose="020B0604020202020204" pitchFamily="34" charset="0"/>
+            </a:endParaRPr>
+          </a:p>
+          <a:p>
+            <a:pPr marL="0" indent="0">
+              <a:buNone/>
+            </a:pPr>
+            <a:endParaRPr lang="en-GB" sz="1800" dirty="0">
+              <a:solidFill>
+                <a:schemeClr val="tx1"/>
+              </a:solidFill>
+              <a:latin typeface="Arial" panose="020B0604020202020204" pitchFamily="34" charset="0"/>
+              <a:cs typeface="Arial" panose="020B0604020202020204" pitchFamily="34" charset="0"/>
+            </a:endParaRPr>
+          </a:p>
+          <a:p>
+            <a:r>
+              <a:rPr lang="en-GB" sz="1800" dirty="0">
+                <a:solidFill>
+                  <a:schemeClr val="tx1"/>
+                </a:solidFill>
+                <a:latin typeface="Arial" panose="020B0604020202020204" pitchFamily="34" charset="0"/>
+                <a:cs typeface="Arial" panose="020B0604020202020204" pitchFamily="34" charset="0"/>
+              </a:rPr>
+              <a:t>Neighbouring group participation of protecting groups provides stereoselective control</a:t>
+            </a:r>
+          </a:p>
+          <a:p>
+            <a:endParaRPr lang="en-GB" sz="1800" dirty="0">
+              <a:solidFill>
+                <a:schemeClr val="tx1"/>
+              </a:solidFill>
+              <a:latin typeface="Arial" panose="020B0604020202020204" pitchFamily="34" charset="0"/>
+              <a:cs typeface="Arial" panose="020B0604020202020204" pitchFamily="34" charset="0"/>
+            </a:endParaRPr>
+          </a:p>
+          <a:p>
+            <a:endParaRPr lang="en-GB" sz="1800" dirty="0">
+              <a:solidFill>
+                <a:schemeClr val="tx1"/>
+              </a:solidFill>
+              <a:latin typeface="Arial" panose="020B0604020202020204" pitchFamily="34" charset="0"/>
+              <a:cs typeface="Arial" panose="020B0604020202020204" pitchFamily="34" charset="0"/>
+            </a:endParaRPr>
+          </a:p>
+          <a:p>
+            <a:r>
+              <a:rPr lang="en-GB" sz="1800" dirty="0">
+                <a:solidFill>
+                  <a:schemeClr val="tx1"/>
+                </a:solidFill>
+                <a:latin typeface="Arial" panose="020B0604020202020204" pitchFamily="34" charset="0"/>
+                <a:cs typeface="Arial" panose="020B0604020202020204" pitchFamily="34" charset="0"/>
+              </a:rPr>
+              <a:t>Electron-withdrawing groups reduce the reactivity of glycosylation reaction</a:t>
+            </a:r>
+          </a:p>
+          <a:p>
+            <a:endParaRPr lang="en-GB" sz="1800" dirty="0">
+              <a:solidFill>
+                <a:schemeClr val="tx1"/>
+              </a:solidFill>
+              <a:latin typeface="Arial" panose="020B0604020202020204" pitchFamily="34" charset="0"/>
+              <a:cs typeface="Arial" panose="020B0604020202020204" pitchFamily="34" charset="0"/>
+            </a:endParaRPr>
+          </a:p>
+          <a:p>
+            <a:pPr marL="0" indent="0">
+              <a:buNone/>
+            </a:pPr>
+            <a:endParaRPr lang="en-GB" sz="1800" dirty="0">
+              <a:solidFill>
+                <a:schemeClr val="tx1"/>
+              </a:solidFill>
+              <a:latin typeface="Arial" panose="020B0604020202020204" pitchFamily="34" charset="0"/>
+              <a:cs typeface="Arial" panose="020B0604020202020204" pitchFamily="34" charset="0"/>
+            </a:endParaRPr>
+          </a:p>
+          <a:p>
+            <a:r>
+              <a:rPr lang="en-GB" sz="1800" dirty="0">
+                <a:solidFill>
+                  <a:schemeClr val="tx1"/>
+                </a:solidFill>
+                <a:latin typeface="Arial" panose="020B0604020202020204" pitchFamily="34" charset="0"/>
+                <a:cs typeface="Arial" panose="020B0604020202020204" pitchFamily="34" charset="0"/>
+              </a:rPr>
+              <a:t>Exploration of different electron-donating groups to enhance reactivity of glycoside donor</a:t>
+            </a:r>
+          </a:p>
+          <a:p>
+            <a:endParaRPr lang="en-GB" sz="1800" dirty="0">
+              <a:latin typeface="Arial" panose="020B0604020202020204" pitchFamily="34" charset="0"/>
+              <a:cs typeface="Arial" panose="020B0604020202020204" pitchFamily="34" charset="0"/>
+            </a:endParaRPr>
+          </a:p>
+        </p:txBody>
+      </p:sp>
+      <p:sp>
+        <p:nvSpPr>
+          <p:cNvPr id="3" name="Foliennummernplatzhalter 2">
+            <a:extLst>
+              <a:ext uri="{FF2B5EF4-FFF2-40B4-BE49-F238E27FC236}">
+                <a16:creationId xmlns:a16="http://schemas.microsoft.com/office/drawing/2014/main" id="{6247A663-F84F-2425-8ADF-62563EA6C117}"/>
+              </a:ext>
+            </a:extLst>
+          </p:cNvPr>
+          <p:cNvSpPr>
+            <a:spLocks noGrp="1"/>
+          </p:cNvSpPr>
+          <p:nvPr>
+            <p:ph type="sldNum" sz="quarter" idx="12"/>
+          </p:nvPr>
+        </p:nvSpPr>
+        <p:spPr/>
+        <p:txBody>
+          <a:bodyPr/>
+          <a:lstStyle/>
+          <a:p>
+            <a:fld id="{49C656FD-8168-4A70-85FD-CB3FFEA2E3E7}" type="slidenum">
+              <a:rPr lang="de-AT" smtClean="0"/>
+              <a:t>24</a:t>
+            </a:fld>
+            <a:endParaRPr lang="de-AT" dirty="0"/>
+          </a:p>
+        </p:txBody>
+      </p:sp>
+      <p:sp>
+        <p:nvSpPr>
+          <p:cNvPr id="4" name="Titel 3">
+            <a:extLst>
+              <a:ext uri="{FF2B5EF4-FFF2-40B4-BE49-F238E27FC236}">
+                <a16:creationId xmlns:a16="http://schemas.microsoft.com/office/drawing/2014/main" id="{5FAA6650-E39A-B0B6-4146-B0C039BB54D1}"/>
+              </a:ext>
+            </a:extLst>
+          </p:cNvPr>
+          <p:cNvSpPr>
+            <a:spLocks noGrp="1"/>
+          </p:cNvSpPr>
+          <p:nvPr>
+            <p:ph type="title"/>
+          </p:nvPr>
+        </p:nvSpPr>
+        <p:spPr/>
+        <p:txBody>
+          <a:bodyPr/>
+          <a:lstStyle/>
+          <a:p>
+            <a:r>
+              <a:rPr lang="en-GB" dirty="0">
+                <a:solidFill>
+                  <a:schemeClr val="tx1"/>
+                </a:solidFill>
+              </a:rPr>
+              <a:t>Conclusion</a:t>
+            </a:r>
+          </a:p>
+        </p:txBody>
+      </p:sp>
+    </p:spTree>
+    <p:extLst>
+      <p:ext uri="{BB962C8B-B14F-4D97-AF65-F5344CB8AC3E}">
+        <p14:creationId xmlns:p14="http://schemas.microsoft.com/office/powerpoint/2010/main" val="4204256785"/>
       </p:ext>
     </p:extLst>
   </p:cSld>
@@ -19222,150 +18971,248 @@
           <a:chExt cx="0" cy="0"/>
         </a:xfrm>
       </p:grpSpPr>
-      <p:sp>
-        <p:nvSpPr>
-          <p:cNvPr id="2" name="Inhaltsplatzhalter 1">
-            <a:extLst>
-              <a:ext uri="{FF2B5EF4-FFF2-40B4-BE49-F238E27FC236}">
-                <a16:creationId xmlns:a16="http://schemas.microsoft.com/office/drawing/2014/main" id="{EECD0745-718A-138B-24A9-79E64B66F974}"/>
-              </a:ext>
-            </a:extLst>
-          </p:cNvPr>
-          <p:cNvSpPr>
-            <a:spLocks noGrp="1"/>
-          </p:cNvSpPr>
-          <p:nvPr>
-            <p:ph idx="1"/>
-          </p:nvPr>
-        </p:nvSpPr>
-        <p:spPr/>
-        <p:txBody>
-          <a:bodyPr>
-            <a:normAutofit/>
-          </a:bodyPr>
-          <a:lstStyle/>
-          <a:p>
-            <a:r>
-              <a:rPr lang="en-GB" sz="1800" dirty="0">
-                <a:solidFill>
-                  <a:schemeClr val="tx1"/>
-                </a:solidFill>
-                <a:latin typeface="Arial" panose="020B0604020202020204" pitchFamily="34" charset="0"/>
-                <a:cs typeface="Arial" panose="020B0604020202020204" pitchFamily="34" charset="0"/>
-              </a:rPr>
-              <a:t>Protecting group manipulation highly essential in carbohydrate chemistry</a:t>
-            </a:r>
-          </a:p>
-          <a:p>
-            <a:pPr marL="0" indent="0">
-              <a:buNone/>
-            </a:pPr>
-            <a:endParaRPr lang="en-GB" sz="1800" dirty="0">
-              <a:solidFill>
-                <a:schemeClr val="tx1"/>
-              </a:solidFill>
-              <a:latin typeface="Arial" panose="020B0604020202020204" pitchFamily="34" charset="0"/>
-              <a:cs typeface="Arial" panose="020B0604020202020204" pitchFamily="34" charset="0"/>
-            </a:endParaRPr>
-          </a:p>
-          <a:p>
-            <a:pPr marL="0" indent="0">
-              <a:buNone/>
-            </a:pPr>
-            <a:endParaRPr lang="en-GB" sz="1800" dirty="0">
-              <a:solidFill>
-                <a:schemeClr val="tx1"/>
-              </a:solidFill>
-              <a:latin typeface="Arial" panose="020B0604020202020204" pitchFamily="34" charset="0"/>
-              <a:cs typeface="Arial" panose="020B0604020202020204" pitchFamily="34" charset="0"/>
-            </a:endParaRPr>
-          </a:p>
-          <a:p>
-            <a:r>
-              <a:rPr lang="en-GB" sz="1800" dirty="0">
-                <a:solidFill>
-                  <a:schemeClr val="tx1"/>
-                </a:solidFill>
-                <a:latin typeface="Arial" panose="020B0604020202020204" pitchFamily="34" charset="0"/>
-                <a:cs typeface="Arial" panose="020B0604020202020204" pitchFamily="34" charset="0"/>
-              </a:rPr>
-              <a:t>Neighbouring group participation of protecting groups provides stereoselective control</a:t>
-            </a:r>
-          </a:p>
-          <a:p>
-            <a:endParaRPr lang="en-GB" sz="1800" dirty="0">
-              <a:solidFill>
-                <a:schemeClr val="tx1"/>
-              </a:solidFill>
-              <a:latin typeface="Arial" panose="020B0604020202020204" pitchFamily="34" charset="0"/>
-              <a:cs typeface="Arial" panose="020B0604020202020204" pitchFamily="34" charset="0"/>
-            </a:endParaRPr>
-          </a:p>
-          <a:p>
-            <a:endParaRPr lang="en-GB" sz="1800" dirty="0">
-              <a:solidFill>
-                <a:schemeClr val="tx1"/>
-              </a:solidFill>
-              <a:latin typeface="Arial" panose="020B0604020202020204" pitchFamily="34" charset="0"/>
-              <a:cs typeface="Arial" panose="020B0604020202020204" pitchFamily="34" charset="0"/>
-            </a:endParaRPr>
-          </a:p>
-          <a:p>
-            <a:r>
-              <a:rPr lang="en-GB" sz="1800" dirty="0">
-                <a:solidFill>
-                  <a:schemeClr val="tx1"/>
-                </a:solidFill>
-                <a:latin typeface="Arial" panose="020B0604020202020204" pitchFamily="34" charset="0"/>
-                <a:cs typeface="Arial" panose="020B0604020202020204" pitchFamily="34" charset="0"/>
-              </a:rPr>
-              <a:t>Electron-withdrawing groups reduce the reactivity of glycosylation reaction</a:t>
-            </a:r>
-          </a:p>
-          <a:p>
-            <a:endParaRPr lang="en-GB" sz="1800" dirty="0">
-              <a:solidFill>
-                <a:schemeClr val="tx1"/>
-              </a:solidFill>
-              <a:latin typeface="Arial" panose="020B0604020202020204" pitchFamily="34" charset="0"/>
-              <a:cs typeface="Arial" panose="020B0604020202020204" pitchFamily="34" charset="0"/>
-            </a:endParaRPr>
-          </a:p>
-          <a:p>
-            <a:endParaRPr lang="en-GB" sz="1800" dirty="0">
-              <a:solidFill>
-                <a:schemeClr val="tx1"/>
-              </a:solidFill>
-              <a:latin typeface="Arial" panose="020B0604020202020204" pitchFamily="34" charset="0"/>
-              <a:cs typeface="Arial" panose="020B0604020202020204" pitchFamily="34" charset="0"/>
-            </a:endParaRPr>
-          </a:p>
-          <a:p>
-            <a:r>
-              <a:rPr lang="en-GB" sz="1800" dirty="0">
-                <a:solidFill>
-                  <a:schemeClr val="tx1"/>
-                </a:solidFill>
-                <a:latin typeface="Arial" panose="020B0604020202020204" pitchFamily="34" charset="0"/>
-                <a:cs typeface="Arial" panose="020B0604020202020204" pitchFamily="34" charset="0"/>
-              </a:rPr>
-              <a:t>Exploration of different electron-donating groups to enhance reactivity of glycoside donor</a:t>
-            </a:r>
-          </a:p>
-          <a:p>
-            <a:endParaRPr lang="en-GB" sz="1800" dirty="0">
-              <a:latin typeface="Arial" panose="020B0604020202020204" pitchFamily="34" charset="0"/>
-              <a:cs typeface="Arial" panose="020B0604020202020204" pitchFamily="34" charset="0"/>
-            </a:endParaRPr>
-          </a:p>
-        </p:txBody>
-      </p:sp>
+      <mc:AlternateContent xmlns:mc="http://schemas.openxmlformats.org/markup-compatibility/2006" xmlns:a14="http://schemas.microsoft.com/office/drawing/2010/main">
+        <mc:Choice Requires="a14">
+          <p:sp>
+            <p:nvSpPr>
+              <p:cNvPr id="2" name="Inhaltsplatzhalter 1">
+                <a:extLst>
+                  <a:ext uri="{FF2B5EF4-FFF2-40B4-BE49-F238E27FC236}">
+                    <a16:creationId xmlns:a16="http://schemas.microsoft.com/office/drawing/2014/main" id="{A2F74C6A-9C6D-EA95-0A52-6EA4EF80CB64}"/>
+                  </a:ext>
+                </a:extLst>
+              </p:cNvPr>
+              <p:cNvSpPr>
+                <a:spLocks noGrp="1"/>
+              </p:cNvSpPr>
+              <p:nvPr>
+                <p:ph idx="1"/>
+              </p:nvPr>
+            </p:nvSpPr>
+            <p:spPr>
+              <a:xfrm>
+                <a:off x="340512" y="1904401"/>
+                <a:ext cx="5205673" cy="2819448"/>
+              </a:xfrm>
+            </p:spPr>
+            <p:txBody>
+              <a:bodyPr>
+                <a:normAutofit/>
+              </a:bodyPr>
+              <a:lstStyle/>
+              <a:p>
+                <a14:m>
+                  <m:oMath xmlns:m="http://schemas.openxmlformats.org/officeDocument/2006/math">
+                    <m:sSub>
+                      <m:sSubPr>
+                        <m:ctrlPr>
+                          <a:rPr lang="de-AT" sz="1800" b="0" i="1" smtClean="0">
+                            <a:solidFill>
+                              <a:schemeClr val="tx1"/>
+                            </a:solidFill>
+                            <a:latin typeface="Cambria Math" panose="02040503050406030204" pitchFamily="18" charset="0"/>
+                          </a:rPr>
+                        </m:ctrlPr>
+                      </m:sSubPr>
+                      <m:e>
+                        <m:r>
+                          <a:rPr lang="de-AT" sz="1800" b="0" i="1" smtClean="0">
+                            <a:solidFill>
+                              <a:schemeClr val="tx1"/>
+                            </a:solidFill>
+                            <a:latin typeface="Cambria Math" panose="02040503050406030204" pitchFamily="18" charset="0"/>
+                          </a:rPr>
+                          <m:t>𝑆</m:t>
+                        </m:r>
+                      </m:e>
+                      <m:sub>
+                        <m:r>
+                          <a:rPr lang="de-AT" sz="1800" b="0" i="1" smtClean="0">
+                            <a:solidFill>
+                              <a:schemeClr val="tx1"/>
+                            </a:solidFill>
+                            <a:latin typeface="Cambria Math" panose="02040503050406030204" pitchFamily="18" charset="0"/>
+                          </a:rPr>
+                          <m:t>𝑁</m:t>
+                        </m:r>
+                      </m:sub>
+                    </m:sSub>
+                    <m:r>
+                      <a:rPr lang="de-AT" sz="1800" b="0" i="1" smtClean="0">
+                        <a:solidFill>
+                          <a:schemeClr val="tx1"/>
+                        </a:solidFill>
+                        <a:latin typeface="Cambria Math" panose="02040503050406030204" pitchFamily="18" charset="0"/>
+                      </a:rPr>
+                      <m:t>𝑖</m:t>
+                    </m:r>
+                  </m:oMath>
+                </a14:m>
+                <a:r>
+                  <a:rPr lang="en-GB" sz="1800" dirty="0">
+                    <a:solidFill>
+                      <a:schemeClr val="tx1"/>
+                    </a:solidFill>
+                  </a:rPr>
+                  <a:t> reaction was introduced by Cowdrey et. al in 1937</a:t>
+                </a:r>
+              </a:p>
+              <a:p>
+                <a:endParaRPr lang="en-GB" sz="1800" dirty="0">
+                  <a:solidFill>
+                    <a:schemeClr val="tx1"/>
+                  </a:solidFill>
+                </a:endParaRPr>
+              </a:p>
+              <a:p>
+                <a:r>
+                  <a:rPr lang="en-GB" sz="1800" dirty="0">
+                    <a:solidFill>
+                      <a:schemeClr val="tx1"/>
+                    </a:solidFill>
+                  </a:rPr>
+                  <a:t>Main feature is a retention of stereochemical configuration</a:t>
+                </a:r>
+              </a:p>
+              <a:p>
+                <a:endParaRPr lang="en-GB" sz="1800" dirty="0">
+                  <a:solidFill>
+                    <a:schemeClr val="tx1"/>
+                  </a:solidFill>
+                </a:endParaRPr>
+              </a:p>
+              <a:p>
+                <a:r>
+                  <a:rPr lang="en-GB" sz="1800" dirty="0">
+                    <a:solidFill>
+                      <a:schemeClr val="tx1"/>
+                    </a:solidFill>
+                  </a:rPr>
+                  <a:t>In difference to </a:t>
+                </a:r>
+                <a14:m>
+                  <m:oMath xmlns:m="http://schemas.openxmlformats.org/officeDocument/2006/math">
+                    <m:sSub>
+                      <m:sSubPr>
+                        <m:ctrlPr>
+                          <a:rPr lang="de-AT" sz="1800" b="0" i="1" smtClean="0">
+                            <a:solidFill>
+                              <a:schemeClr val="tx1"/>
+                            </a:solidFill>
+                            <a:latin typeface="Cambria Math" panose="02040503050406030204" pitchFamily="18" charset="0"/>
+                          </a:rPr>
+                        </m:ctrlPr>
+                      </m:sSubPr>
+                      <m:e>
+                        <m:r>
+                          <a:rPr lang="de-AT" sz="1800" b="0" i="1" smtClean="0">
+                            <a:solidFill>
+                              <a:schemeClr val="tx1"/>
+                            </a:solidFill>
+                            <a:latin typeface="Cambria Math" panose="02040503050406030204" pitchFamily="18" charset="0"/>
+                          </a:rPr>
+                          <m:t>𝑆</m:t>
+                        </m:r>
+                      </m:e>
+                      <m:sub>
+                        <m:r>
+                          <a:rPr lang="de-AT" sz="1800" b="0" i="1" smtClean="0">
+                            <a:solidFill>
+                              <a:schemeClr val="tx1"/>
+                            </a:solidFill>
+                            <a:latin typeface="Cambria Math" panose="02040503050406030204" pitchFamily="18" charset="0"/>
+                          </a:rPr>
+                          <m:t>𝑁</m:t>
+                        </m:r>
+                      </m:sub>
+                    </m:sSub>
+                    <m:r>
+                      <a:rPr lang="de-AT" sz="1800" b="0" i="1" smtClean="0">
+                        <a:solidFill>
+                          <a:schemeClr val="tx1"/>
+                        </a:solidFill>
+                        <a:latin typeface="Cambria Math" panose="02040503050406030204" pitchFamily="18" charset="0"/>
+                      </a:rPr>
+                      <m:t>1</m:t>
+                    </m:r>
+                  </m:oMath>
+                </a14:m>
+                <a:r>
+                  <a:rPr lang="en-GB" sz="1800" dirty="0">
+                    <a:solidFill>
+                      <a:schemeClr val="tx1"/>
+                    </a:solidFill>
+                  </a:rPr>
+                  <a:t> no real carbocation formed!</a:t>
+                </a:r>
+              </a:p>
+              <a:p>
+                <a:endParaRPr lang="en-GB" sz="1800" dirty="0">
+                  <a:solidFill>
+                    <a:schemeClr val="tx1"/>
+                  </a:solidFill>
+                </a:endParaRPr>
+              </a:p>
+              <a:p>
+                <a:endParaRPr lang="en-GB" sz="1800" dirty="0">
+                  <a:solidFill>
+                    <a:schemeClr val="tx1"/>
+                  </a:solidFill>
+                </a:endParaRPr>
+              </a:p>
+            </p:txBody>
+          </p:sp>
+        </mc:Choice>
+        <mc:Fallback xmlns="">
+          <p:sp>
+            <p:nvSpPr>
+              <p:cNvPr id="2" name="Inhaltsplatzhalter 1">
+                <a:extLst>
+                  <a:ext uri="{FF2B5EF4-FFF2-40B4-BE49-F238E27FC236}">
+                    <a16:creationId xmlns:a16="http://schemas.microsoft.com/office/drawing/2014/main" id="{A2F74C6A-9C6D-EA95-0A52-6EA4EF80CB64}"/>
+                  </a:ext>
+                </a:extLst>
+              </p:cNvPr>
+              <p:cNvSpPr>
+                <a:spLocks noGrp="1" noRot="1" noChangeAspect="1" noMove="1" noResize="1" noEditPoints="1" noAdjustHandles="1" noChangeArrowheads="1" noChangeShapeType="1" noTextEdit="1"/>
+              </p:cNvSpPr>
+              <p:nvPr>
+                <p:ph idx="1"/>
+              </p:nvPr>
+            </p:nvSpPr>
+            <p:spPr>
+              <a:xfrm>
+                <a:off x="340512" y="1904401"/>
+                <a:ext cx="5205673" cy="2819448"/>
+              </a:xfrm>
+              <a:blipFill>
+                <a:blip r:embed="rId2"/>
+                <a:stretch>
+                  <a:fillRect l="-487" t="-1794" r="-973"/>
+                </a:stretch>
+              </a:blipFill>
+            </p:spPr>
+            <p:txBody>
+              <a:bodyPr/>
+              <a:lstStyle/>
+              <a:p>
+                <a:r>
+                  <a:rPr lang="en-GB">
+                    <a:noFill/>
+                  </a:rPr>
+                  <a:t> </a:t>
+                </a:r>
+              </a:p>
+            </p:txBody>
+          </p:sp>
+        </mc:Fallback>
+      </mc:AlternateContent>
       <p:sp>
         <p:nvSpPr>
           <p:cNvPr id="3" name="Foliennummernplatzhalter 2">
             <a:extLst>
               <a:ext uri="{FF2B5EF4-FFF2-40B4-BE49-F238E27FC236}">
-                <a16:creationId xmlns:a16="http://schemas.microsoft.com/office/drawing/2014/main" id="{6247A663-F84F-2425-8ADF-62563EA6C117}"/>
+                <a16:creationId xmlns:a16="http://schemas.microsoft.com/office/drawing/2014/main" id="{E8690884-F945-D7C2-9C62-C8D7B22014BE}"/>
               </a:ext>
             </a:extLst>
           </p:cNvPr>
@@ -19389,12 +19236,1069 @@
           </a:p>
         </p:txBody>
       </p:sp>
+      <mc:AlternateContent xmlns:mc="http://schemas.openxmlformats.org/markup-compatibility/2006" xmlns:a14="http://schemas.microsoft.com/office/drawing/2010/main">
+        <mc:Choice Requires="a14">
+          <p:sp>
+            <p:nvSpPr>
+              <p:cNvPr id="4" name="Titel 3">
+                <a:extLst>
+                  <a:ext uri="{FF2B5EF4-FFF2-40B4-BE49-F238E27FC236}">
+                    <a16:creationId xmlns:a16="http://schemas.microsoft.com/office/drawing/2014/main" id="{0E1BDB4A-A152-68F3-0128-8957F2812FDC}"/>
+                  </a:ext>
+                </a:extLst>
+              </p:cNvPr>
+              <p:cNvSpPr>
+                <a:spLocks noGrp="1"/>
+              </p:cNvSpPr>
+              <p:nvPr>
+                <p:ph type="title"/>
+              </p:nvPr>
+            </p:nvSpPr>
+            <p:spPr/>
+            <p:txBody>
+              <a:bodyPr/>
+              <a:lstStyle/>
+              <a:p>
+                <a:r>
+                  <a:rPr lang="en-GB" dirty="0">
+                    <a:solidFill>
+                      <a:schemeClr val="tx1"/>
+                    </a:solidFill>
+                  </a:rPr>
+                  <a:t>Backup I: </a:t>
+                </a:r>
+                <a14:m>
+                  <m:oMath xmlns:m="http://schemas.openxmlformats.org/officeDocument/2006/math">
+                    <m:sSub>
+                      <m:sSubPr>
+                        <m:ctrlPr>
+                          <a:rPr lang="de-AT" b="0" i="1" dirty="0" smtClean="0">
+                            <a:solidFill>
+                              <a:schemeClr val="tx1"/>
+                            </a:solidFill>
+                            <a:latin typeface="Cambria Math" panose="02040503050406030204" pitchFamily="18" charset="0"/>
+                          </a:rPr>
+                        </m:ctrlPr>
+                      </m:sSubPr>
+                      <m:e>
+                        <m:r>
+                          <a:rPr lang="en-GB" i="1" dirty="0" smtClean="0">
+                            <a:solidFill>
+                              <a:schemeClr val="tx1"/>
+                            </a:solidFill>
+                            <a:latin typeface="Cambria Math" panose="02040503050406030204" pitchFamily="18" charset="0"/>
+                          </a:rPr>
+                          <m:t>𝑆</m:t>
+                        </m:r>
+                      </m:e>
+                      <m:sub>
+                        <m:r>
+                          <a:rPr lang="de-AT" b="0" i="1" dirty="0" smtClean="0">
+                            <a:solidFill>
+                              <a:schemeClr val="tx1"/>
+                            </a:solidFill>
+                            <a:latin typeface="Cambria Math" panose="02040503050406030204" pitchFamily="18" charset="0"/>
+                          </a:rPr>
+                          <m:t>𝑁</m:t>
+                        </m:r>
+                      </m:sub>
+                    </m:sSub>
+                    <m:r>
+                      <a:rPr lang="en-GB" i="1" dirty="0" smtClean="0">
+                        <a:solidFill>
+                          <a:schemeClr val="tx1"/>
+                        </a:solidFill>
+                        <a:latin typeface="Cambria Math" panose="02040503050406030204" pitchFamily="18" charset="0"/>
+                      </a:rPr>
+                      <m:t>𝑖</m:t>
+                    </m:r>
+                  </m:oMath>
+                </a14:m>
+                <a:r>
+                  <a:rPr lang="en-GB" dirty="0">
+                    <a:solidFill>
+                      <a:schemeClr val="tx1"/>
+                    </a:solidFill>
+                  </a:rPr>
+                  <a:t> reaction</a:t>
+                </a:r>
+              </a:p>
+            </p:txBody>
+          </p:sp>
+        </mc:Choice>
+        <mc:Fallback xmlns="">
+          <p:sp>
+            <p:nvSpPr>
+              <p:cNvPr id="4" name="Titel 3">
+                <a:extLst>
+                  <a:ext uri="{FF2B5EF4-FFF2-40B4-BE49-F238E27FC236}">
+                    <a16:creationId xmlns:a16="http://schemas.microsoft.com/office/drawing/2014/main" id="{0E1BDB4A-A152-68F3-0128-8957F2812FDC}"/>
+                  </a:ext>
+                </a:extLst>
+              </p:cNvPr>
+              <p:cNvSpPr>
+                <a:spLocks noGrp="1" noRot="1" noChangeAspect="1" noMove="1" noResize="1" noEditPoints="1" noAdjustHandles="1" noChangeArrowheads="1" noChangeShapeType="1" noTextEdit="1"/>
+              </p:cNvSpPr>
+              <p:nvPr>
+                <p:ph type="title"/>
+              </p:nvPr>
+            </p:nvSpPr>
+            <p:spPr>
+              <a:blipFill>
+                <a:blip r:embed="rId3"/>
+                <a:stretch>
+                  <a:fillRect t="-16279" r="-1532" b="-30233"/>
+                </a:stretch>
+              </a:blipFill>
+            </p:spPr>
+            <p:txBody>
+              <a:bodyPr/>
+              <a:lstStyle/>
+              <a:p>
+                <a:r>
+                  <a:rPr lang="en-GB">
+                    <a:noFill/>
+                  </a:rPr>
+                  <a:t> </a:t>
+                </a:r>
+              </a:p>
+            </p:txBody>
+          </p:sp>
+        </mc:Fallback>
+      </mc:AlternateContent>
+      <p:pic>
+        <p:nvPicPr>
+          <p:cNvPr id="5" name="Grafik 4">
+            <a:extLst>
+              <a:ext uri="{FF2B5EF4-FFF2-40B4-BE49-F238E27FC236}">
+                <a16:creationId xmlns:a16="http://schemas.microsoft.com/office/drawing/2014/main" id="{EF869524-D4FB-5642-FA1C-334CF66208AD}"/>
+              </a:ext>
+            </a:extLst>
+          </p:cNvPr>
+          <p:cNvPicPr>
+            <a:picLocks noChangeAspect="1"/>
+          </p:cNvPicPr>
+          <p:nvPr/>
+        </p:nvPicPr>
+        <p:blipFill>
+          <a:blip r:embed="rId4"/>
+          <a:stretch>
+            <a:fillRect/>
+          </a:stretch>
+        </p:blipFill>
+        <p:spPr>
+          <a:xfrm>
+            <a:off x="5713083" y="1713481"/>
+            <a:ext cx="5994400" cy="4292600"/>
+          </a:xfrm>
+          <a:prstGeom prst="rect">
+            <a:avLst/>
+          </a:prstGeom>
+        </p:spPr>
+      </p:pic>
+      <mc:AlternateContent xmlns:mc="http://schemas.openxmlformats.org/markup-compatibility/2006" xmlns:a14="http://schemas.microsoft.com/office/drawing/2010/main">
+        <mc:Choice Requires="a14">
+          <p:sp>
+            <p:nvSpPr>
+              <p:cNvPr id="6" name="Textfeld 5">
+                <a:extLst>
+                  <a:ext uri="{FF2B5EF4-FFF2-40B4-BE49-F238E27FC236}">
+                    <a16:creationId xmlns:a16="http://schemas.microsoft.com/office/drawing/2014/main" id="{9F4FCCE5-9297-2C53-98AD-C0FD9CD6F5AA}"/>
+                  </a:ext>
+                </a:extLst>
+              </p:cNvPr>
+              <p:cNvSpPr txBox="1"/>
+              <p:nvPr/>
+            </p:nvSpPr>
+            <p:spPr>
+              <a:xfrm>
+                <a:off x="9670211" y="2357336"/>
+                <a:ext cx="570413" cy="307777"/>
+              </a:xfrm>
+              <a:prstGeom prst="rect">
+                <a:avLst/>
+              </a:prstGeom>
+              <a:noFill/>
+            </p:spPr>
+            <p:txBody>
+              <a:bodyPr wrap="none" rtlCol="0">
+                <a:spAutoFit/>
+              </a:bodyPr>
+              <a:lstStyle/>
+              <a:p>
+                <a14:m>
+                  <m:oMath xmlns:m="http://schemas.openxmlformats.org/officeDocument/2006/math">
+                    <m:sSub>
+                      <m:sSubPr>
+                        <m:ctrlPr>
+                          <a:rPr lang="de-AT" sz="1400" b="0" i="1" smtClean="0">
+                            <a:solidFill>
+                              <a:schemeClr val="accent3"/>
+                            </a:solidFill>
+                            <a:latin typeface="Cambria Math" panose="02040503050406030204" pitchFamily="18" charset="0"/>
+                          </a:rPr>
+                        </m:ctrlPr>
+                      </m:sSubPr>
+                      <m:e>
+                        <m:r>
+                          <a:rPr lang="de-AT" sz="1400" b="0" i="1" smtClean="0">
+                            <a:solidFill>
+                              <a:schemeClr val="accent3"/>
+                            </a:solidFill>
+                            <a:latin typeface="Cambria Math" panose="02040503050406030204" pitchFamily="18" charset="0"/>
+                          </a:rPr>
+                          <m:t>𝑆</m:t>
+                        </m:r>
+                      </m:e>
+                      <m:sub>
+                        <m:r>
+                          <a:rPr lang="de-AT" sz="1400" b="0" i="1" smtClean="0">
+                            <a:solidFill>
+                              <a:schemeClr val="accent3"/>
+                            </a:solidFill>
+                            <a:latin typeface="Cambria Math" panose="02040503050406030204" pitchFamily="18" charset="0"/>
+                          </a:rPr>
+                          <m:t>𝑁</m:t>
+                        </m:r>
+                      </m:sub>
+                    </m:sSub>
+                    <m:r>
+                      <a:rPr lang="de-AT" sz="1400" b="0" i="1" smtClean="0">
+                        <a:solidFill>
+                          <a:schemeClr val="accent3"/>
+                        </a:solidFill>
+                        <a:latin typeface="Cambria Math" panose="02040503050406030204" pitchFamily="18" charset="0"/>
+                      </a:rPr>
+                      <m:t>2</m:t>
+                    </m:r>
+                  </m:oMath>
+                </a14:m>
+                <a:r>
+                  <a:rPr lang="en-GB" sz="1400" dirty="0">
+                    <a:solidFill>
+                      <a:schemeClr val="accent3"/>
+                    </a:solidFill>
+                  </a:rPr>
+                  <a:t>≈</a:t>
+                </a:r>
+              </a:p>
+            </p:txBody>
+          </p:sp>
+        </mc:Choice>
+        <mc:Fallback xmlns="">
+          <p:sp>
+            <p:nvSpPr>
+              <p:cNvPr id="6" name="Textfeld 5">
+                <a:extLst>
+                  <a:ext uri="{FF2B5EF4-FFF2-40B4-BE49-F238E27FC236}">
+                    <a16:creationId xmlns:a16="http://schemas.microsoft.com/office/drawing/2014/main" id="{9F4FCCE5-9297-2C53-98AD-C0FD9CD6F5AA}"/>
+                  </a:ext>
+                </a:extLst>
+              </p:cNvPr>
+              <p:cNvSpPr txBox="1">
+                <a:spLocks noRot="1" noChangeAspect="1" noMove="1" noResize="1" noEditPoints="1" noAdjustHandles="1" noChangeArrowheads="1" noChangeShapeType="1" noTextEdit="1"/>
+              </p:cNvSpPr>
+              <p:nvPr/>
+            </p:nvSpPr>
+            <p:spPr>
+              <a:xfrm>
+                <a:off x="9670211" y="2357336"/>
+                <a:ext cx="570413" cy="307777"/>
+              </a:xfrm>
+              <a:prstGeom prst="rect">
+                <a:avLst/>
+              </a:prstGeom>
+              <a:blipFill>
+                <a:blip r:embed="rId5"/>
+                <a:stretch>
+                  <a:fillRect t="-4000" r="-2174" b="-24000"/>
+                </a:stretch>
+              </a:blipFill>
+            </p:spPr>
+            <p:txBody>
+              <a:bodyPr/>
+              <a:lstStyle/>
+              <a:p>
+                <a:r>
+                  <a:rPr lang="en-GB">
+                    <a:noFill/>
+                  </a:rPr>
+                  <a:t> </a:t>
+                </a:r>
+              </a:p>
+            </p:txBody>
+          </p:sp>
+        </mc:Fallback>
+      </mc:AlternateContent>
+      <mc:AlternateContent xmlns:mc="http://schemas.openxmlformats.org/markup-compatibility/2006" xmlns:a14="http://schemas.microsoft.com/office/drawing/2010/main">
+        <mc:Choice Requires="a14">
+          <p:sp>
+            <p:nvSpPr>
+              <p:cNvPr id="7" name="Textfeld 6">
+                <a:extLst>
+                  <a:ext uri="{FF2B5EF4-FFF2-40B4-BE49-F238E27FC236}">
+                    <a16:creationId xmlns:a16="http://schemas.microsoft.com/office/drawing/2014/main" id="{9A090F57-1B9D-FC2C-E27B-3C83495F9048}"/>
+                  </a:ext>
+                </a:extLst>
+              </p:cNvPr>
+              <p:cNvSpPr txBox="1"/>
+              <p:nvPr/>
+            </p:nvSpPr>
+            <p:spPr>
+              <a:xfrm>
+                <a:off x="7157049" y="3191223"/>
+                <a:ext cx="520720" cy="307777"/>
+              </a:xfrm>
+              <a:prstGeom prst="rect">
+                <a:avLst/>
+              </a:prstGeom>
+              <a:noFill/>
+            </p:spPr>
+            <p:txBody>
+              <a:bodyPr wrap="none" rtlCol="0">
+                <a:spAutoFit/>
+              </a:bodyPr>
+              <a:lstStyle/>
+              <a:p>
+                <a:pPr/>
+                <a14:m>
+                  <m:oMathPara xmlns:m="http://schemas.openxmlformats.org/officeDocument/2006/math">
+                    <m:oMathParaPr>
+                      <m:jc m:val="centerGroup"/>
+                    </m:oMathParaPr>
+                    <m:oMath xmlns:m="http://schemas.openxmlformats.org/officeDocument/2006/math">
+                      <m:sSub>
+                        <m:sSubPr>
+                          <m:ctrlPr>
+                            <a:rPr lang="de-AT" sz="1400" b="0" i="1" smtClean="0">
+                              <a:solidFill>
+                                <a:schemeClr val="accent3"/>
+                              </a:solidFill>
+                              <a:latin typeface="Cambria Math" panose="02040503050406030204" pitchFamily="18" charset="0"/>
+                            </a:rPr>
+                          </m:ctrlPr>
+                        </m:sSubPr>
+                        <m:e>
+                          <m:r>
+                            <a:rPr lang="de-AT" sz="1400" b="0" i="1" smtClean="0">
+                              <a:solidFill>
+                                <a:schemeClr val="accent3"/>
+                              </a:solidFill>
+                              <a:latin typeface="Cambria Math" panose="02040503050406030204" pitchFamily="18" charset="0"/>
+                            </a:rPr>
+                            <m:t>𝑆</m:t>
+                          </m:r>
+                        </m:e>
+                        <m:sub>
+                          <m:r>
+                            <a:rPr lang="de-AT" sz="1400" b="0" i="1" smtClean="0">
+                              <a:solidFill>
+                                <a:schemeClr val="accent3"/>
+                              </a:solidFill>
+                              <a:latin typeface="Cambria Math" panose="02040503050406030204" pitchFamily="18" charset="0"/>
+                            </a:rPr>
+                            <m:t>𝑁</m:t>
+                          </m:r>
+                        </m:sub>
+                      </m:sSub>
+                      <m:r>
+                        <a:rPr lang="de-AT" sz="1400" b="0" i="1" smtClean="0">
+                          <a:solidFill>
+                            <a:schemeClr val="accent3"/>
+                          </a:solidFill>
+                          <a:latin typeface="Cambria Math" panose="02040503050406030204" pitchFamily="18" charset="0"/>
+                        </a:rPr>
+                        <m:t>2</m:t>
+                      </m:r>
+                    </m:oMath>
+                  </m:oMathPara>
+                </a14:m>
+                <a:endParaRPr lang="en-GB" sz="1400" dirty="0">
+                  <a:solidFill>
+                    <a:schemeClr val="accent3"/>
+                  </a:solidFill>
+                </a:endParaRPr>
+              </a:p>
+            </p:txBody>
+          </p:sp>
+        </mc:Choice>
+        <mc:Fallback xmlns="">
+          <p:sp>
+            <p:nvSpPr>
+              <p:cNvPr id="7" name="Textfeld 6">
+                <a:extLst>
+                  <a:ext uri="{FF2B5EF4-FFF2-40B4-BE49-F238E27FC236}">
+                    <a16:creationId xmlns:a16="http://schemas.microsoft.com/office/drawing/2014/main" id="{9A090F57-1B9D-FC2C-E27B-3C83495F9048}"/>
+                  </a:ext>
+                </a:extLst>
+              </p:cNvPr>
+              <p:cNvSpPr txBox="1">
+                <a:spLocks noRot="1" noChangeAspect="1" noMove="1" noResize="1" noEditPoints="1" noAdjustHandles="1" noChangeArrowheads="1" noChangeShapeType="1" noTextEdit="1"/>
+              </p:cNvSpPr>
+              <p:nvPr/>
+            </p:nvSpPr>
+            <p:spPr>
+              <a:xfrm>
+                <a:off x="7157049" y="3191223"/>
+                <a:ext cx="520720" cy="307777"/>
+              </a:xfrm>
+              <a:prstGeom prst="rect">
+                <a:avLst/>
+              </a:prstGeom>
+              <a:blipFill>
+                <a:blip r:embed="rId6"/>
+                <a:stretch>
+                  <a:fillRect/>
+                </a:stretch>
+              </a:blipFill>
+            </p:spPr>
+            <p:txBody>
+              <a:bodyPr/>
+              <a:lstStyle/>
+              <a:p>
+                <a:r>
+                  <a:rPr lang="en-GB">
+                    <a:noFill/>
+                  </a:rPr>
+                  <a:t> </a:t>
+                </a:r>
+              </a:p>
+            </p:txBody>
+          </p:sp>
+        </mc:Fallback>
+      </mc:AlternateContent>
+      <mc:AlternateContent xmlns:mc="http://schemas.openxmlformats.org/markup-compatibility/2006" xmlns:a14="http://schemas.microsoft.com/office/drawing/2010/main">
+        <mc:Choice Requires="a14">
+          <p:sp>
+            <p:nvSpPr>
+              <p:cNvPr id="8" name="Textfeld 7">
+                <a:extLst>
+                  <a:ext uri="{FF2B5EF4-FFF2-40B4-BE49-F238E27FC236}">
+                    <a16:creationId xmlns:a16="http://schemas.microsoft.com/office/drawing/2014/main" id="{DB233E9D-F4A4-0BD8-68A3-3BE2FF967BD7}"/>
+                  </a:ext>
+                </a:extLst>
+              </p:cNvPr>
+              <p:cNvSpPr txBox="1"/>
+              <p:nvPr/>
+            </p:nvSpPr>
+            <p:spPr>
+              <a:xfrm>
+                <a:off x="6386423" y="4849180"/>
+                <a:ext cx="520720" cy="307777"/>
+              </a:xfrm>
+              <a:prstGeom prst="rect">
+                <a:avLst/>
+              </a:prstGeom>
+              <a:noFill/>
+            </p:spPr>
+            <p:txBody>
+              <a:bodyPr wrap="none" rtlCol="0">
+                <a:spAutoFit/>
+              </a:bodyPr>
+              <a:lstStyle/>
+              <a:p>
+                <a:pPr/>
+                <a14:m>
+                  <m:oMathPara xmlns:m="http://schemas.openxmlformats.org/officeDocument/2006/math">
+                    <m:oMathParaPr>
+                      <m:jc m:val="centerGroup"/>
+                    </m:oMathParaPr>
+                    <m:oMath xmlns:m="http://schemas.openxmlformats.org/officeDocument/2006/math">
+                      <m:sSub>
+                        <m:sSubPr>
+                          <m:ctrlPr>
+                            <a:rPr lang="de-AT" sz="1400" b="0" i="1" smtClean="0">
+                              <a:solidFill>
+                                <a:schemeClr val="accent3"/>
+                              </a:solidFill>
+                              <a:latin typeface="Cambria Math" panose="02040503050406030204" pitchFamily="18" charset="0"/>
+                            </a:rPr>
+                          </m:ctrlPr>
+                        </m:sSubPr>
+                        <m:e>
+                          <m:r>
+                            <a:rPr lang="de-AT" sz="1400" b="0" i="1" smtClean="0">
+                              <a:solidFill>
+                                <a:schemeClr val="accent3"/>
+                              </a:solidFill>
+                              <a:latin typeface="Cambria Math" panose="02040503050406030204" pitchFamily="18" charset="0"/>
+                            </a:rPr>
+                            <m:t>𝑆</m:t>
+                          </m:r>
+                        </m:e>
+                        <m:sub>
+                          <m:r>
+                            <a:rPr lang="de-AT" sz="1400" b="0" i="1" smtClean="0">
+                              <a:solidFill>
+                                <a:schemeClr val="accent3"/>
+                              </a:solidFill>
+                              <a:latin typeface="Cambria Math" panose="02040503050406030204" pitchFamily="18" charset="0"/>
+                            </a:rPr>
+                            <m:t>𝑁</m:t>
+                          </m:r>
+                        </m:sub>
+                      </m:sSub>
+                      <m:r>
+                        <a:rPr lang="de-AT" sz="1400" b="0" i="1" smtClean="0">
+                          <a:solidFill>
+                            <a:schemeClr val="accent3"/>
+                          </a:solidFill>
+                          <a:latin typeface="Cambria Math" panose="02040503050406030204" pitchFamily="18" charset="0"/>
+                        </a:rPr>
+                        <m:t>2</m:t>
+                      </m:r>
+                    </m:oMath>
+                  </m:oMathPara>
+                </a14:m>
+                <a:endParaRPr lang="en-GB" sz="1400" dirty="0">
+                  <a:solidFill>
+                    <a:schemeClr val="accent3"/>
+                  </a:solidFill>
+                </a:endParaRPr>
+              </a:p>
+            </p:txBody>
+          </p:sp>
+        </mc:Choice>
+        <mc:Fallback xmlns="">
+          <p:sp>
+            <p:nvSpPr>
+              <p:cNvPr id="8" name="Textfeld 7">
+                <a:extLst>
+                  <a:ext uri="{FF2B5EF4-FFF2-40B4-BE49-F238E27FC236}">
+                    <a16:creationId xmlns:a16="http://schemas.microsoft.com/office/drawing/2014/main" id="{DB233E9D-F4A4-0BD8-68A3-3BE2FF967BD7}"/>
+                  </a:ext>
+                </a:extLst>
+              </p:cNvPr>
+              <p:cNvSpPr txBox="1">
+                <a:spLocks noRot="1" noChangeAspect="1" noMove="1" noResize="1" noEditPoints="1" noAdjustHandles="1" noChangeArrowheads="1" noChangeShapeType="1" noTextEdit="1"/>
+              </p:cNvSpPr>
+              <p:nvPr/>
+            </p:nvSpPr>
+            <p:spPr>
+              <a:xfrm>
+                <a:off x="6386423" y="4849180"/>
+                <a:ext cx="520720" cy="307777"/>
+              </a:xfrm>
+              <a:prstGeom prst="rect">
+                <a:avLst/>
+              </a:prstGeom>
+              <a:blipFill>
+                <a:blip r:embed="rId7"/>
+                <a:stretch>
+                  <a:fillRect/>
+                </a:stretch>
+              </a:blipFill>
+            </p:spPr>
+            <p:txBody>
+              <a:bodyPr/>
+              <a:lstStyle/>
+              <a:p>
+                <a:r>
+                  <a:rPr lang="en-GB">
+                    <a:noFill/>
+                  </a:rPr>
+                  <a:t> </a:t>
+                </a:r>
+              </a:p>
+            </p:txBody>
+          </p:sp>
+        </mc:Fallback>
+      </mc:AlternateContent>
+      <mc:AlternateContent xmlns:mc="http://schemas.openxmlformats.org/markup-compatibility/2006" xmlns:a14="http://schemas.microsoft.com/office/drawing/2010/main">
+        <mc:Choice Requires="a14">
+          <p:sp>
+            <p:nvSpPr>
+              <p:cNvPr id="9" name="Textfeld 8">
+                <a:extLst>
+                  <a:ext uri="{FF2B5EF4-FFF2-40B4-BE49-F238E27FC236}">
+                    <a16:creationId xmlns:a16="http://schemas.microsoft.com/office/drawing/2014/main" id="{AA221129-065F-0622-BC33-F4EEA46834C0}"/>
+                  </a:ext>
+                </a:extLst>
+              </p:cNvPr>
+              <p:cNvSpPr txBox="1"/>
+              <p:nvPr/>
+            </p:nvSpPr>
+            <p:spPr>
+              <a:xfrm>
+                <a:off x="8526233" y="4849181"/>
+                <a:ext cx="520720" cy="307777"/>
+              </a:xfrm>
+              <a:prstGeom prst="rect">
+                <a:avLst/>
+              </a:prstGeom>
+              <a:noFill/>
+            </p:spPr>
+            <p:txBody>
+              <a:bodyPr wrap="none" rtlCol="0">
+                <a:spAutoFit/>
+              </a:bodyPr>
+              <a:lstStyle/>
+              <a:p>
+                <a:pPr/>
+                <a14:m>
+                  <m:oMathPara xmlns:m="http://schemas.openxmlformats.org/officeDocument/2006/math">
+                    <m:oMathParaPr>
+                      <m:jc m:val="centerGroup"/>
+                    </m:oMathParaPr>
+                    <m:oMath xmlns:m="http://schemas.openxmlformats.org/officeDocument/2006/math">
+                      <m:sSub>
+                        <m:sSubPr>
+                          <m:ctrlPr>
+                            <a:rPr lang="de-AT" sz="1400" b="0" i="1" smtClean="0">
+                              <a:solidFill>
+                                <a:schemeClr val="accent3"/>
+                              </a:solidFill>
+                              <a:latin typeface="Cambria Math" panose="02040503050406030204" pitchFamily="18" charset="0"/>
+                            </a:rPr>
+                          </m:ctrlPr>
+                        </m:sSubPr>
+                        <m:e>
+                          <m:r>
+                            <a:rPr lang="de-AT" sz="1400" b="0" i="1" smtClean="0">
+                              <a:solidFill>
+                                <a:schemeClr val="accent3"/>
+                              </a:solidFill>
+                              <a:latin typeface="Cambria Math" panose="02040503050406030204" pitchFamily="18" charset="0"/>
+                            </a:rPr>
+                            <m:t>𝑆</m:t>
+                          </m:r>
+                        </m:e>
+                        <m:sub>
+                          <m:r>
+                            <a:rPr lang="de-AT" sz="1400" b="0" i="1" smtClean="0">
+                              <a:solidFill>
+                                <a:schemeClr val="accent3"/>
+                              </a:solidFill>
+                              <a:latin typeface="Cambria Math" panose="02040503050406030204" pitchFamily="18" charset="0"/>
+                            </a:rPr>
+                            <m:t>𝑁</m:t>
+                          </m:r>
+                        </m:sub>
+                      </m:sSub>
+                      <m:r>
+                        <a:rPr lang="de-AT" sz="1400" b="0" i="1" smtClean="0">
+                          <a:solidFill>
+                            <a:schemeClr val="accent3"/>
+                          </a:solidFill>
+                          <a:latin typeface="Cambria Math" panose="02040503050406030204" pitchFamily="18" charset="0"/>
+                        </a:rPr>
+                        <m:t>2</m:t>
+                      </m:r>
+                    </m:oMath>
+                  </m:oMathPara>
+                </a14:m>
+                <a:endParaRPr lang="en-GB" sz="1400" dirty="0">
+                  <a:solidFill>
+                    <a:schemeClr val="accent3"/>
+                  </a:solidFill>
+                </a:endParaRPr>
+              </a:p>
+            </p:txBody>
+          </p:sp>
+        </mc:Choice>
+        <mc:Fallback xmlns="">
+          <p:sp>
+            <p:nvSpPr>
+              <p:cNvPr id="9" name="Textfeld 8">
+                <a:extLst>
+                  <a:ext uri="{FF2B5EF4-FFF2-40B4-BE49-F238E27FC236}">
+                    <a16:creationId xmlns:a16="http://schemas.microsoft.com/office/drawing/2014/main" id="{AA221129-065F-0622-BC33-F4EEA46834C0}"/>
+                  </a:ext>
+                </a:extLst>
+              </p:cNvPr>
+              <p:cNvSpPr txBox="1">
+                <a:spLocks noRot="1" noChangeAspect="1" noMove="1" noResize="1" noEditPoints="1" noAdjustHandles="1" noChangeArrowheads="1" noChangeShapeType="1" noTextEdit="1"/>
+              </p:cNvSpPr>
+              <p:nvPr/>
+            </p:nvSpPr>
+            <p:spPr>
+              <a:xfrm>
+                <a:off x="8526233" y="4849181"/>
+                <a:ext cx="520720" cy="307777"/>
+              </a:xfrm>
+              <a:prstGeom prst="rect">
+                <a:avLst/>
+              </a:prstGeom>
+              <a:blipFill>
+                <a:blip r:embed="rId8"/>
+                <a:stretch>
+                  <a:fillRect/>
+                </a:stretch>
+              </a:blipFill>
+            </p:spPr>
+            <p:txBody>
+              <a:bodyPr/>
+              <a:lstStyle/>
+              <a:p>
+                <a:r>
+                  <a:rPr lang="en-GB">
+                    <a:noFill/>
+                  </a:rPr>
+                  <a:t> </a:t>
+                </a:r>
+              </a:p>
+            </p:txBody>
+          </p:sp>
+        </mc:Fallback>
+      </mc:AlternateContent>
+      <mc:AlternateContent xmlns:mc="http://schemas.openxmlformats.org/markup-compatibility/2006" xmlns:a14="http://schemas.microsoft.com/office/drawing/2010/main">
+        <mc:Choice Requires="a14">
+          <p:sp>
+            <p:nvSpPr>
+              <p:cNvPr id="10" name="Textfeld 9">
+                <a:extLst>
+                  <a:ext uri="{FF2B5EF4-FFF2-40B4-BE49-F238E27FC236}">
+                    <a16:creationId xmlns:a16="http://schemas.microsoft.com/office/drawing/2014/main" id="{1C159238-3654-429C-51A9-7A24078E9560}"/>
+                  </a:ext>
+                </a:extLst>
+              </p:cNvPr>
+              <p:cNvSpPr txBox="1"/>
+              <p:nvPr/>
+            </p:nvSpPr>
+            <p:spPr>
+              <a:xfrm>
+                <a:off x="10921501" y="4849180"/>
+                <a:ext cx="501484" cy="307777"/>
+              </a:xfrm>
+              <a:prstGeom prst="rect">
+                <a:avLst/>
+              </a:prstGeom>
+              <a:noFill/>
+            </p:spPr>
+            <p:txBody>
+              <a:bodyPr wrap="none" rtlCol="0">
+                <a:spAutoFit/>
+              </a:bodyPr>
+              <a:lstStyle/>
+              <a:p>
+                <a:pPr/>
+                <a14:m>
+                  <m:oMathPara xmlns:m="http://schemas.openxmlformats.org/officeDocument/2006/math">
+                    <m:oMathParaPr>
+                      <m:jc m:val="centerGroup"/>
+                    </m:oMathParaPr>
+                    <m:oMath xmlns:m="http://schemas.openxmlformats.org/officeDocument/2006/math">
+                      <m:sSub>
+                        <m:sSubPr>
+                          <m:ctrlPr>
+                            <a:rPr lang="de-AT" sz="1400" b="1" i="1" smtClean="0">
+                              <a:solidFill>
+                                <a:srgbClr val="C00000"/>
+                              </a:solidFill>
+                              <a:latin typeface="Cambria Math" panose="02040503050406030204" pitchFamily="18" charset="0"/>
+                            </a:rPr>
+                          </m:ctrlPr>
+                        </m:sSubPr>
+                        <m:e>
+                          <m:r>
+                            <a:rPr lang="de-AT" sz="1400" b="1" i="1" smtClean="0">
+                              <a:solidFill>
+                                <a:srgbClr val="C00000"/>
+                              </a:solidFill>
+                              <a:latin typeface="Cambria Math" panose="02040503050406030204" pitchFamily="18" charset="0"/>
+                            </a:rPr>
+                            <m:t>𝑺</m:t>
+                          </m:r>
+                        </m:e>
+                        <m:sub>
+                          <m:r>
+                            <a:rPr lang="de-AT" sz="1400" b="1" i="1" smtClean="0">
+                              <a:solidFill>
+                                <a:srgbClr val="C00000"/>
+                              </a:solidFill>
+                              <a:latin typeface="Cambria Math" panose="02040503050406030204" pitchFamily="18" charset="0"/>
+                            </a:rPr>
+                            <m:t>𝑵</m:t>
+                          </m:r>
+                        </m:sub>
+                      </m:sSub>
+                      <m:r>
+                        <a:rPr lang="de-AT" sz="1400" b="1" i="1" smtClean="0">
+                          <a:solidFill>
+                            <a:srgbClr val="C00000"/>
+                          </a:solidFill>
+                          <a:latin typeface="Cambria Math" panose="02040503050406030204" pitchFamily="18" charset="0"/>
+                        </a:rPr>
+                        <m:t>𝒊</m:t>
+                      </m:r>
+                    </m:oMath>
+                  </m:oMathPara>
+                </a14:m>
+                <a:endParaRPr lang="en-GB" sz="1400" b="1" dirty="0">
+                  <a:solidFill>
+                    <a:srgbClr val="C00000"/>
+                  </a:solidFill>
+                </a:endParaRPr>
+              </a:p>
+            </p:txBody>
+          </p:sp>
+        </mc:Choice>
+        <mc:Fallback xmlns="">
+          <p:sp>
+            <p:nvSpPr>
+              <p:cNvPr id="10" name="Textfeld 9">
+                <a:extLst>
+                  <a:ext uri="{FF2B5EF4-FFF2-40B4-BE49-F238E27FC236}">
+                    <a16:creationId xmlns:a16="http://schemas.microsoft.com/office/drawing/2014/main" id="{1C159238-3654-429C-51A9-7A24078E9560}"/>
+                  </a:ext>
+                </a:extLst>
+              </p:cNvPr>
+              <p:cNvSpPr txBox="1">
+                <a:spLocks noRot="1" noChangeAspect="1" noMove="1" noResize="1" noEditPoints="1" noAdjustHandles="1" noChangeArrowheads="1" noChangeShapeType="1" noTextEdit="1"/>
+              </p:cNvSpPr>
+              <p:nvPr/>
+            </p:nvSpPr>
+            <p:spPr>
+              <a:xfrm>
+                <a:off x="10921501" y="4849180"/>
+                <a:ext cx="501484" cy="307777"/>
+              </a:xfrm>
+              <a:prstGeom prst="rect">
+                <a:avLst/>
+              </a:prstGeom>
+              <a:blipFill>
+                <a:blip r:embed="rId9"/>
+                <a:stretch>
+                  <a:fillRect/>
+                </a:stretch>
+              </a:blipFill>
+            </p:spPr>
+            <p:txBody>
+              <a:bodyPr/>
+              <a:lstStyle/>
+              <a:p>
+                <a:r>
+                  <a:rPr lang="en-GB">
+                    <a:noFill/>
+                  </a:rPr>
+                  <a:t> </a:t>
+                </a:r>
+              </a:p>
+            </p:txBody>
+          </p:sp>
+        </mc:Fallback>
+      </mc:AlternateContent>
+      <p:sp>
+        <p:nvSpPr>
+          <p:cNvPr id="11" name="Textfeld 10">
+            <a:extLst>
+              <a:ext uri="{FF2B5EF4-FFF2-40B4-BE49-F238E27FC236}">
+                <a16:creationId xmlns:a16="http://schemas.microsoft.com/office/drawing/2014/main" id="{F7668203-C4F0-E514-C254-938D0EFC2D6D}"/>
+              </a:ext>
+            </a:extLst>
+          </p:cNvPr>
+          <p:cNvSpPr txBox="1"/>
+          <p:nvPr/>
+        </p:nvSpPr>
+        <p:spPr>
+          <a:xfrm>
+            <a:off x="10574419" y="2665777"/>
+            <a:ext cx="848566" cy="307777"/>
+          </a:xfrm>
+          <a:prstGeom prst="rect">
+            <a:avLst/>
+          </a:prstGeom>
+          <a:noFill/>
+        </p:spPr>
+        <p:txBody>
+          <a:bodyPr wrap="none" rtlCol="0">
+            <a:spAutoFit/>
+          </a:bodyPr>
+          <a:lstStyle/>
+          <a:p>
+            <a:r>
+              <a:rPr lang="en-GB" sz="1400" dirty="0">
+                <a:solidFill>
+                  <a:schemeClr val="accent3"/>
+                </a:solidFill>
+              </a:rPr>
+              <a:t>inversion</a:t>
+            </a:r>
+          </a:p>
+        </p:txBody>
+      </p:sp>
+      <p:sp>
+        <p:nvSpPr>
+          <p:cNvPr id="12" name="Textfeld 11">
+            <a:extLst>
+              <a:ext uri="{FF2B5EF4-FFF2-40B4-BE49-F238E27FC236}">
+                <a16:creationId xmlns:a16="http://schemas.microsoft.com/office/drawing/2014/main" id="{3A415060-14ED-7F12-038D-903181423F04}"/>
+              </a:ext>
+            </a:extLst>
+          </p:cNvPr>
+          <p:cNvSpPr txBox="1"/>
+          <p:nvPr/>
+        </p:nvSpPr>
+        <p:spPr>
+          <a:xfrm>
+            <a:off x="8026751" y="6122865"/>
+            <a:ext cx="848566" cy="307777"/>
+          </a:xfrm>
+          <a:prstGeom prst="rect">
+            <a:avLst/>
+          </a:prstGeom>
+          <a:noFill/>
+        </p:spPr>
+        <p:txBody>
+          <a:bodyPr wrap="none" rtlCol="0">
+            <a:spAutoFit/>
+          </a:bodyPr>
+          <a:lstStyle/>
+          <a:p>
+            <a:r>
+              <a:rPr lang="en-GB" sz="1400" dirty="0">
+                <a:solidFill>
+                  <a:schemeClr val="accent3"/>
+                </a:solidFill>
+              </a:rPr>
+              <a:t>inversion</a:t>
+            </a:r>
+          </a:p>
+        </p:txBody>
+      </p:sp>
+      <p:sp>
+        <p:nvSpPr>
+          <p:cNvPr id="13" name="Textfeld 12">
+            <a:extLst>
+              <a:ext uri="{FF2B5EF4-FFF2-40B4-BE49-F238E27FC236}">
+                <a16:creationId xmlns:a16="http://schemas.microsoft.com/office/drawing/2014/main" id="{98AD5BD9-84D7-E828-A184-4B66E391AE3C}"/>
+              </a:ext>
+            </a:extLst>
+          </p:cNvPr>
+          <p:cNvSpPr txBox="1"/>
+          <p:nvPr/>
+        </p:nvSpPr>
+        <p:spPr>
+          <a:xfrm>
+            <a:off x="5798217" y="6128214"/>
+            <a:ext cx="848566" cy="307777"/>
+          </a:xfrm>
+          <a:prstGeom prst="rect">
+            <a:avLst/>
+          </a:prstGeom>
+          <a:noFill/>
+        </p:spPr>
+        <p:txBody>
+          <a:bodyPr wrap="none" rtlCol="0">
+            <a:spAutoFit/>
+          </a:bodyPr>
+          <a:lstStyle/>
+          <a:p>
+            <a:r>
+              <a:rPr lang="en-GB" sz="1400" dirty="0">
+                <a:solidFill>
+                  <a:schemeClr val="accent3"/>
+                </a:solidFill>
+              </a:rPr>
+              <a:t>inversion</a:t>
+            </a:r>
+          </a:p>
+        </p:txBody>
+      </p:sp>
+      <p:sp>
+        <p:nvSpPr>
+          <p:cNvPr id="14" name="Textfeld 13">
+            <a:extLst>
+              <a:ext uri="{FF2B5EF4-FFF2-40B4-BE49-F238E27FC236}">
+                <a16:creationId xmlns:a16="http://schemas.microsoft.com/office/drawing/2014/main" id="{77631CAA-672E-B279-A1BA-AA06802C0C55}"/>
+              </a:ext>
+            </a:extLst>
+          </p:cNvPr>
+          <p:cNvSpPr txBox="1"/>
+          <p:nvPr/>
+        </p:nvSpPr>
+        <p:spPr>
+          <a:xfrm>
+            <a:off x="10497218" y="6122864"/>
+            <a:ext cx="867032" cy="307777"/>
+          </a:xfrm>
+          <a:prstGeom prst="rect">
+            <a:avLst/>
+          </a:prstGeom>
+          <a:noFill/>
+        </p:spPr>
+        <p:txBody>
+          <a:bodyPr wrap="none" rtlCol="0">
+            <a:spAutoFit/>
+          </a:bodyPr>
+          <a:lstStyle/>
+          <a:p>
+            <a:r>
+              <a:rPr lang="en-GB" sz="1400" dirty="0">
+                <a:solidFill>
+                  <a:schemeClr val="accent3"/>
+                </a:solidFill>
+              </a:rPr>
+              <a:t>retention</a:t>
+            </a:r>
+          </a:p>
+        </p:txBody>
+      </p:sp>
+    </p:spTree>
+    <p:extLst>
+      <p:ext uri="{BB962C8B-B14F-4D97-AF65-F5344CB8AC3E}">
+        <p14:creationId xmlns:p14="http://schemas.microsoft.com/office/powerpoint/2010/main" val="3885026558"/>
+      </p:ext>
+    </p:extLst>
+  </p:cSld>
+  <p:clrMapOvr>
+    <a:masterClrMapping/>
+  </p:clrMapOvr>
+</p:sld>
+</file>
+
+<file path=ppt/slides/slide26.xml><?xml version="1.0" encoding="utf-8"?>
+<p:sld xmlns:a="http://schemas.openxmlformats.org/drawingml/2006/main" xmlns:r="http://schemas.openxmlformats.org/officeDocument/2006/relationships" xmlns:p="http://schemas.openxmlformats.org/presentationml/2006/main">
+  <p:cSld>
+    <p:spTree>
+      <p:nvGrpSpPr>
+        <p:cNvPr id="1" name=""/>
+        <p:cNvGrpSpPr/>
+        <p:nvPr/>
+      </p:nvGrpSpPr>
+      <p:grpSpPr>
+        <a:xfrm>
+          <a:off x="0" y="0"/>
+          <a:ext cx="0" cy="0"/>
+          <a:chOff x="0" y="0"/>
+          <a:chExt cx="0" cy="0"/>
+        </a:xfrm>
+      </p:grpSpPr>
+      <p:sp>
+        <p:nvSpPr>
+          <p:cNvPr id="3" name="Foliennummernplatzhalter 2">
+            <a:extLst>
+              <a:ext uri="{FF2B5EF4-FFF2-40B4-BE49-F238E27FC236}">
+                <a16:creationId xmlns:a16="http://schemas.microsoft.com/office/drawing/2014/main" id="{5D25D044-8205-8704-B5A3-D1D1A9FD0EB6}"/>
+              </a:ext>
+            </a:extLst>
+          </p:cNvPr>
+          <p:cNvSpPr>
+            <a:spLocks noGrp="1"/>
+          </p:cNvSpPr>
+          <p:nvPr>
+            <p:ph type="sldNum" sz="quarter" idx="12"/>
+          </p:nvPr>
+        </p:nvSpPr>
+        <p:spPr/>
+        <p:txBody>
+          <a:bodyPr/>
+          <a:lstStyle/>
+          <a:p>
+            <a:fld id="{49C656FD-8168-4A70-85FD-CB3FFEA2E3E7}" type="slidenum">
+              <a:rPr lang="de-AT" smtClean="0"/>
+              <a:t>26</a:t>
+            </a:fld>
+            <a:endParaRPr lang="de-AT" dirty="0"/>
+          </a:p>
+        </p:txBody>
+      </p:sp>
       <p:sp>
         <p:nvSpPr>
           <p:cNvPr id="4" name="Titel 3">
             <a:extLst>
               <a:ext uri="{FF2B5EF4-FFF2-40B4-BE49-F238E27FC236}">
-                <a16:creationId xmlns:a16="http://schemas.microsoft.com/office/drawing/2014/main" id="{5FAA6650-E39A-B0B6-4146-B0C039BB54D1}"/>
+                <a16:creationId xmlns:a16="http://schemas.microsoft.com/office/drawing/2014/main" id="{3F64D47F-54CF-00DC-FF4E-953D17BF1D6D}"/>
               </a:ext>
             </a:extLst>
           </p:cNvPr>
@@ -19405,9 +20309,16 @@
             <p:ph type="title"/>
           </p:nvPr>
         </p:nvSpPr>
-        <p:spPr/>
-        <p:txBody>
-          <a:bodyPr/>
+        <p:spPr>
+          <a:xfrm>
+            <a:off x="2256571" y="664442"/>
+            <a:ext cx="9475353" cy="530141"/>
+          </a:xfrm>
+        </p:spPr>
+        <p:txBody>
+          <a:bodyPr>
+            <a:normAutofit/>
+          </a:bodyPr>
           <a:lstStyle/>
           <a:p>
             <a:r>
@@ -19416,15 +20327,1062 @@
                   <a:schemeClr val="tx1"/>
                 </a:solidFill>
               </a:rPr>
-              <a:t>Conclusion</a:t>
-            </a:r>
+              <a:t>Backup II: 2-Napthylmethoxymetyl Protective Group</a:t>
+            </a:r>
+          </a:p>
+        </p:txBody>
+      </p:sp>
+      <p:sp>
+        <p:nvSpPr>
+          <p:cNvPr id="5" name="Textfeld 4">
+            <a:extLst>
+              <a:ext uri="{FF2B5EF4-FFF2-40B4-BE49-F238E27FC236}">
+                <a16:creationId xmlns:a16="http://schemas.microsoft.com/office/drawing/2014/main" id="{BCD968DC-86BE-9596-3A60-1FB433A0A7DA}"/>
+              </a:ext>
+            </a:extLst>
+          </p:cNvPr>
+          <p:cNvSpPr txBox="1"/>
+          <p:nvPr/>
+        </p:nvSpPr>
+        <p:spPr>
+          <a:xfrm>
+            <a:off x="261730" y="6193558"/>
+            <a:ext cx="8445260" cy="830997"/>
+          </a:xfrm>
+          <a:prstGeom prst="rect">
+            <a:avLst/>
+          </a:prstGeom>
+          <a:noFill/>
+        </p:spPr>
+        <p:txBody>
+          <a:bodyPr wrap="square" rtlCol="0">
+            <a:spAutoFit/>
+          </a:bodyPr>
+          <a:lstStyle/>
+          <a:p>
+            <a:pPr algn="l"/>
+            <a:r>
+              <a:rPr lang="de-AT" sz="1200" i="0" dirty="0">
+                <a:solidFill>
+                  <a:schemeClr val="tx1">
+                    <a:lumMod val="50000"/>
+                    <a:lumOff val="50000"/>
+                  </a:schemeClr>
+                </a:solidFill>
+                <a:effectLst/>
+                <a:latin typeface="Helvetica" pitchFamily="2" charset="0"/>
+              </a:rPr>
+              <a:t>2-Naphthylmethoxymethyl </a:t>
+            </a:r>
+            <a:r>
+              <a:rPr lang="de-AT" sz="1200" i="0" dirty="0" err="1">
+                <a:solidFill>
+                  <a:schemeClr val="tx1">
+                    <a:lumMod val="50000"/>
+                    <a:lumOff val="50000"/>
+                  </a:schemeClr>
+                </a:solidFill>
+                <a:effectLst/>
+                <a:latin typeface="Helvetica" pitchFamily="2" charset="0"/>
+              </a:rPr>
+              <a:t>as</a:t>
+            </a:r>
+            <a:r>
+              <a:rPr lang="de-AT" sz="1200" i="0" dirty="0">
+                <a:solidFill>
+                  <a:schemeClr val="tx1">
+                    <a:lumMod val="50000"/>
+                    <a:lumOff val="50000"/>
+                  </a:schemeClr>
+                </a:solidFill>
+                <a:effectLst/>
+                <a:latin typeface="Helvetica" pitchFamily="2" charset="0"/>
+              </a:rPr>
+              <a:t> a </a:t>
+            </a:r>
+            <a:r>
+              <a:rPr lang="de-AT" sz="1200" i="0" dirty="0" err="1">
+                <a:solidFill>
+                  <a:schemeClr val="tx1">
+                    <a:lumMod val="50000"/>
+                    <a:lumOff val="50000"/>
+                  </a:schemeClr>
+                </a:solidFill>
+                <a:effectLst/>
+                <a:latin typeface="Helvetica" pitchFamily="2" charset="0"/>
+              </a:rPr>
+              <a:t>Mildly</a:t>
+            </a:r>
+            <a:r>
+              <a:rPr lang="de-AT" sz="1200" i="0" dirty="0">
+                <a:solidFill>
+                  <a:schemeClr val="tx1">
+                    <a:lumMod val="50000"/>
+                    <a:lumOff val="50000"/>
+                  </a:schemeClr>
+                </a:solidFill>
+                <a:effectLst/>
+                <a:latin typeface="Helvetica" pitchFamily="2" charset="0"/>
+              </a:rPr>
+              <a:t> </a:t>
+            </a:r>
+            <a:r>
+              <a:rPr lang="de-AT" sz="1200" i="0" dirty="0" err="1">
+                <a:solidFill>
+                  <a:schemeClr val="tx1">
+                    <a:lumMod val="50000"/>
+                    <a:lumOff val="50000"/>
+                  </a:schemeClr>
+                </a:solidFill>
+                <a:effectLst/>
+                <a:latin typeface="Helvetica" pitchFamily="2" charset="0"/>
+              </a:rPr>
+              <a:t>Introducible</a:t>
+            </a:r>
+            <a:r>
+              <a:rPr lang="de-AT" sz="1200" i="0" dirty="0">
+                <a:solidFill>
+                  <a:schemeClr val="tx1">
+                    <a:lumMod val="50000"/>
+                    <a:lumOff val="50000"/>
+                  </a:schemeClr>
+                </a:solidFill>
+                <a:effectLst/>
+                <a:latin typeface="Helvetica" pitchFamily="2" charset="0"/>
+              </a:rPr>
+              <a:t> and </a:t>
+            </a:r>
+            <a:r>
+              <a:rPr lang="de-AT" sz="1200" i="0" dirty="0" err="1">
+                <a:solidFill>
+                  <a:schemeClr val="tx1">
+                    <a:lumMod val="50000"/>
+                    <a:lumOff val="50000"/>
+                  </a:schemeClr>
+                </a:solidFill>
+                <a:effectLst/>
+                <a:latin typeface="Helvetica" pitchFamily="2" charset="0"/>
+              </a:rPr>
+              <a:t>Oxidatively</a:t>
+            </a:r>
+            <a:r>
+              <a:rPr lang="de-AT" sz="1200" i="0" dirty="0">
+                <a:solidFill>
+                  <a:schemeClr val="tx1">
+                    <a:lumMod val="50000"/>
+                    <a:lumOff val="50000"/>
+                  </a:schemeClr>
+                </a:solidFill>
+                <a:effectLst/>
+                <a:latin typeface="Helvetica" pitchFamily="2" charset="0"/>
+              </a:rPr>
+              <a:t> </a:t>
+            </a:r>
+            <a:r>
+              <a:rPr lang="de-AT" sz="1200" i="0" dirty="0" err="1">
+                <a:solidFill>
+                  <a:schemeClr val="tx1">
+                    <a:lumMod val="50000"/>
+                    <a:lumOff val="50000"/>
+                  </a:schemeClr>
+                </a:solidFill>
+                <a:effectLst/>
+                <a:latin typeface="Helvetica" pitchFamily="2" charset="0"/>
+              </a:rPr>
+              <a:t>Removable</a:t>
+            </a:r>
+            <a:r>
+              <a:rPr lang="de-AT" sz="1200" i="0" dirty="0">
+                <a:solidFill>
+                  <a:schemeClr val="tx1">
+                    <a:lumMod val="50000"/>
+                    <a:lumOff val="50000"/>
+                  </a:schemeClr>
+                </a:solidFill>
+                <a:effectLst/>
+                <a:latin typeface="Helvetica" pitchFamily="2" charset="0"/>
+              </a:rPr>
+              <a:t> </a:t>
+            </a:r>
+            <a:r>
+              <a:rPr lang="de-AT" sz="1200" i="0" dirty="0" err="1">
+                <a:solidFill>
+                  <a:schemeClr val="tx1">
+                    <a:lumMod val="50000"/>
+                    <a:lumOff val="50000"/>
+                  </a:schemeClr>
+                </a:solidFill>
+                <a:effectLst/>
+                <a:latin typeface="Helvetica" pitchFamily="2" charset="0"/>
+              </a:rPr>
+              <a:t>Benzyloxymethyl</a:t>
+            </a:r>
+            <a:r>
+              <a:rPr lang="de-AT" sz="1200" i="0" dirty="0">
+                <a:solidFill>
+                  <a:schemeClr val="tx1">
+                    <a:lumMod val="50000"/>
+                    <a:lumOff val="50000"/>
+                  </a:schemeClr>
+                </a:solidFill>
+                <a:effectLst/>
+                <a:latin typeface="Helvetica" pitchFamily="2" charset="0"/>
+              </a:rPr>
+              <a:t>-Type </a:t>
+            </a:r>
+            <a:r>
+              <a:rPr lang="de-AT" sz="1200" i="0" dirty="0" err="1">
+                <a:solidFill>
+                  <a:schemeClr val="tx1">
+                    <a:lumMod val="50000"/>
+                    <a:lumOff val="50000"/>
+                  </a:schemeClr>
+                </a:solidFill>
+                <a:effectLst/>
+                <a:latin typeface="Helvetica" pitchFamily="2" charset="0"/>
+              </a:rPr>
+              <a:t>Protecting</a:t>
+            </a:r>
+            <a:r>
+              <a:rPr lang="de-AT" sz="1200" i="0" dirty="0">
+                <a:solidFill>
+                  <a:schemeClr val="tx1">
+                    <a:lumMod val="50000"/>
+                    <a:lumOff val="50000"/>
+                  </a:schemeClr>
+                </a:solidFill>
+                <a:effectLst/>
+                <a:latin typeface="Helvetica" pitchFamily="2" charset="0"/>
+              </a:rPr>
+              <a:t> Group </a:t>
+            </a:r>
+            <a:r>
+              <a:rPr lang="de-AT" sz="1200" i="0" dirty="0" err="1">
+                <a:solidFill>
+                  <a:schemeClr val="tx1">
+                    <a:lumMod val="50000"/>
+                    <a:lumOff val="50000"/>
+                  </a:schemeClr>
+                </a:solidFill>
+                <a:effectLst/>
+                <a:latin typeface="Helvetica" pitchFamily="2" charset="0"/>
+              </a:rPr>
+              <a:t>Takuya</a:t>
+            </a:r>
+            <a:r>
+              <a:rPr lang="de-AT" sz="1200" i="0" dirty="0">
+                <a:solidFill>
+                  <a:schemeClr val="tx1">
+                    <a:lumMod val="50000"/>
+                    <a:lumOff val="50000"/>
+                  </a:schemeClr>
+                </a:solidFill>
+                <a:effectLst/>
+                <a:latin typeface="Helvetica" pitchFamily="2" charset="0"/>
+              </a:rPr>
+              <a:t> Sato, </a:t>
+            </a:r>
+            <a:r>
+              <a:rPr lang="de-AT" sz="1200" i="0" dirty="0" err="1">
+                <a:solidFill>
+                  <a:schemeClr val="tx1">
+                    <a:lumMod val="50000"/>
+                    <a:lumOff val="50000"/>
+                  </a:schemeClr>
+                </a:solidFill>
+                <a:effectLst/>
+                <a:latin typeface="Helvetica" pitchFamily="2" charset="0"/>
+              </a:rPr>
+              <a:t>Tohru</a:t>
+            </a:r>
+            <a:r>
+              <a:rPr lang="de-AT" sz="1200" i="0" dirty="0">
+                <a:solidFill>
+                  <a:schemeClr val="tx1">
+                    <a:lumMod val="50000"/>
+                    <a:lumOff val="50000"/>
+                  </a:schemeClr>
+                </a:solidFill>
+                <a:effectLst/>
+                <a:latin typeface="Helvetica" pitchFamily="2" charset="0"/>
+              </a:rPr>
+              <a:t> </a:t>
+            </a:r>
+            <a:r>
+              <a:rPr lang="de-AT" sz="1200" i="0" dirty="0" err="1">
+                <a:solidFill>
+                  <a:schemeClr val="tx1">
+                    <a:lumMod val="50000"/>
+                    <a:lumOff val="50000"/>
+                  </a:schemeClr>
+                </a:solidFill>
+                <a:effectLst/>
+                <a:latin typeface="Helvetica" pitchFamily="2" charset="0"/>
+              </a:rPr>
+              <a:t>Oishi</a:t>
+            </a:r>
+            <a:r>
+              <a:rPr lang="de-AT" sz="1200" i="0" dirty="0">
+                <a:solidFill>
+                  <a:schemeClr val="tx1">
+                    <a:lumMod val="50000"/>
+                    <a:lumOff val="50000"/>
+                  </a:schemeClr>
+                </a:solidFill>
+                <a:effectLst/>
+                <a:latin typeface="Helvetica" pitchFamily="2" charset="0"/>
+              </a:rPr>
+              <a:t>, and Kohei </a:t>
+            </a:r>
+            <a:r>
+              <a:rPr lang="de-AT" sz="1200" i="0" dirty="0" err="1">
+                <a:solidFill>
+                  <a:schemeClr val="tx1">
+                    <a:lumMod val="50000"/>
+                    <a:lumOff val="50000"/>
+                  </a:schemeClr>
+                </a:solidFill>
+                <a:effectLst/>
+                <a:latin typeface="Helvetica" pitchFamily="2" charset="0"/>
+              </a:rPr>
+              <a:t>Torikai</a:t>
+            </a:r>
+            <a:r>
+              <a:rPr lang="de-AT" sz="1200" dirty="0">
+                <a:solidFill>
+                  <a:schemeClr val="tx1">
+                    <a:lumMod val="50000"/>
+                    <a:lumOff val="50000"/>
+                  </a:schemeClr>
+                </a:solidFill>
+                <a:latin typeface="Helvetica" pitchFamily="2" charset="0"/>
+              </a:rPr>
+              <a:t> </a:t>
+            </a:r>
+          </a:p>
+          <a:p>
+            <a:pPr algn="l"/>
+            <a:r>
+              <a:rPr lang="de-AT" sz="1200" i="1" dirty="0" err="1">
+                <a:solidFill>
+                  <a:schemeClr val="tx1">
+                    <a:lumMod val="50000"/>
+                    <a:lumOff val="50000"/>
+                  </a:schemeClr>
+                </a:solidFill>
+                <a:effectLst/>
+                <a:latin typeface="Helvetica" pitchFamily="2" charset="0"/>
+              </a:rPr>
+              <a:t>Organic</a:t>
+            </a:r>
+            <a:r>
+              <a:rPr lang="de-AT" sz="1200" i="1" dirty="0">
+                <a:solidFill>
+                  <a:schemeClr val="tx1">
+                    <a:lumMod val="50000"/>
+                    <a:lumOff val="50000"/>
+                  </a:schemeClr>
+                </a:solidFill>
+                <a:effectLst/>
+                <a:latin typeface="Helvetica" pitchFamily="2" charset="0"/>
+              </a:rPr>
+              <a:t> Letters</a:t>
+            </a:r>
+            <a:r>
+              <a:rPr lang="de-AT" sz="1200" i="0" dirty="0">
+                <a:solidFill>
+                  <a:schemeClr val="tx1">
+                    <a:lumMod val="50000"/>
+                    <a:lumOff val="50000"/>
+                  </a:schemeClr>
+                </a:solidFill>
+                <a:effectLst/>
+                <a:latin typeface="Helvetica" pitchFamily="2" charset="0"/>
+              </a:rPr>
+              <a:t> 2015 </a:t>
+            </a:r>
+            <a:r>
+              <a:rPr lang="de-AT" sz="1200" i="1" dirty="0">
+                <a:solidFill>
+                  <a:schemeClr val="tx1">
+                    <a:lumMod val="50000"/>
+                    <a:lumOff val="50000"/>
+                  </a:schemeClr>
+                </a:solidFill>
+                <a:effectLst/>
+                <a:latin typeface="Helvetica" pitchFamily="2" charset="0"/>
+              </a:rPr>
+              <a:t>17</a:t>
+            </a:r>
+            <a:r>
+              <a:rPr lang="de-AT" sz="1200" i="0" dirty="0">
+                <a:solidFill>
+                  <a:schemeClr val="tx1">
+                    <a:lumMod val="50000"/>
+                    <a:lumOff val="50000"/>
+                  </a:schemeClr>
+                </a:solidFill>
+                <a:effectLst/>
+                <a:latin typeface="Helvetica" pitchFamily="2" charset="0"/>
+              </a:rPr>
+              <a:t> (12), 3110-3113 DOI: 10.1021/acs.orglett.5b01408</a:t>
+            </a:r>
+          </a:p>
+          <a:p>
+            <a:endParaRPr lang="en-GB" sz="1200" dirty="0">
+              <a:solidFill>
+                <a:schemeClr val="tx1">
+                  <a:lumMod val="50000"/>
+                  <a:lumOff val="50000"/>
+                </a:schemeClr>
+              </a:solidFill>
+              <a:latin typeface="Helvetica" pitchFamily="2" charset="0"/>
+            </a:endParaRPr>
+          </a:p>
+        </p:txBody>
+      </p:sp>
+      <p:pic>
+        <p:nvPicPr>
+          <p:cNvPr id="7" name="Grafik 6">
+            <a:extLst>
+              <a:ext uri="{FF2B5EF4-FFF2-40B4-BE49-F238E27FC236}">
+                <a16:creationId xmlns:a16="http://schemas.microsoft.com/office/drawing/2014/main" id="{1DF02FBD-FF9B-2867-FDBC-348EC162BEBA}"/>
+              </a:ext>
+            </a:extLst>
+          </p:cNvPr>
+          <p:cNvPicPr>
+            <a:picLocks noChangeAspect="1"/>
+          </p:cNvPicPr>
+          <p:nvPr/>
+        </p:nvPicPr>
+        <p:blipFill>
+          <a:blip r:embed="rId2"/>
+          <a:stretch>
+            <a:fillRect/>
+          </a:stretch>
+        </p:blipFill>
+        <p:spPr>
+          <a:xfrm>
+            <a:off x="8302022" y="2036573"/>
+            <a:ext cx="3429902" cy="1221117"/>
+          </a:xfrm>
+          <a:prstGeom prst="rect">
+            <a:avLst/>
+          </a:prstGeom>
+        </p:spPr>
+      </p:pic>
+      <p:pic>
+        <p:nvPicPr>
+          <p:cNvPr id="1026" name="Picture 2">
+            <a:extLst>
+              <a:ext uri="{FF2B5EF4-FFF2-40B4-BE49-F238E27FC236}">
+                <a16:creationId xmlns:a16="http://schemas.microsoft.com/office/drawing/2014/main" id="{BB3B05D8-E9C7-1A54-8BB7-D325A81CCD0C}"/>
+              </a:ext>
+            </a:extLst>
+          </p:cNvPr>
+          <p:cNvPicPr>
+            <a:picLocks noChangeAspect="1" noChangeArrowheads="1"/>
+          </p:cNvPicPr>
+          <p:nvPr/>
+        </p:nvPicPr>
+        <p:blipFill>
+          <a:blip r:embed="rId3">
+            <a:extLst>
+              <a:ext uri="{28A0092B-C50C-407E-A947-70E740481C1C}">
+                <a14:useLocalDpi xmlns:a14="http://schemas.microsoft.com/office/drawing/2010/main" val="0"/>
+              </a:ext>
+            </a:extLst>
+          </a:blip>
+          <a:srcRect/>
+          <a:stretch>
+            <a:fillRect/>
+          </a:stretch>
+        </p:blipFill>
+        <p:spPr bwMode="auto">
+          <a:xfrm>
+            <a:off x="323288" y="1781181"/>
+            <a:ext cx="3936143" cy="1731903"/>
+          </a:xfrm>
+          <a:prstGeom prst="rect">
+            <a:avLst/>
+          </a:prstGeom>
+          <a:noFill/>
+          <a:extLst>
+            <a:ext uri="{909E8E84-426E-40DD-AFC4-6F175D3DCCD1}">
+              <a14:hiddenFill xmlns:a14="http://schemas.microsoft.com/office/drawing/2010/main">
+                <a:solidFill>
+                  <a:srgbClr val="FFFFFF"/>
+                </a:solidFill>
+              </a14:hiddenFill>
+            </a:ext>
+          </a:extLst>
+        </p:spPr>
+      </p:pic>
+      <p:cxnSp>
+        <p:nvCxnSpPr>
+          <p:cNvPr id="9" name="Gewinkelte Verbindung 8">
+            <a:extLst>
+              <a:ext uri="{FF2B5EF4-FFF2-40B4-BE49-F238E27FC236}">
+                <a16:creationId xmlns:a16="http://schemas.microsoft.com/office/drawing/2014/main" id="{061190F4-F992-CED8-93A5-84F76CDEF94E}"/>
+              </a:ext>
+            </a:extLst>
+          </p:cNvPr>
+          <p:cNvCxnSpPr>
+            <a:stCxn id="1026" idx="2"/>
+          </p:cNvCxnSpPr>
+          <p:nvPr/>
+        </p:nvCxnSpPr>
+        <p:spPr>
+          <a:xfrm rot="16200000" flipH="1">
+            <a:off x="2532003" y="3272440"/>
+            <a:ext cx="729679" cy="1210965"/>
+          </a:xfrm>
+          <a:prstGeom prst="bentConnector2">
+            <a:avLst/>
+          </a:prstGeom>
+          <a:ln>
+            <a:tailEnd type="triangle"/>
+          </a:ln>
+        </p:spPr>
+        <p:style>
+          <a:lnRef idx="1">
+            <a:schemeClr val="accent1"/>
+          </a:lnRef>
+          <a:fillRef idx="0">
+            <a:schemeClr val="accent1"/>
+          </a:fillRef>
+          <a:effectRef idx="0">
+            <a:schemeClr val="accent1"/>
+          </a:effectRef>
+          <a:fontRef idx="minor">
+            <a:schemeClr val="tx1"/>
+          </a:fontRef>
+        </p:style>
+      </p:cxnSp>
+      <p:sp>
+        <p:nvSpPr>
+          <p:cNvPr id="10" name="Textfeld 9">
+            <a:extLst>
+              <a:ext uri="{FF2B5EF4-FFF2-40B4-BE49-F238E27FC236}">
+                <a16:creationId xmlns:a16="http://schemas.microsoft.com/office/drawing/2014/main" id="{DFEDCB95-E747-F67C-E39A-B3965F44656D}"/>
+              </a:ext>
+            </a:extLst>
+          </p:cNvPr>
+          <p:cNvSpPr txBox="1"/>
+          <p:nvPr/>
+        </p:nvSpPr>
+        <p:spPr>
+          <a:xfrm>
+            <a:off x="3597215" y="3831578"/>
+            <a:ext cx="7390549" cy="923330"/>
+          </a:xfrm>
+          <a:prstGeom prst="rect">
+            <a:avLst/>
+          </a:prstGeom>
+          <a:noFill/>
+        </p:spPr>
+        <p:txBody>
+          <a:bodyPr wrap="none" rtlCol="0">
+            <a:spAutoFit/>
+          </a:bodyPr>
+          <a:lstStyle/>
+          <a:p>
+            <a:pPr marL="285750" indent="-285750">
+              <a:buFont typeface="Arial" panose="020B0604020202020204" pitchFamily="34" charset="0"/>
+              <a:buChar char="•"/>
+            </a:pPr>
+            <a:r>
+              <a:rPr lang="en-GB" dirty="0"/>
+              <a:t>2-Napthylmethoxymethyl (NAPOM) used for protection of hydroxy groups</a:t>
+            </a:r>
+          </a:p>
+          <a:p>
+            <a:pPr marL="285750" indent="-285750">
+              <a:buFont typeface="Arial" panose="020B0604020202020204" pitchFamily="34" charset="0"/>
+              <a:buChar char="•"/>
+            </a:pPr>
+            <a:r>
+              <a:rPr lang="en-GB" dirty="0"/>
+              <a:t>Can be introduced in extremely mild condition</a:t>
+            </a:r>
+          </a:p>
+          <a:p>
+            <a:pPr marL="285750" indent="-285750">
+              <a:buFont typeface="Arial" panose="020B0604020202020204" pitchFamily="34" charset="0"/>
+              <a:buChar char="•"/>
+            </a:pPr>
+            <a:r>
+              <a:rPr lang="en-GB" dirty="0"/>
+              <a:t>Selective removal with various oxidants</a:t>
+            </a:r>
+          </a:p>
+        </p:txBody>
+      </p:sp>
+      <p:sp>
+        <p:nvSpPr>
+          <p:cNvPr id="11" name="Rahmen 10">
+            <a:extLst>
+              <a:ext uri="{FF2B5EF4-FFF2-40B4-BE49-F238E27FC236}">
+                <a16:creationId xmlns:a16="http://schemas.microsoft.com/office/drawing/2014/main" id="{D675AC52-A927-7ED4-CDD1-A481A0A51BA8}"/>
+              </a:ext>
+            </a:extLst>
+          </p:cNvPr>
+          <p:cNvSpPr/>
+          <p:nvPr/>
+        </p:nvSpPr>
+        <p:spPr>
+          <a:xfrm>
+            <a:off x="8134709" y="2437676"/>
+            <a:ext cx="759125" cy="543465"/>
+          </a:xfrm>
+          <a:prstGeom prst="frame">
+            <a:avLst>
+              <a:gd name="adj1" fmla="val 7738"/>
+            </a:avLst>
+          </a:prstGeom>
+        </p:spPr>
+        <p:style>
+          <a:lnRef idx="2">
+            <a:schemeClr val="accent3">
+              <a:shade val="15000"/>
+            </a:schemeClr>
+          </a:lnRef>
+          <a:fillRef idx="1">
+            <a:schemeClr val="accent3"/>
+          </a:fillRef>
+          <a:effectRef idx="0">
+            <a:schemeClr val="accent3"/>
+          </a:effectRef>
+          <a:fontRef idx="minor">
+            <a:schemeClr val="lt1"/>
+          </a:fontRef>
+        </p:style>
+        <p:txBody>
+          <a:bodyPr rtlCol="0" anchor="ctr"/>
+          <a:lstStyle/>
+          <a:p>
+            <a:pPr algn="ctr"/>
+            <a:endParaRPr lang="en-GB">
+              <a:solidFill>
+                <a:schemeClr val="tx1"/>
+              </a:solidFill>
+            </a:endParaRPr>
           </a:p>
         </p:txBody>
       </p:sp>
     </p:spTree>
     <p:extLst>
       <p:ext uri="{BB962C8B-B14F-4D97-AF65-F5344CB8AC3E}">
-        <p14:creationId xmlns:p14="http://schemas.microsoft.com/office/powerpoint/2010/main" val="4204256785"/>
+        <p14:creationId xmlns:p14="http://schemas.microsoft.com/office/powerpoint/2010/main" val="960243776"/>
+      </p:ext>
+    </p:extLst>
+  </p:cSld>
+  <p:clrMapOvr>
+    <a:masterClrMapping/>
+  </p:clrMapOvr>
+</p:sld>
+</file>
+
+<file path=ppt/slides/slide27.xml><?xml version="1.0" encoding="utf-8"?>
+<p:sld xmlns:a="http://schemas.openxmlformats.org/drawingml/2006/main" xmlns:r="http://schemas.openxmlformats.org/officeDocument/2006/relationships" xmlns:p="http://schemas.openxmlformats.org/presentationml/2006/main">
+  <p:cSld>
+    <p:spTree>
+      <p:nvGrpSpPr>
+        <p:cNvPr id="1" name=""/>
+        <p:cNvGrpSpPr/>
+        <p:nvPr/>
+      </p:nvGrpSpPr>
+      <p:grpSpPr>
+        <a:xfrm>
+          <a:off x="0" y="0"/>
+          <a:ext cx="0" cy="0"/>
+          <a:chOff x="0" y="0"/>
+          <a:chExt cx="0" cy="0"/>
+        </a:xfrm>
+      </p:grpSpPr>
+      <p:sp>
+        <p:nvSpPr>
+          <p:cNvPr id="3" name="Foliennummernplatzhalter 2">
+            <a:extLst>
+              <a:ext uri="{FF2B5EF4-FFF2-40B4-BE49-F238E27FC236}">
+                <a16:creationId xmlns:a16="http://schemas.microsoft.com/office/drawing/2014/main" id="{6490834A-1889-7DC2-0EB8-A400026B23EF}"/>
+              </a:ext>
+            </a:extLst>
+          </p:cNvPr>
+          <p:cNvSpPr>
+            <a:spLocks noGrp="1"/>
+          </p:cNvSpPr>
+          <p:nvPr>
+            <p:ph type="sldNum" sz="quarter" idx="12"/>
+          </p:nvPr>
+        </p:nvSpPr>
+        <p:spPr/>
+        <p:txBody>
+          <a:bodyPr/>
+          <a:lstStyle/>
+          <a:p>
+            <a:fld id="{49C656FD-8168-4A70-85FD-CB3FFEA2E3E7}" type="slidenum">
+              <a:rPr lang="de-AT" smtClean="0"/>
+              <a:t>27</a:t>
+            </a:fld>
+            <a:endParaRPr lang="de-AT" dirty="0"/>
+          </a:p>
+        </p:txBody>
+      </p:sp>
+      <p:sp>
+        <p:nvSpPr>
+          <p:cNvPr id="4" name="Titel 3">
+            <a:extLst>
+              <a:ext uri="{FF2B5EF4-FFF2-40B4-BE49-F238E27FC236}">
+                <a16:creationId xmlns:a16="http://schemas.microsoft.com/office/drawing/2014/main" id="{75F04E59-BA84-0D70-2309-801BCB4BBFAA}"/>
+              </a:ext>
+            </a:extLst>
+          </p:cNvPr>
+          <p:cNvSpPr>
+            <a:spLocks noGrp="1"/>
+          </p:cNvSpPr>
+          <p:nvPr>
+            <p:ph type="title"/>
+          </p:nvPr>
+        </p:nvSpPr>
+        <p:spPr/>
+        <p:txBody>
+          <a:bodyPr/>
+          <a:lstStyle/>
+          <a:p>
+            <a:r>
+              <a:rPr lang="en-GB" dirty="0">
+                <a:solidFill>
+                  <a:schemeClr val="tx1"/>
+                </a:solidFill>
+              </a:rPr>
+              <a:t>Backup III: Revision Neighbouring Group Participation</a:t>
+            </a:r>
+          </a:p>
+        </p:txBody>
+      </p:sp>
+      <p:pic>
+        <p:nvPicPr>
+          <p:cNvPr id="6" name="Grafik 5">
+            <a:extLst>
+              <a:ext uri="{FF2B5EF4-FFF2-40B4-BE49-F238E27FC236}">
+                <a16:creationId xmlns:a16="http://schemas.microsoft.com/office/drawing/2014/main" id="{7A8DAF41-A94D-DD4A-39F6-9DC0210F5E8B}"/>
+              </a:ext>
+            </a:extLst>
+          </p:cNvPr>
+          <p:cNvPicPr>
+            <a:picLocks noChangeAspect="1"/>
+          </p:cNvPicPr>
+          <p:nvPr/>
+        </p:nvPicPr>
+        <p:blipFill>
+          <a:blip r:embed="rId2"/>
+          <a:stretch>
+            <a:fillRect/>
+          </a:stretch>
+        </p:blipFill>
+        <p:spPr>
+          <a:xfrm>
+            <a:off x="375009" y="1839942"/>
+            <a:ext cx="6655519" cy="1099480"/>
+          </a:xfrm>
+          <a:prstGeom prst="rect">
+            <a:avLst/>
+          </a:prstGeom>
+        </p:spPr>
+      </p:pic>
+      <p:pic>
+        <p:nvPicPr>
+          <p:cNvPr id="7" name="Grafik 6">
+            <a:extLst>
+              <a:ext uri="{FF2B5EF4-FFF2-40B4-BE49-F238E27FC236}">
+                <a16:creationId xmlns:a16="http://schemas.microsoft.com/office/drawing/2014/main" id="{B166EA1B-452F-5FE6-0FF0-62F75E38BE5A}"/>
+              </a:ext>
+            </a:extLst>
+          </p:cNvPr>
+          <p:cNvPicPr>
+            <a:picLocks noChangeAspect="1"/>
+          </p:cNvPicPr>
+          <p:nvPr/>
+        </p:nvPicPr>
+        <p:blipFill>
+          <a:blip r:embed="rId3"/>
+          <a:stretch>
+            <a:fillRect/>
+          </a:stretch>
+        </p:blipFill>
+        <p:spPr>
+          <a:xfrm>
+            <a:off x="585382" y="4878743"/>
+            <a:ext cx="6548664" cy="1168374"/>
+          </a:xfrm>
+          <a:prstGeom prst="rect">
+            <a:avLst/>
+          </a:prstGeom>
+        </p:spPr>
+      </p:pic>
+      <p:sp>
+        <p:nvSpPr>
+          <p:cNvPr id="8" name="Pfeil nach unten 7">
+            <a:extLst>
+              <a:ext uri="{FF2B5EF4-FFF2-40B4-BE49-F238E27FC236}">
+                <a16:creationId xmlns:a16="http://schemas.microsoft.com/office/drawing/2014/main" id="{FCC6E2BD-38D2-83AB-EDF2-733D1EECBD26}"/>
+              </a:ext>
+            </a:extLst>
+          </p:cNvPr>
+          <p:cNvSpPr/>
+          <p:nvPr/>
+        </p:nvSpPr>
+        <p:spPr>
+          <a:xfrm>
+            <a:off x="3524908" y="3223035"/>
+            <a:ext cx="355719" cy="1372095"/>
+          </a:xfrm>
+          <a:prstGeom prst="downArrow">
+            <a:avLst/>
+          </a:prstGeom>
+        </p:spPr>
+        <p:style>
+          <a:lnRef idx="2">
+            <a:schemeClr val="dk1">
+              <a:shade val="15000"/>
+            </a:schemeClr>
+          </a:lnRef>
+          <a:fillRef idx="1">
+            <a:schemeClr val="dk1"/>
+          </a:fillRef>
+          <a:effectRef idx="0">
+            <a:schemeClr val="dk1"/>
+          </a:effectRef>
+          <a:fontRef idx="minor">
+            <a:schemeClr val="lt1"/>
+          </a:fontRef>
+        </p:style>
+        <p:txBody>
+          <a:bodyPr rtlCol="0" anchor="ctr"/>
+          <a:lstStyle/>
+          <a:p>
+            <a:pPr algn="ctr"/>
+            <a:endParaRPr lang="en-GB"/>
+          </a:p>
+        </p:txBody>
+      </p:sp>
+      <p:sp>
+        <p:nvSpPr>
+          <p:cNvPr id="9" name="Textfeld 8">
+            <a:extLst>
+              <a:ext uri="{FF2B5EF4-FFF2-40B4-BE49-F238E27FC236}">
+                <a16:creationId xmlns:a16="http://schemas.microsoft.com/office/drawing/2014/main" id="{08BF8212-263E-1A54-6D11-1CB01FFA907B}"/>
+              </a:ext>
+            </a:extLst>
+          </p:cNvPr>
+          <p:cNvSpPr txBox="1"/>
+          <p:nvPr/>
+        </p:nvSpPr>
+        <p:spPr>
+          <a:xfrm>
+            <a:off x="4028536" y="3452301"/>
+            <a:ext cx="7126118" cy="646331"/>
+          </a:xfrm>
+          <a:prstGeom prst="rect">
+            <a:avLst/>
+          </a:prstGeom>
+          <a:noFill/>
+        </p:spPr>
+        <p:txBody>
+          <a:bodyPr wrap="none" rtlCol="0">
+            <a:spAutoFit/>
+          </a:bodyPr>
+          <a:lstStyle/>
+          <a:p>
+            <a:r>
+              <a:rPr lang="en-GB" dirty="0"/>
+              <a:t>Rule of Thumb: </a:t>
+            </a:r>
+          </a:p>
+          <a:p>
+            <a:r>
+              <a:rPr lang="en-GB" dirty="0"/>
+              <a:t>Substitution Reaction with Retention </a:t>
+            </a:r>
+            <a:r>
+              <a:rPr lang="en-GB" dirty="0">
+                <a:sym typeface="Wingdings" pitchFamily="2" charset="2"/>
+              </a:rPr>
+              <a:t> Neighbouring Group Participation</a:t>
+            </a:r>
+            <a:endParaRPr lang="en-GB" dirty="0"/>
+          </a:p>
+        </p:txBody>
+      </p:sp>
+    </p:spTree>
+    <p:extLst>
+      <p:ext uri="{BB962C8B-B14F-4D97-AF65-F5344CB8AC3E}">
+        <p14:creationId xmlns:p14="http://schemas.microsoft.com/office/powerpoint/2010/main" val="1732522344"/>
+      </p:ext>
+    </p:extLst>
+  </p:cSld>
+  <p:clrMapOvr>
+    <a:masterClrMapping/>
+  </p:clrMapOvr>
+</p:sld>
+</file>
+
+<file path=ppt/slides/slide28.xml><?xml version="1.0" encoding="utf-8"?>
+<p:sld xmlns:a="http://schemas.openxmlformats.org/drawingml/2006/main" xmlns:r="http://schemas.openxmlformats.org/officeDocument/2006/relationships" xmlns:p="http://schemas.openxmlformats.org/presentationml/2006/main">
+  <p:cSld>
+    <p:spTree>
+      <p:nvGrpSpPr>
+        <p:cNvPr id="1" name=""/>
+        <p:cNvGrpSpPr/>
+        <p:nvPr/>
+      </p:nvGrpSpPr>
+      <p:grpSpPr>
+        <a:xfrm>
+          <a:off x="0" y="0"/>
+          <a:ext cx="0" cy="0"/>
+          <a:chOff x="0" y="0"/>
+          <a:chExt cx="0" cy="0"/>
+        </a:xfrm>
+      </p:grpSpPr>
+      <p:sp>
+        <p:nvSpPr>
+          <p:cNvPr id="3" name="Foliennummernplatzhalter 2">
+            <a:extLst>
+              <a:ext uri="{FF2B5EF4-FFF2-40B4-BE49-F238E27FC236}">
+                <a16:creationId xmlns:a16="http://schemas.microsoft.com/office/drawing/2014/main" id="{88E1D0A1-A81C-C49F-DF3C-4E9A4B8D4733}"/>
+              </a:ext>
+            </a:extLst>
+          </p:cNvPr>
+          <p:cNvSpPr>
+            <a:spLocks noGrp="1"/>
+          </p:cNvSpPr>
+          <p:nvPr>
+            <p:ph type="sldNum" sz="quarter" idx="12"/>
+          </p:nvPr>
+        </p:nvSpPr>
+        <p:spPr/>
+        <p:txBody>
+          <a:bodyPr/>
+          <a:lstStyle/>
+          <a:p>
+            <a:fld id="{49C656FD-8168-4A70-85FD-CB3FFEA2E3E7}" type="slidenum">
+              <a:rPr lang="de-AT" smtClean="0"/>
+              <a:t>28</a:t>
+            </a:fld>
+            <a:endParaRPr lang="de-AT" dirty="0"/>
+          </a:p>
+        </p:txBody>
+      </p:sp>
+      <p:sp>
+        <p:nvSpPr>
+          <p:cNvPr id="4" name="Titel 3">
+            <a:extLst>
+              <a:ext uri="{FF2B5EF4-FFF2-40B4-BE49-F238E27FC236}">
+                <a16:creationId xmlns:a16="http://schemas.microsoft.com/office/drawing/2014/main" id="{F6838791-FB08-AC85-A702-21464E36BBE8}"/>
+              </a:ext>
+            </a:extLst>
+          </p:cNvPr>
+          <p:cNvSpPr>
+            <a:spLocks noGrp="1"/>
+          </p:cNvSpPr>
+          <p:nvPr>
+            <p:ph type="title"/>
+          </p:nvPr>
+        </p:nvSpPr>
+        <p:spPr/>
+        <p:txBody>
+          <a:bodyPr/>
+          <a:lstStyle/>
+          <a:p>
+            <a:r>
+              <a:rPr lang="en-GB" dirty="0">
+                <a:solidFill>
+                  <a:schemeClr val="tx1"/>
+                </a:solidFill>
+              </a:rPr>
+              <a:t>Backup IV: Trans/Cis Glycoside</a:t>
+            </a:r>
+          </a:p>
+        </p:txBody>
+      </p:sp>
+      <p:pic>
+        <p:nvPicPr>
+          <p:cNvPr id="5" name="Grafik 4">
+            <a:extLst>
+              <a:ext uri="{FF2B5EF4-FFF2-40B4-BE49-F238E27FC236}">
+                <a16:creationId xmlns:a16="http://schemas.microsoft.com/office/drawing/2014/main" id="{664001A0-F7DA-46F5-6187-B530599EC3BD}"/>
+              </a:ext>
+            </a:extLst>
+          </p:cNvPr>
+          <p:cNvPicPr>
+            <a:picLocks noChangeAspect="1"/>
+          </p:cNvPicPr>
+          <p:nvPr/>
+        </p:nvPicPr>
+        <p:blipFill>
+          <a:blip r:embed="rId2"/>
+          <a:stretch>
+            <a:fillRect/>
+          </a:stretch>
+        </p:blipFill>
+        <p:spPr>
+          <a:xfrm>
+            <a:off x="617072" y="1952243"/>
+            <a:ext cx="9349378" cy="2840094"/>
+          </a:xfrm>
+          <a:prstGeom prst="rect">
+            <a:avLst/>
+          </a:prstGeom>
+        </p:spPr>
+      </p:pic>
+      <p:sp>
+        <p:nvSpPr>
+          <p:cNvPr id="6" name="Textfeld 5">
+            <a:extLst>
+              <a:ext uri="{FF2B5EF4-FFF2-40B4-BE49-F238E27FC236}">
+                <a16:creationId xmlns:a16="http://schemas.microsoft.com/office/drawing/2014/main" id="{9E687E62-2FBB-53A3-92DA-53A6C40FF8FB}"/>
+              </a:ext>
+            </a:extLst>
+          </p:cNvPr>
+          <p:cNvSpPr txBox="1"/>
+          <p:nvPr/>
+        </p:nvSpPr>
+        <p:spPr>
+          <a:xfrm>
+            <a:off x="165253" y="6308079"/>
+            <a:ext cx="7990898" cy="461665"/>
+          </a:xfrm>
+          <a:prstGeom prst="rect">
+            <a:avLst/>
+          </a:prstGeom>
+          <a:noFill/>
+        </p:spPr>
+        <p:txBody>
+          <a:bodyPr wrap="square" rtlCol="0">
+            <a:spAutoFit/>
+          </a:bodyPr>
+          <a:lstStyle/>
+          <a:p>
+            <a:r>
+              <a:rPr lang="en-GB" sz="1200" dirty="0">
+                <a:solidFill>
+                  <a:schemeClr val="tx1">
+                    <a:lumMod val="50000"/>
+                    <a:lumOff val="50000"/>
+                  </a:schemeClr>
+                </a:solidFill>
+                <a:latin typeface="Helvetica" pitchFamily="2" charset="0"/>
+              </a:rPr>
+              <a:t>Demchenko, A. V. (2008). General aspects of the glycosidic bond formation. Handbook of chemical glycosylation: advances in stereoselectivity and therapeutic relevance, 1-27.</a:t>
+            </a:r>
+          </a:p>
+        </p:txBody>
+      </p:sp>
+    </p:spTree>
+    <p:extLst>
+      <p:ext uri="{BB962C8B-B14F-4D97-AF65-F5344CB8AC3E}">
+        <p14:creationId xmlns:p14="http://schemas.microsoft.com/office/powerpoint/2010/main" val="2784395804"/>
       </p:ext>
     </p:extLst>
   </p:cSld>
@@ -21632,7 +23590,7 @@
         <p:spPr>
           <a:xfrm>
             <a:off x="6968861" y="2545201"/>
-            <a:ext cx="1896866" cy="369332"/>
+            <a:ext cx="1904689" cy="369332"/>
           </a:xfrm>
           <a:prstGeom prst="rect">
             <a:avLst/>
@@ -21647,7 +23605,7 @@
           <a:p>
             <a:r>
               <a:rPr lang="en-GB" dirty="0"/>
-              <a:t>Anomeric Position</a:t>
+              <a:t>Anomeric position</a:t>
             </a:r>
           </a:p>
         </p:txBody>
@@ -22413,7 +24371,7 @@
         <p:spPr>
           <a:xfrm>
             <a:off x="6968861" y="2545201"/>
-            <a:ext cx="1896866" cy="369332"/>
+            <a:ext cx="1904689" cy="369332"/>
           </a:xfrm>
           <a:prstGeom prst="rect">
             <a:avLst/>
@@ -22428,7 +24386,7 @@
           <a:p>
             <a:r>
               <a:rPr lang="en-GB" dirty="0"/>
-              <a:t>Anomeric Position</a:t>
+              <a:t>Anomeric position</a:t>
             </a:r>
           </a:p>
         </p:txBody>
@@ -22582,6 +24540,41 @@
             <a:r>
               <a:rPr lang="en-GB" dirty="0"/>
               <a:t>Glycosidic bond</a:t>
+            </a:r>
+          </a:p>
+        </p:txBody>
+      </p:sp>
+      <p:sp>
+        <p:nvSpPr>
+          <p:cNvPr id="10" name="Textfeld 9">
+            <a:extLst>
+              <a:ext uri="{FF2B5EF4-FFF2-40B4-BE49-F238E27FC236}">
+                <a16:creationId xmlns:a16="http://schemas.microsoft.com/office/drawing/2014/main" id="{5DD90227-C9EF-77E7-84CE-4776418874D0}"/>
+              </a:ext>
+            </a:extLst>
+          </p:cNvPr>
+          <p:cNvSpPr txBox="1"/>
+          <p:nvPr/>
+        </p:nvSpPr>
+        <p:spPr>
+          <a:xfrm>
+            <a:off x="1819902" y="6193558"/>
+            <a:ext cx="3310681" cy="369332"/>
+          </a:xfrm>
+          <a:prstGeom prst="rect">
+            <a:avLst/>
+          </a:prstGeom>
+          <a:noFill/>
+        </p:spPr>
+        <p:txBody>
+          <a:bodyPr wrap="square" rtlCol="0">
+            <a:spAutoFit/>
+          </a:bodyPr>
+          <a:lstStyle/>
+          <a:p>
+            <a:r>
+              <a:rPr lang="en-GB" dirty="0"/>
+              <a:t>Lactose = Galactose + Glucose</a:t>
             </a:r>
           </a:p>
         </p:txBody>
@@ -23302,7 +25295,7 @@
         <p:spPr>
           <a:xfrm>
             <a:off x="6968861" y="2545201"/>
-            <a:ext cx="1896866" cy="369332"/>
+            <a:ext cx="1904689" cy="369332"/>
           </a:xfrm>
           <a:prstGeom prst="rect">
             <a:avLst/>
@@ -23317,7 +25310,7 @@
           <a:p>
             <a:r>
               <a:rPr lang="en-GB" dirty="0"/>
-              <a:t>Anomeric Position</a:t>
+              <a:t>Anomeric position</a:t>
             </a:r>
           </a:p>
         </p:txBody>
@@ -23985,6 +25978,41 @@
           </a:fontRef>
         </p:style>
       </p:cxnSp>
+      <p:sp>
+        <p:nvSpPr>
+          <p:cNvPr id="10" name="Textfeld 9">
+            <a:extLst>
+              <a:ext uri="{FF2B5EF4-FFF2-40B4-BE49-F238E27FC236}">
+                <a16:creationId xmlns:a16="http://schemas.microsoft.com/office/drawing/2014/main" id="{BD4290DD-C0DE-580A-2121-7B9A80AC7B46}"/>
+              </a:ext>
+            </a:extLst>
+          </p:cNvPr>
+          <p:cNvSpPr txBox="1"/>
+          <p:nvPr/>
+        </p:nvSpPr>
+        <p:spPr>
+          <a:xfrm>
+            <a:off x="1819902" y="6193558"/>
+            <a:ext cx="3310681" cy="369332"/>
+          </a:xfrm>
+          <a:prstGeom prst="rect">
+            <a:avLst/>
+          </a:prstGeom>
+          <a:noFill/>
+        </p:spPr>
+        <p:txBody>
+          <a:bodyPr wrap="square" rtlCol="0">
+            <a:spAutoFit/>
+          </a:bodyPr>
+          <a:lstStyle/>
+          <a:p>
+            <a:r>
+              <a:rPr lang="en-GB" dirty="0"/>
+              <a:t>Lactose = Galactose + Glucose</a:t>
+            </a:r>
+          </a:p>
+        </p:txBody>
+      </p:sp>
     </p:spTree>
     <p:extLst>
       <p:ext uri="{BB962C8B-B14F-4D97-AF65-F5344CB8AC3E}">
@@ -24658,7 +26686,7 @@
                 </a:pPr>
                 <a:r>
                   <a:rPr lang="en-GB" dirty="0"/>
-                  <a:t>Greater Reactivity of Oxocarbenium </a:t>
+                  <a:t>Greater reactivity of Oxocarbenium </a:t>
                 </a:r>
                 <a:r>
                   <a:rPr lang="en-GB" dirty="0">
